--- a/Xview image captioning.pptx
+++ b/Xview image captioning.pptx
@@ -4,6 +4,9 @@
   <p:sldMasterIdLst>
     <p:sldMasterId id="2147483648" r:id="rId1"/>
   </p:sldMasterIdLst>
+  <p:notesMasterIdLst>
+    <p:notesMasterId r:id="rId17"/>
+  </p:notesMasterIdLst>
   <p:sldIdLst>
     <p:sldId id="259" r:id="rId2"/>
     <p:sldId id="260" r:id="rId3"/>
@@ -11,13 +14,15 @@
     <p:sldId id="262" r:id="rId5"/>
     <p:sldId id="263" r:id="rId6"/>
     <p:sldId id="256" r:id="rId7"/>
-    <p:sldId id="257" r:id="rId8"/>
-    <p:sldId id="258" r:id="rId9"/>
-    <p:sldId id="264" r:id="rId10"/>
-    <p:sldId id="265" r:id="rId11"/>
-    <p:sldId id="266" r:id="rId12"/>
-    <p:sldId id="267" r:id="rId13"/>
-    <p:sldId id="268" r:id="rId14"/>
+    <p:sldId id="269" r:id="rId8"/>
+    <p:sldId id="270" r:id="rId9"/>
+    <p:sldId id="257" r:id="rId10"/>
+    <p:sldId id="258" r:id="rId11"/>
+    <p:sldId id="264" r:id="rId12"/>
+    <p:sldId id="265" r:id="rId13"/>
+    <p:sldId id="266" r:id="rId14"/>
+    <p:sldId id="267" r:id="rId15"/>
+    <p:sldId id="268" r:id="rId16"/>
   </p:sldIdLst>
   <p:sldSz cx="12192000" cy="6858000"/>
   <p:notesSz cx="6858000" cy="9144000"/>
@@ -124,6 +129,1193 @@
 </p:presentation>
 </file>
 
+<file path=ppt/notesMasters/notesMaster1.xml><?xml version="1.0" encoding="utf-8"?>
+<p:notesMaster xmlns:a="http://schemas.openxmlformats.org/drawingml/2006/main" xmlns:r="http://schemas.openxmlformats.org/officeDocument/2006/relationships" xmlns:p="http://schemas.openxmlformats.org/presentationml/2006/main">
+  <p:cSld>
+    <p:bg>
+      <p:bgRef idx="1001">
+        <a:schemeClr val="bg1"/>
+      </p:bgRef>
+    </p:bg>
+    <p:spTree>
+      <p:nvGrpSpPr>
+        <p:cNvPr id="1" name=""/>
+        <p:cNvGrpSpPr/>
+        <p:nvPr/>
+      </p:nvGrpSpPr>
+      <p:grpSpPr>
+        <a:xfrm>
+          <a:off x="0" y="0"/>
+          <a:ext cx="0" cy="0"/>
+          <a:chOff x="0" y="0"/>
+          <a:chExt cx="0" cy="0"/>
+        </a:xfrm>
+      </p:grpSpPr>
+      <p:sp>
+        <p:nvSpPr>
+          <p:cNvPr id="2" name="Header Placeholder 1"/>
+          <p:cNvSpPr>
+            <a:spLocks noGrp="1"/>
+          </p:cNvSpPr>
+          <p:nvPr>
+            <p:ph type="hdr" sz="quarter"/>
+          </p:nvPr>
+        </p:nvSpPr>
+        <p:spPr>
+          <a:xfrm>
+            <a:off x="0" y="0"/>
+            <a:ext cx="2971800" cy="458788"/>
+          </a:xfrm>
+          <a:prstGeom prst="rect">
+            <a:avLst/>
+          </a:prstGeom>
+        </p:spPr>
+        <p:txBody>
+          <a:bodyPr vert="horz" lIns="91440" tIns="45720" rIns="91440" bIns="45720" rtlCol="0"/>
+          <a:lstStyle>
+            <a:lvl1pPr algn="l">
+              <a:defRPr sz="1200"/>
+            </a:lvl1pPr>
+          </a:lstStyle>
+          <a:p>
+            <a:endParaRPr lang="en-SG"/>
+          </a:p>
+        </p:txBody>
+      </p:sp>
+      <p:sp>
+        <p:nvSpPr>
+          <p:cNvPr id="3" name="Date Placeholder 2"/>
+          <p:cNvSpPr>
+            <a:spLocks noGrp="1"/>
+          </p:cNvSpPr>
+          <p:nvPr>
+            <p:ph type="dt" idx="1"/>
+          </p:nvPr>
+        </p:nvSpPr>
+        <p:spPr>
+          <a:xfrm>
+            <a:off x="3884613" y="0"/>
+            <a:ext cx="2971800" cy="458788"/>
+          </a:xfrm>
+          <a:prstGeom prst="rect">
+            <a:avLst/>
+          </a:prstGeom>
+        </p:spPr>
+        <p:txBody>
+          <a:bodyPr vert="horz" lIns="91440" tIns="45720" rIns="91440" bIns="45720" rtlCol="0"/>
+          <a:lstStyle>
+            <a:lvl1pPr algn="r">
+              <a:defRPr sz="1200"/>
+            </a:lvl1pPr>
+          </a:lstStyle>
+          <a:p>
+            <a:fld id="{10D6CFF2-7E9C-4601-8748-ED5A7FCF139E}" type="datetimeFigureOut">
+              <a:rPr lang="en-SG" smtClean="0"/>
+              <a:t>20/9/2023</a:t>
+            </a:fld>
+            <a:endParaRPr lang="en-SG"/>
+          </a:p>
+        </p:txBody>
+      </p:sp>
+      <p:sp>
+        <p:nvSpPr>
+          <p:cNvPr id="4" name="Slide Image Placeholder 3"/>
+          <p:cNvSpPr>
+            <a:spLocks noGrp="1" noRot="1" noChangeAspect="1"/>
+          </p:cNvSpPr>
+          <p:nvPr>
+            <p:ph type="sldImg" idx="2"/>
+          </p:nvPr>
+        </p:nvSpPr>
+        <p:spPr>
+          <a:xfrm>
+            <a:off x="685800" y="1143000"/>
+            <a:ext cx="5486400" cy="3086100"/>
+          </a:xfrm>
+          <a:prstGeom prst="rect">
+            <a:avLst/>
+          </a:prstGeom>
+          <a:noFill/>
+          <a:ln w="12700">
+            <a:solidFill>
+              <a:prstClr val="black"/>
+            </a:solidFill>
+          </a:ln>
+        </p:spPr>
+        <p:txBody>
+          <a:bodyPr vert="horz" lIns="91440" tIns="45720" rIns="91440" bIns="45720" rtlCol="0" anchor="ctr"/>
+          <a:lstStyle/>
+          <a:p>
+            <a:endParaRPr lang="en-SG"/>
+          </a:p>
+        </p:txBody>
+      </p:sp>
+      <p:sp>
+        <p:nvSpPr>
+          <p:cNvPr id="5" name="Notes Placeholder 4"/>
+          <p:cNvSpPr>
+            <a:spLocks noGrp="1"/>
+          </p:cNvSpPr>
+          <p:nvPr>
+            <p:ph type="body" sz="quarter" idx="3"/>
+          </p:nvPr>
+        </p:nvSpPr>
+        <p:spPr>
+          <a:xfrm>
+            <a:off x="685800" y="4400550"/>
+            <a:ext cx="5486400" cy="3600450"/>
+          </a:xfrm>
+          <a:prstGeom prst="rect">
+            <a:avLst/>
+          </a:prstGeom>
+        </p:spPr>
+        <p:txBody>
+          <a:bodyPr vert="horz" lIns="91440" tIns="45720" rIns="91440" bIns="45720" rtlCol="0"/>
+          <a:lstStyle/>
+          <a:p>
+            <a:pPr lvl="0"/>
+            <a:r>
+              <a:rPr lang="en-US"/>
+              <a:t>Click to edit Master text styles</a:t>
+            </a:r>
+          </a:p>
+          <a:p>
+            <a:pPr lvl="1"/>
+            <a:r>
+              <a:rPr lang="en-US"/>
+              <a:t>Second level</a:t>
+            </a:r>
+          </a:p>
+          <a:p>
+            <a:pPr lvl="2"/>
+            <a:r>
+              <a:rPr lang="en-US"/>
+              <a:t>Third level</a:t>
+            </a:r>
+          </a:p>
+          <a:p>
+            <a:pPr lvl="3"/>
+            <a:r>
+              <a:rPr lang="en-US"/>
+              <a:t>Fourth level</a:t>
+            </a:r>
+          </a:p>
+          <a:p>
+            <a:pPr lvl="4"/>
+            <a:r>
+              <a:rPr lang="en-US"/>
+              <a:t>Fifth level</a:t>
+            </a:r>
+            <a:endParaRPr lang="en-SG"/>
+          </a:p>
+        </p:txBody>
+      </p:sp>
+      <p:sp>
+        <p:nvSpPr>
+          <p:cNvPr id="6" name="Footer Placeholder 5"/>
+          <p:cNvSpPr>
+            <a:spLocks noGrp="1"/>
+          </p:cNvSpPr>
+          <p:nvPr>
+            <p:ph type="ftr" sz="quarter" idx="4"/>
+          </p:nvPr>
+        </p:nvSpPr>
+        <p:spPr>
+          <a:xfrm>
+            <a:off x="0" y="8685213"/>
+            <a:ext cx="2971800" cy="458787"/>
+          </a:xfrm>
+          <a:prstGeom prst="rect">
+            <a:avLst/>
+          </a:prstGeom>
+        </p:spPr>
+        <p:txBody>
+          <a:bodyPr vert="horz" lIns="91440" tIns="45720" rIns="91440" bIns="45720" rtlCol="0" anchor="b"/>
+          <a:lstStyle>
+            <a:lvl1pPr algn="l">
+              <a:defRPr sz="1200"/>
+            </a:lvl1pPr>
+          </a:lstStyle>
+          <a:p>
+            <a:endParaRPr lang="en-SG"/>
+          </a:p>
+        </p:txBody>
+      </p:sp>
+      <p:sp>
+        <p:nvSpPr>
+          <p:cNvPr id="7" name="Slide Number Placeholder 6"/>
+          <p:cNvSpPr>
+            <a:spLocks noGrp="1"/>
+          </p:cNvSpPr>
+          <p:nvPr>
+            <p:ph type="sldNum" sz="quarter" idx="5"/>
+          </p:nvPr>
+        </p:nvSpPr>
+        <p:spPr>
+          <a:xfrm>
+            <a:off x="3884613" y="8685213"/>
+            <a:ext cx="2971800" cy="458787"/>
+          </a:xfrm>
+          <a:prstGeom prst="rect">
+            <a:avLst/>
+          </a:prstGeom>
+        </p:spPr>
+        <p:txBody>
+          <a:bodyPr vert="horz" lIns="91440" tIns="45720" rIns="91440" bIns="45720" rtlCol="0" anchor="b"/>
+          <a:lstStyle>
+            <a:lvl1pPr algn="r">
+              <a:defRPr sz="1200"/>
+            </a:lvl1pPr>
+          </a:lstStyle>
+          <a:p>
+            <a:fld id="{84714B75-F87D-4D94-BA9F-2A5FF9992E87}" type="slidenum">
+              <a:rPr lang="en-SG" smtClean="0"/>
+              <a:t>‹#›</a:t>
+            </a:fld>
+            <a:endParaRPr lang="en-SG"/>
+          </a:p>
+        </p:txBody>
+      </p:sp>
+    </p:spTree>
+    <p:extLst>
+      <p:ext uri="{BB962C8B-B14F-4D97-AF65-F5344CB8AC3E}">
+        <p14:creationId xmlns:p14="http://schemas.microsoft.com/office/powerpoint/2010/main" val="3579192736"/>
+      </p:ext>
+    </p:extLst>
+  </p:cSld>
+  <p:clrMap bg1="lt1" tx1="dk1" bg2="lt2" tx2="dk2" accent1="accent1" accent2="accent2" accent3="accent3" accent4="accent4" accent5="accent5" accent6="accent6" hlink="hlink" folHlink="folHlink"/>
+  <p:notesStyle>
+    <a:lvl1pPr marL="0" algn="l" defTabSz="914400" rtl="0" eaLnBrk="1" latinLnBrk="0" hangingPunct="1">
+      <a:defRPr sz="1200" kern="1200">
+        <a:solidFill>
+          <a:schemeClr val="tx1"/>
+        </a:solidFill>
+        <a:latin typeface="+mn-lt"/>
+        <a:ea typeface="+mn-ea"/>
+        <a:cs typeface="+mn-cs"/>
+      </a:defRPr>
+    </a:lvl1pPr>
+    <a:lvl2pPr marL="457200" algn="l" defTabSz="914400" rtl="0" eaLnBrk="1" latinLnBrk="0" hangingPunct="1">
+      <a:defRPr sz="1200" kern="1200">
+        <a:solidFill>
+          <a:schemeClr val="tx1"/>
+        </a:solidFill>
+        <a:latin typeface="+mn-lt"/>
+        <a:ea typeface="+mn-ea"/>
+        <a:cs typeface="+mn-cs"/>
+      </a:defRPr>
+    </a:lvl2pPr>
+    <a:lvl3pPr marL="914400" algn="l" defTabSz="914400" rtl="0" eaLnBrk="1" latinLnBrk="0" hangingPunct="1">
+      <a:defRPr sz="1200" kern="1200">
+        <a:solidFill>
+          <a:schemeClr val="tx1"/>
+        </a:solidFill>
+        <a:latin typeface="+mn-lt"/>
+        <a:ea typeface="+mn-ea"/>
+        <a:cs typeface="+mn-cs"/>
+      </a:defRPr>
+    </a:lvl3pPr>
+    <a:lvl4pPr marL="1371600" algn="l" defTabSz="914400" rtl="0" eaLnBrk="1" latinLnBrk="0" hangingPunct="1">
+      <a:defRPr sz="1200" kern="1200">
+        <a:solidFill>
+          <a:schemeClr val="tx1"/>
+        </a:solidFill>
+        <a:latin typeface="+mn-lt"/>
+        <a:ea typeface="+mn-ea"/>
+        <a:cs typeface="+mn-cs"/>
+      </a:defRPr>
+    </a:lvl4pPr>
+    <a:lvl5pPr marL="1828800" algn="l" defTabSz="914400" rtl="0" eaLnBrk="1" latinLnBrk="0" hangingPunct="1">
+      <a:defRPr sz="1200" kern="1200">
+        <a:solidFill>
+          <a:schemeClr val="tx1"/>
+        </a:solidFill>
+        <a:latin typeface="+mn-lt"/>
+        <a:ea typeface="+mn-ea"/>
+        <a:cs typeface="+mn-cs"/>
+      </a:defRPr>
+    </a:lvl5pPr>
+    <a:lvl6pPr marL="2286000" algn="l" defTabSz="914400" rtl="0" eaLnBrk="1" latinLnBrk="0" hangingPunct="1">
+      <a:defRPr sz="1200" kern="1200">
+        <a:solidFill>
+          <a:schemeClr val="tx1"/>
+        </a:solidFill>
+        <a:latin typeface="+mn-lt"/>
+        <a:ea typeface="+mn-ea"/>
+        <a:cs typeface="+mn-cs"/>
+      </a:defRPr>
+    </a:lvl6pPr>
+    <a:lvl7pPr marL="2743200" algn="l" defTabSz="914400" rtl="0" eaLnBrk="1" latinLnBrk="0" hangingPunct="1">
+      <a:defRPr sz="1200" kern="1200">
+        <a:solidFill>
+          <a:schemeClr val="tx1"/>
+        </a:solidFill>
+        <a:latin typeface="+mn-lt"/>
+        <a:ea typeface="+mn-ea"/>
+        <a:cs typeface="+mn-cs"/>
+      </a:defRPr>
+    </a:lvl7pPr>
+    <a:lvl8pPr marL="3200400" algn="l" defTabSz="914400" rtl="0" eaLnBrk="1" latinLnBrk="0" hangingPunct="1">
+      <a:defRPr sz="1200" kern="1200">
+        <a:solidFill>
+          <a:schemeClr val="tx1"/>
+        </a:solidFill>
+        <a:latin typeface="+mn-lt"/>
+        <a:ea typeface="+mn-ea"/>
+        <a:cs typeface="+mn-cs"/>
+      </a:defRPr>
+    </a:lvl8pPr>
+    <a:lvl9pPr marL="3657600" algn="l" defTabSz="914400" rtl="0" eaLnBrk="1" latinLnBrk="0" hangingPunct="1">
+      <a:defRPr sz="1200" kern="1200">
+        <a:solidFill>
+          <a:schemeClr val="tx1"/>
+        </a:solidFill>
+        <a:latin typeface="+mn-lt"/>
+        <a:ea typeface="+mn-ea"/>
+        <a:cs typeface="+mn-cs"/>
+      </a:defRPr>
+    </a:lvl9pPr>
+  </p:notesStyle>
+</p:notesMaster>
+</file>
+
+<file path=ppt/notesSlides/notesSlide1.xml><?xml version="1.0" encoding="utf-8"?>
+<p:notes xmlns:a="http://schemas.openxmlformats.org/drawingml/2006/main" xmlns:r="http://schemas.openxmlformats.org/officeDocument/2006/relationships" xmlns:p="http://schemas.openxmlformats.org/presentationml/2006/main">
+  <p:cSld>
+    <p:spTree>
+      <p:nvGrpSpPr>
+        <p:cNvPr id="1" name=""/>
+        <p:cNvGrpSpPr/>
+        <p:nvPr/>
+      </p:nvGrpSpPr>
+      <p:grpSpPr>
+        <a:xfrm>
+          <a:off x="0" y="0"/>
+          <a:ext cx="0" cy="0"/>
+          <a:chOff x="0" y="0"/>
+          <a:chExt cx="0" cy="0"/>
+        </a:xfrm>
+      </p:grpSpPr>
+      <p:sp>
+        <p:nvSpPr>
+          <p:cNvPr id="2" name="Slide Image Placeholder 1"/>
+          <p:cNvSpPr>
+            <a:spLocks noGrp="1" noRot="1" noChangeAspect="1"/>
+          </p:cNvSpPr>
+          <p:nvPr>
+            <p:ph type="sldImg"/>
+          </p:nvPr>
+        </p:nvSpPr>
+        <p:spPr/>
+      </p:sp>
+      <p:sp>
+        <p:nvSpPr>
+          <p:cNvPr id="3" name="Notes Placeholder 2"/>
+          <p:cNvSpPr>
+            <a:spLocks noGrp="1"/>
+          </p:cNvSpPr>
+          <p:nvPr>
+            <p:ph type="body" idx="1"/>
+          </p:nvPr>
+        </p:nvSpPr>
+        <p:spPr/>
+        <p:txBody>
+          <a:bodyPr/>
+          <a:lstStyle/>
+          <a:p>
+            <a:r>
+              <a:rPr lang="en-SG" dirty="0">
+                <a:solidFill>
+                  <a:srgbClr val="6A8759"/>
+                </a:solidFill>
+                <a:effectLst/>
+              </a:rPr>
+              <a:t>You will be provided with description of a satellite image. Please provide several captions as strings in a python list.</a:t>
+            </a:r>
+            <a:br>
+              <a:rPr lang="en-SG" dirty="0">
+                <a:solidFill>
+                  <a:srgbClr val="6A8759"/>
+                </a:solidFill>
+                <a:effectLst/>
+              </a:rPr>
+            </a:br>
+            <a:r>
+              <a:rPr lang="en-SG" dirty="0">
+                <a:solidFill>
+                  <a:srgbClr val="6A8759"/>
+                </a:solidFill>
+                <a:effectLst/>
+              </a:rPr>
+              <a:t>The image has multiple objects, which have been clustered into groups based on their types and locations. </a:t>
+            </a:r>
+            <a:br>
+              <a:rPr lang="en-SG" dirty="0">
+                <a:solidFill>
+                  <a:srgbClr val="6A8759"/>
+                </a:solidFill>
+                <a:effectLst/>
+              </a:rPr>
+            </a:br>
+            <a:r>
+              <a:rPr lang="en-SG" dirty="0">
+                <a:solidFill>
+                  <a:srgbClr val="6A8759"/>
+                </a:solidFill>
+                <a:effectLst/>
+              </a:rPr>
+              <a:t>Here are some examples:</a:t>
+            </a:r>
+            <a:br>
+              <a:rPr lang="en-SG" dirty="0">
+                <a:solidFill>
+                  <a:srgbClr val="6A8759"/>
+                </a:solidFill>
+                <a:effectLst/>
+              </a:rPr>
+            </a:br>
+            <a:br>
+              <a:rPr lang="en-SG" dirty="0">
+                <a:solidFill>
+                  <a:srgbClr val="6A8759"/>
+                </a:solidFill>
+                <a:effectLst/>
+              </a:rPr>
+            </a:br>
+            <a:r>
+              <a:rPr lang="en-SG" dirty="0">
+                <a:solidFill>
+                  <a:srgbClr val="6A8759"/>
+                </a:solidFill>
+                <a:effectLst/>
+              </a:rPr>
+              <a:t># example image description 1:</a:t>
+            </a:r>
+            <a:br>
+              <a:rPr lang="en-SG" dirty="0">
+                <a:solidFill>
+                  <a:srgbClr val="6A8759"/>
+                </a:solidFill>
+                <a:effectLst/>
+              </a:rPr>
+            </a:br>
+            <a:r>
+              <a:rPr lang="en-SG" dirty="0">
+                <a:solidFill>
+                  <a:srgbClr val="6A8759"/>
+                </a:solidFill>
+                <a:effectLst/>
+              </a:rPr>
+              <a:t>## objects/object groups information</a:t>
+            </a:r>
+            <a:br>
+              <a:rPr lang="en-SG" dirty="0">
+                <a:solidFill>
+                  <a:srgbClr val="6A8759"/>
+                </a:solidFill>
+                <a:effectLst/>
+              </a:rPr>
+            </a:br>
+            <a:r>
+              <a:rPr lang="en-SG" dirty="0">
+                <a:solidFill>
+                  <a:srgbClr val="6A8759"/>
+                </a:solidFill>
+                <a:effectLst/>
+              </a:rPr>
+              <a:t>group 0: 1 damaged building</a:t>
+            </a:r>
+            <a:br>
+              <a:rPr lang="en-SG" dirty="0">
+                <a:solidFill>
+                  <a:srgbClr val="6A8759"/>
+                </a:solidFill>
+                <a:effectLst/>
+              </a:rPr>
+            </a:br>
+            <a:r>
+              <a:rPr lang="en-SG" dirty="0">
+                <a:solidFill>
+                  <a:srgbClr val="6A8759"/>
+                </a:solidFill>
+                <a:effectLst/>
+              </a:rPr>
+              <a:t>group 1: a line of 5 building</a:t>
+            </a:r>
+            <a:br>
+              <a:rPr lang="en-SG" dirty="0">
+                <a:solidFill>
+                  <a:srgbClr val="6A8759"/>
+                </a:solidFill>
+                <a:effectLst/>
+              </a:rPr>
+            </a:br>
+            <a:r>
+              <a:rPr lang="en-SG" dirty="0">
+                <a:solidFill>
+                  <a:srgbClr val="6A8759"/>
+                </a:solidFill>
+                <a:effectLst/>
+              </a:rPr>
+              <a:t>group 2: a line of 3 building</a:t>
+            </a:r>
+            <a:br>
+              <a:rPr lang="en-SG" dirty="0">
+                <a:solidFill>
+                  <a:srgbClr val="6A8759"/>
+                </a:solidFill>
+                <a:effectLst/>
+              </a:rPr>
+            </a:br>
+            <a:br>
+              <a:rPr lang="en-SG" dirty="0">
+                <a:solidFill>
+                  <a:srgbClr val="6A8759"/>
+                </a:solidFill>
+                <a:effectLst/>
+              </a:rPr>
+            </a:br>
+            <a:r>
+              <a:rPr lang="en-SG" dirty="0">
+                <a:solidFill>
+                  <a:srgbClr val="6A8759"/>
+                </a:solidFill>
+                <a:effectLst/>
+              </a:rPr>
+              <a:t>## significant geographical relations</a:t>
+            </a:r>
+            <a:br>
+              <a:rPr lang="en-SG" dirty="0">
+                <a:solidFill>
+                  <a:srgbClr val="6A8759"/>
+                </a:solidFill>
+                <a:effectLst/>
+              </a:rPr>
+            </a:br>
+            <a:r>
+              <a:rPr lang="en-SG" dirty="0">
+                <a:solidFill>
+                  <a:srgbClr val="6A8759"/>
+                </a:solidFill>
+                <a:effectLst/>
+              </a:rPr>
+              <a:t>group 2 is next to group 0</a:t>
+            </a:r>
+            <a:br>
+              <a:rPr lang="en-SG" dirty="0">
+                <a:solidFill>
+                  <a:srgbClr val="6A8759"/>
+                </a:solidFill>
+                <a:effectLst/>
+              </a:rPr>
+            </a:br>
+            <a:br>
+              <a:rPr lang="en-SG" dirty="0">
+                <a:solidFill>
+                  <a:srgbClr val="6A8759"/>
+                </a:solidFill>
+                <a:effectLst/>
+              </a:rPr>
+            </a:br>
+            <a:r>
+              <a:rPr lang="en-SG" dirty="0">
+                <a:solidFill>
+                  <a:srgbClr val="6A8759"/>
+                </a:solidFill>
+                <a:effectLst/>
+              </a:rPr>
+              <a:t>## captions</a:t>
+            </a:r>
+            <a:br>
+              <a:rPr lang="en-SG" dirty="0">
+                <a:solidFill>
+                  <a:srgbClr val="6A8759"/>
+                </a:solidFill>
+                <a:effectLst/>
+              </a:rPr>
+            </a:br>
+            <a:r>
+              <a:rPr lang="en-SG" dirty="0">
+                <a:solidFill>
+                  <a:srgbClr val="6A8759"/>
+                </a:solidFill>
+                <a:effectLst/>
+              </a:rPr>
+              <a:t>["There are two lines of buildings in the image.", "A damaged building is next to a line of buildings in the image"]</a:t>
+            </a:r>
+            <a:br>
+              <a:rPr lang="en-SG" dirty="0">
+                <a:solidFill>
+                  <a:srgbClr val="6A8759"/>
+                </a:solidFill>
+                <a:effectLst/>
+              </a:rPr>
+            </a:br>
+            <a:br>
+              <a:rPr lang="en-SG" dirty="0">
+                <a:solidFill>
+                  <a:srgbClr val="6A8759"/>
+                </a:solidFill>
+                <a:effectLst/>
+              </a:rPr>
+            </a:br>
+            <a:r>
+              <a:rPr lang="en-SG" dirty="0">
+                <a:solidFill>
+                  <a:srgbClr val="6A8759"/>
+                </a:solidFill>
+                <a:effectLst/>
+              </a:rPr>
+              <a:t># example image description 2:</a:t>
+            </a:r>
+            <a:br>
+              <a:rPr lang="en-SG" dirty="0">
+                <a:solidFill>
+                  <a:srgbClr val="6A8759"/>
+                </a:solidFill>
+                <a:effectLst/>
+              </a:rPr>
+            </a:br>
+            <a:r>
+              <a:rPr lang="en-SG" dirty="0">
+                <a:solidFill>
+                  <a:srgbClr val="6A8759"/>
+                </a:solidFill>
+                <a:effectLst/>
+              </a:rPr>
+              <a:t>## objects/object groups information</a:t>
+            </a:r>
+            <a:br>
+              <a:rPr lang="en-SG" dirty="0">
+                <a:solidFill>
+                  <a:srgbClr val="6A8759"/>
+                </a:solidFill>
+                <a:effectLst/>
+              </a:rPr>
+            </a:br>
+            <a:r>
+              <a:rPr lang="en-SG" dirty="0">
+                <a:solidFill>
+                  <a:srgbClr val="6A8759"/>
+                </a:solidFill>
+                <a:effectLst/>
+              </a:rPr>
+              <a:t>group 0: 1 building</a:t>
+            </a:r>
+            <a:br>
+              <a:rPr lang="en-SG" dirty="0">
+                <a:solidFill>
+                  <a:srgbClr val="6A8759"/>
+                </a:solidFill>
+                <a:effectLst/>
+              </a:rPr>
+            </a:br>
+            <a:r>
+              <a:rPr lang="en-SG" dirty="0">
+                <a:solidFill>
+                  <a:srgbClr val="6A8759"/>
+                </a:solidFill>
+                <a:effectLst/>
+              </a:rPr>
+              <a:t>group 1: 1 building</a:t>
+            </a:r>
+            <a:br>
+              <a:rPr lang="en-SG" dirty="0">
+                <a:solidFill>
+                  <a:srgbClr val="6A8759"/>
+                </a:solidFill>
+                <a:effectLst/>
+              </a:rPr>
+            </a:br>
+            <a:r>
+              <a:rPr lang="en-SG" dirty="0">
+                <a:solidFill>
+                  <a:srgbClr val="6A8759"/>
+                </a:solidFill>
+                <a:effectLst/>
+              </a:rPr>
+              <a:t>group 2: 1 truck</a:t>
+            </a:r>
+            <a:br>
+              <a:rPr lang="en-SG" dirty="0">
+                <a:solidFill>
+                  <a:srgbClr val="6A8759"/>
+                </a:solidFill>
+                <a:effectLst/>
+              </a:rPr>
+            </a:br>
+            <a:r>
+              <a:rPr lang="en-SG" dirty="0">
+                <a:solidFill>
+                  <a:srgbClr val="6A8759"/>
+                </a:solidFill>
+                <a:effectLst/>
+              </a:rPr>
+              <a:t>group 3: 2 building, including 1 building, 1 shed</a:t>
+            </a:r>
+            <a:br>
+              <a:rPr lang="en-SG" dirty="0">
+                <a:solidFill>
+                  <a:srgbClr val="6A8759"/>
+                </a:solidFill>
+                <a:effectLst/>
+              </a:rPr>
+            </a:br>
+            <a:r>
+              <a:rPr lang="en-SG" dirty="0">
+                <a:solidFill>
+                  <a:srgbClr val="6A8759"/>
+                </a:solidFill>
+                <a:effectLst/>
+              </a:rPr>
+              <a:t>group 4: 2 building, including 1 building, 1 damaged building</a:t>
+            </a:r>
+            <a:br>
+              <a:rPr lang="en-SG" dirty="0">
+                <a:solidFill>
+                  <a:srgbClr val="6A8759"/>
+                </a:solidFill>
+                <a:effectLst/>
+              </a:rPr>
+            </a:br>
+            <a:br>
+              <a:rPr lang="en-SG" dirty="0">
+                <a:solidFill>
+                  <a:srgbClr val="6A8759"/>
+                </a:solidFill>
+                <a:effectLst/>
+              </a:rPr>
+            </a:br>
+            <a:r>
+              <a:rPr lang="en-SG" dirty="0">
+                <a:solidFill>
+                  <a:srgbClr val="6A8759"/>
+                </a:solidFill>
+                <a:effectLst/>
+              </a:rPr>
+              <a:t>## significant geographical relations</a:t>
+            </a:r>
+            <a:br>
+              <a:rPr lang="en-SG" dirty="0">
+                <a:solidFill>
+                  <a:srgbClr val="6A8759"/>
+                </a:solidFill>
+                <a:effectLst/>
+              </a:rPr>
+            </a:br>
+            <a:r>
+              <a:rPr lang="en-SG" dirty="0">
+                <a:solidFill>
+                  <a:srgbClr val="6A8759"/>
+                </a:solidFill>
+                <a:effectLst/>
+              </a:rPr>
+              <a:t>group 3 is next to group 1</a:t>
+            </a:r>
+            <a:br>
+              <a:rPr lang="en-SG" dirty="0">
+                <a:solidFill>
+                  <a:srgbClr val="6A8759"/>
+                </a:solidFill>
+                <a:effectLst/>
+              </a:rPr>
+            </a:br>
+            <a:br>
+              <a:rPr lang="en-SG" dirty="0">
+                <a:solidFill>
+                  <a:srgbClr val="6A8759"/>
+                </a:solidFill>
+                <a:effectLst/>
+              </a:rPr>
+            </a:br>
+            <a:r>
+              <a:rPr lang="en-SG" dirty="0">
+                <a:solidFill>
+                  <a:srgbClr val="6A8759"/>
+                </a:solidFill>
+                <a:effectLst/>
+              </a:rPr>
+              <a:t>## captions</a:t>
+            </a:r>
+            <a:br>
+              <a:rPr lang="en-SG" dirty="0">
+                <a:solidFill>
+                  <a:srgbClr val="6A8759"/>
+                </a:solidFill>
+                <a:effectLst/>
+              </a:rPr>
+            </a:br>
+            <a:r>
+              <a:rPr lang="en-SG" dirty="0">
+                <a:solidFill>
+                  <a:srgbClr val="6A8759"/>
+                </a:solidFill>
+                <a:effectLst/>
+              </a:rPr>
+              <a:t>["There are several buildings and one truck in the image.", "A building and one shed sit side by side", "There is a building and a damaged building standing together.", "Some buildings are very close to each other while some others are not"]</a:t>
+            </a:r>
+            <a:br>
+              <a:rPr lang="en-SG" dirty="0">
+                <a:solidFill>
+                  <a:srgbClr val="6A8759"/>
+                </a:solidFill>
+                <a:effectLst/>
+              </a:rPr>
+            </a:br>
+            <a:br>
+              <a:rPr lang="en-SG" dirty="0">
+                <a:solidFill>
+                  <a:srgbClr val="6A8759"/>
+                </a:solidFill>
+                <a:effectLst/>
+              </a:rPr>
+            </a:br>
+            <a:r>
+              <a:rPr lang="en-SG" dirty="0">
+                <a:solidFill>
+                  <a:srgbClr val="6A8759"/>
+                </a:solidFill>
+                <a:effectLst/>
+              </a:rPr>
+              <a:t># example image description 3:</a:t>
+            </a:r>
+            <a:br>
+              <a:rPr lang="en-SG" dirty="0">
+                <a:solidFill>
+                  <a:srgbClr val="6A8759"/>
+                </a:solidFill>
+                <a:effectLst/>
+              </a:rPr>
+            </a:br>
+            <a:r>
+              <a:rPr lang="en-SG" dirty="0">
+                <a:solidFill>
+                  <a:srgbClr val="6A8759"/>
+                </a:solidFill>
+                <a:effectLst/>
+              </a:rPr>
+              <a:t>## objects/object groups information</a:t>
+            </a:r>
+            <a:br>
+              <a:rPr lang="en-SG" dirty="0">
+                <a:solidFill>
+                  <a:srgbClr val="6A8759"/>
+                </a:solidFill>
+                <a:effectLst/>
+              </a:rPr>
+            </a:br>
+            <a:r>
+              <a:rPr lang="en-SG" dirty="0">
+                <a:solidFill>
+                  <a:srgbClr val="6A8759"/>
+                </a:solidFill>
+                <a:effectLst/>
+              </a:rPr>
+              <a:t>group 0: 1 building</a:t>
+            </a:r>
+            <a:br>
+              <a:rPr lang="en-SG" dirty="0">
+                <a:solidFill>
+                  <a:srgbClr val="6A8759"/>
+                </a:solidFill>
+                <a:effectLst/>
+              </a:rPr>
+            </a:br>
+            <a:r>
+              <a:rPr lang="en-SG" dirty="0">
+                <a:solidFill>
+                  <a:srgbClr val="6A8759"/>
+                </a:solidFill>
+                <a:effectLst/>
+              </a:rPr>
+              <a:t>group 1: a line of 3 building</a:t>
+            </a:r>
+            <a:br>
+              <a:rPr lang="en-SG" dirty="0">
+                <a:solidFill>
+                  <a:srgbClr val="6A8759"/>
+                </a:solidFill>
+                <a:effectLst/>
+              </a:rPr>
+            </a:br>
+            <a:br>
+              <a:rPr lang="en-SG" dirty="0">
+                <a:solidFill>
+                  <a:srgbClr val="6A8759"/>
+                </a:solidFill>
+                <a:effectLst/>
+              </a:rPr>
+            </a:br>
+            <a:r>
+              <a:rPr lang="en-SG" dirty="0">
+                <a:solidFill>
+                  <a:srgbClr val="6A8759"/>
+                </a:solidFill>
+                <a:effectLst/>
+              </a:rPr>
+              <a:t>## significant geographical relations</a:t>
+            </a:r>
+            <a:br>
+              <a:rPr lang="en-SG" dirty="0">
+                <a:solidFill>
+                  <a:srgbClr val="6A8759"/>
+                </a:solidFill>
+                <a:effectLst/>
+              </a:rPr>
+            </a:br>
+            <a:r>
+              <a:rPr lang="en-SG" dirty="0">
+                <a:solidFill>
+                  <a:srgbClr val="6A8759"/>
+                </a:solidFill>
+                <a:effectLst/>
+              </a:rPr>
+              <a:t>None</a:t>
+            </a:r>
+            <a:br>
+              <a:rPr lang="en-SG" dirty="0">
+                <a:solidFill>
+                  <a:srgbClr val="6A8759"/>
+                </a:solidFill>
+                <a:effectLst/>
+              </a:rPr>
+            </a:br>
+            <a:br>
+              <a:rPr lang="en-SG" dirty="0">
+                <a:solidFill>
+                  <a:srgbClr val="6A8759"/>
+                </a:solidFill>
+                <a:effectLst/>
+              </a:rPr>
+            </a:br>
+            <a:r>
+              <a:rPr lang="en-SG" dirty="0">
+                <a:solidFill>
+                  <a:srgbClr val="6A8759"/>
+                </a:solidFill>
+                <a:effectLst/>
+              </a:rPr>
+              <a:t>## captions</a:t>
+            </a:r>
+            <a:br>
+              <a:rPr lang="en-SG" dirty="0">
+                <a:solidFill>
+                  <a:srgbClr val="6A8759"/>
+                </a:solidFill>
+                <a:effectLst/>
+              </a:rPr>
+            </a:br>
+            <a:r>
+              <a:rPr lang="en-SG" dirty="0">
+                <a:solidFill>
+                  <a:srgbClr val="6A8759"/>
+                </a:solidFill>
+                <a:effectLst/>
+              </a:rPr>
+              <a:t>["There is a solitary building in the image.", "There is a line of three buildings in the image."]</a:t>
+            </a:r>
+            <a:br>
+              <a:rPr lang="en-SG" dirty="0">
+                <a:solidFill>
+                  <a:srgbClr val="6A8759"/>
+                </a:solidFill>
+                <a:effectLst/>
+              </a:rPr>
+            </a:br>
+            <a:br>
+              <a:rPr lang="en-SG" dirty="0">
+                <a:solidFill>
+                  <a:srgbClr val="6A8759"/>
+                </a:solidFill>
+                <a:effectLst/>
+              </a:rPr>
+            </a:br>
+            <a:r>
+              <a:rPr lang="en-SG" dirty="0">
+                <a:solidFill>
+                  <a:srgbClr val="6A8759"/>
+                </a:solidFill>
+                <a:effectLst/>
+              </a:rPr>
+              <a:t># real image description:</a:t>
+            </a:r>
+            <a:br>
+              <a:rPr lang="en-SG" dirty="0">
+                <a:solidFill>
+                  <a:srgbClr val="6A8759"/>
+                </a:solidFill>
+                <a:effectLst/>
+              </a:rPr>
+            </a:br>
+            <a:r>
+              <a:rPr lang="en-SG" dirty="0">
+                <a:solidFill>
+                  <a:srgbClr val="6A8759"/>
+                </a:solidFill>
+                <a:effectLst/>
+              </a:rPr>
+              <a:t>## objects/object groups information</a:t>
+            </a:r>
+            <a:br>
+              <a:rPr lang="en-SG" dirty="0">
+                <a:solidFill>
+                  <a:srgbClr val="6A8759"/>
+                </a:solidFill>
+                <a:effectLst/>
+              </a:rPr>
+            </a:br>
+            <a:r>
+              <a:rPr lang="en-SG" dirty="0">
+                <a:solidFill>
+                  <a:srgbClr val="6A8759"/>
+                </a:solidFill>
+                <a:effectLst/>
+              </a:rPr>
+              <a:t>{</a:t>
+            </a:r>
+            <a:r>
+              <a:rPr lang="en-SG" dirty="0" err="1">
+                <a:solidFill>
+                  <a:srgbClr val="6A8759"/>
+                </a:solidFill>
+                <a:effectLst/>
+              </a:rPr>
+              <a:t>objects_information</a:t>
+            </a:r>
+            <a:r>
+              <a:rPr lang="en-SG" dirty="0">
+                <a:solidFill>
+                  <a:srgbClr val="6A8759"/>
+                </a:solidFill>
+                <a:effectLst/>
+              </a:rPr>
+              <a:t>}</a:t>
+            </a:r>
+            <a:br>
+              <a:rPr lang="en-SG" dirty="0">
+                <a:solidFill>
+                  <a:srgbClr val="6A8759"/>
+                </a:solidFill>
+                <a:effectLst/>
+              </a:rPr>
+            </a:br>
+            <a:br>
+              <a:rPr lang="en-SG" dirty="0">
+                <a:solidFill>
+                  <a:srgbClr val="6A8759"/>
+                </a:solidFill>
+                <a:effectLst/>
+              </a:rPr>
+            </a:br>
+            <a:r>
+              <a:rPr lang="en-SG" dirty="0">
+                <a:solidFill>
+                  <a:srgbClr val="6A8759"/>
+                </a:solidFill>
+                <a:effectLst/>
+              </a:rPr>
+              <a:t>## significant geographical relations</a:t>
+            </a:r>
+            <a:br>
+              <a:rPr lang="en-SG" dirty="0">
+                <a:solidFill>
+                  <a:srgbClr val="6A8759"/>
+                </a:solidFill>
+                <a:effectLst/>
+              </a:rPr>
+            </a:br>
+            <a:r>
+              <a:rPr lang="en-SG" dirty="0">
+                <a:solidFill>
+                  <a:srgbClr val="6A8759"/>
+                </a:solidFill>
+                <a:effectLst/>
+              </a:rPr>
+              <a:t>{</a:t>
+            </a:r>
+            <a:r>
+              <a:rPr lang="en-SG" dirty="0" err="1">
+                <a:solidFill>
+                  <a:srgbClr val="6A8759"/>
+                </a:solidFill>
+                <a:effectLst/>
+              </a:rPr>
+              <a:t>objects_relations</a:t>
+            </a:r>
+            <a:r>
+              <a:rPr lang="en-SG" dirty="0">
+                <a:solidFill>
+                  <a:srgbClr val="6A8759"/>
+                </a:solidFill>
+                <a:effectLst/>
+              </a:rPr>
+              <a:t>}</a:t>
+            </a:r>
+            <a:br>
+              <a:rPr lang="en-SG" dirty="0">
+                <a:solidFill>
+                  <a:srgbClr val="6A8759"/>
+                </a:solidFill>
+                <a:effectLst/>
+              </a:rPr>
+            </a:br>
+            <a:br>
+              <a:rPr lang="en-SG" dirty="0">
+                <a:solidFill>
+                  <a:srgbClr val="6A8759"/>
+                </a:solidFill>
+                <a:effectLst/>
+              </a:rPr>
+            </a:br>
+            <a:r>
+              <a:rPr lang="en-SG" dirty="0">
+                <a:solidFill>
+                  <a:srgbClr val="6A8759"/>
+                </a:solidFill>
+                <a:effectLst/>
+              </a:rPr>
+              <a:t>## captions</a:t>
+            </a:r>
+            <a:endParaRPr lang="en-SG" dirty="0"/>
+          </a:p>
+        </p:txBody>
+      </p:sp>
+      <p:sp>
+        <p:nvSpPr>
+          <p:cNvPr id="4" name="Slide Number Placeholder 3"/>
+          <p:cNvSpPr>
+            <a:spLocks noGrp="1"/>
+          </p:cNvSpPr>
+          <p:nvPr>
+            <p:ph type="sldNum" sz="quarter" idx="5"/>
+          </p:nvPr>
+        </p:nvSpPr>
+        <p:spPr/>
+        <p:txBody>
+          <a:bodyPr/>
+          <a:lstStyle/>
+          <a:p>
+            <a:fld id="{84714B75-F87D-4D94-BA9F-2A5FF9992E87}" type="slidenum">
+              <a:rPr lang="en-SG" smtClean="0"/>
+              <a:t>8</a:t>
+            </a:fld>
+            <a:endParaRPr lang="en-SG"/>
+          </a:p>
+        </p:txBody>
+      </p:sp>
+    </p:spTree>
+    <p:extLst>
+      <p:ext uri="{BB962C8B-B14F-4D97-AF65-F5344CB8AC3E}">
+        <p14:creationId xmlns:p14="http://schemas.microsoft.com/office/powerpoint/2010/main" val="1746487268"/>
+      </p:ext>
+    </p:extLst>
+  </p:cSld>
+  <p:clrMapOvr>
+    <a:masterClrMapping/>
+  </p:clrMapOvr>
+</p:notes>
+</file>
+
 <file path=ppt/slideLayouts/slideLayout1.xml><?xml version="1.0" encoding="utf-8"?>
 <p:sldLayout xmlns:a="http://schemas.openxmlformats.org/drawingml/2006/main" xmlns:r="http://schemas.openxmlformats.org/officeDocument/2006/relationships" xmlns:p="http://schemas.openxmlformats.org/presentationml/2006/main" type="title" preserve="1">
   <p:cSld name="Title Slide">
@@ -273,7 +1465,7 @@
           <a:p>
             <a:fld id="{801E7FCE-35C5-4D56-942F-44CAC82943AB}" type="datetimeFigureOut">
               <a:rPr lang="en-SG" smtClean="0"/>
-              <a:t>22/6/2023</a:t>
+              <a:t>20/9/2023</a:t>
             </a:fld>
             <a:endParaRPr lang="en-SG"/>
           </a:p>
@@ -473,7 +1665,7 @@
           <a:p>
             <a:fld id="{801E7FCE-35C5-4D56-942F-44CAC82943AB}" type="datetimeFigureOut">
               <a:rPr lang="en-SG" smtClean="0"/>
-              <a:t>22/6/2023</a:t>
+              <a:t>20/9/2023</a:t>
             </a:fld>
             <a:endParaRPr lang="en-SG"/>
           </a:p>
@@ -683,7 +1875,7 @@
           <a:p>
             <a:fld id="{801E7FCE-35C5-4D56-942F-44CAC82943AB}" type="datetimeFigureOut">
               <a:rPr lang="en-SG" smtClean="0"/>
-              <a:t>22/6/2023</a:t>
+              <a:t>20/9/2023</a:t>
             </a:fld>
             <a:endParaRPr lang="en-SG"/>
           </a:p>
@@ -883,7 +2075,7 @@
           <a:p>
             <a:fld id="{801E7FCE-35C5-4D56-942F-44CAC82943AB}" type="datetimeFigureOut">
               <a:rPr lang="en-SG" smtClean="0"/>
-              <a:t>22/6/2023</a:t>
+              <a:t>20/9/2023</a:t>
             </a:fld>
             <a:endParaRPr lang="en-SG"/>
           </a:p>
@@ -1159,7 +2351,7 @@
           <a:p>
             <a:fld id="{801E7FCE-35C5-4D56-942F-44CAC82943AB}" type="datetimeFigureOut">
               <a:rPr lang="en-SG" smtClean="0"/>
-              <a:t>22/6/2023</a:t>
+              <a:t>20/9/2023</a:t>
             </a:fld>
             <a:endParaRPr lang="en-SG"/>
           </a:p>
@@ -1427,7 +2619,7 @@
           <a:p>
             <a:fld id="{801E7FCE-35C5-4D56-942F-44CAC82943AB}" type="datetimeFigureOut">
               <a:rPr lang="en-SG" smtClean="0"/>
-              <a:t>22/6/2023</a:t>
+              <a:t>20/9/2023</a:t>
             </a:fld>
             <a:endParaRPr lang="en-SG"/>
           </a:p>
@@ -1842,7 +3034,7 @@
           <a:p>
             <a:fld id="{801E7FCE-35C5-4D56-942F-44CAC82943AB}" type="datetimeFigureOut">
               <a:rPr lang="en-SG" smtClean="0"/>
-              <a:t>22/6/2023</a:t>
+              <a:t>20/9/2023</a:t>
             </a:fld>
             <a:endParaRPr lang="en-SG"/>
           </a:p>
@@ -1984,7 +3176,7 @@
           <a:p>
             <a:fld id="{801E7FCE-35C5-4D56-942F-44CAC82943AB}" type="datetimeFigureOut">
               <a:rPr lang="en-SG" smtClean="0"/>
-              <a:t>22/6/2023</a:t>
+              <a:t>20/9/2023</a:t>
             </a:fld>
             <a:endParaRPr lang="en-SG"/>
           </a:p>
@@ -2097,7 +3289,7 @@
           <a:p>
             <a:fld id="{801E7FCE-35C5-4D56-942F-44CAC82943AB}" type="datetimeFigureOut">
               <a:rPr lang="en-SG" smtClean="0"/>
-              <a:t>22/6/2023</a:t>
+              <a:t>20/9/2023</a:t>
             </a:fld>
             <a:endParaRPr lang="en-SG"/>
           </a:p>
@@ -2410,7 +3602,7 @@
           <a:p>
             <a:fld id="{801E7FCE-35C5-4D56-942F-44CAC82943AB}" type="datetimeFigureOut">
               <a:rPr lang="en-SG" smtClean="0"/>
-              <a:t>22/6/2023</a:t>
+              <a:t>20/9/2023</a:t>
             </a:fld>
             <a:endParaRPr lang="en-SG"/>
           </a:p>
@@ -2699,7 +3891,7 @@
           <a:p>
             <a:fld id="{801E7FCE-35C5-4D56-942F-44CAC82943AB}" type="datetimeFigureOut">
               <a:rPr lang="en-SG" smtClean="0"/>
-              <a:t>22/6/2023</a:t>
+              <a:t>20/9/2023</a:t>
             </a:fld>
             <a:endParaRPr lang="en-SG"/>
           </a:p>
@@ -2942,7 +4134,7 @@
           <a:p>
             <a:fld id="{801E7FCE-35C5-4D56-942F-44CAC82943AB}" type="datetimeFigureOut">
               <a:rPr lang="en-SG" smtClean="0"/>
-              <a:t>22/6/2023</a:t>
+              <a:t>20/9/2023</a:t>
             </a:fld>
             <a:endParaRPr lang="en-SG"/>
           </a:p>
@@ -3499,41 +4691,66 @@
           <a:chExt cx="0" cy="0"/>
         </a:xfrm>
       </p:grpSpPr>
+      <p:sp>
+        <p:nvSpPr>
+          <p:cNvPr id="4" name="TextBox 3">
+            <a:extLst>
+              <a:ext uri="{FF2B5EF4-FFF2-40B4-BE49-F238E27FC236}">
+                <a16:creationId xmlns:a16="http://schemas.microsoft.com/office/drawing/2014/main" id="{2A4250F6-92F5-49B4-DDCC-32DE88081CBE}"/>
+              </a:ext>
+            </a:extLst>
+          </p:cNvPr>
+          <p:cNvSpPr txBox="1"/>
+          <p:nvPr/>
+        </p:nvSpPr>
+        <p:spPr>
+          <a:xfrm>
+            <a:off x="600636" y="134472"/>
+            <a:ext cx="5253318" cy="1754326"/>
+          </a:xfrm>
+          <a:prstGeom prst="rect">
+            <a:avLst/>
+          </a:prstGeom>
+          <a:noFill/>
+        </p:spPr>
+        <p:txBody>
+          <a:bodyPr wrap="square" rtlCol="0">
+            <a:spAutoFit/>
+          </a:bodyPr>
+          <a:lstStyle/>
+          <a:p>
+            <a:r>
+              <a:rPr lang="en-SG" dirty="0"/>
+              <a:t>8k entries of data generated. 20 times per image. 1k tokens per query.</a:t>
+            </a:r>
+          </a:p>
+          <a:p>
+            <a:endParaRPr lang="en-SG" dirty="0"/>
+          </a:p>
+          <a:p>
+            <a:r>
+              <a:rPr lang="en-SG" dirty="0"/>
+              <a:t>Finetune GIT model: 129M parameters, 1 A100 GPU, 1 hour</a:t>
+            </a:r>
+          </a:p>
+          <a:p>
+            <a:r>
+              <a:rPr lang="en-SG" dirty="0" err="1"/>
+              <a:t>CIDEr</a:t>
+            </a:r>
+            <a:r>
+              <a:rPr lang="en-SG" dirty="0"/>
+              <a:t>: 85.91</a:t>
+            </a:r>
+          </a:p>
+        </p:txBody>
+      </p:sp>
       <p:pic>
         <p:nvPicPr>
-          <p:cNvPr id="5" name="Picture 4">
-            <a:extLst>
-              <a:ext uri="{FF2B5EF4-FFF2-40B4-BE49-F238E27FC236}">
-                <a16:creationId xmlns:a16="http://schemas.microsoft.com/office/drawing/2014/main" id="{47B5DF5F-457B-FE17-155A-D15BC8099AB5}"/>
-              </a:ext>
-            </a:extLst>
-          </p:cNvPr>
-          <p:cNvPicPr>
-            <a:picLocks noChangeAspect="1"/>
-          </p:cNvPicPr>
-          <p:nvPr/>
-        </p:nvPicPr>
-        <p:blipFill rotWithShape="1">
-          <a:blip r:embed="rId2"/>
-          <a:srcRect r="19747" b="12586"/>
-          <a:stretch/>
-        </p:blipFill>
-        <p:spPr>
-          <a:xfrm>
-            <a:off x="6065216" y="85162"/>
-            <a:ext cx="4027405" cy="3326398"/>
-          </a:xfrm>
-          <a:prstGeom prst="rect">
-            <a:avLst/>
-          </a:prstGeom>
-        </p:spPr>
-      </p:pic>
-      <p:pic>
-        <p:nvPicPr>
-          <p:cNvPr id="7" name="Picture 6">
-            <a:extLst>
-              <a:ext uri="{FF2B5EF4-FFF2-40B4-BE49-F238E27FC236}">
-                <a16:creationId xmlns:a16="http://schemas.microsoft.com/office/drawing/2014/main" id="{0757C48E-615D-59D9-C6E2-C2FA9B52FB35}"/>
+          <p:cNvPr id="3" name="Picture 2">
+            <a:extLst>
+              <a:ext uri="{FF2B5EF4-FFF2-40B4-BE49-F238E27FC236}">
+                <a16:creationId xmlns:a16="http://schemas.microsoft.com/office/drawing/2014/main" id="{F3291033-A43B-1D37-9760-6BDE3D2C8D2C}"/>
               </a:ext>
             </a:extLst>
           </p:cNvPr>
@@ -3543,27 +4760,116 @@
           <p:nvPr/>
         </p:nvPicPr>
         <p:blipFill>
-          <a:blip r:embed="rId3"/>
+          <a:blip r:embed="rId2"/>
           <a:stretch>
             <a:fillRect/>
           </a:stretch>
         </p:blipFill>
         <p:spPr>
           <a:xfrm>
-            <a:off x="585848" y="237765"/>
-            <a:ext cx="5067739" cy="2834886"/>
+            <a:off x="628852" y="1801905"/>
+            <a:ext cx="4843584" cy="4016188"/>
           </a:xfrm>
           <a:prstGeom prst="rect">
             <a:avLst/>
           </a:prstGeom>
+        </p:spPr>
+      </p:pic>
+      <p:sp>
+        <p:nvSpPr>
+          <p:cNvPr id="6" name="TextBox 5">
+            <a:extLst>
+              <a:ext uri="{FF2B5EF4-FFF2-40B4-BE49-F238E27FC236}">
+                <a16:creationId xmlns:a16="http://schemas.microsoft.com/office/drawing/2014/main" id="{727D4BFE-6938-1F71-BCB0-747BA7E8C753}"/>
+              </a:ext>
+            </a:extLst>
+          </p:cNvPr>
+          <p:cNvSpPr txBox="1"/>
+          <p:nvPr/>
+        </p:nvSpPr>
+        <p:spPr>
+          <a:xfrm>
+            <a:off x="7566211" y="1074894"/>
+            <a:ext cx="3854824" cy="646331"/>
+          </a:xfrm>
+          <a:prstGeom prst="rect">
+            <a:avLst/>
+          </a:prstGeom>
+          <a:noFill/>
+        </p:spPr>
+        <p:txBody>
+          <a:bodyPr wrap="square">
+            <a:spAutoFit/>
+          </a:bodyPr>
+          <a:lstStyle/>
+          <a:p>
+            <a:r>
+              <a:rPr lang="en-SG" b="0" i="1" dirty="0">
+                <a:solidFill>
+                  <a:srgbClr val="111827"/>
+                </a:solidFill>
+                <a:effectLst/>
+                <a:latin typeface="Source Sans Pro" panose="020B0503030403020204" pitchFamily="34" charset="0"/>
+              </a:rPr>
+              <a:t>many aircraft are parked near a large building in an airport.</a:t>
+            </a:r>
+            <a:endParaRPr lang="en-SG" dirty="0"/>
+          </a:p>
+        </p:txBody>
+      </p:sp>
+      <p:pic>
+        <p:nvPicPr>
+          <p:cNvPr id="2050" name="Picture 2">
+            <a:extLst>
+              <a:ext uri="{FF2B5EF4-FFF2-40B4-BE49-F238E27FC236}">
+                <a16:creationId xmlns:a16="http://schemas.microsoft.com/office/drawing/2014/main" id="{112E6AC8-D509-5F6A-F76B-DB3AE4FBCFD4}"/>
+              </a:ext>
+            </a:extLst>
+          </p:cNvPr>
+          <p:cNvPicPr>
+            <a:picLocks noChangeAspect="1" noChangeArrowheads="1"/>
+          </p:cNvPicPr>
+          <p:nvPr/>
+        </p:nvPicPr>
+        <p:blipFill>
+          <a:blip r:embed="rId3">
+            <a:extLst>
+              <a:ext uri="{28A0092B-C50C-407E-A947-70E740481C1C}">
+                <a14:useLocalDpi xmlns:a14="http://schemas.microsoft.com/office/drawing/2010/main" val="0"/>
+              </a:ext>
+            </a:extLst>
+          </a:blip>
+          <a:srcRect/>
+          <a:stretch>
+            <a:fillRect/>
+          </a:stretch>
+        </p:blipFill>
+        <p:spPr bwMode="auto">
+          <a:xfrm>
+            <a:off x="6834720" y="2501152"/>
+            <a:ext cx="5008357" cy="2904565"/>
+          </a:xfrm>
+          <a:prstGeom prst="rect">
+            <a:avLst/>
+          </a:prstGeom>
+          <a:noFill/>
+          <a:extLst>
+            <a:ext uri="{909E8E84-426E-40DD-AFC4-6F175D3DCCD1}">
+              <a14:hiddenFill xmlns:a14="http://schemas.microsoft.com/office/drawing/2010/main">
+                <a:solidFill>
+                  <a:srgbClr val="FFFFFF"/>
+                </a:solidFill>
+              </a14:hiddenFill>
+            </a:ext>
+          </a:extLst>
         </p:spPr>
       </p:pic>
       <p:pic>
         <p:nvPicPr>
-          <p:cNvPr id="9" name="Picture 8">
-            <a:extLst>
-              <a:ext uri="{FF2B5EF4-FFF2-40B4-BE49-F238E27FC236}">
-                <a16:creationId xmlns:a16="http://schemas.microsoft.com/office/drawing/2014/main" id="{CFD2E55D-D7E4-6C29-8B85-41D48E92D19F}"/>
+          <p:cNvPr id="5" name="Picture 4">
+            <a:extLst>
+              <a:ext uri="{FF2B5EF4-FFF2-40B4-BE49-F238E27FC236}">
+                <a16:creationId xmlns:a16="http://schemas.microsoft.com/office/drawing/2014/main" id="{8FB68C0A-91BB-473B-2918-5ABFC26D4801}"/>
               </a:ext>
             </a:extLst>
           </p:cNvPr>
@@ -3580,55 +4886,20 @@
         </p:blipFill>
         <p:spPr>
           <a:xfrm>
-            <a:off x="-83007" y="3624097"/>
-            <a:ext cx="6405448" cy="2644653"/>
+            <a:off x="631986" y="5818093"/>
+            <a:ext cx="3825572" cy="800169"/>
           </a:xfrm>
           <a:prstGeom prst="rect">
             <a:avLst/>
           </a:prstGeom>
         </p:spPr>
       </p:pic>
-      <p:sp>
-        <p:nvSpPr>
-          <p:cNvPr id="10" name="TextBox 9">
-            <a:extLst>
-              <a:ext uri="{FF2B5EF4-FFF2-40B4-BE49-F238E27FC236}">
-                <a16:creationId xmlns:a16="http://schemas.microsoft.com/office/drawing/2014/main" id="{01295D38-7784-4474-8CFF-C6F547A6FB2B}"/>
-              </a:ext>
-            </a:extLst>
-          </p:cNvPr>
-          <p:cNvSpPr txBox="1"/>
-          <p:nvPr/>
-        </p:nvSpPr>
-        <p:spPr>
-          <a:xfrm>
-            <a:off x="2223246" y="5945585"/>
-            <a:ext cx="1792942" cy="646331"/>
-          </a:xfrm>
-          <a:prstGeom prst="rect">
-            <a:avLst/>
-          </a:prstGeom>
-          <a:noFill/>
-        </p:spPr>
-        <p:txBody>
-          <a:bodyPr wrap="square" rtlCol="0">
-            <a:spAutoFit/>
-          </a:bodyPr>
-          <a:lstStyle/>
-          <a:p>
-            <a:r>
-              <a:rPr lang="en-SG" dirty="0"/>
-              <a:t>3hrs with batch size=32</a:t>
-            </a:r>
-          </a:p>
-        </p:txBody>
-      </p:sp>
       <p:pic>
         <p:nvPicPr>
-          <p:cNvPr id="12" name="Picture 11">
-            <a:extLst>
-              <a:ext uri="{FF2B5EF4-FFF2-40B4-BE49-F238E27FC236}">
-                <a16:creationId xmlns:a16="http://schemas.microsoft.com/office/drawing/2014/main" id="{ED960703-E5B0-1879-2AC2-1278F1629CF4}"/>
+          <p:cNvPr id="8" name="Picture 7">
+            <a:extLst>
+              <a:ext uri="{FF2B5EF4-FFF2-40B4-BE49-F238E27FC236}">
+                <a16:creationId xmlns:a16="http://schemas.microsoft.com/office/drawing/2014/main" id="{5F66F879-C22C-E707-038F-0AED56DAF242}"/>
               </a:ext>
             </a:extLst>
           </p:cNvPr>
@@ -3645,18 +4916,53 @@
         </p:blipFill>
         <p:spPr>
           <a:xfrm>
-            <a:off x="6322441" y="3963006"/>
-            <a:ext cx="5427423" cy="960070"/>
+            <a:off x="4565135" y="5962885"/>
+            <a:ext cx="3276884" cy="655377"/>
           </a:xfrm>
           <a:prstGeom prst="rect">
             <a:avLst/>
           </a:prstGeom>
         </p:spPr>
       </p:pic>
+      <p:sp>
+        <p:nvSpPr>
+          <p:cNvPr id="9" name="TextBox 8">
+            <a:extLst>
+              <a:ext uri="{FF2B5EF4-FFF2-40B4-BE49-F238E27FC236}">
+                <a16:creationId xmlns:a16="http://schemas.microsoft.com/office/drawing/2014/main" id="{C3A03A29-BC0D-480B-0436-91766163234E}"/>
+              </a:ext>
+            </a:extLst>
+          </p:cNvPr>
+          <p:cNvSpPr txBox="1"/>
+          <p:nvPr/>
+        </p:nvSpPr>
+        <p:spPr>
+          <a:xfrm>
+            <a:off x="7842019" y="6105907"/>
+            <a:ext cx="744072" cy="369332"/>
+          </a:xfrm>
+          <a:prstGeom prst="rect">
+            <a:avLst/>
+          </a:prstGeom>
+          <a:noFill/>
+        </p:spPr>
+        <p:txBody>
+          <a:bodyPr wrap="square" rtlCol="0">
+            <a:spAutoFit/>
+          </a:bodyPr>
+          <a:lstStyle/>
+          <a:p>
+            <a:r>
+              <a:rPr lang="en-SG" dirty="0"/>
+              <a:t>N = 4</a:t>
+            </a:r>
+          </a:p>
+        </p:txBody>
+      </p:sp>
     </p:spTree>
     <p:extLst>
       <p:ext uri="{BB962C8B-B14F-4D97-AF65-F5344CB8AC3E}">
-        <p14:creationId xmlns:p14="http://schemas.microsoft.com/office/powerpoint/2010/main" val="46609934"/>
+        <p14:creationId xmlns:p14="http://schemas.microsoft.com/office/powerpoint/2010/main" val="4133536282"/>
       </p:ext>
     </p:extLst>
   </p:cSld>
@@ -3683,12 +4989,47 @@
           <a:chExt cx="0" cy="0"/>
         </a:xfrm>
       </p:grpSpPr>
+      <p:sp>
+        <p:nvSpPr>
+          <p:cNvPr id="2" name="TextBox 1">
+            <a:extLst>
+              <a:ext uri="{FF2B5EF4-FFF2-40B4-BE49-F238E27FC236}">
+                <a16:creationId xmlns:a16="http://schemas.microsoft.com/office/drawing/2014/main" id="{B078DF6B-DA76-B994-16C5-5759AA2404F1}"/>
+              </a:ext>
+            </a:extLst>
+          </p:cNvPr>
+          <p:cNvSpPr txBox="1"/>
+          <p:nvPr/>
+        </p:nvSpPr>
+        <p:spPr>
+          <a:xfrm>
+            <a:off x="600636" y="331695"/>
+            <a:ext cx="5253318" cy="646331"/>
+          </a:xfrm>
+          <a:prstGeom prst="rect">
+            <a:avLst/>
+          </a:prstGeom>
+          <a:noFill/>
+        </p:spPr>
+        <p:txBody>
+          <a:bodyPr wrap="square" rtlCol="0">
+            <a:spAutoFit/>
+          </a:bodyPr>
+          <a:lstStyle/>
+          <a:p>
+            <a:r>
+              <a:rPr lang="en-SG" dirty="0"/>
+              <a:t>Evaluation metrics: why use CIDER, what is BLEU, Rouge, WER, etc. only for less open ended questions. </a:t>
+            </a:r>
+          </a:p>
+        </p:txBody>
+      </p:sp>
       <p:pic>
         <p:nvPicPr>
-          <p:cNvPr id="5" name="Picture 4">
-            <a:extLst>
-              <a:ext uri="{FF2B5EF4-FFF2-40B4-BE49-F238E27FC236}">
-                <a16:creationId xmlns:a16="http://schemas.microsoft.com/office/drawing/2014/main" id="{FDD235E6-1A53-DC12-4A42-B4D23634B46A}"/>
+          <p:cNvPr id="9" name="Picture 8">
+            <a:extLst>
+              <a:ext uri="{FF2B5EF4-FFF2-40B4-BE49-F238E27FC236}">
+                <a16:creationId xmlns:a16="http://schemas.microsoft.com/office/drawing/2014/main" id="{76B06C3B-7F34-CAE6-7784-5D7A52429ACE}"/>
               </a:ext>
             </a:extLst>
           </p:cNvPr>
@@ -3705,125 +5046,20 @@
         </p:blipFill>
         <p:spPr>
           <a:xfrm>
-            <a:off x="2734139" y="638887"/>
-            <a:ext cx="7369179" cy="1653683"/>
+            <a:off x="1430395" y="2663483"/>
+            <a:ext cx="8596106" cy="3970398"/>
           </a:xfrm>
           <a:prstGeom prst="rect">
             <a:avLst/>
           </a:prstGeom>
         </p:spPr>
       </p:pic>
-      <p:sp>
-        <p:nvSpPr>
-          <p:cNvPr id="6" name="TextBox 5">
-            <a:extLst>
-              <a:ext uri="{FF2B5EF4-FFF2-40B4-BE49-F238E27FC236}">
-                <a16:creationId xmlns:a16="http://schemas.microsoft.com/office/drawing/2014/main" id="{6C7DC564-E018-5DEA-E589-56DC379D371F}"/>
-              </a:ext>
-            </a:extLst>
-          </p:cNvPr>
-          <p:cNvSpPr txBox="1"/>
-          <p:nvPr/>
-        </p:nvSpPr>
-        <p:spPr>
-          <a:xfrm>
-            <a:off x="1757082" y="1694484"/>
-            <a:ext cx="1039906" cy="369332"/>
-          </a:xfrm>
-          <a:prstGeom prst="rect">
-            <a:avLst/>
-          </a:prstGeom>
-          <a:noFill/>
-        </p:spPr>
-        <p:txBody>
-          <a:bodyPr wrap="square" rtlCol="0">
-            <a:spAutoFit/>
-          </a:bodyPr>
-          <a:lstStyle/>
-          <a:p>
-            <a:r>
-              <a:rPr lang="en-SG" dirty="0"/>
-              <a:t>770M</a:t>
-            </a:r>
-          </a:p>
-        </p:txBody>
-      </p:sp>
-      <p:sp>
-        <p:nvSpPr>
-          <p:cNvPr id="7" name="TextBox 6">
-            <a:extLst>
-              <a:ext uri="{FF2B5EF4-FFF2-40B4-BE49-F238E27FC236}">
-                <a16:creationId xmlns:a16="http://schemas.microsoft.com/office/drawing/2014/main" id="{C6945E26-44B8-202C-2264-71F678DB7BDF}"/>
-              </a:ext>
-            </a:extLst>
-          </p:cNvPr>
-          <p:cNvSpPr txBox="1"/>
-          <p:nvPr/>
-        </p:nvSpPr>
-        <p:spPr>
-          <a:xfrm>
-            <a:off x="1757082" y="1281953"/>
-            <a:ext cx="1039906" cy="369332"/>
-          </a:xfrm>
-          <a:prstGeom prst="rect">
-            <a:avLst/>
-          </a:prstGeom>
-          <a:noFill/>
-        </p:spPr>
-        <p:txBody>
-          <a:bodyPr wrap="square" rtlCol="0">
-            <a:spAutoFit/>
-          </a:bodyPr>
-          <a:lstStyle/>
-          <a:p>
-            <a:r>
-              <a:rPr lang="en-SG" dirty="0"/>
-              <a:t>60M</a:t>
-            </a:r>
-          </a:p>
-        </p:txBody>
-      </p:sp>
-      <p:sp>
-        <p:nvSpPr>
-          <p:cNvPr id="8" name="TextBox 7">
-            <a:extLst>
-              <a:ext uri="{FF2B5EF4-FFF2-40B4-BE49-F238E27FC236}">
-                <a16:creationId xmlns:a16="http://schemas.microsoft.com/office/drawing/2014/main" id="{DF23705D-2D51-7DB1-10B9-5719DDD6496B}"/>
-              </a:ext>
-            </a:extLst>
-          </p:cNvPr>
-          <p:cNvSpPr txBox="1"/>
-          <p:nvPr/>
-        </p:nvSpPr>
-        <p:spPr>
-          <a:xfrm>
-            <a:off x="1757082" y="1465729"/>
-            <a:ext cx="1039906" cy="369332"/>
-          </a:xfrm>
-          <a:prstGeom prst="rect">
-            <a:avLst/>
-          </a:prstGeom>
-          <a:noFill/>
-        </p:spPr>
-        <p:txBody>
-          <a:bodyPr wrap="square" rtlCol="0">
-            <a:spAutoFit/>
-          </a:bodyPr>
-          <a:lstStyle/>
-          <a:p>
-            <a:r>
-              <a:rPr lang="en-SG" dirty="0"/>
-              <a:t>220M</a:t>
-            </a:r>
-          </a:p>
-        </p:txBody>
-      </p:sp>
       <p:pic>
         <p:nvPicPr>
-          <p:cNvPr id="10" name="Picture 9">
-            <a:extLst>
-              <a:ext uri="{FF2B5EF4-FFF2-40B4-BE49-F238E27FC236}">
-                <a16:creationId xmlns:a16="http://schemas.microsoft.com/office/drawing/2014/main" id="{94F973BA-1F8B-2F0E-283A-BB9A58D361FF}"/>
+          <p:cNvPr id="11" name="Picture 10">
+            <a:extLst>
+              <a:ext uri="{FF2B5EF4-FFF2-40B4-BE49-F238E27FC236}">
+                <a16:creationId xmlns:a16="http://schemas.microsoft.com/office/drawing/2014/main" id="{8F99A926-3D1C-B52D-B694-C443F6BB543F}"/>
               </a:ext>
             </a:extLst>
           </p:cNvPr>
@@ -3840,8 +5076,68 @@
         </p:blipFill>
         <p:spPr>
           <a:xfrm>
-            <a:off x="3604139" y="2472644"/>
-            <a:ext cx="6499179" cy="3746469"/>
+            <a:off x="1420258" y="2082650"/>
+            <a:ext cx="4618120" cy="853514"/>
+          </a:xfrm>
+          <a:prstGeom prst="rect">
+            <a:avLst/>
+          </a:prstGeom>
+        </p:spPr>
+      </p:pic>
+      <p:pic>
+        <p:nvPicPr>
+          <p:cNvPr id="13" name="Picture 12">
+            <a:extLst>
+              <a:ext uri="{FF2B5EF4-FFF2-40B4-BE49-F238E27FC236}">
+                <a16:creationId xmlns:a16="http://schemas.microsoft.com/office/drawing/2014/main" id="{6FDE49CF-168C-593E-DDE1-885C51349DFA}"/>
+              </a:ext>
+            </a:extLst>
+          </p:cNvPr>
+          <p:cNvPicPr>
+            <a:picLocks noChangeAspect="1"/>
+          </p:cNvPicPr>
+          <p:nvPr/>
+        </p:nvPicPr>
+        <p:blipFill>
+          <a:blip r:embed="rId4"/>
+          <a:stretch>
+            <a:fillRect/>
+          </a:stretch>
+        </p:blipFill>
+        <p:spPr>
+          <a:xfrm>
+            <a:off x="846359" y="1027681"/>
+            <a:ext cx="5626160" cy="1196725"/>
+          </a:xfrm>
+          <a:prstGeom prst="rect">
+            <a:avLst/>
+          </a:prstGeom>
+        </p:spPr>
+      </p:pic>
+      <p:pic>
+        <p:nvPicPr>
+          <p:cNvPr id="15" name="Picture 14">
+            <a:extLst>
+              <a:ext uri="{FF2B5EF4-FFF2-40B4-BE49-F238E27FC236}">
+                <a16:creationId xmlns:a16="http://schemas.microsoft.com/office/drawing/2014/main" id="{C6BEE9BA-0835-C7BA-BC9E-19CF063B0BD3}"/>
+              </a:ext>
+            </a:extLst>
+          </p:cNvPr>
+          <p:cNvPicPr>
+            <a:picLocks noChangeAspect="1"/>
+          </p:cNvPicPr>
+          <p:nvPr/>
+        </p:nvPicPr>
+        <p:blipFill>
+          <a:blip r:embed="rId5"/>
+          <a:stretch>
+            <a:fillRect/>
+          </a:stretch>
+        </p:blipFill>
+        <p:spPr>
+          <a:xfrm>
+            <a:off x="6755553" y="1225104"/>
+            <a:ext cx="4179932" cy="1352667"/>
           </a:xfrm>
           <a:prstGeom prst="rect">
             <a:avLst/>
@@ -3851,7 +5147,7 @@
     </p:spTree>
     <p:extLst>
       <p:ext uri="{BB962C8B-B14F-4D97-AF65-F5344CB8AC3E}">
-        <p14:creationId xmlns:p14="http://schemas.microsoft.com/office/powerpoint/2010/main" val="3687149341"/>
+        <p14:creationId xmlns:p14="http://schemas.microsoft.com/office/powerpoint/2010/main" val="1348012161"/>
       </p:ext>
     </p:extLst>
   </p:cSld>
@@ -3883,6 +5179,385 @@
           <p:cNvPr id="5" name="Picture 4">
             <a:extLst>
               <a:ext uri="{FF2B5EF4-FFF2-40B4-BE49-F238E27FC236}">
+                <a16:creationId xmlns:a16="http://schemas.microsoft.com/office/drawing/2014/main" id="{47B5DF5F-457B-FE17-155A-D15BC8099AB5}"/>
+              </a:ext>
+            </a:extLst>
+          </p:cNvPr>
+          <p:cNvPicPr>
+            <a:picLocks noChangeAspect="1"/>
+          </p:cNvPicPr>
+          <p:nvPr/>
+        </p:nvPicPr>
+        <p:blipFill rotWithShape="1">
+          <a:blip r:embed="rId2"/>
+          <a:srcRect r="19747" b="12586"/>
+          <a:stretch/>
+        </p:blipFill>
+        <p:spPr>
+          <a:xfrm>
+            <a:off x="6065216" y="85162"/>
+            <a:ext cx="4027405" cy="3326398"/>
+          </a:xfrm>
+          <a:prstGeom prst="rect">
+            <a:avLst/>
+          </a:prstGeom>
+        </p:spPr>
+      </p:pic>
+      <p:pic>
+        <p:nvPicPr>
+          <p:cNvPr id="7" name="Picture 6">
+            <a:extLst>
+              <a:ext uri="{FF2B5EF4-FFF2-40B4-BE49-F238E27FC236}">
+                <a16:creationId xmlns:a16="http://schemas.microsoft.com/office/drawing/2014/main" id="{0757C48E-615D-59D9-C6E2-C2FA9B52FB35}"/>
+              </a:ext>
+            </a:extLst>
+          </p:cNvPr>
+          <p:cNvPicPr>
+            <a:picLocks noChangeAspect="1"/>
+          </p:cNvPicPr>
+          <p:nvPr/>
+        </p:nvPicPr>
+        <p:blipFill>
+          <a:blip r:embed="rId3"/>
+          <a:stretch>
+            <a:fillRect/>
+          </a:stretch>
+        </p:blipFill>
+        <p:spPr>
+          <a:xfrm>
+            <a:off x="585848" y="237765"/>
+            <a:ext cx="5067739" cy="2834886"/>
+          </a:xfrm>
+          <a:prstGeom prst="rect">
+            <a:avLst/>
+          </a:prstGeom>
+        </p:spPr>
+      </p:pic>
+      <p:pic>
+        <p:nvPicPr>
+          <p:cNvPr id="9" name="Picture 8">
+            <a:extLst>
+              <a:ext uri="{FF2B5EF4-FFF2-40B4-BE49-F238E27FC236}">
+                <a16:creationId xmlns:a16="http://schemas.microsoft.com/office/drawing/2014/main" id="{CFD2E55D-D7E4-6C29-8B85-41D48E92D19F}"/>
+              </a:ext>
+            </a:extLst>
+          </p:cNvPr>
+          <p:cNvPicPr>
+            <a:picLocks noChangeAspect="1"/>
+          </p:cNvPicPr>
+          <p:nvPr/>
+        </p:nvPicPr>
+        <p:blipFill>
+          <a:blip r:embed="rId4"/>
+          <a:stretch>
+            <a:fillRect/>
+          </a:stretch>
+        </p:blipFill>
+        <p:spPr>
+          <a:xfrm>
+            <a:off x="-83007" y="3624097"/>
+            <a:ext cx="6405448" cy="2644653"/>
+          </a:xfrm>
+          <a:prstGeom prst="rect">
+            <a:avLst/>
+          </a:prstGeom>
+        </p:spPr>
+      </p:pic>
+      <p:sp>
+        <p:nvSpPr>
+          <p:cNvPr id="10" name="TextBox 9">
+            <a:extLst>
+              <a:ext uri="{FF2B5EF4-FFF2-40B4-BE49-F238E27FC236}">
+                <a16:creationId xmlns:a16="http://schemas.microsoft.com/office/drawing/2014/main" id="{01295D38-7784-4474-8CFF-C6F547A6FB2B}"/>
+              </a:ext>
+            </a:extLst>
+          </p:cNvPr>
+          <p:cNvSpPr txBox="1"/>
+          <p:nvPr/>
+        </p:nvSpPr>
+        <p:spPr>
+          <a:xfrm>
+            <a:off x="2223246" y="5945585"/>
+            <a:ext cx="1792942" cy="646331"/>
+          </a:xfrm>
+          <a:prstGeom prst="rect">
+            <a:avLst/>
+          </a:prstGeom>
+          <a:noFill/>
+        </p:spPr>
+        <p:txBody>
+          <a:bodyPr wrap="square" rtlCol="0">
+            <a:spAutoFit/>
+          </a:bodyPr>
+          <a:lstStyle/>
+          <a:p>
+            <a:r>
+              <a:rPr lang="en-SG" dirty="0"/>
+              <a:t>3hrs with batch size=32</a:t>
+            </a:r>
+          </a:p>
+        </p:txBody>
+      </p:sp>
+      <p:pic>
+        <p:nvPicPr>
+          <p:cNvPr id="12" name="Picture 11">
+            <a:extLst>
+              <a:ext uri="{FF2B5EF4-FFF2-40B4-BE49-F238E27FC236}">
+                <a16:creationId xmlns:a16="http://schemas.microsoft.com/office/drawing/2014/main" id="{ED960703-E5B0-1879-2AC2-1278F1629CF4}"/>
+              </a:ext>
+            </a:extLst>
+          </p:cNvPr>
+          <p:cNvPicPr>
+            <a:picLocks noChangeAspect="1"/>
+          </p:cNvPicPr>
+          <p:nvPr/>
+        </p:nvPicPr>
+        <p:blipFill>
+          <a:blip r:embed="rId5"/>
+          <a:stretch>
+            <a:fillRect/>
+          </a:stretch>
+        </p:blipFill>
+        <p:spPr>
+          <a:xfrm>
+            <a:off x="6322441" y="3963006"/>
+            <a:ext cx="5427423" cy="960070"/>
+          </a:xfrm>
+          <a:prstGeom prst="rect">
+            <a:avLst/>
+          </a:prstGeom>
+        </p:spPr>
+      </p:pic>
+    </p:spTree>
+    <p:extLst>
+      <p:ext uri="{BB962C8B-B14F-4D97-AF65-F5344CB8AC3E}">
+        <p14:creationId xmlns:p14="http://schemas.microsoft.com/office/powerpoint/2010/main" val="46609934"/>
+      </p:ext>
+    </p:extLst>
+  </p:cSld>
+  <p:clrMapOvr>
+    <a:masterClrMapping/>
+  </p:clrMapOvr>
+</p:sld>
+</file>
+
+<file path=ppt/slides/slide13.xml><?xml version="1.0" encoding="utf-8"?>
+<p:sld xmlns:a="http://schemas.openxmlformats.org/drawingml/2006/main" xmlns:r="http://schemas.openxmlformats.org/officeDocument/2006/relationships" xmlns:p="http://schemas.openxmlformats.org/presentationml/2006/main">
+  <p:cSld>
+    <p:spTree>
+      <p:nvGrpSpPr>
+        <p:cNvPr id="1" name=""/>
+        <p:cNvGrpSpPr/>
+        <p:nvPr/>
+      </p:nvGrpSpPr>
+      <p:grpSpPr>
+        <a:xfrm>
+          <a:off x="0" y="0"/>
+          <a:ext cx="0" cy="0"/>
+          <a:chOff x="0" y="0"/>
+          <a:chExt cx="0" cy="0"/>
+        </a:xfrm>
+      </p:grpSpPr>
+      <p:pic>
+        <p:nvPicPr>
+          <p:cNvPr id="5" name="Picture 4">
+            <a:extLst>
+              <a:ext uri="{FF2B5EF4-FFF2-40B4-BE49-F238E27FC236}">
+                <a16:creationId xmlns:a16="http://schemas.microsoft.com/office/drawing/2014/main" id="{FDD235E6-1A53-DC12-4A42-B4D23634B46A}"/>
+              </a:ext>
+            </a:extLst>
+          </p:cNvPr>
+          <p:cNvPicPr>
+            <a:picLocks noChangeAspect="1"/>
+          </p:cNvPicPr>
+          <p:nvPr/>
+        </p:nvPicPr>
+        <p:blipFill>
+          <a:blip r:embed="rId2"/>
+          <a:stretch>
+            <a:fillRect/>
+          </a:stretch>
+        </p:blipFill>
+        <p:spPr>
+          <a:xfrm>
+            <a:off x="2734139" y="638887"/>
+            <a:ext cx="7369179" cy="1653683"/>
+          </a:xfrm>
+          <a:prstGeom prst="rect">
+            <a:avLst/>
+          </a:prstGeom>
+        </p:spPr>
+      </p:pic>
+      <p:sp>
+        <p:nvSpPr>
+          <p:cNvPr id="6" name="TextBox 5">
+            <a:extLst>
+              <a:ext uri="{FF2B5EF4-FFF2-40B4-BE49-F238E27FC236}">
+                <a16:creationId xmlns:a16="http://schemas.microsoft.com/office/drawing/2014/main" id="{6C7DC564-E018-5DEA-E589-56DC379D371F}"/>
+              </a:ext>
+            </a:extLst>
+          </p:cNvPr>
+          <p:cNvSpPr txBox="1"/>
+          <p:nvPr/>
+        </p:nvSpPr>
+        <p:spPr>
+          <a:xfrm>
+            <a:off x="1757082" y="1694484"/>
+            <a:ext cx="1039906" cy="369332"/>
+          </a:xfrm>
+          <a:prstGeom prst="rect">
+            <a:avLst/>
+          </a:prstGeom>
+          <a:noFill/>
+        </p:spPr>
+        <p:txBody>
+          <a:bodyPr wrap="square" rtlCol="0">
+            <a:spAutoFit/>
+          </a:bodyPr>
+          <a:lstStyle/>
+          <a:p>
+            <a:r>
+              <a:rPr lang="en-SG" dirty="0"/>
+              <a:t>770M</a:t>
+            </a:r>
+          </a:p>
+        </p:txBody>
+      </p:sp>
+      <p:sp>
+        <p:nvSpPr>
+          <p:cNvPr id="7" name="TextBox 6">
+            <a:extLst>
+              <a:ext uri="{FF2B5EF4-FFF2-40B4-BE49-F238E27FC236}">
+                <a16:creationId xmlns:a16="http://schemas.microsoft.com/office/drawing/2014/main" id="{C6945E26-44B8-202C-2264-71F678DB7BDF}"/>
+              </a:ext>
+            </a:extLst>
+          </p:cNvPr>
+          <p:cNvSpPr txBox="1"/>
+          <p:nvPr/>
+        </p:nvSpPr>
+        <p:spPr>
+          <a:xfrm>
+            <a:off x="1757082" y="1281953"/>
+            <a:ext cx="1039906" cy="369332"/>
+          </a:xfrm>
+          <a:prstGeom prst="rect">
+            <a:avLst/>
+          </a:prstGeom>
+          <a:noFill/>
+        </p:spPr>
+        <p:txBody>
+          <a:bodyPr wrap="square" rtlCol="0">
+            <a:spAutoFit/>
+          </a:bodyPr>
+          <a:lstStyle/>
+          <a:p>
+            <a:r>
+              <a:rPr lang="en-SG" dirty="0"/>
+              <a:t>60M</a:t>
+            </a:r>
+          </a:p>
+        </p:txBody>
+      </p:sp>
+      <p:sp>
+        <p:nvSpPr>
+          <p:cNvPr id="8" name="TextBox 7">
+            <a:extLst>
+              <a:ext uri="{FF2B5EF4-FFF2-40B4-BE49-F238E27FC236}">
+                <a16:creationId xmlns:a16="http://schemas.microsoft.com/office/drawing/2014/main" id="{DF23705D-2D51-7DB1-10B9-5719DDD6496B}"/>
+              </a:ext>
+            </a:extLst>
+          </p:cNvPr>
+          <p:cNvSpPr txBox="1"/>
+          <p:nvPr/>
+        </p:nvSpPr>
+        <p:spPr>
+          <a:xfrm>
+            <a:off x="1757082" y="1465729"/>
+            <a:ext cx="1039906" cy="369332"/>
+          </a:xfrm>
+          <a:prstGeom prst="rect">
+            <a:avLst/>
+          </a:prstGeom>
+          <a:noFill/>
+        </p:spPr>
+        <p:txBody>
+          <a:bodyPr wrap="square" rtlCol="0">
+            <a:spAutoFit/>
+          </a:bodyPr>
+          <a:lstStyle/>
+          <a:p>
+            <a:r>
+              <a:rPr lang="en-SG" dirty="0"/>
+              <a:t>220M</a:t>
+            </a:r>
+          </a:p>
+        </p:txBody>
+      </p:sp>
+      <p:pic>
+        <p:nvPicPr>
+          <p:cNvPr id="10" name="Picture 9">
+            <a:extLst>
+              <a:ext uri="{FF2B5EF4-FFF2-40B4-BE49-F238E27FC236}">
+                <a16:creationId xmlns:a16="http://schemas.microsoft.com/office/drawing/2014/main" id="{94F973BA-1F8B-2F0E-283A-BB9A58D361FF}"/>
+              </a:ext>
+            </a:extLst>
+          </p:cNvPr>
+          <p:cNvPicPr>
+            <a:picLocks noChangeAspect="1"/>
+          </p:cNvPicPr>
+          <p:nvPr/>
+        </p:nvPicPr>
+        <p:blipFill>
+          <a:blip r:embed="rId3"/>
+          <a:stretch>
+            <a:fillRect/>
+          </a:stretch>
+        </p:blipFill>
+        <p:spPr>
+          <a:xfrm>
+            <a:off x="3604139" y="2472644"/>
+            <a:ext cx="6499179" cy="3746469"/>
+          </a:xfrm>
+          <a:prstGeom prst="rect">
+            <a:avLst/>
+          </a:prstGeom>
+        </p:spPr>
+      </p:pic>
+    </p:spTree>
+    <p:extLst>
+      <p:ext uri="{BB962C8B-B14F-4D97-AF65-F5344CB8AC3E}">
+        <p14:creationId xmlns:p14="http://schemas.microsoft.com/office/powerpoint/2010/main" val="3687149341"/>
+      </p:ext>
+    </p:extLst>
+  </p:cSld>
+  <p:clrMapOvr>
+    <a:masterClrMapping/>
+  </p:clrMapOvr>
+</p:sld>
+</file>
+
+<file path=ppt/slides/slide14.xml><?xml version="1.0" encoding="utf-8"?>
+<p:sld xmlns:a="http://schemas.openxmlformats.org/drawingml/2006/main" xmlns:r="http://schemas.openxmlformats.org/officeDocument/2006/relationships" xmlns:p="http://schemas.openxmlformats.org/presentationml/2006/main">
+  <p:cSld>
+    <p:spTree>
+      <p:nvGrpSpPr>
+        <p:cNvPr id="1" name=""/>
+        <p:cNvGrpSpPr/>
+        <p:nvPr/>
+      </p:nvGrpSpPr>
+      <p:grpSpPr>
+        <a:xfrm>
+          <a:off x="0" y="0"/>
+          <a:ext cx="0" cy="0"/>
+          <a:chOff x="0" y="0"/>
+          <a:chExt cx="0" cy="0"/>
+        </a:xfrm>
+      </p:grpSpPr>
+      <p:pic>
+        <p:nvPicPr>
+          <p:cNvPr id="5" name="Picture 4">
+            <a:extLst>
+              <a:ext uri="{FF2B5EF4-FFF2-40B4-BE49-F238E27FC236}">
                 <a16:creationId xmlns:a16="http://schemas.microsoft.com/office/drawing/2014/main" id="{1358138D-E869-1824-20C2-ADF5631EEF3D}"/>
               </a:ext>
             </a:extLst>
@@ -3921,7 +5596,7 @@
 </p:sld>
 </file>
 
-<file path=ppt/slides/slide13.xml><?xml version="1.0" encoding="utf-8"?>
+<file path=ppt/slides/slide15.xml><?xml version="1.0" encoding="utf-8"?>
 <p:sld xmlns:a="http://schemas.openxmlformats.org/drawingml/2006/main" xmlns:r="http://schemas.openxmlformats.org/officeDocument/2006/relationships" xmlns:p="http://schemas.openxmlformats.org/presentationml/2006/main">
   <p:cSld>
     <p:spTree>
@@ -4977,12 +6652,48 @@
           <a:chExt cx="0" cy="0"/>
         </a:xfrm>
       </p:grpSpPr>
-      <p:sp>
-        <p:nvSpPr>
-          <p:cNvPr id="2" name="Rectangle 1">
-            <a:extLst>
-              <a:ext uri="{FF2B5EF4-FFF2-40B4-BE49-F238E27FC236}">
-                <a16:creationId xmlns:a16="http://schemas.microsoft.com/office/drawing/2014/main" id="{81AAA260-1A5E-19C7-C291-7FB5A92613F6}"/>
+      <p:pic>
+        <p:nvPicPr>
+          <p:cNvPr id="9" name="Picture 8">
+            <a:extLst>
+              <a:ext uri="{FF2B5EF4-FFF2-40B4-BE49-F238E27FC236}">
+                <a16:creationId xmlns:a16="http://schemas.microsoft.com/office/drawing/2014/main" id="{C0CAC1EE-DDBE-22EE-1CA1-2357FA349327}"/>
+              </a:ext>
+            </a:extLst>
+          </p:cNvPr>
+          <p:cNvPicPr>
+            <a:picLocks noChangeAspect="1"/>
+          </p:cNvPicPr>
+          <p:nvPr/>
+        </p:nvPicPr>
+        <p:blipFill>
+          <a:blip r:embed="rId2">
+            <a:extLst>
+              <a:ext uri="{28A0092B-C50C-407E-A947-70E740481C1C}">
+                <a14:useLocalDpi xmlns:a14="http://schemas.microsoft.com/office/drawing/2010/main" val="0"/>
+              </a:ext>
+            </a:extLst>
+          </a:blip>
+          <a:stretch>
+            <a:fillRect/>
+          </a:stretch>
+        </p:blipFill>
+        <p:spPr>
+          <a:xfrm>
+            <a:off x="7747613" y="1236133"/>
+            <a:ext cx="3699318" cy="3466420"/>
+          </a:xfrm>
+          <a:prstGeom prst="rect">
+            <a:avLst/>
+          </a:prstGeom>
+        </p:spPr>
+      </p:pic>
+      <p:sp>
+        <p:nvSpPr>
+          <p:cNvPr id="17" name="Rectangle 16">
+            <a:extLst>
+              <a:ext uri="{FF2B5EF4-FFF2-40B4-BE49-F238E27FC236}">
+                <a16:creationId xmlns:a16="http://schemas.microsoft.com/office/drawing/2014/main" id="{9DD44181-0B20-CEA3-37DB-9B44AFED3AC8}"/>
               </a:ext>
             </a:extLst>
           </p:cNvPr>
@@ -4991,21 +6702,26 @@
         </p:nvSpPr>
         <p:spPr>
           <a:xfrm>
-            <a:off x="3155577" y="1050378"/>
-            <a:ext cx="2814918" cy="3542114"/>
+            <a:off x="4350698" y="1236133"/>
+            <a:ext cx="786839" cy="566733"/>
           </a:xfrm>
           <a:prstGeom prst="rect">
             <a:avLst/>
           </a:prstGeom>
           <a:noFill/>
-          <a:ln w="19050">
-            <a:prstDash val="dashDot"/>
+          <a:ln w="28575">
+            <a:solidFill>
+              <a:schemeClr val="accent6">
+                <a:lumMod val="60000"/>
+                <a:lumOff val="40000"/>
+              </a:schemeClr>
+            </a:solidFill>
           </a:ln>
         </p:spPr>
         <p:style>
           <a:lnRef idx="2">
             <a:schemeClr val="accent1">
-              <a:shade val="50000"/>
+              <a:shade val="15000"/>
             </a:schemeClr>
           </a:lnRef>
           <a:fillRef idx="1">
@@ -5023,111 +6739,44 @@
           <a:lstStyle/>
           <a:p>
             <a:pPr algn="ctr"/>
-            <a:endParaRPr lang="en-SG"/>
-          </a:p>
-        </p:txBody>
-      </p:sp>
-      <p:sp>
-        <p:nvSpPr>
-          <p:cNvPr id="3" name="TextBox 2">
-            <a:extLst>
-              <a:ext uri="{FF2B5EF4-FFF2-40B4-BE49-F238E27FC236}">
-                <a16:creationId xmlns:a16="http://schemas.microsoft.com/office/drawing/2014/main" id="{7A4010C4-0E6B-D0C3-F436-1737CA909EAF}"/>
-              </a:ext>
-            </a:extLst>
-          </p:cNvPr>
-          <p:cNvSpPr txBox="1"/>
+            <a:endParaRPr lang="en-SG" sz="1600"/>
+          </a:p>
+        </p:txBody>
+      </p:sp>
+      <p:sp>
+        <p:nvSpPr>
+          <p:cNvPr id="18" name="Rectangle 17">
+            <a:extLst>
+              <a:ext uri="{FF2B5EF4-FFF2-40B4-BE49-F238E27FC236}">
+                <a16:creationId xmlns:a16="http://schemas.microsoft.com/office/drawing/2014/main" id="{5FFE501C-7A0B-DA2A-39C7-731B18B1444D}"/>
+              </a:ext>
+            </a:extLst>
+          </p:cNvPr>
+          <p:cNvSpPr/>
           <p:nvPr/>
         </p:nvSpPr>
         <p:spPr>
           <a:xfrm>
-            <a:off x="3240741" y="4690628"/>
-            <a:ext cx="2447365" cy="369332"/>
+            <a:off x="4186283" y="1659807"/>
+            <a:ext cx="704633" cy="577737"/>
           </a:xfrm>
           <a:prstGeom prst="rect">
             <a:avLst/>
           </a:prstGeom>
           <a:noFill/>
-        </p:spPr>
-        <p:txBody>
-          <a:bodyPr wrap="square" rtlCol="0">
-            <a:spAutoFit/>
-          </a:bodyPr>
-          <a:lstStyle/>
-          <a:p>
-            <a:pPr algn="ctr"/>
-            <a:r>
-              <a:rPr lang="en-SG" dirty="0"/>
-              <a:t>Prompting</a:t>
-            </a:r>
-          </a:p>
-        </p:txBody>
-      </p:sp>
-      <p:sp>
-        <p:nvSpPr>
-          <p:cNvPr id="6" name="TextBox 5">
-            <a:extLst>
-              <a:ext uri="{FF2B5EF4-FFF2-40B4-BE49-F238E27FC236}">
-                <a16:creationId xmlns:a16="http://schemas.microsoft.com/office/drawing/2014/main" id="{9ECA0197-C21D-CF13-640C-9108B0041B10}"/>
-              </a:ext>
-            </a:extLst>
-          </p:cNvPr>
-          <p:cNvSpPr txBox="1"/>
-          <p:nvPr/>
-        </p:nvSpPr>
-        <p:spPr>
-          <a:xfrm>
-            <a:off x="7153448" y="4690628"/>
-            <a:ext cx="2447365" cy="369332"/>
-          </a:xfrm>
-          <a:prstGeom prst="rect">
-            <a:avLst/>
-          </a:prstGeom>
-          <a:noFill/>
-        </p:spPr>
-        <p:txBody>
-          <a:bodyPr wrap="square" rtlCol="0">
-            <a:spAutoFit/>
-          </a:bodyPr>
-          <a:lstStyle/>
-          <a:p>
-            <a:pPr algn="ctr"/>
-            <a:r>
-              <a:rPr lang="en-SG" dirty="0"/>
-              <a:t>Verification</a:t>
-            </a:r>
-          </a:p>
-        </p:txBody>
-      </p:sp>
-      <p:sp>
-        <p:nvSpPr>
-          <p:cNvPr id="7" name="Rectangle 6">
-            <a:extLst>
-              <a:ext uri="{FF2B5EF4-FFF2-40B4-BE49-F238E27FC236}">
-                <a16:creationId xmlns:a16="http://schemas.microsoft.com/office/drawing/2014/main" id="{6C422647-D373-D019-908D-7C5277CDA90E}"/>
-              </a:ext>
-            </a:extLst>
-          </p:cNvPr>
-          <p:cNvSpPr/>
-          <p:nvPr/>
-        </p:nvSpPr>
-        <p:spPr>
-          <a:xfrm>
-            <a:off x="10147660" y="1050378"/>
-            <a:ext cx="1972623" cy="3542114"/>
-          </a:xfrm>
-          <a:prstGeom prst="rect">
-            <a:avLst/>
-          </a:prstGeom>
-          <a:noFill/>
-          <a:ln w="19050">
-            <a:prstDash val="dashDot"/>
+          <a:ln w="28575">
+            <a:solidFill>
+              <a:schemeClr val="accent6">
+                <a:lumMod val="60000"/>
+                <a:lumOff val="40000"/>
+              </a:schemeClr>
+            </a:solidFill>
           </a:ln>
         </p:spPr>
         <p:style>
           <a:lnRef idx="2">
             <a:schemeClr val="accent1">
-              <a:shade val="50000"/>
+              <a:shade val="15000"/>
             </a:schemeClr>
           </a:lnRef>
           <a:fillRef idx="1">
@@ -5145,311 +6794,44 @@
           <a:lstStyle/>
           <a:p>
             <a:pPr algn="ctr"/>
-            <a:endParaRPr lang="en-SG"/>
-          </a:p>
-        </p:txBody>
-      </p:sp>
-      <p:sp>
-        <p:nvSpPr>
-          <p:cNvPr id="8" name="TextBox 7">
-            <a:extLst>
-              <a:ext uri="{FF2B5EF4-FFF2-40B4-BE49-F238E27FC236}">
-                <a16:creationId xmlns:a16="http://schemas.microsoft.com/office/drawing/2014/main" id="{63E98F56-79BC-E5DF-2F24-6C6CAB22FA95}"/>
-              </a:ext>
-            </a:extLst>
-          </p:cNvPr>
-          <p:cNvSpPr txBox="1"/>
+            <a:endParaRPr lang="en-SG" sz="1600"/>
+          </a:p>
+        </p:txBody>
+      </p:sp>
+      <p:sp>
+        <p:nvSpPr>
+          <p:cNvPr id="19" name="Rectangle 18">
+            <a:extLst>
+              <a:ext uri="{FF2B5EF4-FFF2-40B4-BE49-F238E27FC236}">
+                <a16:creationId xmlns:a16="http://schemas.microsoft.com/office/drawing/2014/main" id="{4DA4073B-2A0D-75EB-7766-BCE968780FBC}"/>
+              </a:ext>
+            </a:extLst>
+          </p:cNvPr>
+          <p:cNvSpPr/>
           <p:nvPr/>
         </p:nvSpPr>
         <p:spPr>
           <a:xfrm>
-            <a:off x="10407441" y="4694494"/>
-            <a:ext cx="1659054" cy="369332"/>
+            <a:off x="6112277" y="4493468"/>
+            <a:ext cx="229006" cy="209085"/>
           </a:xfrm>
           <a:prstGeom prst="rect">
             <a:avLst/>
           </a:prstGeom>
           <a:noFill/>
-        </p:spPr>
-        <p:txBody>
-          <a:bodyPr wrap="square" rtlCol="0">
-            <a:spAutoFit/>
-          </a:bodyPr>
-          <a:lstStyle/>
-          <a:p>
-            <a:r>
-              <a:rPr lang="en-SG" dirty="0"/>
-              <a:t>Augmentation</a:t>
-            </a:r>
-          </a:p>
-        </p:txBody>
-      </p:sp>
-      <p:pic>
-        <p:nvPicPr>
-          <p:cNvPr id="9" name="Picture 8">
-            <a:extLst>
-              <a:ext uri="{FF2B5EF4-FFF2-40B4-BE49-F238E27FC236}">
-                <a16:creationId xmlns:a16="http://schemas.microsoft.com/office/drawing/2014/main" id="{7DE84D44-0D7B-15F0-DF73-DB50C104B26A}"/>
-              </a:ext>
-            </a:extLst>
-          </p:cNvPr>
-          <p:cNvPicPr>
-            <a:picLocks noChangeAspect="1"/>
-          </p:cNvPicPr>
-          <p:nvPr/>
-        </p:nvPicPr>
-        <p:blipFill>
-          <a:blip r:embed="rId2">
-            <a:extLst>
-              <a:ext uri="{28A0092B-C50C-407E-A947-70E740481C1C}">
-                <a14:useLocalDpi xmlns:a14="http://schemas.microsoft.com/office/drawing/2010/main" val="0"/>
-              </a:ext>
-            </a:extLst>
-          </a:blip>
-          <a:stretch>
-            <a:fillRect/>
-          </a:stretch>
-        </p:blipFill>
-        <p:spPr>
-          <a:xfrm>
-            <a:off x="-125505" y="1293135"/>
-            <a:ext cx="12192000" cy="3107921"/>
-          </a:xfrm>
-          <a:prstGeom prst="rect">
-            <a:avLst/>
-          </a:prstGeom>
-        </p:spPr>
-      </p:pic>
-      <p:sp>
-        <p:nvSpPr>
-          <p:cNvPr id="12" name="Text Placeholder 2">
-            <a:extLst>
-              <a:ext uri="{FF2B5EF4-FFF2-40B4-BE49-F238E27FC236}">
-                <a16:creationId xmlns:a16="http://schemas.microsoft.com/office/drawing/2014/main" id="{F8AAE666-DC31-0195-FDA9-972BB091BA81}"/>
-              </a:ext>
-            </a:extLst>
-          </p:cNvPr>
-          <p:cNvSpPr txBox="1">
-            <a:spLocks/>
-          </p:cNvSpPr>
-          <p:nvPr/>
-        </p:nvSpPr>
-        <p:spPr>
-          <a:xfrm>
-            <a:off x="337677" y="340741"/>
-            <a:ext cx="11277599" cy="387798"/>
-          </a:xfrm>
-          <a:prstGeom prst="rect">
-            <a:avLst/>
-          </a:prstGeom>
-        </p:spPr>
-        <p:txBody>
-          <a:bodyPr/>
-          <a:lstStyle>
-            <a:lvl1pPr marL="228600" indent="-228600" algn="l" defTabSz="914400" rtl="0" eaLnBrk="1" latinLnBrk="0" hangingPunct="1">
-              <a:lnSpc>
-                <a:spcPct val="90000"/>
-              </a:lnSpc>
-              <a:spcBef>
-                <a:spcPts val="1000"/>
-              </a:spcBef>
-              <a:buFont typeface="Arial" panose="020B0604020202020204" pitchFamily="34" charset="0"/>
-              <a:buChar char="•"/>
-              <a:defRPr sz="2800" kern="1200">
-                <a:solidFill>
-                  <a:schemeClr val="tx1"/>
-                </a:solidFill>
-                <a:latin typeface="+mn-lt"/>
-                <a:ea typeface="+mn-ea"/>
-                <a:cs typeface="+mn-cs"/>
-              </a:defRPr>
-            </a:lvl1pPr>
-            <a:lvl2pPr marL="685800" indent="-228600" algn="l" defTabSz="914400" rtl="0" eaLnBrk="1" latinLnBrk="0" hangingPunct="1">
-              <a:lnSpc>
-                <a:spcPct val="90000"/>
-              </a:lnSpc>
-              <a:spcBef>
-                <a:spcPts val="500"/>
-              </a:spcBef>
-              <a:buFont typeface="Arial" panose="020B0604020202020204" pitchFamily="34" charset="0"/>
-              <a:buChar char="•"/>
-              <a:defRPr sz="2400" kern="1200">
-                <a:solidFill>
-                  <a:schemeClr val="tx1"/>
-                </a:solidFill>
-                <a:latin typeface="+mn-lt"/>
-                <a:ea typeface="+mn-ea"/>
-                <a:cs typeface="+mn-cs"/>
-              </a:defRPr>
-            </a:lvl2pPr>
-            <a:lvl3pPr marL="1143000" indent="-228600" algn="l" defTabSz="914400" rtl="0" eaLnBrk="1" latinLnBrk="0" hangingPunct="1">
-              <a:lnSpc>
-                <a:spcPct val="90000"/>
-              </a:lnSpc>
-              <a:spcBef>
-                <a:spcPts val="500"/>
-              </a:spcBef>
-              <a:buFont typeface="Arial" panose="020B0604020202020204" pitchFamily="34" charset="0"/>
-              <a:buChar char="•"/>
-              <a:defRPr sz="2000" kern="1200">
-                <a:solidFill>
-                  <a:schemeClr val="tx1"/>
-                </a:solidFill>
-                <a:latin typeface="+mn-lt"/>
-                <a:ea typeface="+mn-ea"/>
-                <a:cs typeface="+mn-cs"/>
-              </a:defRPr>
-            </a:lvl3pPr>
-            <a:lvl4pPr marL="1600200" indent="-228600" algn="l" defTabSz="914400" rtl="0" eaLnBrk="1" latinLnBrk="0" hangingPunct="1">
-              <a:lnSpc>
-                <a:spcPct val="90000"/>
-              </a:lnSpc>
-              <a:spcBef>
-                <a:spcPts val="500"/>
-              </a:spcBef>
-              <a:buFont typeface="Arial" panose="020B0604020202020204" pitchFamily="34" charset="0"/>
-              <a:buChar char="•"/>
-              <a:defRPr sz="1800" kern="1200">
-                <a:solidFill>
-                  <a:schemeClr val="tx1"/>
-                </a:solidFill>
-                <a:latin typeface="+mn-lt"/>
-                <a:ea typeface="+mn-ea"/>
-                <a:cs typeface="+mn-cs"/>
-              </a:defRPr>
-            </a:lvl4pPr>
-            <a:lvl5pPr marL="2057400" indent="-228600" algn="l" defTabSz="914400" rtl="0" eaLnBrk="1" latinLnBrk="0" hangingPunct="1">
-              <a:lnSpc>
-                <a:spcPct val="90000"/>
-              </a:lnSpc>
-              <a:spcBef>
-                <a:spcPts val="500"/>
-              </a:spcBef>
-              <a:buFont typeface="Arial" panose="020B0604020202020204" pitchFamily="34" charset="0"/>
-              <a:buChar char="•"/>
-              <a:defRPr sz="1800" kern="1200">
-                <a:solidFill>
-                  <a:schemeClr val="tx1"/>
-                </a:solidFill>
-                <a:latin typeface="+mn-lt"/>
-                <a:ea typeface="+mn-ea"/>
-                <a:cs typeface="+mn-cs"/>
-              </a:defRPr>
-            </a:lvl5pPr>
-            <a:lvl6pPr marL="2514600" indent="-228600" algn="l" defTabSz="914400" rtl="0" eaLnBrk="1" latinLnBrk="0" hangingPunct="1">
-              <a:lnSpc>
-                <a:spcPct val="90000"/>
-              </a:lnSpc>
-              <a:spcBef>
-                <a:spcPts val="500"/>
-              </a:spcBef>
-              <a:buFont typeface="Arial" panose="020B0604020202020204" pitchFamily="34" charset="0"/>
-              <a:buChar char="•"/>
-              <a:defRPr sz="1800" kern="1200">
-                <a:solidFill>
-                  <a:schemeClr val="tx1"/>
-                </a:solidFill>
-                <a:latin typeface="+mn-lt"/>
-                <a:ea typeface="+mn-ea"/>
-                <a:cs typeface="+mn-cs"/>
-              </a:defRPr>
-            </a:lvl6pPr>
-            <a:lvl7pPr marL="2971800" indent="-228600" algn="l" defTabSz="914400" rtl="0" eaLnBrk="1" latinLnBrk="0" hangingPunct="1">
-              <a:lnSpc>
-                <a:spcPct val="90000"/>
-              </a:lnSpc>
-              <a:spcBef>
-                <a:spcPts val="500"/>
-              </a:spcBef>
-              <a:buFont typeface="Arial" panose="020B0604020202020204" pitchFamily="34" charset="0"/>
-              <a:buChar char="•"/>
-              <a:defRPr sz="1800" kern="1200">
-                <a:solidFill>
-                  <a:schemeClr val="tx1"/>
-                </a:solidFill>
-                <a:latin typeface="+mn-lt"/>
-                <a:ea typeface="+mn-ea"/>
-                <a:cs typeface="+mn-cs"/>
-              </a:defRPr>
-            </a:lvl7pPr>
-            <a:lvl8pPr marL="3429000" indent="-228600" algn="l" defTabSz="914400" rtl="0" eaLnBrk="1" latinLnBrk="0" hangingPunct="1">
-              <a:lnSpc>
-                <a:spcPct val="90000"/>
-              </a:lnSpc>
-              <a:spcBef>
-                <a:spcPts val="500"/>
-              </a:spcBef>
-              <a:buFont typeface="Arial" panose="020B0604020202020204" pitchFamily="34" charset="0"/>
-              <a:buChar char="•"/>
-              <a:defRPr sz="1800" kern="1200">
-                <a:solidFill>
-                  <a:schemeClr val="tx1"/>
-                </a:solidFill>
-                <a:latin typeface="+mn-lt"/>
-                <a:ea typeface="+mn-ea"/>
-                <a:cs typeface="+mn-cs"/>
-              </a:defRPr>
-            </a:lvl8pPr>
-            <a:lvl9pPr marL="3886200" indent="-228600" algn="l" defTabSz="914400" rtl="0" eaLnBrk="1" latinLnBrk="0" hangingPunct="1">
-              <a:lnSpc>
-                <a:spcPct val="90000"/>
-              </a:lnSpc>
-              <a:spcBef>
-                <a:spcPts val="500"/>
-              </a:spcBef>
-              <a:buFont typeface="Arial" panose="020B0604020202020204" pitchFamily="34" charset="0"/>
-              <a:buChar char="•"/>
-              <a:defRPr sz="1800" kern="1200">
-                <a:solidFill>
-                  <a:schemeClr val="tx1"/>
-                </a:solidFill>
-                <a:latin typeface="+mn-lt"/>
-                <a:ea typeface="+mn-ea"/>
-                <a:cs typeface="+mn-cs"/>
-              </a:defRPr>
-            </a:lvl9pPr>
-          </a:lstStyle>
-          <a:p>
-            <a:pPr marL="0" indent="0">
-              <a:buNone/>
-            </a:pPr>
-            <a:r>
-              <a:rPr lang="en-SG" dirty="0"/>
-              <a:t>Data Collection Process</a:t>
-            </a:r>
-            <a:endParaRPr lang="en-US" dirty="0"/>
-          </a:p>
-        </p:txBody>
-      </p:sp>
-      <p:sp>
-        <p:nvSpPr>
-          <p:cNvPr id="5" name="Rectangle 4">
-            <a:extLst>
-              <a:ext uri="{FF2B5EF4-FFF2-40B4-BE49-F238E27FC236}">
-                <a16:creationId xmlns:a16="http://schemas.microsoft.com/office/drawing/2014/main" id="{D1AB1728-50EF-096C-4F80-83D7D4BFBE3A}"/>
-              </a:ext>
-            </a:extLst>
-          </p:cNvPr>
-          <p:cNvSpPr/>
-          <p:nvPr/>
-        </p:nvSpPr>
-        <p:spPr>
-          <a:xfrm>
-            <a:off x="6391057" y="1050378"/>
-            <a:ext cx="3532096" cy="3542114"/>
-          </a:xfrm>
-          <a:prstGeom prst="rect">
-            <a:avLst/>
-          </a:prstGeom>
-          <a:noFill/>
-          <a:ln w="19050">
-            <a:prstDash val="dashDot"/>
+          <a:ln w="28575">
+            <a:solidFill>
+              <a:schemeClr val="accent4">
+                <a:lumMod val="60000"/>
+                <a:lumOff val="40000"/>
+              </a:schemeClr>
+            </a:solidFill>
           </a:ln>
         </p:spPr>
         <p:style>
           <a:lnRef idx="2">
             <a:schemeClr val="accent1">
-              <a:shade val="50000"/>
+              <a:shade val="15000"/>
             </a:schemeClr>
           </a:lnRef>
           <a:fillRef idx="1">
@@ -5467,74 +6849,41 @@
           <a:lstStyle/>
           <a:p>
             <a:pPr algn="ctr"/>
-            <a:endParaRPr lang="en-SG"/>
-          </a:p>
-        </p:txBody>
-      </p:sp>
-      <p:sp>
-        <p:nvSpPr>
-          <p:cNvPr id="14" name="TextBox 13">
-            <a:extLst>
-              <a:ext uri="{FF2B5EF4-FFF2-40B4-BE49-F238E27FC236}">
-                <a16:creationId xmlns:a16="http://schemas.microsoft.com/office/drawing/2014/main" id="{26F32CC9-550D-791C-66CE-7B700AA0813C}"/>
-              </a:ext>
-            </a:extLst>
-          </p:cNvPr>
-          <p:cNvSpPr txBox="1"/>
+            <a:endParaRPr lang="en-SG" sz="1600"/>
+          </a:p>
+        </p:txBody>
+      </p:sp>
+      <p:sp>
+        <p:nvSpPr>
+          <p:cNvPr id="20" name="Rectangle 19">
+            <a:extLst>
+              <a:ext uri="{FF2B5EF4-FFF2-40B4-BE49-F238E27FC236}">
+                <a16:creationId xmlns:a16="http://schemas.microsoft.com/office/drawing/2014/main" id="{6572ABBE-8DF8-FC32-937E-27E6121C1488}"/>
+              </a:ext>
+            </a:extLst>
+          </p:cNvPr>
+          <p:cNvSpPr/>
           <p:nvPr/>
         </p:nvSpPr>
         <p:spPr>
           <a:xfrm>
-            <a:off x="337677" y="4690628"/>
-            <a:ext cx="1930394" cy="369332"/>
+            <a:off x="5548572" y="1236133"/>
+            <a:ext cx="499115" cy="566733"/>
           </a:xfrm>
           <a:prstGeom prst="rect">
             <a:avLst/>
           </a:prstGeom>
           <a:noFill/>
-        </p:spPr>
-        <p:txBody>
-          <a:bodyPr wrap="square" rtlCol="0">
-            <a:spAutoFit/>
-          </a:bodyPr>
-          <a:lstStyle/>
-          <a:p>
-            <a:r>
-              <a:rPr lang="en-SG" dirty="0"/>
-              <a:t>Prompt selection</a:t>
-            </a:r>
-          </a:p>
-        </p:txBody>
-      </p:sp>
-      <p:sp>
-        <p:nvSpPr>
-          <p:cNvPr id="15" name="Rectangle 14">
-            <a:extLst>
-              <a:ext uri="{FF2B5EF4-FFF2-40B4-BE49-F238E27FC236}">
-                <a16:creationId xmlns:a16="http://schemas.microsoft.com/office/drawing/2014/main" id="{51A0CAA5-A754-895C-8266-56EC5EDB0882}"/>
-              </a:ext>
-            </a:extLst>
-          </p:cNvPr>
-          <p:cNvSpPr/>
-          <p:nvPr/>
-        </p:nvSpPr>
-        <p:spPr>
-          <a:xfrm>
-            <a:off x="130378" y="1050378"/>
-            <a:ext cx="2814918" cy="3542114"/>
-          </a:xfrm>
-          <a:prstGeom prst="rect">
-            <a:avLst/>
-          </a:prstGeom>
-          <a:noFill/>
-          <a:ln w="19050">
-            <a:prstDash val="dashDot"/>
+          <a:ln w="28575">
+            <a:solidFill>
+              <a:schemeClr val="accent5"/>
+            </a:solidFill>
           </a:ln>
         </p:spPr>
         <p:style>
           <a:lnRef idx="2">
             <a:schemeClr val="accent1">
-              <a:shade val="50000"/>
+              <a:shade val="15000"/>
             </a:schemeClr>
           </a:lnRef>
           <a:fillRef idx="1">
@@ -5552,16 +6901,68 @@
           <a:lstStyle/>
           <a:p>
             <a:pPr algn="ctr"/>
-            <a:endParaRPr lang="en-SG"/>
-          </a:p>
-        </p:txBody>
-      </p:sp>
-      <p:sp>
-        <p:nvSpPr>
-          <p:cNvPr id="17" name="TextBox 16">
-            <a:extLst>
-              <a:ext uri="{FF2B5EF4-FFF2-40B4-BE49-F238E27FC236}">
-                <a16:creationId xmlns:a16="http://schemas.microsoft.com/office/drawing/2014/main" id="{56202C21-E5B1-0B5E-072B-EF13AADB1F45}"/>
+            <a:endParaRPr lang="en-SG" sz="1600"/>
+          </a:p>
+        </p:txBody>
+      </p:sp>
+      <p:sp>
+        <p:nvSpPr>
+          <p:cNvPr id="21" name="Rectangle 20">
+            <a:extLst>
+              <a:ext uri="{FF2B5EF4-FFF2-40B4-BE49-F238E27FC236}">
+                <a16:creationId xmlns:a16="http://schemas.microsoft.com/office/drawing/2014/main" id="{9138C70F-743C-D088-DC95-85714902DBC1}"/>
+              </a:ext>
+            </a:extLst>
+          </p:cNvPr>
+          <p:cNvSpPr/>
+          <p:nvPr/>
+        </p:nvSpPr>
+        <p:spPr>
+          <a:xfrm>
+            <a:off x="6112277" y="1874395"/>
+            <a:ext cx="604811" cy="209085"/>
+          </a:xfrm>
+          <a:prstGeom prst="rect">
+            <a:avLst/>
+          </a:prstGeom>
+          <a:noFill/>
+          <a:ln w="28575">
+            <a:solidFill>
+              <a:schemeClr val="accent5"/>
+            </a:solidFill>
+          </a:ln>
+        </p:spPr>
+        <p:style>
+          <a:lnRef idx="2">
+            <a:schemeClr val="accent1">
+              <a:shade val="15000"/>
+            </a:schemeClr>
+          </a:lnRef>
+          <a:fillRef idx="1">
+            <a:schemeClr val="accent1"/>
+          </a:fillRef>
+          <a:effectRef idx="0">
+            <a:schemeClr val="accent1"/>
+          </a:effectRef>
+          <a:fontRef idx="minor">
+            <a:schemeClr val="lt1"/>
+          </a:fontRef>
+        </p:style>
+        <p:txBody>
+          <a:bodyPr rtlCol="0" anchor="ctr"/>
+          <a:lstStyle/>
+          <a:p>
+            <a:pPr algn="ctr"/>
+            <a:endParaRPr lang="en-SG" sz="1600"/>
+          </a:p>
+        </p:txBody>
+      </p:sp>
+      <p:sp>
+        <p:nvSpPr>
+          <p:cNvPr id="22" name="TextBox 21">
+            <a:extLst>
+              <a:ext uri="{FF2B5EF4-FFF2-40B4-BE49-F238E27FC236}">
+                <a16:creationId xmlns:a16="http://schemas.microsoft.com/office/drawing/2014/main" id="{676BA049-F7C3-EA77-52DD-90399DCF3FDC}"/>
               </a:ext>
             </a:extLst>
           </p:cNvPr>
@@ -5570,8 +6971,8 @@
         </p:nvSpPr>
         <p:spPr>
           <a:xfrm>
-            <a:off x="4110318" y="5807622"/>
-            <a:ext cx="905435" cy="369332"/>
+            <a:off x="4310311" y="1351733"/>
+            <a:ext cx="859520" cy="338554"/>
           </a:xfrm>
           <a:prstGeom prst="rect">
             <a:avLst/>
@@ -5584,19 +6985,20 @@
           </a:bodyPr>
           <a:lstStyle/>
           <a:p>
-            <a:r>
-              <a:rPr lang="en-SG" dirty="0"/>
-              <a:t>63.67</a:t>
-            </a:r>
-          </a:p>
-        </p:txBody>
-      </p:sp>
-      <p:sp>
-        <p:nvSpPr>
-          <p:cNvPr id="19" name="TextBox 18">
-            <a:extLst>
-              <a:ext uri="{FF2B5EF4-FFF2-40B4-BE49-F238E27FC236}">
-                <a16:creationId xmlns:a16="http://schemas.microsoft.com/office/drawing/2014/main" id="{FB850648-8D67-90B6-133D-7CEC8F9E786A}"/>
+            <a:pPr algn="ctr"/>
+            <a:r>
+              <a:rPr lang="en-SG" sz="1600" dirty="0"/>
+              <a:t>building</a:t>
+            </a:r>
+          </a:p>
+        </p:txBody>
+      </p:sp>
+      <p:sp>
+        <p:nvSpPr>
+          <p:cNvPr id="23" name="TextBox 22">
+            <a:extLst>
+              <a:ext uri="{FF2B5EF4-FFF2-40B4-BE49-F238E27FC236}">
+                <a16:creationId xmlns:a16="http://schemas.microsoft.com/office/drawing/2014/main" id="{DC2D1404-2B0C-6AF6-F661-EB44DCB09032}"/>
               </a:ext>
             </a:extLst>
           </p:cNvPr>
@@ -5605,8 +7007,8 @@
         </p:nvSpPr>
         <p:spPr>
           <a:xfrm>
-            <a:off x="7901611" y="5807622"/>
-            <a:ext cx="785190" cy="369332"/>
+            <a:off x="4089396" y="1828532"/>
+            <a:ext cx="898405" cy="338554"/>
           </a:xfrm>
           <a:prstGeom prst="rect">
             <a:avLst/>
@@ -5619,19 +7021,20 @@
           </a:bodyPr>
           <a:lstStyle/>
           <a:p>
-            <a:r>
-              <a:rPr lang="en-SG" dirty="0"/>
-              <a:t>90.09</a:t>
-            </a:r>
-          </a:p>
-        </p:txBody>
-      </p:sp>
-      <p:sp>
-        <p:nvSpPr>
-          <p:cNvPr id="20" name="TextBox 19">
-            <a:extLst>
-              <a:ext uri="{FF2B5EF4-FFF2-40B4-BE49-F238E27FC236}">
-                <a16:creationId xmlns:a16="http://schemas.microsoft.com/office/drawing/2014/main" id="{784DE7DB-7686-6082-677F-DEA3A3C633BA}"/>
+            <a:pPr algn="ctr"/>
+            <a:r>
+              <a:rPr lang="en-SG" sz="1600" dirty="0"/>
+              <a:t>building</a:t>
+            </a:r>
+          </a:p>
+        </p:txBody>
+      </p:sp>
+      <p:sp>
+        <p:nvSpPr>
+          <p:cNvPr id="24" name="TextBox 23">
+            <a:extLst>
+              <a:ext uri="{FF2B5EF4-FFF2-40B4-BE49-F238E27FC236}">
+                <a16:creationId xmlns:a16="http://schemas.microsoft.com/office/drawing/2014/main" id="{C8900984-2066-7ABB-9DCF-F1EC82B8D893}"/>
               </a:ext>
             </a:extLst>
           </p:cNvPr>
@@ -5640,8 +7043,8 @@
         </p:nvSpPr>
         <p:spPr>
           <a:xfrm>
-            <a:off x="186446" y="5669122"/>
-            <a:ext cx="3332592" cy="646331"/>
+            <a:off x="5493777" y="1351733"/>
+            <a:ext cx="608704" cy="338554"/>
           </a:xfrm>
           <a:prstGeom prst="rect">
             <a:avLst/>
@@ -5654,17 +7057,1420 @@
           </a:bodyPr>
           <a:lstStyle/>
           <a:p>
-            <a:r>
-              <a:rPr lang="en-SG" dirty="0"/>
-              <a:t>Similarity between GPT captions and manual labels (</a:t>
-            </a:r>
-            <a:r>
-              <a:rPr lang="en-SG" dirty="0" err="1"/>
-              <a:t>CIDEr</a:t>
-            </a:r>
-            <a:r>
-              <a:rPr lang="en-SG" dirty="0"/>
-              <a:t>)</a:t>
+            <a:pPr algn="ctr"/>
+            <a:r>
+              <a:rPr lang="en-SG" sz="1600" dirty="0"/>
+              <a:t>truck</a:t>
+            </a:r>
+          </a:p>
+        </p:txBody>
+      </p:sp>
+      <p:sp>
+        <p:nvSpPr>
+          <p:cNvPr id="25" name="TextBox 24">
+            <a:extLst>
+              <a:ext uri="{FF2B5EF4-FFF2-40B4-BE49-F238E27FC236}">
+                <a16:creationId xmlns:a16="http://schemas.microsoft.com/office/drawing/2014/main" id="{5CEDE787-544F-1735-C13D-7129AB393FF5}"/>
+              </a:ext>
+            </a:extLst>
+          </p:cNvPr>
+          <p:cNvSpPr txBox="1"/>
+          <p:nvPr/>
+        </p:nvSpPr>
+        <p:spPr>
+          <a:xfrm>
+            <a:off x="5866439" y="1828532"/>
+            <a:ext cx="1014375" cy="338554"/>
+          </a:xfrm>
+          <a:prstGeom prst="rect">
+            <a:avLst/>
+          </a:prstGeom>
+          <a:noFill/>
+        </p:spPr>
+        <p:txBody>
+          <a:bodyPr wrap="square" rtlCol="0">
+            <a:spAutoFit/>
+          </a:bodyPr>
+          <a:lstStyle/>
+          <a:p>
+            <a:pPr algn="ctr"/>
+            <a:r>
+              <a:rPr lang="en-SG" sz="1600" dirty="0"/>
+              <a:t>excavator</a:t>
+            </a:r>
+          </a:p>
+        </p:txBody>
+      </p:sp>
+      <p:sp>
+        <p:nvSpPr>
+          <p:cNvPr id="26" name="TextBox 25">
+            <a:extLst>
+              <a:ext uri="{FF2B5EF4-FFF2-40B4-BE49-F238E27FC236}">
+                <a16:creationId xmlns:a16="http://schemas.microsoft.com/office/drawing/2014/main" id="{CC73B298-B0CE-D43C-F9FC-653A59C1DA01}"/>
+              </a:ext>
+            </a:extLst>
+          </p:cNvPr>
+          <p:cNvSpPr txBox="1"/>
+          <p:nvPr/>
+        </p:nvSpPr>
+        <p:spPr>
+          <a:xfrm>
+            <a:off x="5805359" y="4432236"/>
+            <a:ext cx="898405" cy="338554"/>
+          </a:xfrm>
+          <a:prstGeom prst="rect">
+            <a:avLst/>
+          </a:prstGeom>
+          <a:noFill/>
+        </p:spPr>
+        <p:txBody>
+          <a:bodyPr wrap="square" rtlCol="0">
+            <a:spAutoFit/>
+          </a:bodyPr>
+          <a:lstStyle/>
+          <a:p>
+            <a:pPr algn="ctr"/>
+            <a:r>
+              <a:rPr lang="en-SG" sz="1600" dirty="0"/>
+              <a:t>building</a:t>
+            </a:r>
+          </a:p>
+        </p:txBody>
+      </p:sp>
+      <p:cxnSp>
+        <p:nvCxnSpPr>
+          <p:cNvPr id="32" name="Straight Connector 31">
+            <a:extLst>
+              <a:ext uri="{FF2B5EF4-FFF2-40B4-BE49-F238E27FC236}">
+                <a16:creationId xmlns:a16="http://schemas.microsoft.com/office/drawing/2014/main" id="{66EA0F71-9C84-8B49-6F34-A6FEF8D02A3C}"/>
+              </a:ext>
+            </a:extLst>
+          </p:cNvPr>
+          <p:cNvCxnSpPr>
+            <a:cxnSpLocks/>
+            <a:stCxn id="17" idx="3"/>
+            <a:endCxn id="20" idx="1"/>
+          </p:cNvCxnSpPr>
+          <p:nvPr/>
+        </p:nvCxnSpPr>
+        <p:spPr>
+          <a:xfrm>
+            <a:off x="5137537" y="1519500"/>
+            <a:ext cx="411035" cy="0"/>
+          </a:xfrm>
+          <a:prstGeom prst="line">
+            <a:avLst/>
+          </a:prstGeom>
+          <a:ln w="28575">
+            <a:solidFill>
+              <a:schemeClr val="bg1">
+                <a:lumMod val="65000"/>
+              </a:schemeClr>
+            </a:solidFill>
+            <a:prstDash val="dash"/>
+          </a:ln>
+        </p:spPr>
+        <p:style>
+          <a:lnRef idx="1">
+            <a:schemeClr val="accent1"/>
+          </a:lnRef>
+          <a:fillRef idx="0">
+            <a:schemeClr val="accent1"/>
+          </a:fillRef>
+          <a:effectRef idx="0">
+            <a:schemeClr val="accent1"/>
+          </a:effectRef>
+          <a:fontRef idx="minor">
+            <a:schemeClr val="tx1"/>
+          </a:fontRef>
+        </p:style>
+      </p:cxnSp>
+      <p:cxnSp>
+        <p:nvCxnSpPr>
+          <p:cNvPr id="38" name="Straight Connector 37">
+            <a:extLst>
+              <a:ext uri="{FF2B5EF4-FFF2-40B4-BE49-F238E27FC236}">
+                <a16:creationId xmlns:a16="http://schemas.microsoft.com/office/drawing/2014/main" id="{C82DB421-11AB-EB95-3049-7D98EC4FA783}"/>
+              </a:ext>
+            </a:extLst>
+          </p:cNvPr>
+          <p:cNvCxnSpPr>
+            <a:cxnSpLocks/>
+          </p:cNvCxnSpPr>
+          <p:nvPr/>
+        </p:nvCxnSpPr>
+        <p:spPr>
+          <a:xfrm>
+            <a:off x="6047686" y="1802866"/>
+            <a:ext cx="69729" cy="77031"/>
+          </a:xfrm>
+          <a:prstGeom prst="line">
+            <a:avLst/>
+          </a:prstGeom>
+          <a:ln w="28575">
+            <a:solidFill>
+              <a:schemeClr val="accent5"/>
+            </a:solidFill>
+          </a:ln>
+        </p:spPr>
+        <p:style>
+          <a:lnRef idx="1">
+            <a:schemeClr val="accent1"/>
+          </a:lnRef>
+          <a:fillRef idx="0">
+            <a:schemeClr val="accent1"/>
+          </a:fillRef>
+          <a:effectRef idx="0">
+            <a:schemeClr val="accent1"/>
+          </a:effectRef>
+          <a:fontRef idx="minor">
+            <a:schemeClr val="tx1"/>
+          </a:fontRef>
+        </p:style>
+      </p:cxnSp>
+      <p:cxnSp>
+        <p:nvCxnSpPr>
+          <p:cNvPr id="42" name="Straight Connector 41">
+            <a:extLst>
+              <a:ext uri="{FF2B5EF4-FFF2-40B4-BE49-F238E27FC236}">
+                <a16:creationId xmlns:a16="http://schemas.microsoft.com/office/drawing/2014/main" id="{0B405B0F-EB13-3E23-5BD8-EA32258B875F}"/>
+              </a:ext>
+            </a:extLst>
+          </p:cNvPr>
+          <p:cNvCxnSpPr>
+            <a:cxnSpLocks/>
+          </p:cNvCxnSpPr>
+          <p:nvPr/>
+        </p:nvCxnSpPr>
+        <p:spPr>
+          <a:xfrm>
+            <a:off x="4890917" y="2237544"/>
+            <a:ext cx="1226499" cy="2255924"/>
+          </a:xfrm>
+          <a:prstGeom prst="line">
+            <a:avLst/>
+          </a:prstGeom>
+          <a:ln w="28575">
+            <a:solidFill>
+              <a:schemeClr val="bg1">
+                <a:lumMod val="65000"/>
+              </a:schemeClr>
+            </a:solidFill>
+            <a:prstDash val="dash"/>
+          </a:ln>
+        </p:spPr>
+        <p:style>
+          <a:lnRef idx="1">
+            <a:schemeClr val="accent1"/>
+          </a:lnRef>
+          <a:fillRef idx="0">
+            <a:schemeClr val="accent1"/>
+          </a:fillRef>
+          <a:effectRef idx="0">
+            <a:schemeClr val="accent1"/>
+          </a:effectRef>
+          <a:fontRef idx="minor">
+            <a:schemeClr val="tx1"/>
+          </a:fontRef>
+        </p:style>
+      </p:cxnSp>
+      <p:sp>
+        <p:nvSpPr>
+          <p:cNvPr id="56" name="Rectangle 55">
+            <a:extLst>
+              <a:ext uri="{FF2B5EF4-FFF2-40B4-BE49-F238E27FC236}">
+                <a16:creationId xmlns:a16="http://schemas.microsoft.com/office/drawing/2014/main" id="{B959BE1A-E0A3-40D9-ECD3-7BDCDF9933D2}"/>
+              </a:ext>
+            </a:extLst>
+          </p:cNvPr>
+          <p:cNvSpPr/>
+          <p:nvPr/>
+        </p:nvSpPr>
+        <p:spPr>
+          <a:xfrm>
+            <a:off x="8345337" y="1236133"/>
+            <a:ext cx="786839" cy="566733"/>
+          </a:xfrm>
+          <a:prstGeom prst="rect">
+            <a:avLst/>
+          </a:prstGeom>
+          <a:noFill/>
+          <a:ln w="28575">
+            <a:solidFill>
+              <a:schemeClr val="accent6">
+                <a:lumMod val="60000"/>
+                <a:lumOff val="40000"/>
+              </a:schemeClr>
+            </a:solidFill>
+          </a:ln>
+        </p:spPr>
+        <p:style>
+          <a:lnRef idx="2">
+            <a:schemeClr val="accent1">
+              <a:shade val="15000"/>
+            </a:schemeClr>
+          </a:lnRef>
+          <a:fillRef idx="1">
+            <a:schemeClr val="accent1"/>
+          </a:fillRef>
+          <a:effectRef idx="0">
+            <a:schemeClr val="accent1"/>
+          </a:effectRef>
+          <a:fontRef idx="minor">
+            <a:schemeClr val="lt1"/>
+          </a:fontRef>
+        </p:style>
+        <p:txBody>
+          <a:bodyPr rtlCol="0" anchor="ctr"/>
+          <a:lstStyle/>
+          <a:p>
+            <a:pPr algn="ctr"/>
+            <a:endParaRPr lang="en-SG" sz="1600">
+              <a:solidFill>
+                <a:schemeClr val="bg1"/>
+              </a:solidFill>
+            </a:endParaRPr>
+          </a:p>
+        </p:txBody>
+      </p:sp>
+      <p:sp>
+        <p:nvSpPr>
+          <p:cNvPr id="57" name="Rectangle 56">
+            <a:extLst>
+              <a:ext uri="{FF2B5EF4-FFF2-40B4-BE49-F238E27FC236}">
+                <a16:creationId xmlns:a16="http://schemas.microsoft.com/office/drawing/2014/main" id="{FEB503BA-8A3E-7075-C917-413B09906BAC}"/>
+              </a:ext>
+            </a:extLst>
+          </p:cNvPr>
+          <p:cNvSpPr/>
+          <p:nvPr/>
+        </p:nvSpPr>
+        <p:spPr>
+          <a:xfrm>
+            <a:off x="8180922" y="1659807"/>
+            <a:ext cx="704633" cy="577737"/>
+          </a:xfrm>
+          <a:prstGeom prst="rect">
+            <a:avLst/>
+          </a:prstGeom>
+          <a:noFill/>
+          <a:ln w="28575">
+            <a:solidFill>
+              <a:schemeClr val="accent6">
+                <a:lumMod val="60000"/>
+                <a:lumOff val="40000"/>
+              </a:schemeClr>
+            </a:solidFill>
+          </a:ln>
+        </p:spPr>
+        <p:style>
+          <a:lnRef idx="2">
+            <a:schemeClr val="accent1">
+              <a:shade val="15000"/>
+            </a:schemeClr>
+          </a:lnRef>
+          <a:fillRef idx="1">
+            <a:schemeClr val="accent1"/>
+          </a:fillRef>
+          <a:effectRef idx="0">
+            <a:schemeClr val="accent1"/>
+          </a:effectRef>
+          <a:fontRef idx="minor">
+            <a:schemeClr val="lt1"/>
+          </a:fontRef>
+        </p:style>
+        <p:txBody>
+          <a:bodyPr rtlCol="0" anchor="ctr"/>
+          <a:lstStyle/>
+          <a:p>
+            <a:pPr algn="ctr"/>
+            <a:endParaRPr lang="en-SG" sz="1600">
+              <a:solidFill>
+                <a:schemeClr val="bg1"/>
+              </a:solidFill>
+            </a:endParaRPr>
+          </a:p>
+        </p:txBody>
+      </p:sp>
+      <p:sp>
+        <p:nvSpPr>
+          <p:cNvPr id="58" name="Rectangle 57">
+            <a:extLst>
+              <a:ext uri="{FF2B5EF4-FFF2-40B4-BE49-F238E27FC236}">
+                <a16:creationId xmlns:a16="http://schemas.microsoft.com/office/drawing/2014/main" id="{ED8ECD1F-A5E5-8D38-1EBD-6E50E3122104}"/>
+              </a:ext>
+            </a:extLst>
+          </p:cNvPr>
+          <p:cNvSpPr/>
+          <p:nvPr/>
+        </p:nvSpPr>
+        <p:spPr>
+          <a:xfrm>
+            <a:off x="10106916" y="4493468"/>
+            <a:ext cx="229006" cy="209085"/>
+          </a:xfrm>
+          <a:prstGeom prst="rect">
+            <a:avLst/>
+          </a:prstGeom>
+          <a:noFill/>
+          <a:ln w="28575">
+            <a:solidFill>
+              <a:schemeClr val="accent4">
+                <a:lumMod val="60000"/>
+                <a:lumOff val="40000"/>
+              </a:schemeClr>
+            </a:solidFill>
+          </a:ln>
+        </p:spPr>
+        <p:style>
+          <a:lnRef idx="2">
+            <a:schemeClr val="accent1">
+              <a:shade val="15000"/>
+            </a:schemeClr>
+          </a:lnRef>
+          <a:fillRef idx="1">
+            <a:schemeClr val="accent1"/>
+          </a:fillRef>
+          <a:effectRef idx="0">
+            <a:schemeClr val="accent1"/>
+          </a:effectRef>
+          <a:fontRef idx="minor">
+            <a:schemeClr val="lt1"/>
+          </a:fontRef>
+        </p:style>
+        <p:txBody>
+          <a:bodyPr rtlCol="0" anchor="ctr"/>
+          <a:lstStyle/>
+          <a:p>
+            <a:pPr algn="ctr"/>
+            <a:endParaRPr lang="en-SG" sz="1600">
+              <a:solidFill>
+                <a:schemeClr val="bg1"/>
+              </a:solidFill>
+            </a:endParaRPr>
+          </a:p>
+        </p:txBody>
+      </p:sp>
+      <p:sp>
+        <p:nvSpPr>
+          <p:cNvPr id="59" name="Rectangle 58">
+            <a:extLst>
+              <a:ext uri="{FF2B5EF4-FFF2-40B4-BE49-F238E27FC236}">
+                <a16:creationId xmlns:a16="http://schemas.microsoft.com/office/drawing/2014/main" id="{7A251B62-FD42-6AB5-DFEB-E98002607E26}"/>
+              </a:ext>
+            </a:extLst>
+          </p:cNvPr>
+          <p:cNvSpPr/>
+          <p:nvPr/>
+        </p:nvSpPr>
+        <p:spPr>
+          <a:xfrm>
+            <a:off x="9543211" y="1236133"/>
+            <a:ext cx="499115" cy="566733"/>
+          </a:xfrm>
+          <a:prstGeom prst="rect">
+            <a:avLst/>
+          </a:prstGeom>
+          <a:noFill/>
+          <a:ln w="28575">
+            <a:solidFill>
+              <a:schemeClr val="accent5"/>
+            </a:solidFill>
+          </a:ln>
+        </p:spPr>
+        <p:style>
+          <a:lnRef idx="2">
+            <a:schemeClr val="accent1">
+              <a:shade val="15000"/>
+            </a:schemeClr>
+          </a:lnRef>
+          <a:fillRef idx="1">
+            <a:schemeClr val="accent1"/>
+          </a:fillRef>
+          <a:effectRef idx="0">
+            <a:schemeClr val="accent1"/>
+          </a:effectRef>
+          <a:fontRef idx="minor">
+            <a:schemeClr val="lt1"/>
+          </a:fontRef>
+        </p:style>
+        <p:txBody>
+          <a:bodyPr rtlCol="0" anchor="ctr"/>
+          <a:lstStyle/>
+          <a:p>
+            <a:pPr algn="ctr"/>
+            <a:endParaRPr lang="en-SG" sz="1600">
+              <a:solidFill>
+                <a:schemeClr val="bg1"/>
+              </a:solidFill>
+            </a:endParaRPr>
+          </a:p>
+        </p:txBody>
+      </p:sp>
+      <p:sp>
+        <p:nvSpPr>
+          <p:cNvPr id="60" name="Rectangle 59">
+            <a:extLst>
+              <a:ext uri="{FF2B5EF4-FFF2-40B4-BE49-F238E27FC236}">
+                <a16:creationId xmlns:a16="http://schemas.microsoft.com/office/drawing/2014/main" id="{7F8301A2-1BA7-8094-AD0F-068DC67A7413}"/>
+              </a:ext>
+            </a:extLst>
+          </p:cNvPr>
+          <p:cNvSpPr/>
+          <p:nvPr/>
+        </p:nvSpPr>
+        <p:spPr>
+          <a:xfrm>
+            <a:off x="10106916" y="1874395"/>
+            <a:ext cx="604811" cy="209085"/>
+          </a:xfrm>
+          <a:prstGeom prst="rect">
+            <a:avLst/>
+          </a:prstGeom>
+          <a:noFill/>
+          <a:ln w="28575">
+            <a:solidFill>
+              <a:schemeClr val="accent5"/>
+            </a:solidFill>
+          </a:ln>
+        </p:spPr>
+        <p:style>
+          <a:lnRef idx="2">
+            <a:schemeClr val="accent1">
+              <a:shade val="15000"/>
+            </a:schemeClr>
+          </a:lnRef>
+          <a:fillRef idx="1">
+            <a:schemeClr val="accent1"/>
+          </a:fillRef>
+          <a:effectRef idx="0">
+            <a:schemeClr val="accent1"/>
+          </a:effectRef>
+          <a:fontRef idx="minor">
+            <a:schemeClr val="lt1"/>
+          </a:fontRef>
+        </p:style>
+        <p:txBody>
+          <a:bodyPr rtlCol="0" anchor="ctr"/>
+          <a:lstStyle/>
+          <a:p>
+            <a:pPr algn="ctr"/>
+            <a:endParaRPr lang="en-SG" sz="1600">
+              <a:solidFill>
+                <a:schemeClr val="bg1"/>
+              </a:solidFill>
+            </a:endParaRPr>
+          </a:p>
+        </p:txBody>
+      </p:sp>
+      <p:sp>
+        <p:nvSpPr>
+          <p:cNvPr id="61" name="TextBox 60">
+            <a:extLst>
+              <a:ext uri="{FF2B5EF4-FFF2-40B4-BE49-F238E27FC236}">
+                <a16:creationId xmlns:a16="http://schemas.microsoft.com/office/drawing/2014/main" id="{F0DF0664-3ABD-474C-2DE9-B4B8ED5FECC6}"/>
+              </a:ext>
+            </a:extLst>
+          </p:cNvPr>
+          <p:cNvSpPr txBox="1"/>
+          <p:nvPr/>
+        </p:nvSpPr>
+        <p:spPr>
+          <a:xfrm>
+            <a:off x="8316158" y="1344174"/>
+            <a:ext cx="856086" cy="338554"/>
+          </a:xfrm>
+          <a:prstGeom prst="rect">
+            <a:avLst/>
+          </a:prstGeom>
+          <a:noFill/>
+        </p:spPr>
+        <p:txBody>
+          <a:bodyPr wrap="square" rtlCol="0">
+            <a:spAutoFit/>
+          </a:bodyPr>
+          <a:lstStyle/>
+          <a:p>
+            <a:pPr algn="ctr"/>
+            <a:r>
+              <a:rPr lang="en-SG" sz="1600" dirty="0">
+                <a:solidFill>
+                  <a:schemeClr val="bg1"/>
+                </a:solidFill>
+              </a:rPr>
+              <a:t>building</a:t>
+            </a:r>
+          </a:p>
+        </p:txBody>
+      </p:sp>
+      <p:sp>
+        <p:nvSpPr>
+          <p:cNvPr id="62" name="TextBox 61">
+            <a:extLst>
+              <a:ext uri="{FF2B5EF4-FFF2-40B4-BE49-F238E27FC236}">
+                <a16:creationId xmlns:a16="http://schemas.microsoft.com/office/drawing/2014/main" id="{3E060585-6D42-5883-EE76-E68D8B8F1DDC}"/>
+              </a:ext>
+            </a:extLst>
+          </p:cNvPr>
+          <p:cNvSpPr txBox="1"/>
+          <p:nvPr/>
+        </p:nvSpPr>
+        <p:spPr>
+          <a:xfrm>
+            <a:off x="8102538" y="1833586"/>
+            <a:ext cx="898405" cy="338554"/>
+          </a:xfrm>
+          <a:prstGeom prst="rect">
+            <a:avLst/>
+          </a:prstGeom>
+          <a:noFill/>
+        </p:spPr>
+        <p:txBody>
+          <a:bodyPr wrap="square" rtlCol="0">
+            <a:spAutoFit/>
+          </a:bodyPr>
+          <a:lstStyle/>
+          <a:p>
+            <a:pPr algn="ctr"/>
+            <a:r>
+              <a:rPr lang="en-SG" sz="1600" dirty="0">
+                <a:solidFill>
+                  <a:schemeClr val="bg1"/>
+                </a:solidFill>
+              </a:rPr>
+              <a:t>building</a:t>
+            </a:r>
+          </a:p>
+        </p:txBody>
+      </p:sp>
+      <p:sp>
+        <p:nvSpPr>
+          <p:cNvPr id="63" name="TextBox 62">
+            <a:extLst>
+              <a:ext uri="{FF2B5EF4-FFF2-40B4-BE49-F238E27FC236}">
+                <a16:creationId xmlns:a16="http://schemas.microsoft.com/office/drawing/2014/main" id="{C7788D33-87D8-21FD-7361-FD6B5574BB68}"/>
+              </a:ext>
+            </a:extLst>
+          </p:cNvPr>
+          <p:cNvSpPr txBox="1"/>
+          <p:nvPr/>
+        </p:nvSpPr>
+        <p:spPr>
+          <a:xfrm>
+            <a:off x="9493591" y="1351733"/>
+            <a:ext cx="612814" cy="338554"/>
+          </a:xfrm>
+          <a:prstGeom prst="rect">
+            <a:avLst/>
+          </a:prstGeom>
+          <a:noFill/>
+        </p:spPr>
+        <p:txBody>
+          <a:bodyPr wrap="square" rtlCol="0">
+            <a:spAutoFit/>
+          </a:bodyPr>
+          <a:lstStyle/>
+          <a:p>
+            <a:pPr algn="ctr"/>
+            <a:r>
+              <a:rPr lang="en-SG" sz="1600" dirty="0">
+                <a:solidFill>
+                  <a:schemeClr val="bg1"/>
+                </a:solidFill>
+              </a:rPr>
+              <a:t>truck</a:t>
+            </a:r>
+          </a:p>
+        </p:txBody>
+      </p:sp>
+      <p:sp>
+        <p:nvSpPr>
+          <p:cNvPr id="64" name="TextBox 63">
+            <a:extLst>
+              <a:ext uri="{FF2B5EF4-FFF2-40B4-BE49-F238E27FC236}">
+                <a16:creationId xmlns:a16="http://schemas.microsoft.com/office/drawing/2014/main" id="{75FDF1C8-A7F0-2D15-2F54-70A53836D237}"/>
+              </a:ext>
+            </a:extLst>
+          </p:cNvPr>
+          <p:cNvSpPr txBox="1"/>
+          <p:nvPr/>
+        </p:nvSpPr>
+        <p:spPr>
+          <a:xfrm>
+            <a:off x="9912043" y="1828532"/>
+            <a:ext cx="994556" cy="338554"/>
+          </a:xfrm>
+          <a:prstGeom prst="rect">
+            <a:avLst/>
+          </a:prstGeom>
+          <a:noFill/>
+        </p:spPr>
+        <p:txBody>
+          <a:bodyPr wrap="square" rtlCol="0">
+            <a:spAutoFit/>
+          </a:bodyPr>
+          <a:lstStyle/>
+          <a:p>
+            <a:pPr algn="ctr"/>
+            <a:r>
+              <a:rPr lang="en-SG" sz="1600" dirty="0">
+                <a:solidFill>
+                  <a:schemeClr val="bg1"/>
+                </a:solidFill>
+              </a:rPr>
+              <a:t>excavator</a:t>
+            </a:r>
+          </a:p>
+        </p:txBody>
+      </p:sp>
+      <p:sp>
+        <p:nvSpPr>
+          <p:cNvPr id="65" name="TextBox 64">
+            <a:extLst>
+              <a:ext uri="{FF2B5EF4-FFF2-40B4-BE49-F238E27FC236}">
+                <a16:creationId xmlns:a16="http://schemas.microsoft.com/office/drawing/2014/main" id="{A25F69C9-B856-17BE-4E7F-192B390F6AD9}"/>
+              </a:ext>
+            </a:extLst>
+          </p:cNvPr>
+          <p:cNvSpPr txBox="1"/>
+          <p:nvPr/>
+        </p:nvSpPr>
+        <p:spPr>
+          <a:xfrm>
+            <a:off x="9799998" y="4432236"/>
+            <a:ext cx="898405" cy="338554"/>
+          </a:xfrm>
+          <a:prstGeom prst="rect">
+            <a:avLst/>
+          </a:prstGeom>
+          <a:noFill/>
+        </p:spPr>
+        <p:txBody>
+          <a:bodyPr wrap="square" rtlCol="0">
+            <a:spAutoFit/>
+          </a:bodyPr>
+          <a:lstStyle/>
+          <a:p>
+            <a:pPr algn="ctr"/>
+            <a:r>
+              <a:rPr lang="en-SG" sz="1600" dirty="0">
+                <a:solidFill>
+                  <a:schemeClr val="bg1"/>
+                </a:solidFill>
+              </a:rPr>
+              <a:t>building</a:t>
+            </a:r>
+          </a:p>
+        </p:txBody>
+      </p:sp>
+      <p:sp>
+        <p:nvSpPr>
+          <p:cNvPr id="73" name="Rectangle 72">
+            <a:extLst>
+              <a:ext uri="{FF2B5EF4-FFF2-40B4-BE49-F238E27FC236}">
+                <a16:creationId xmlns:a16="http://schemas.microsoft.com/office/drawing/2014/main" id="{97DEA39C-565A-0DE0-10FF-3D21A42171A3}"/>
+              </a:ext>
+            </a:extLst>
+          </p:cNvPr>
+          <p:cNvSpPr/>
+          <p:nvPr/>
+        </p:nvSpPr>
+        <p:spPr>
+          <a:xfrm>
+            <a:off x="909743" y="1236133"/>
+            <a:ext cx="786839" cy="566733"/>
+          </a:xfrm>
+          <a:prstGeom prst="rect">
+            <a:avLst/>
+          </a:prstGeom>
+          <a:noFill/>
+          <a:ln w="28575">
+            <a:solidFill>
+              <a:schemeClr val="bg1">
+                <a:lumMod val="65000"/>
+              </a:schemeClr>
+            </a:solidFill>
+          </a:ln>
+        </p:spPr>
+        <p:style>
+          <a:lnRef idx="2">
+            <a:schemeClr val="accent1">
+              <a:shade val="15000"/>
+            </a:schemeClr>
+          </a:lnRef>
+          <a:fillRef idx="1">
+            <a:schemeClr val="accent1"/>
+          </a:fillRef>
+          <a:effectRef idx="0">
+            <a:schemeClr val="accent1"/>
+          </a:effectRef>
+          <a:fontRef idx="minor">
+            <a:schemeClr val="lt1"/>
+          </a:fontRef>
+        </p:style>
+        <p:txBody>
+          <a:bodyPr rtlCol="0" anchor="ctr"/>
+          <a:lstStyle/>
+          <a:p>
+            <a:pPr algn="ctr"/>
+            <a:endParaRPr lang="en-SG" sz="1600"/>
+          </a:p>
+        </p:txBody>
+      </p:sp>
+      <p:sp>
+        <p:nvSpPr>
+          <p:cNvPr id="74" name="Rectangle 73">
+            <a:extLst>
+              <a:ext uri="{FF2B5EF4-FFF2-40B4-BE49-F238E27FC236}">
+                <a16:creationId xmlns:a16="http://schemas.microsoft.com/office/drawing/2014/main" id="{A78D4B5C-DDD1-4E48-DF01-D31AAEF60EE9}"/>
+              </a:ext>
+            </a:extLst>
+          </p:cNvPr>
+          <p:cNvSpPr/>
+          <p:nvPr/>
+        </p:nvSpPr>
+        <p:spPr>
+          <a:xfrm>
+            <a:off x="745328" y="1659807"/>
+            <a:ext cx="704633" cy="577737"/>
+          </a:xfrm>
+          <a:prstGeom prst="rect">
+            <a:avLst/>
+          </a:prstGeom>
+          <a:noFill/>
+          <a:ln w="28575">
+            <a:solidFill>
+              <a:schemeClr val="bg1">
+                <a:lumMod val="65000"/>
+              </a:schemeClr>
+            </a:solidFill>
+          </a:ln>
+        </p:spPr>
+        <p:style>
+          <a:lnRef idx="2">
+            <a:schemeClr val="accent1">
+              <a:shade val="15000"/>
+            </a:schemeClr>
+          </a:lnRef>
+          <a:fillRef idx="1">
+            <a:schemeClr val="accent1"/>
+          </a:fillRef>
+          <a:effectRef idx="0">
+            <a:schemeClr val="accent1"/>
+          </a:effectRef>
+          <a:fontRef idx="minor">
+            <a:schemeClr val="lt1"/>
+          </a:fontRef>
+        </p:style>
+        <p:txBody>
+          <a:bodyPr rtlCol="0" anchor="ctr"/>
+          <a:lstStyle/>
+          <a:p>
+            <a:pPr algn="ctr"/>
+            <a:endParaRPr lang="en-SG" sz="1600"/>
+          </a:p>
+        </p:txBody>
+      </p:sp>
+      <p:sp>
+        <p:nvSpPr>
+          <p:cNvPr id="75" name="Rectangle 74">
+            <a:extLst>
+              <a:ext uri="{FF2B5EF4-FFF2-40B4-BE49-F238E27FC236}">
+                <a16:creationId xmlns:a16="http://schemas.microsoft.com/office/drawing/2014/main" id="{3FB9E213-0C70-7E6F-890E-139DB89CA5FF}"/>
+              </a:ext>
+            </a:extLst>
+          </p:cNvPr>
+          <p:cNvSpPr/>
+          <p:nvPr/>
+        </p:nvSpPr>
+        <p:spPr>
+          <a:xfrm>
+            <a:off x="2671322" y="4493468"/>
+            <a:ext cx="229006" cy="209085"/>
+          </a:xfrm>
+          <a:prstGeom prst="rect">
+            <a:avLst/>
+          </a:prstGeom>
+          <a:noFill/>
+          <a:ln w="28575">
+            <a:solidFill>
+              <a:schemeClr val="bg1">
+                <a:lumMod val="65000"/>
+              </a:schemeClr>
+            </a:solidFill>
+          </a:ln>
+        </p:spPr>
+        <p:style>
+          <a:lnRef idx="2">
+            <a:schemeClr val="accent1">
+              <a:shade val="15000"/>
+            </a:schemeClr>
+          </a:lnRef>
+          <a:fillRef idx="1">
+            <a:schemeClr val="accent1"/>
+          </a:fillRef>
+          <a:effectRef idx="0">
+            <a:schemeClr val="accent1"/>
+          </a:effectRef>
+          <a:fontRef idx="minor">
+            <a:schemeClr val="lt1"/>
+          </a:fontRef>
+        </p:style>
+        <p:txBody>
+          <a:bodyPr rtlCol="0" anchor="ctr"/>
+          <a:lstStyle/>
+          <a:p>
+            <a:pPr algn="ctr"/>
+            <a:endParaRPr lang="en-SG" sz="1600"/>
+          </a:p>
+        </p:txBody>
+      </p:sp>
+      <p:sp>
+        <p:nvSpPr>
+          <p:cNvPr id="76" name="Rectangle 75">
+            <a:extLst>
+              <a:ext uri="{FF2B5EF4-FFF2-40B4-BE49-F238E27FC236}">
+                <a16:creationId xmlns:a16="http://schemas.microsoft.com/office/drawing/2014/main" id="{FC9E42CB-2B4D-0631-DC51-F9966C18F131}"/>
+              </a:ext>
+            </a:extLst>
+          </p:cNvPr>
+          <p:cNvSpPr/>
+          <p:nvPr/>
+        </p:nvSpPr>
+        <p:spPr>
+          <a:xfrm>
+            <a:off x="2107617" y="1236133"/>
+            <a:ext cx="499115" cy="566733"/>
+          </a:xfrm>
+          <a:prstGeom prst="rect">
+            <a:avLst/>
+          </a:prstGeom>
+          <a:noFill/>
+          <a:ln w="28575">
+            <a:solidFill>
+              <a:schemeClr val="bg1">
+                <a:lumMod val="65000"/>
+              </a:schemeClr>
+            </a:solidFill>
+          </a:ln>
+        </p:spPr>
+        <p:style>
+          <a:lnRef idx="2">
+            <a:schemeClr val="accent1">
+              <a:shade val="15000"/>
+            </a:schemeClr>
+          </a:lnRef>
+          <a:fillRef idx="1">
+            <a:schemeClr val="accent1"/>
+          </a:fillRef>
+          <a:effectRef idx="0">
+            <a:schemeClr val="accent1"/>
+          </a:effectRef>
+          <a:fontRef idx="minor">
+            <a:schemeClr val="lt1"/>
+          </a:fontRef>
+        </p:style>
+        <p:txBody>
+          <a:bodyPr rtlCol="0" anchor="ctr"/>
+          <a:lstStyle/>
+          <a:p>
+            <a:pPr algn="ctr"/>
+            <a:endParaRPr lang="en-SG" sz="1600"/>
+          </a:p>
+        </p:txBody>
+      </p:sp>
+      <p:sp>
+        <p:nvSpPr>
+          <p:cNvPr id="77" name="Rectangle 76">
+            <a:extLst>
+              <a:ext uri="{FF2B5EF4-FFF2-40B4-BE49-F238E27FC236}">
+                <a16:creationId xmlns:a16="http://schemas.microsoft.com/office/drawing/2014/main" id="{18C118DF-2852-EA2C-0AA4-1CB404E546D4}"/>
+              </a:ext>
+            </a:extLst>
+          </p:cNvPr>
+          <p:cNvSpPr/>
+          <p:nvPr/>
+        </p:nvSpPr>
+        <p:spPr>
+          <a:xfrm>
+            <a:off x="2671322" y="1874395"/>
+            <a:ext cx="604811" cy="209085"/>
+          </a:xfrm>
+          <a:prstGeom prst="rect">
+            <a:avLst/>
+          </a:prstGeom>
+          <a:noFill/>
+          <a:ln w="28575">
+            <a:solidFill>
+              <a:schemeClr val="bg1">
+                <a:lumMod val="65000"/>
+              </a:schemeClr>
+            </a:solidFill>
+          </a:ln>
+        </p:spPr>
+        <p:style>
+          <a:lnRef idx="2">
+            <a:schemeClr val="accent1">
+              <a:shade val="15000"/>
+            </a:schemeClr>
+          </a:lnRef>
+          <a:fillRef idx="1">
+            <a:schemeClr val="accent1"/>
+          </a:fillRef>
+          <a:effectRef idx="0">
+            <a:schemeClr val="accent1"/>
+          </a:effectRef>
+          <a:fontRef idx="minor">
+            <a:schemeClr val="lt1"/>
+          </a:fontRef>
+        </p:style>
+        <p:txBody>
+          <a:bodyPr rtlCol="0" anchor="ctr"/>
+          <a:lstStyle/>
+          <a:p>
+            <a:pPr algn="ctr"/>
+            <a:endParaRPr lang="en-SG" sz="1600"/>
+          </a:p>
+        </p:txBody>
+      </p:sp>
+      <p:sp>
+        <p:nvSpPr>
+          <p:cNvPr id="78" name="TextBox 77">
+            <a:extLst>
+              <a:ext uri="{FF2B5EF4-FFF2-40B4-BE49-F238E27FC236}">
+                <a16:creationId xmlns:a16="http://schemas.microsoft.com/office/drawing/2014/main" id="{A318CA8D-FF6A-858B-F4A8-2D1B30B39D05}"/>
+              </a:ext>
+            </a:extLst>
+          </p:cNvPr>
+          <p:cNvSpPr txBox="1"/>
+          <p:nvPr/>
+        </p:nvSpPr>
+        <p:spPr>
+          <a:xfrm>
+            <a:off x="869803" y="1350222"/>
+            <a:ext cx="859157" cy="338554"/>
+          </a:xfrm>
+          <a:prstGeom prst="rect">
+            <a:avLst/>
+          </a:prstGeom>
+          <a:noFill/>
+          <a:ln>
+            <a:noFill/>
+          </a:ln>
+        </p:spPr>
+        <p:txBody>
+          <a:bodyPr wrap="square" rtlCol="0">
+            <a:spAutoFit/>
+          </a:bodyPr>
+          <a:lstStyle/>
+          <a:p>
+            <a:pPr algn="ctr"/>
+            <a:r>
+              <a:rPr lang="en-SG" sz="1600" dirty="0"/>
+              <a:t>building</a:t>
+            </a:r>
+          </a:p>
+        </p:txBody>
+      </p:sp>
+      <p:sp>
+        <p:nvSpPr>
+          <p:cNvPr id="79" name="TextBox 78">
+            <a:extLst>
+              <a:ext uri="{FF2B5EF4-FFF2-40B4-BE49-F238E27FC236}">
+                <a16:creationId xmlns:a16="http://schemas.microsoft.com/office/drawing/2014/main" id="{6212D805-FA90-88F9-19CE-003CCA6A02D2}"/>
+              </a:ext>
+            </a:extLst>
+          </p:cNvPr>
+          <p:cNvSpPr txBox="1"/>
+          <p:nvPr/>
+        </p:nvSpPr>
+        <p:spPr>
+          <a:xfrm>
+            <a:off x="648442" y="1828666"/>
+            <a:ext cx="898405" cy="338554"/>
+          </a:xfrm>
+          <a:prstGeom prst="rect">
+            <a:avLst/>
+          </a:prstGeom>
+          <a:noFill/>
+          <a:ln>
+            <a:noFill/>
+          </a:ln>
+        </p:spPr>
+        <p:txBody>
+          <a:bodyPr wrap="square" rtlCol="0">
+            <a:spAutoFit/>
+          </a:bodyPr>
+          <a:lstStyle/>
+          <a:p>
+            <a:pPr algn="ctr"/>
+            <a:r>
+              <a:rPr lang="en-SG" sz="1600" dirty="0"/>
+              <a:t>building</a:t>
+            </a:r>
+          </a:p>
+        </p:txBody>
+      </p:sp>
+      <p:sp>
+        <p:nvSpPr>
+          <p:cNvPr id="80" name="TextBox 79">
+            <a:extLst>
+              <a:ext uri="{FF2B5EF4-FFF2-40B4-BE49-F238E27FC236}">
+                <a16:creationId xmlns:a16="http://schemas.microsoft.com/office/drawing/2014/main" id="{869AA80C-7A21-AA4E-6F89-DBF5A8027E6F}"/>
+              </a:ext>
+            </a:extLst>
+          </p:cNvPr>
+          <p:cNvSpPr txBox="1"/>
+          <p:nvPr/>
+        </p:nvSpPr>
+        <p:spPr>
+          <a:xfrm>
+            <a:off x="2047685" y="1344174"/>
+            <a:ext cx="654348" cy="338554"/>
+          </a:xfrm>
+          <a:prstGeom prst="rect">
+            <a:avLst/>
+          </a:prstGeom>
+          <a:noFill/>
+          <a:ln>
+            <a:noFill/>
+          </a:ln>
+        </p:spPr>
+        <p:txBody>
+          <a:bodyPr wrap="square" rtlCol="0">
+            <a:spAutoFit/>
+          </a:bodyPr>
+          <a:lstStyle/>
+          <a:p>
+            <a:pPr algn="ctr"/>
+            <a:r>
+              <a:rPr lang="en-SG" sz="1600" dirty="0"/>
+              <a:t>truck</a:t>
+            </a:r>
+          </a:p>
+        </p:txBody>
+      </p:sp>
+      <p:sp>
+        <p:nvSpPr>
+          <p:cNvPr id="81" name="TextBox 80">
+            <a:extLst>
+              <a:ext uri="{FF2B5EF4-FFF2-40B4-BE49-F238E27FC236}">
+                <a16:creationId xmlns:a16="http://schemas.microsoft.com/office/drawing/2014/main" id="{9D5A17E4-894F-E333-EC89-382C67F32CEB}"/>
+              </a:ext>
+            </a:extLst>
+          </p:cNvPr>
+          <p:cNvSpPr txBox="1"/>
+          <p:nvPr/>
+        </p:nvSpPr>
+        <p:spPr>
+          <a:xfrm>
+            <a:off x="2452577" y="1828532"/>
+            <a:ext cx="1064353" cy="338554"/>
+          </a:xfrm>
+          <a:prstGeom prst="rect">
+            <a:avLst/>
+          </a:prstGeom>
+          <a:noFill/>
+          <a:ln>
+            <a:noFill/>
+          </a:ln>
+        </p:spPr>
+        <p:txBody>
+          <a:bodyPr wrap="square" rtlCol="0">
+            <a:spAutoFit/>
+          </a:bodyPr>
+          <a:lstStyle/>
+          <a:p>
+            <a:pPr algn="ctr"/>
+            <a:r>
+              <a:rPr lang="en-SG" sz="1600" dirty="0"/>
+              <a:t>excavator</a:t>
+            </a:r>
+          </a:p>
+        </p:txBody>
+      </p:sp>
+      <p:sp>
+        <p:nvSpPr>
+          <p:cNvPr id="82" name="TextBox 81">
+            <a:extLst>
+              <a:ext uri="{FF2B5EF4-FFF2-40B4-BE49-F238E27FC236}">
+                <a16:creationId xmlns:a16="http://schemas.microsoft.com/office/drawing/2014/main" id="{A06AB48E-A6F7-132D-5355-395D7B152FEA}"/>
+              </a:ext>
+            </a:extLst>
+          </p:cNvPr>
+          <p:cNvSpPr txBox="1"/>
+          <p:nvPr/>
+        </p:nvSpPr>
+        <p:spPr>
+          <a:xfrm>
+            <a:off x="2364404" y="4432236"/>
+            <a:ext cx="898405" cy="338554"/>
+          </a:xfrm>
+          <a:prstGeom prst="rect">
+            <a:avLst/>
+          </a:prstGeom>
+          <a:noFill/>
+          <a:ln>
+            <a:noFill/>
+          </a:ln>
+        </p:spPr>
+        <p:txBody>
+          <a:bodyPr wrap="square" rtlCol="0">
+            <a:spAutoFit/>
+          </a:bodyPr>
+          <a:lstStyle/>
+          <a:p>
+            <a:pPr algn="ctr"/>
+            <a:r>
+              <a:rPr lang="en-SG" sz="1600" dirty="0"/>
+              <a:t>building</a:t>
+            </a:r>
+          </a:p>
+        </p:txBody>
+      </p:sp>
+      <p:cxnSp>
+        <p:nvCxnSpPr>
+          <p:cNvPr id="83" name="Straight Connector 82">
+            <a:extLst>
+              <a:ext uri="{FF2B5EF4-FFF2-40B4-BE49-F238E27FC236}">
+                <a16:creationId xmlns:a16="http://schemas.microsoft.com/office/drawing/2014/main" id="{A6E97138-99B3-D2A9-EC6E-C63AB428084C}"/>
+              </a:ext>
+            </a:extLst>
+          </p:cNvPr>
+          <p:cNvCxnSpPr>
+            <a:cxnSpLocks/>
+            <a:stCxn id="73" idx="3"/>
+            <a:endCxn id="76" idx="1"/>
+          </p:cNvCxnSpPr>
+          <p:nvPr/>
+        </p:nvCxnSpPr>
+        <p:spPr>
+          <a:xfrm>
+            <a:off x="1696582" y="1519500"/>
+            <a:ext cx="411035" cy="0"/>
+          </a:xfrm>
+          <a:prstGeom prst="line">
+            <a:avLst/>
+          </a:prstGeom>
+          <a:ln w="28575">
+            <a:solidFill>
+              <a:schemeClr val="bg1">
+                <a:lumMod val="65000"/>
+              </a:schemeClr>
+            </a:solidFill>
+            <a:prstDash val="solid"/>
+          </a:ln>
+        </p:spPr>
+        <p:style>
+          <a:lnRef idx="1">
+            <a:schemeClr val="accent1"/>
+          </a:lnRef>
+          <a:fillRef idx="0">
+            <a:schemeClr val="accent1"/>
+          </a:fillRef>
+          <a:effectRef idx="0">
+            <a:schemeClr val="accent1"/>
+          </a:effectRef>
+          <a:fontRef idx="minor">
+            <a:schemeClr val="tx1"/>
+          </a:fontRef>
+        </p:style>
+      </p:cxnSp>
+      <p:cxnSp>
+        <p:nvCxnSpPr>
+          <p:cNvPr id="84" name="Straight Connector 83">
+            <a:extLst>
+              <a:ext uri="{FF2B5EF4-FFF2-40B4-BE49-F238E27FC236}">
+                <a16:creationId xmlns:a16="http://schemas.microsoft.com/office/drawing/2014/main" id="{A81364FC-07B7-95E3-99C4-828ABF3A562A}"/>
+              </a:ext>
+            </a:extLst>
+          </p:cNvPr>
+          <p:cNvCxnSpPr>
+            <a:cxnSpLocks/>
+          </p:cNvCxnSpPr>
+          <p:nvPr/>
+        </p:nvCxnSpPr>
+        <p:spPr>
+          <a:xfrm>
+            <a:off x="2606731" y="1802866"/>
+            <a:ext cx="69729" cy="77031"/>
+          </a:xfrm>
+          <a:prstGeom prst="line">
+            <a:avLst/>
+          </a:prstGeom>
+          <a:ln w="28575">
+            <a:solidFill>
+              <a:schemeClr val="bg1">
+                <a:lumMod val="65000"/>
+              </a:schemeClr>
+            </a:solidFill>
+          </a:ln>
+        </p:spPr>
+        <p:style>
+          <a:lnRef idx="1">
+            <a:schemeClr val="accent1"/>
+          </a:lnRef>
+          <a:fillRef idx="0">
+            <a:schemeClr val="accent1"/>
+          </a:fillRef>
+          <a:effectRef idx="0">
+            <a:schemeClr val="accent1"/>
+          </a:effectRef>
+          <a:fontRef idx="minor">
+            <a:schemeClr val="tx1"/>
+          </a:fontRef>
+        </p:style>
+      </p:cxnSp>
+      <p:cxnSp>
+        <p:nvCxnSpPr>
+          <p:cNvPr id="85" name="Straight Connector 84">
+            <a:extLst>
+              <a:ext uri="{FF2B5EF4-FFF2-40B4-BE49-F238E27FC236}">
+                <a16:creationId xmlns:a16="http://schemas.microsoft.com/office/drawing/2014/main" id="{523CADBE-AA83-CEAD-5D36-3DA68D3A4E43}"/>
+              </a:ext>
+            </a:extLst>
+          </p:cNvPr>
+          <p:cNvCxnSpPr>
+            <a:cxnSpLocks/>
+          </p:cNvCxnSpPr>
+          <p:nvPr/>
+        </p:nvCxnSpPr>
+        <p:spPr>
+          <a:xfrm>
+            <a:off x="1449962" y="2237544"/>
+            <a:ext cx="1226499" cy="2255924"/>
+          </a:xfrm>
+          <a:prstGeom prst="line">
+            <a:avLst/>
+          </a:prstGeom>
+          <a:ln w="28575">
+            <a:solidFill>
+              <a:schemeClr val="bg1">
+                <a:lumMod val="65000"/>
+              </a:schemeClr>
+            </a:solidFill>
+            <a:prstDash val="solid"/>
+          </a:ln>
+        </p:spPr>
+        <p:style>
+          <a:lnRef idx="1">
+            <a:schemeClr val="accent1"/>
+          </a:lnRef>
+          <a:fillRef idx="0">
+            <a:schemeClr val="accent1"/>
+          </a:fillRef>
+          <a:effectRef idx="0">
+            <a:schemeClr val="accent1"/>
+          </a:effectRef>
+          <a:fontRef idx="minor">
+            <a:schemeClr val="tx1"/>
+          </a:fontRef>
+        </p:style>
+      </p:cxnSp>
+      <p:sp>
+        <p:nvSpPr>
+          <p:cNvPr id="86" name="TextBox 85">
+            <a:extLst>
+              <a:ext uri="{FF2B5EF4-FFF2-40B4-BE49-F238E27FC236}">
+                <a16:creationId xmlns:a16="http://schemas.microsoft.com/office/drawing/2014/main" id="{4846433A-CF74-2CA7-F24B-6A628A32D8D0}"/>
+              </a:ext>
+            </a:extLst>
+          </p:cNvPr>
+          <p:cNvSpPr txBox="1"/>
+          <p:nvPr/>
+        </p:nvSpPr>
+        <p:spPr>
+          <a:xfrm>
+            <a:off x="1517365" y="4957590"/>
+            <a:ext cx="769467" cy="338554"/>
+          </a:xfrm>
+          <a:prstGeom prst="rect">
+            <a:avLst/>
+          </a:prstGeom>
+          <a:noFill/>
+        </p:spPr>
+        <p:txBody>
+          <a:bodyPr wrap="square" rtlCol="0">
+            <a:spAutoFit/>
+          </a:bodyPr>
+          <a:lstStyle/>
+          <a:p>
+            <a:pPr algn="ctr"/>
+            <a:r>
+              <a:rPr lang="en-SG" sz="1600" dirty="0"/>
+              <a:t>(1)</a:t>
+            </a:r>
+          </a:p>
+        </p:txBody>
+      </p:sp>
+      <p:sp>
+        <p:nvSpPr>
+          <p:cNvPr id="87" name="TextBox 86">
+            <a:extLst>
+              <a:ext uri="{FF2B5EF4-FFF2-40B4-BE49-F238E27FC236}">
+                <a16:creationId xmlns:a16="http://schemas.microsoft.com/office/drawing/2014/main" id="{7ED9EFCF-AE47-93FF-5622-8F2125EF13C0}"/>
+              </a:ext>
+            </a:extLst>
+          </p:cNvPr>
+          <p:cNvSpPr txBox="1"/>
+          <p:nvPr/>
+        </p:nvSpPr>
+        <p:spPr>
+          <a:xfrm>
+            <a:off x="4958320" y="4957590"/>
+            <a:ext cx="769467" cy="338554"/>
+          </a:xfrm>
+          <a:prstGeom prst="rect">
+            <a:avLst/>
+          </a:prstGeom>
+          <a:noFill/>
+        </p:spPr>
+        <p:txBody>
+          <a:bodyPr wrap="square" rtlCol="0">
+            <a:spAutoFit/>
+          </a:bodyPr>
+          <a:lstStyle/>
+          <a:p>
+            <a:pPr algn="ctr"/>
+            <a:r>
+              <a:rPr lang="en-SG" sz="1600" dirty="0"/>
+              <a:t>(2)</a:t>
+            </a:r>
+          </a:p>
+        </p:txBody>
+      </p:sp>
+      <p:sp>
+        <p:nvSpPr>
+          <p:cNvPr id="88" name="TextBox 87">
+            <a:extLst>
+              <a:ext uri="{FF2B5EF4-FFF2-40B4-BE49-F238E27FC236}">
+                <a16:creationId xmlns:a16="http://schemas.microsoft.com/office/drawing/2014/main" id="{D332BFE0-9758-2A48-26DB-984EC9A2E56B}"/>
+              </a:ext>
+            </a:extLst>
+          </p:cNvPr>
+          <p:cNvSpPr txBox="1"/>
+          <p:nvPr/>
+        </p:nvSpPr>
+        <p:spPr>
+          <a:xfrm>
+            <a:off x="9111317" y="4953470"/>
+            <a:ext cx="769467" cy="338554"/>
+          </a:xfrm>
+          <a:prstGeom prst="rect">
+            <a:avLst/>
+          </a:prstGeom>
+          <a:noFill/>
+        </p:spPr>
+        <p:txBody>
+          <a:bodyPr wrap="square" rtlCol="0">
+            <a:spAutoFit/>
+          </a:bodyPr>
+          <a:lstStyle/>
+          <a:p>
+            <a:pPr algn="ctr"/>
+            <a:r>
+              <a:rPr lang="en-SG" sz="1600" dirty="0"/>
+              <a:t>(3)</a:t>
             </a:r>
           </a:p>
         </p:txBody>
@@ -5672,7 +8478,7 @@
     </p:spTree>
     <p:extLst>
       <p:ext uri="{BB962C8B-B14F-4D97-AF65-F5344CB8AC3E}">
-        <p14:creationId xmlns:p14="http://schemas.microsoft.com/office/powerpoint/2010/main" val="1519528061"/>
+        <p14:creationId xmlns:p14="http://schemas.microsoft.com/office/powerpoint/2010/main" val="3361328396"/>
       </p:ext>
     </p:extLst>
   </p:cSld>
@@ -5701,10 +8507,140 @@
       </p:grpSpPr>
       <p:sp>
         <p:nvSpPr>
-          <p:cNvPr id="4" name="TextBox 3">
-            <a:extLst>
-              <a:ext uri="{FF2B5EF4-FFF2-40B4-BE49-F238E27FC236}">
-                <a16:creationId xmlns:a16="http://schemas.microsoft.com/office/drawing/2014/main" id="{2A4250F6-92F5-49B4-DDCC-32DE88081CBE}"/>
+          <p:cNvPr id="7" name="Rectangle: Rounded Corners 6">
+            <a:extLst>
+              <a:ext uri="{FF2B5EF4-FFF2-40B4-BE49-F238E27FC236}">
+                <a16:creationId xmlns:a16="http://schemas.microsoft.com/office/drawing/2014/main" id="{99007F93-9441-4BA6-E28A-F5FFBF84245D}"/>
+              </a:ext>
+            </a:extLst>
+          </p:cNvPr>
+          <p:cNvSpPr/>
+          <p:nvPr/>
+        </p:nvSpPr>
+        <p:spPr>
+          <a:xfrm>
+            <a:off x="1343594" y="719858"/>
+            <a:ext cx="9075292" cy="4924426"/>
+          </a:xfrm>
+          <a:prstGeom prst="roundRect">
+            <a:avLst>
+              <a:gd name="adj" fmla="val 2208"/>
+            </a:avLst>
+          </a:prstGeom>
+          <a:solidFill>
+            <a:schemeClr val="accent6">
+              <a:lumMod val="40000"/>
+              <a:lumOff val="60000"/>
+            </a:schemeClr>
+          </a:solidFill>
+          <a:ln>
+            <a:solidFill>
+              <a:schemeClr val="accent6">
+                <a:lumMod val="40000"/>
+                <a:lumOff val="60000"/>
+              </a:schemeClr>
+            </a:solidFill>
+          </a:ln>
+        </p:spPr>
+        <p:style>
+          <a:lnRef idx="2">
+            <a:schemeClr val="accent1">
+              <a:shade val="15000"/>
+            </a:schemeClr>
+          </a:lnRef>
+          <a:fillRef idx="1">
+            <a:schemeClr val="accent1"/>
+          </a:fillRef>
+          <a:effectRef idx="0">
+            <a:schemeClr val="accent1"/>
+          </a:effectRef>
+          <a:fontRef idx="minor">
+            <a:schemeClr val="lt1"/>
+          </a:fontRef>
+        </p:style>
+        <p:txBody>
+          <a:bodyPr rtlCol="0" anchor="ctr"/>
+          <a:lstStyle/>
+          <a:p>
+            <a:pPr algn="ctr"/>
+            <a:endParaRPr lang="en-SG">
+              <a:latin typeface="Arial" panose="020B0604020202020204" pitchFamily="34" charset="0"/>
+              <a:cs typeface="Arial" panose="020B0604020202020204" pitchFamily="34" charset="0"/>
+            </a:endParaRPr>
+          </a:p>
+        </p:txBody>
+      </p:sp>
+      <p:sp>
+        <p:nvSpPr>
+          <p:cNvPr id="4" name="Rectangle: Rounded Corners 3">
+            <a:extLst>
+              <a:ext uri="{FF2B5EF4-FFF2-40B4-BE49-F238E27FC236}">
+                <a16:creationId xmlns:a16="http://schemas.microsoft.com/office/drawing/2014/main" id="{B032595F-B547-85C0-DBD3-E2F114184DAC}"/>
+              </a:ext>
+            </a:extLst>
+          </p:cNvPr>
+          <p:cNvSpPr/>
+          <p:nvPr/>
+        </p:nvSpPr>
+        <p:spPr>
+          <a:xfrm>
+            <a:off x="1343594" y="104476"/>
+            <a:ext cx="9075291" cy="492443"/>
+          </a:xfrm>
+          <a:prstGeom prst="roundRect">
+            <a:avLst>
+              <a:gd name="adj" fmla="val 26589"/>
+            </a:avLst>
+          </a:prstGeom>
+          <a:solidFill>
+            <a:schemeClr val="accent1">
+              <a:lumMod val="40000"/>
+              <a:lumOff val="60000"/>
+            </a:schemeClr>
+          </a:solidFill>
+          <a:ln>
+            <a:solidFill>
+              <a:schemeClr val="accent1">
+                <a:lumMod val="40000"/>
+                <a:lumOff val="60000"/>
+              </a:schemeClr>
+            </a:solidFill>
+          </a:ln>
+        </p:spPr>
+        <p:style>
+          <a:lnRef idx="2">
+            <a:schemeClr val="accent1">
+              <a:shade val="15000"/>
+            </a:schemeClr>
+          </a:lnRef>
+          <a:fillRef idx="1">
+            <a:schemeClr val="accent1"/>
+          </a:fillRef>
+          <a:effectRef idx="0">
+            <a:schemeClr val="accent1"/>
+          </a:effectRef>
+          <a:fontRef idx="minor">
+            <a:schemeClr val="lt1"/>
+          </a:fontRef>
+        </p:style>
+        <p:txBody>
+          <a:bodyPr rtlCol="0" anchor="ctr"/>
+          <a:lstStyle/>
+          <a:p>
+            <a:pPr algn="ctr"/>
+            <a:endParaRPr lang="en-SG">
+              <a:latin typeface="Arial" panose="020B0604020202020204" pitchFamily="34" charset="0"/>
+              <a:cs typeface="Arial" panose="020B0604020202020204" pitchFamily="34" charset="0"/>
+            </a:endParaRPr>
+          </a:p>
+        </p:txBody>
+      </p:sp>
+      <p:sp>
+        <p:nvSpPr>
+          <p:cNvPr id="5" name="TextBox 4">
+            <a:extLst>
+              <a:ext uri="{FF2B5EF4-FFF2-40B4-BE49-F238E27FC236}">
+                <a16:creationId xmlns:a16="http://schemas.microsoft.com/office/drawing/2014/main" id="{D372A4CF-A73B-57E0-CBFE-C1F0DB6048AB}"/>
               </a:ext>
             </a:extLst>
           </p:cNvPr>
@@ -5713,8 +8649,8 @@
         </p:nvSpPr>
         <p:spPr>
           <a:xfrm>
-            <a:off x="600636" y="134472"/>
-            <a:ext cx="5253318" cy="1754326"/>
+            <a:off x="1453335" y="104476"/>
+            <a:ext cx="8710573" cy="492443"/>
           </a:xfrm>
           <a:prstGeom prst="rect">
             <a:avLst/>
@@ -5728,67 +8664,37 @@
           <a:lstStyle/>
           <a:p>
             <a:r>
-              <a:rPr lang="en-SG" dirty="0"/>
-              <a:t>8k entries of data generated. 20 times per image. 1k tokens per query.</a:t>
-            </a:r>
-          </a:p>
-          <a:p>
-            <a:endParaRPr lang="en-SG" dirty="0"/>
-          </a:p>
-          <a:p>
-            <a:r>
-              <a:rPr lang="en-SG" dirty="0"/>
-              <a:t>Finetune GIT model: 129M parameters, 1 A100 GPU, 1 hour</a:t>
-            </a:r>
-          </a:p>
-          <a:p>
-            <a:r>
-              <a:rPr lang="en-SG" dirty="0" err="1"/>
-              <a:t>CIDEr</a:t>
-            </a:r>
-            <a:r>
-              <a:rPr lang="en-SG" dirty="0"/>
-              <a:t>: 85.91</a:t>
-            </a:r>
-          </a:p>
-        </p:txBody>
-      </p:sp>
-      <p:pic>
-        <p:nvPicPr>
-          <p:cNvPr id="3" name="Picture 2">
-            <a:extLst>
-              <a:ext uri="{FF2B5EF4-FFF2-40B4-BE49-F238E27FC236}">
-                <a16:creationId xmlns:a16="http://schemas.microsoft.com/office/drawing/2014/main" id="{F3291033-A43B-1D37-9760-6BDE3D2C8D2C}"/>
-              </a:ext>
-            </a:extLst>
-          </p:cNvPr>
-          <p:cNvPicPr>
-            <a:picLocks noChangeAspect="1"/>
-          </p:cNvPicPr>
-          <p:nvPr/>
-        </p:nvPicPr>
-        <p:blipFill>
-          <a:blip r:embed="rId2"/>
-          <a:stretch>
-            <a:fillRect/>
-          </a:stretch>
-        </p:blipFill>
-        <p:spPr>
-          <a:xfrm>
-            <a:off x="628852" y="1801905"/>
-            <a:ext cx="4843584" cy="4016188"/>
-          </a:xfrm>
-          <a:prstGeom prst="rect">
-            <a:avLst/>
-          </a:prstGeom>
-        </p:spPr>
-      </p:pic>
+              <a:rPr lang="en-SG" sz="1400" b="1" dirty="0">
+                <a:latin typeface="Arial" panose="020B0604020202020204" pitchFamily="34" charset="0"/>
+                <a:cs typeface="Arial" panose="020B0604020202020204" pitchFamily="34" charset="0"/>
+              </a:rPr>
+              <a:t>System message</a:t>
+            </a:r>
+            <a:r>
+              <a:rPr lang="en-SG" sz="1400" dirty="0">
+                <a:latin typeface="Arial" panose="020B0604020202020204" pitchFamily="34" charset="0"/>
+                <a:cs typeface="Arial" panose="020B0604020202020204" pitchFamily="34" charset="0"/>
+              </a:rPr>
+              <a:t>:</a:t>
+            </a:r>
+          </a:p>
+          <a:p>
+            <a:r>
+              <a:rPr lang="en-SG" sz="1200" dirty="0">
+                <a:latin typeface="Arial" panose="020B0604020202020204" pitchFamily="34" charset="0"/>
+                <a:cs typeface="Arial" panose="020B0604020202020204" pitchFamily="34" charset="0"/>
+              </a:rPr>
+              <a:t>Today is 13-09-2023, you are a helpful assistant who is proficient at reading satellite images. </a:t>
+            </a:r>
+          </a:p>
+        </p:txBody>
+      </p:sp>
       <p:sp>
         <p:nvSpPr>
           <p:cNvPr id="6" name="TextBox 5">
             <a:extLst>
               <a:ext uri="{FF2B5EF4-FFF2-40B4-BE49-F238E27FC236}">
-                <a16:creationId xmlns:a16="http://schemas.microsoft.com/office/drawing/2014/main" id="{727D4BFE-6938-1F71-BCB0-747BA7E8C753}"/>
+                <a16:creationId xmlns:a16="http://schemas.microsoft.com/office/drawing/2014/main" id="{F4A75181-F89C-94E4-A70E-E3AF58F22216}"/>
               </a:ext>
             </a:extLst>
           </p:cNvPr>
@@ -5797,157 +8703,8 @@
         </p:nvSpPr>
         <p:spPr>
           <a:xfrm>
-            <a:off x="7566211" y="1074894"/>
-            <a:ext cx="3854824" cy="646331"/>
-          </a:xfrm>
-          <a:prstGeom prst="rect">
-            <a:avLst/>
-          </a:prstGeom>
-          <a:noFill/>
-        </p:spPr>
-        <p:txBody>
-          <a:bodyPr wrap="square">
-            <a:spAutoFit/>
-          </a:bodyPr>
-          <a:lstStyle/>
-          <a:p>
-            <a:r>
-              <a:rPr lang="en-SG" b="0" i="1" dirty="0">
-                <a:solidFill>
-                  <a:srgbClr val="111827"/>
-                </a:solidFill>
-                <a:effectLst/>
-                <a:latin typeface="Source Sans Pro" panose="020B0503030403020204" pitchFamily="34" charset="0"/>
-              </a:rPr>
-              <a:t>many aircraft are parked near a large building in an airport.</a:t>
-            </a:r>
-            <a:endParaRPr lang="en-SG" dirty="0"/>
-          </a:p>
-        </p:txBody>
-      </p:sp>
-      <p:pic>
-        <p:nvPicPr>
-          <p:cNvPr id="2050" name="Picture 2">
-            <a:extLst>
-              <a:ext uri="{FF2B5EF4-FFF2-40B4-BE49-F238E27FC236}">
-                <a16:creationId xmlns:a16="http://schemas.microsoft.com/office/drawing/2014/main" id="{112E6AC8-D509-5F6A-F76B-DB3AE4FBCFD4}"/>
-              </a:ext>
-            </a:extLst>
-          </p:cNvPr>
-          <p:cNvPicPr>
-            <a:picLocks noChangeAspect="1" noChangeArrowheads="1"/>
-          </p:cNvPicPr>
-          <p:nvPr/>
-        </p:nvPicPr>
-        <p:blipFill>
-          <a:blip r:embed="rId3">
-            <a:extLst>
-              <a:ext uri="{28A0092B-C50C-407E-A947-70E740481C1C}">
-                <a14:useLocalDpi xmlns:a14="http://schemas.microsoft.com/office/drawing/2010/main" val="0"/>
-              </a:ext>
-            </a:extLst>
-          </a:blip>
-          <a:srcRect/>
-          <a:stretch>
-            <a:fillRect/>
-          </a:stretch>
-        </p:blipFill>
-        <p:spPr bwMode="auto">
-          <a:xfrm>
-            <a:off x="6834720" y="2501152"/>
-            <a:ext cx="5008357" cy="2904565"/>
-          </a:xfrm>
-          <a:prstGeom prst="rect">
-            <a:avLst/>
-          </a:prstGeom>
-          <a:noFill/>
-          <a:extLst>
-            <a:ext uri="{909E8E84-426E-40DD-AFC4-6F175D3DCCD1}">
-              <a14:hiddenFill xmlns:a14="http://schemas.microsoft.com/office/drawing/2010/main">
-                <a:solidFill>
-                  <a:srgbClr val="FFFFFF"/>
-                </a:solidFill>
-              </a14:hiddenFill>
-            </a:ext>
-          </a:extLst>
-        </p:spPr>
-      </p:pic>
-      <p:pic>
-        <p:nvPicPr>
-          <p:cNvPr id="5" name="Picture 4">
-            <a:extLst>
-              <a:ext uri="{FF2B5EF4-FFF2-40B4-BE49-F238E27FC236}">
-                <a16:creationId xmlns:a16="http://schemas.microsoft.com/office/drawing/2014/main" id="{8FB68C0A-91BB-473B-2918-5ABFC26D4801}"/>
-              </a:ext>
-            </a:extLst>
-          </p:cNvPr>
-          <p:cNvPicPr>
-            <a:picLocks noChangeAspect="1"/>
-          </p:cNvPicPr>
-          <p:nvPr/>
-        </p:nvPicPr>
-        <p:blipFill>
-          <a:blip r:embed="rId4"/>
-          <a:stretch>
-            <a:fillRect/>
-          </a:stretch>
-        </p:blipFill>
-        <p:spPr>
-          <a:xfrm>
-            <a:off x="631986" y="5818093"/>
-            <a:ext cx="3825572" cy="800169"/>
-          </a:xfrm>
-          <a:prstGeom prst="rect">
-            <a:avLst/>
-          </a:prstGeom>
-        </p:spPr>
-      </p:pic>
-      <p:pic>
-        <p:nvPicPr>
-          <p:cNvPr id="8" name="Picture 7">
-            <a:extLst>
-              <a:ext uri="{FF2B5EF4-FFF2-40B4-BE49-F238E27FC236}">
-                <a16:creationId xmlns:a16="http://schemas.microsoft.com/office/drawing/2014/main" id="{5F66F879-C22C-E707-038F-0AED56DAF242}"/>
-              </a:ext>
-            </a:extLst>
-          </p:cNvPr>
-          <p:cNvPicPr>
-            <a:picLocks noChangeAspect="1"/>
-          </p:cNvPicPr>
-          <p:nvPr/>
-        </p:nvPicPr>
-        <p:blipFill>
-          <a:blip r:embed="rId5"/>
-          <a:stretch>
-            <a:fillRect/>
-          </a:stretch>
-        </p:blipFill>
-        <p:spPr>
-          <a:xfrm>
-            <a:off x="4565135" y="5962885"/>
-            <a:ext cx="3276884" cy="655377"/>
-          </a:xfrm>
-          <a:prstGeom prst="rect">
-            <a:avLst/>
-          </a:prstGeom>
-        </p:spPr>
-      </p:pic>
-      <p:sp>
-        <p:nvSpPr>
-          <p:cNvPr id="9" name="TextBox 8">
-            <a:extLst>
-              <a:ext uri="{FF2B5EF4-FFF2-40B4-BE49-F238E27FC236}">
-                <a16:creationId xmlns:a16="http://schemas.microsoft.com/office/drawing/2014/main" id="{C3A03A29-BC0D-480B-0436-91766163234E}"/>
-              </a:ext>
-            </a:extLst>
-          </p:cNvPr>
-          <p:cNvSpPr txBox="1"/>
-          <p:nvPr/>
-        </p:nvSpPr>
-        <p:spPr>
-          <a:xfrm>
-            <a:off x="7842019" y="6105907"/>
-            <a:ext cx="744072" cy="369332"/>
+            <a:off x="1453335" y="729206"/>
+            <a:ext cx="8965550" cy="4924425"/>
           </a:xfrm>
           <a:prstGeom prst="rect">
             <a:avLst/>
@@ -5961,8 +8718,384 @@
           <a:lstStyle/>
           <a:p>
             <a:r>
-              <a:rPr lang="en-SG" dirty="0"/>
-              <a:t>N = 4</a:t>
+              <a:rPr lang="en-SG" sz="1400" b="1" dirty="0">
+                <a:latin typeface="Arial" panose="020B0604020202020204" pitchFamily="34" charset="0"/>
+                <a:cs typeface="Arial" panose="020B0604020202020204" pitchFamily="34" charset="0"/>
+              </a:rPr>
+              <a:t>Instruction</a:t>
+            </a:r>
+            <a:r>
+              <a:rPr lang="en-SG" sz="1400" dirty="0">
+                <a:latin typeface="Arial" panose="020B0604020202020204" pitchFamily="34" charset="0"/>
+                <a:cs typeface="Arial" panose="020B0604020202020204" pitchFamily="34" charset="0"/>
+              </a:rPr>
+              <a:t>:</a:t>
+            </a:r>
+          </a:p>
+          <a:p>
+            <a:r>
+              <a:rPr lang="en-SG" sz="1200" dirty="0">
+                <a:latin typeface="Arial" panose="020B0604020202020204" pitchFamily="34" charset="0"/>
+                <a:cs typeface="Arial" panose="020B0604020202020204" pitchFamily="34" charset="0"/>
+              </a:rPr>
+              <a:t>You will be provided with description of a satellite image. Please provide several captions as strings in a python list. The image has multiple objects, which have been clustered into groups based on their types and locations. </a:t>
+            </a:r>
+            <a:br>
+              <a:rPr lang="en-SG" sz="1200" dirty="0">
+                <a:latin typeface="Arial" panose="020B0604020202020204" pitchFamily="34" charset="0"/>
+                <a:cs typeface="Arial" panose="020B0604020202020204" pitchFamily="34" charset="0"/>
+              </a:rPr>
+            </a:br>
+            <a:r>
+              <a:rPr lang="en-SG" sz="1200" dirty="0">
+                <a:latin typeface="Arial" panose="020B0604020202020204" pitchFamily="34" charset="0"/>
+                <a:cs typeface="Arial" panose="020B0604020202020204" pitchFamily="34" charset="0"/>
+              </a:rPr>
+              <a:t>Here are some examples:</a:t>
+            </a:r>
+            <a:br>
+              <a:rPr lang="en-SG" sz="1200" dirty="0">
+                <a:latin typeface="Arial" panose="020B0604020202020204" pitchFamily="34" charset="0"/>
+                <a:cs typeface="Arial" panose="020B0604020202020204" pitchFamily="34" charset="0"/>
+              </a:rPr>
+            </a:br>
+            <a:br>
+              <a:rPr lang="en-SG" sz="1200" dirty="0">
+                <a:latin typeface="Arial" panose="020B0604020202020204" pitchFamily="34" charset="0"/>
+                <a:cs typeface="Arial" panose="020B0604020202020204" pitchFamily="34" charset="0"/>
+              </a:rPr>
+            </a:br>
+            <a:r>
+              <a:rPr lang="en-SG" sz="1200" dirty="0">
+                <a:latin typeface="Arial" panose="020B0604020202020204" pitchFamily="34" charset="0"/>
+                <a:cs typeface="Arial" panose="020B0604020202020204" pitchFamily="34" charset="0"/>
+              </a:rPr>
+              <a:t># example image description 1:</a:t>
+            </a:r>
+            <a:br>
+              <a:rPr lang="en-SG" sz="1200" dirty="0">
+                <a:latin typeface="Arial" panose="020B0604020202020204" pitchFamily="34" charset="0"/>
+                <a:cs typeface="Arial" panose="020B0604020202020204" pitchFamily="34" charset="0"/>
+              </a:rPr>
+            </a:br>
+            <a:r>
+              <a:rPr lang="en-SG" sz="1200" dirty="0">
+                <a:latin typeface="Arial" panose="020B0604020202020204" pitchFamily="34" charset="0"/>
+                <a:cs typeface="Arial" panose="020B0604020202020204" pitchFamily="34" charset="0"/>
+              </a:rPr>
+              <a:t>## objects/object groups information</a:t>
+            </a:r>
+            <a:br>
+              <a:rPr lang="en-SG" sz="1200" dirty="0">
+                <a:latin typeface="Arial" panose="020B0604020202020204" pitchFamily="34" charset="0"/>
+                <a:cs typeface="Arial" panose="020B0604020202020204" pitchFamily="34" charset="0"/>
+              </a:rPr>
+            </a:br>
+            <a:r>
+              <a:rPr lang="en-SG" sz="1200" dirty="0">
+                <a:latin typeface="Arial" panose="020B0604020202020204" pitchFamily="34" charset="0"/>
+                <a:cs typeface="Arial" panose="020B0604020202020204" pitchFamily="34" charset="0"/>
+              </a:rPr>
+              <a:t>group 0: 1 damaged building</a:t>
+            </a:r>
+            <a:br>
+              <a:rPr lang="en-SG" sz="1200" dirty="0">
+                <a:latin typeface="Arial" panose="020B0604020202020204" pitchFamily="34" charset="0"/>
+                <a:cs typeface="Arial" panose="020B0604020202020204" pitchFamily="34" charset="0"/>
+              </a:rPr>
+            </a:br>
+            <a:r>
+              <a:rPr lang="en-SG" sz="1200" dirty="0">
+                <a:latin typeface="Arial" panose="020B0604020202020204" pitchFamily="34" charset="0"/>
+                <a:cs typeface="Arial" panose="020B0604020202020204" pitchFamily="34" charset="0"/>
+              </a:rPr>
+              <a:t>group 1: a line of 5 building</a:t>
+            </a:r>
+            <a:br>
+              <a:rPr lang="en-SG" sz="1200" dirty="0">
+                <a:latin typeface="Arial" panose="020B0604020202020204" pitchFamily="34" charset="0"/>
+                <a:cs typeface="Arial" panose="020B0604020202020204" pitchFamily="34" charset="0"/>
+              </a:rPr>
+            </a:br>
+            <a:r>
+              <a:rPr lang="en-SG" sz="1200" dirty="0">
+                <a:latin typeface="Arial" panose="020B0604020202020204" pitchFamily="34" charset="0"/>
+                <a:cs typeface="Arial" panose="020B0604020202020204" pitchFamily="34" charset="0"/>
+              </a:rPr>
+              <a:t>group 2: a line of 3 building</a:t>
+            </a:r>
+            <a:br>
+              <a:rPr lang="en-SG" sz="1200" dirty="0">
+                <a:latin typeface="Arial" panose="020B0604020202020204" pitchFamily="34" charset="0"/>
+                <a:cs typeface="Arial" panose="020B0604020202020204" pitchFamily="34" charset="0"/>
+              </a:rPr>
+            </a:br>
+            <a:br>
+              <a:rPr lang="en-SG" sz="1200" dirty="0">
+                <a:latin typeface="Arial" panose="020B0604020202020204" pitchFamily="34" charset="0"/>
+                <a:cs typeface="Arial" panose="020B0604020202020204" pitchFamily="34" charset="0"/>
+              </a:rPr>
+            </a:br>
+            <a:r>
+              <a:rPr lang="en-SG" sz="1200" dirty="0">
+                <a:latin typeface="Arial" panose="020B0604020202020204" pitchFamily="34" charset="0"/>
+                <a:cs typeface="Arial" panose="020B0604020202020204" pitchFamily="34" charset="0"/>
+              </a:rPr>
+              <a:t>## significant geographical relations</a:t>
+            </a:r>
+            <a:br>
+              <a:rPr lang="en-SG" sz="1200" dirty="0">
+                <a:latin typeface="Arial" panose="020B0604020202020204" pitchFamily="34" charset="0"/>
+                <a:cs typeface="Arial" panose="020B0604020202020204" pitchFamily="34" charset="0"/>
+              </a:rPr>
+            </a:br>
+            <a:r>
+              <a:rPr lang="en-SG" sz="1200" dirty="0">
+                <a:latin typeface="Arial" panose="020B0604020202020204" pitchFamily="34" charset="0"/>
+                <a:cs typeface="Arial" panose="020B0604020202020204" pitchFamily="34" charset="0"/>
+              </a:rPr>
+              <a:t>group 2 is next to group 0</a:t>
+            </a:r>
+            <a:br>
+              <a:rPr lang="en-SG" sz="1200" dirty="0">
+                <a:latin typeface="Arial" panose="020B0604020202020204" pitchFamily="34" charset="0"/>
+                <a:cs typeface="Arial" panose="020B0604020202020204" pitchFamily="34" charset="0"/>
+              </a:rPr>
+            </a:br>
+            <a:br>
+              <a:rPr lang="en-SG" sz="1200" dirty="0">
+                <a:latin typeface="Arial" panose="020B0604020202020204" pitchFamily="34" charset="0"/>
+                <a:cs typeface="Arial" panose="020B0604020202020204" pitchFamily="34" charset="0"/>
+              </a:rPr>
+            </a:br>
+            <a:r>
+              <a:rPr lang="en-SG" sz="1200" dirty="0">
+                <a:latin typeface="Arial" panose="020B0604020202020204" pitchFamily="34" charset="0"/>
+                <a:cs typeface="Arial" panose="020B0604020202020204" pitchFamily="34" charset="0"/>
+              </a:rPr>
+              <a:t>## captions</a:t>
+            </a:r>
+            <a:br>
+              <a:rPr lang="en-SG" sz="1200" dirty="0">
+                <a:latin typeface="Arial" panose="020B0604020202020204" pitchFamily="34" charset="0"/>
+                <a:cs typeface="Arial" panose="020B0604020202020204" pitchFamily="34" charset="0"/>
+              </a:rPr>
+            </a:br>
+            <a:r>
+              <a:rPr lang="en-SG" sz="1200" dirty="0">
+                <a:latin typeface="Arial" panose="020B0604020202020204" pitchFamily="34" charset="0"/>
+                <a:cs typeface="Arial" panose="020B0604020202020204" pitchFamily="34" charset="0"/>
+              </a:rPr>
+              <a:t>["There are two lines of buildings in the image.", "A damaged building is next to a line of buildings in the image"]</a:t>
+            </a:r>
+          </a:p>
+          <a:p>
+            <a:endParaRPr lang="en-SG" sz="1200" dirty="0">
+              <a:latin typeface="Arial" panose="020B0604020202020204" pitchFamily="34" charset="0"/>
+              <a:cs typeface="Arial" panose="020B0604020202020204" pitchFamily="34" charset="0"/>
+            </a:endParaRPr>
+          </a:p>
+          <a:p>
+            <a:r>
+              <a:rPr lang="en-SG" sz="1200" dirty="0">
+                <a:latin typeface="Arial" panose="020B0604020202020204" pitchFamily="34" charset="0"/>
+                <a:cs typeface="Arial" panose="020B0604020202020204" pitchFamily="34" charset="0"/>
+              </a:rPr>
+              <a:t># real image description:</a:t>
+            </a:r>
+          </a:p>
+          <a:p>
+            <a:r>
+              <a:rPr lang="en-SG" sz="1200" dirty="0">
+                <a:latin typeface="Arial" panose="020B0604020202020204" pitchFamily="34" charset="0"/>
+                <a:cs typeface="Arial" panose="020B0604020202020204" pitchFamily="34" charset="0"/>
+              </a:rPr>
+              <a:t>## objects/object groups information</a:t>
+            </a:r>
+          </a:p>
+          <a:p>
+            <a:r>
+              <a:rPr lang="en-SG" sz="1200" dirty="0">
+                <a:latin typeface="Arial" panose="020B0604020202020204" pitchFamily="34" charset="0"/>
+                <a:cs typeface="Arial" panose="020B0604020202020204" pitchFamily="34" charset="0"/>
+              </a:rPr>
+              <a:t>group 0: 1 truck</a:t>
+            </a:r>
+          </a:p>
+          <a:p>
+            <a:r>
+              <a:rPr lang="en-SG" sz="1200" dirty="0">
+                <a:latin typeface="Arial" panose="020B0604020202020204" pitchFamily="34" charset="0"/>
+                <a:cs typeface="Arial" panose="020B0604020202020204" pitchFamily="34" charset="0"/>
+              </a:rPr>
+              <a:t>group 1: a line of 4 building</a:t>
+            </a:r>
+          </a:p>
+          <a:p>
+            <a:endParaRPr lang="en-SG" sz="1200" dirty="0">
+              <a:latin typeface="Arial" panose="020B0604020202020204" pitchFamily="34" charset="0"/>
+              <a:cs typeface="Arial" panose="020B0604020202020204" pitchFamily="34" charset="0"/>
+            </a:endParaRPr>
+          </a:p>
+          <a:p>
+            <a:r>
+              <a:rPr lang="en-SG" sz="1200" dirty="0">
+                <a:latin typeface="Arial" panose="020B0604020202020204" pitchFamily="34" charset="0"/>
+                <a:cs typeface="Arial" panose="020B0604020202020204" pitchFamily="34" charset="0"/>
+              </a:rPr>
+              <a:t>## significant geographical relations</a:t>
+            </a:r>
+          </a:p>
+          <a:p>
+            <a:r>
+              <a:rPr lang="en-SG" sz="1200" dirty="0">
+                <a:latin typeface="Arial" panose="020B0604020202020204" pitchFamily="34" charset="0"/>
+                <a:cs typeface="Arial" panose="020B0604020202020204" pitchFamily="34" charset="0"/>
+              </a:rPr>
+              <a:t>group 1 is far from other objects</a:t>
+            </a:r>
+          </a:p>
+          <a:p>
+            <a:endParaRPr lang="en-SG" sz="1200" dirty="0">
+              <a:latin typeface="Arial" panose="020B0604020202020204" pitchFamily="34" charset="0"/>
+              <a:cs typeface="Arial" panose="020B0604020202020204" pitchFamily="34" charset="0"/>
+            </a:endParaRPr>
+          </a:p>
+          <a:p>
+            <a:r>
+              <a:rPr lang="en-SG" sz="1200" dirty="0">
+                <a:latin typeface="Arial" panose="020B0604020202020204" pitchFamily="34" charset="0"/>
+                <a:cs typeface="Arial" panose="020B0604020202020204" pitchFamily="34" charset="0"/>
+              </a:rPr>
+              <a:t>## captions</a:t>
+            </a:r>
+          </a:p>
+        </p:txBody>
+      </p:sp>
+      <p:sp>
+        <p:nvSpPr>
+          <p:cNvPr id="9" name="Rectangle: Rounded Corners 8">
+            <a:extLst>
+              <a:ext uri="{FF2B5EF4-FFF2-40B4-BE49-F238E27FC236}">
+                <a16:creationId xmlns:a16="http://schemas.microsoft.com/office/drawing/2014/main" id="{4BC6331A-E4B4-C2C5-7208-6153679EE3C4}"/>
+              </a:ext>
+            </a:extLst>
+          </p:cNvPr>
+          <p:cNvSpPr/>
+          <p:nvPr/>
+        </p:nvSpPr>
+        <p:spPr>
+          <a:xfrm>
+            <a:off x="1343593" y="5899638"/>
+            <a:ext cx="9075292" cy="677108"/>
+          </a:xfrm>
+          <a:prstGeom prst="roundRect">
+            <a:avLst>
+              <a:gd name="adj" fmla="val 13589"/>
+            </a:avLst>
+          </a:prstGeom>
+          <a:solidFill>
+            <a:schemeClr val="accent4">
+              <a:lumMod val="20000"/>
+              <a:lumOff val="80000"/>
+            </a:schemeClr>
+          </a:solidFill>
+          <a:ln>
+            <a:solidFill>
+              <a:schemeClr val="accent4">
+                <a:lumMod val="20000"/>
+                <a:lumOff val="80000"/>
+              </a:schemeClr>
+            </a:solidFill>
+          </a:ln>
+        </p:spPr>
+        <p:style>
+          <a:lnRef idx="2">
+            <a:schemeClr val="accent1">
+              <a:shade val="15000"/>
+            </a:schemeClr>
+          </a:lnRef>
+          <a:fillRef idx="1">
+            <a:schemeClr val="accent1"/>
+          </a:fillRef>
+          <a:effectRef idx="0">
+            <a:schemeClr val="accent1"/>
+          </a:effectRef>
+          <a:fontRef idx="minor">
+            <a:schemeClr val="lt1"/>
+          </a:fontRef>
+        </p:style>
+        <p:txBody>
+          <a:bodyPr rtlCol="0" anchor="ctr"/>
+          <a:lstStyle/>
+          <a:p>
+            <a:pPr algn="ctr"/>
+            <a:endParaRPr lang="en-SG">
+              <a:latin typeface="Arial" panose="020B0604020202020204" pitchFamily="34" charset="0"/>
+              <a:cs typeface="Arial" panose="020B0604020202020204" pitchFamily="34" charset="0"/>
+            </a:endParaRPr>
+          </a:p>
+        </p:txBody>
+      </p:sp>
+      <p:sp>
+        <p:nvSpPr>
+          <p:cNvPr id="10" name="TextBox 9">
+            <a:extLst>
+              <a:ext uri="{FF2B5EF4-FFF2-40B4-BE49-F238E27FC236}">
+                <a16:creationId xmlns:a16="http://schemas.microsoft.com/office/drawing/2014/main" id="{2A428084-385D-1C9C-360F-9D120EA45AFD}"/>
+              </a:ext>
+            </a:extLst>
+          </p:cNvPr>
+          <p:cNvSpPr txBox="1"/>
+          <p:nvPr/>
+        </p:nvSpPr>
+        <p:spPr>
+          <a:xfrm>
+            <a:off x="1453335" y="5882572"/>
+            <a:ext cx="8710573" cy="677108"/>
+          </a:xfrm>
+          <a:prstGeom prst="rect">
+            <a:avLst/>
+          </a:prstGeom>
+          <a:noFill/>
+        </p:spPr>
+        <p:txBody>
+          <a:bodyPr wrap="square" rtlCol="0">
+            <a:spAutoFit/>
+          </a:bodyPr>
+          <a:lstStyle/>
+          <a:p>
+            <a:r>
+              <a:rPr lang="en-SG" sz="1400" b="1" dirty="0">
+                <a:latin typeface="Arial" panose="020B0604020202020204" pitchFamily="34" charset="0"/>
+                <a:cs typeface="Arial" panose="020B0604020202020204" pitchFamily="34" charset="0"/>
+              </a:rPr>
+              <a:t>Response</a:t>
+            </a:r>
+            <a:r>
+              <a:rPr lang="en-SG" sz="1400" dirty="0">
+                <a:latin typeface="Arial" panose="020B0604020202020204" pitchFamily="34" charset="0"/>
+                <a:cs typeface="Arial" panose="020B0604020202020204" pitchFamily="34" charset="0"/>
+              </a:rPr>
+              <a:t>:</a:t>
+            </a:r>
+          </a:p>
+          <a:p>
+            <a:r>
+              <a:rPr lang="en-SG" sz="1200" dirty="0">
+                <a:latin typeface="Arial" panose="020B0604020202020204" pitchFamily="34" charset="0"/>
+                <a:cs typeface="Arial" panose="020B0604020202020204" pitchFamily="34" charset="0"/>
+              </a:rPr>
+              <a:t>["There is a truck and a line of four buildings in the image.",</a:t>
+            </a:r>
+          </a:p>
+          <a:p>
+            <a:r>
+              <a:rPr lang="en-SG" sz="1200" dirty="0">
+                <a:latin typeface="Arial" panose="020B0604020202020204" pitchFamily="34" charset="0"/>
+                <a:cs typeface="Arial" panose="020B0604020202020204" pitchFamily="34" charset="0"/>
+              </a:rPr>
+              <a:t>"The line of buildings is quite far from the truck and other objects."]</a:t>
             </a:r>
           </a:p>
         </p:txBody>
@@ -5970,7 +9103,7 @@
     </p:spTree>
     <p:extLst>
       <p:ext uri="{BB962C8B-B14F-4D97-AF65-F5344CB8AC3E}">
-        <p14:creationId xmlns:p14="http://schemas.microsoft.com/office/powerpoint/2010/main" val="4133536282"/>
+        <p14:creationId xmlns:p14="http://schemas.microsoft.com/office/powerpoint/2010/main" val="1655751527"/>
       </p:ext>
     </p:extLst>
   </p:cSld>
@@ -5999,10 +9132,60 @@
       </p:grpSpPr>
       <p:sp>
         <p:nvSpPr>
-          <p:cNvPr id="2" name="TextBox 1">
-            <a:extLst>
-              <a:ext uri="{FF2B5EF4-FFF2-40B4-BE49-F238E27FC236}">
-                <a16:creationId xmlns:a16="http://schemas.microsoft.com/office/drawing/2014/main" id="{B078DF6B-DA76-B994-16C5-5759AA2404F1}"/>
+          <p:cNvPr id="2" name="Rectangle 1">
+            <a:extLst>
+              <a:ext uri="{FF2B5EF4-FFF2-40B4-BE49-F238E27FC236}">
+                <a16:creationId xmlns:a16="http://schemas.microsoft.com/office/drawing/2014/main" id="{81AAA260-1A5E-19C7-C291-7FB5A92613F6}"/>
+              </a:ext>
+            </a:extLst>
+          </p:cNvPr>
+          <p:cNvSpPr/>
+          <p:nvPr/>
+        </p:nvSpPr>
+        <p:spPr>
+          <a:xfrm>
+            <a:off x="3155577" y="1050378"/>
+            <a:ext cx="2814918" cy="3542114"/>
+          </a:xfrm>
+          <a:prstGeom prst="rect">
+            <a:avLst/>
+          </a:prstGeom>
+          <a:noFill/>
+          <a:ln w="19050">
+            <a:prstDash val="dashDot"/>
+          </a:ln>
+        </p:spPr>
+        <p:style>
+          <a:lnRef idx="2">
+            <a:schemeClr val="accent1">
+              <a:shade val="50000"/>
+            </a:schemeClr>
+          </a:lnRef>
+          <a:fillRef idx="1">
+            <a:schemeClr val="accent1"/>
+          </a:fillRef>
+          <a:effectRef idx="0">
+            <a:schemeClr val="accent1"/>
+          </a:effectRef>
+          <a:fontRef idx="minor">
+            <a:schemeClr val="lt1"/>
+          </a:fontRef>
+        </p:style>
+        <p:txBody>
+          <a:bodyPr rtlCol="0" anchor="ctr"/>
+          <a:lstStyle/>
+          <a:p>
+            <a:pPr algn="ctr"/>
+            <a:endParaRPr lang="en-SG"/>
+          </a:p>
+        </p:txBody>
+      </p:sp>
+      <p:sp>
+        <p:nvSpPr>
+          <p:cNvPr id="3" name="TextBox 2">
+            <a:extLst>
+              <a:ext uri="{FF2B5EF4-FFF2-40B4-BE49-F238E27FC236}">
+                <a16:creationId xmlns:a16="http://schemas.microsoft.com/office/drawing/2014/main" id="{7A4010C4-0E6B-D0C3-F436-1737CA909EAF}"/>
               </a:ext>
             </a:extLst>
           </p:cNvPr>
@@ -6011,8 +9194,8 @@
         </p:nvSpPr>
         <p:spPr>
           <a:xfrm>
-            <a:off x="600636" y="331695"/>
-            <a:ext cx="5253318" cy="646331"/>
+            <a:off x="3240741" y="4690628"/>
+            <a:ext cx="2447365" cy="369332"/>
           </a:xfrm>
           <a:prstGeom prst="rect">
             <a:avLst/>
@@ -6025,9 +9208,131 @@
           </a:bodyPr>
           <a:lstStyle/>
           <a:p>
+            <a:pPr algn="ctr"/>
             <a:r>
               <a:rPr lang="en-SG" dirty="0"/>
-              <a:t>Evaluation metrics: why use CIDER, what is BLEU, Rouge, WER, etc. only for less open ended questions. </a:t>
+              <a:t>Prompting</a:t>
+            </a:r>
+          </a:p>
+        </p:txBody>
+      </p:sp>
+      <p:sp>
+        <p:nvSpPr>
+          <p:cNvPr id="6" name="TextBox 5">
+            <a:extLst>
+              <a:ext uri="{FF2B5EF4-FFF2-40B4-BE49-F238E27FC236}">
+                <a16:creationId xmlns:a16="http://schemas.microsoft.com/office/drawing/2014/main" id="{9ECA0197-C21D-CF13-640C-9108B0041B10}"/>
+              </a:ext>
+            </a:extLst>
+          </p:cNvPr>
+          <p:cNvSpPr txBox="1"/>
+          <p:nvPr/>
+        </p:nvSpPr>
+        <p:spPr>
+          <a:xfrm>
+            <a:off x="7153448" y="4690628"/>
+            <a:ext cx="2447365" cy="369332"/>
+          </a:xfrm>
+          <a:prstGeom prst="rect">
+            <a:avLst/>
+          </a:prstGeom>
+          <a:noFill/>
+        </p:spPr>
+        <p:txBody>
+          <a:bodyPr wrap="square" rtlCol="0">
+            <a:spAutoFit/>
+          </a:bodyPr>
+          <a:lstStyle/>
+          <a:p>
+            <a:pPr algn="ctr"/>
+            <a:r>
+              <a:rPr lang="en-SG" dirty="0"/>
+              <a:t>Verification</a:t>
+            </a:r>
+          </a:p>
+        </p:txBody>
+      </p:sp>
+      <p:sp>
+        <p:nvSpPr>
+          <p:cNvPr id="7" name="Rectangle 6">
+            <a:extLst>
+              <a:ext uri="{FF2B5EF4-FFF2-40B4-BE49-F238E27FC236}">
+                <a16:creationId xmlns:a16="http://schemas.microsoft.com/office/drawing/2014/main" id="{6C422647-D373-D019-908D-7C5277CDA90E}"/>
+              </a:ext>
+            </a:extLst>
+          </p:cNvPr>
+          <p:cNvSpPr/>
+          <p:nvPr/>
+        </p:nvSpPr>
+        <p:spPr>
+          <a:xfrm>
+            <a:off x="10147660" y="1050378"/>
+            <a:ext cx="1972623" cy="3542114"/>
+          </a:xfrm>
+          <a:prstGeom prst="rect">
+            <a:avLst/>
+          </a:prstGeom>
+          <a:noFill/>
+          <a:ln w="19050">
+            <a:prstDash val="dashDot"/>
+          </a:ln>
+        </p:spPr>
+        <p:style>
+          <a:lnRef idx="2">
+            <a:schemeClr val="accent1">
+              <a:shade val="50000"/>
+            </a:schemeClr>
+          </a:lnRef>
+          <a:fillRef idx="1">
+            <a:schemeClr val="accent1"/>
+          </a:fillRef>
+          <a:effectRef idx="0">
+            <a:schemeClr val="accent1"/>
+          </a:effectRef>
+          <a:fontRef idx="minor">
+            <a:schemeClr val="lt1"/>
+          </a:fontRef>
+        </p:style>
+        <p:txBody>
+          <a:bodyPr rtlCol="0" anchor="ctr"/>
+          <a:lstStyle/>
+          <a:p>
+            <a:pPr algn="ctr"/>
+            <a:endParaRPr lang="en-SG"/>
+          </a:p>
+        </p:txBody>
+      </p:sp>
+      <p:sp>
+        <p:nvSpPr>
+          <p:cNvPr id="8" name="TextBox 7">
+            <a:extLst>
+              <a:ext uri="{FF2B5EF4-FFF2-40B4-BE49-F238E27FC236}">
+                <a16:creationId xmlns:a16="http://schemas.microsoft.com/office/drawing/2014/main" id="{63E98F56-79BC-E5DF-2F24-6C6CAB22FA95}"/>
+              </a:ext>
+            </a:extLst>
+          </p:cNvPr>
+          <p:cNvSpPr txBox="1"/>
+          <p:nvPr/>
+        </p:nvSpPr>
+        <p:spPr>
+          <a:xfrm>
+            <a:off x="10407441" y="4694494"/>
+            <a:ext cx="1659054" cy="369332"/>
+          </a:xfrm>
+          <a:prstGeom prst="rect">
+            <a:avLst/>
+          </a:prstGeom>
+          <a:noFill/>
+        </p:spPr>
+        <p:txBody>
+          <a:bodyPr wrap="square" rtlCol="0">
+            <a:spAutoFit/>
+          </a:bodyPr>
+          <a:lstStyle/>
+          <a:p>
+            <a:r>
+              <a:rPr lang="en-SG" dirty="0"/>
+              <a:t>Augmentation</a:t>
             </a:r>
           </a:p>
         </p:txBody>
@@ -6037,7 +9342,7 @@
           <p:cNvPr id="9" name="Picture 8">
             <a:extLst>
               <a:ext uri="{FF2B5EF4-FFF2-40B4-BE49-F238E27FC236}">
-                <a16:creationId xmlns:a16="http://schemas.microsoft.com/office/drawing/2014/main" id="{76B06C3B-7F34-CAE6-7784-5D7A52429ACE}"/>
+                <a16:creationId xmlns:a16="http://schemas.microsoft.com/office/drawing/2014/main" id="{7DE84D44-0D7B-15F0-DF73-DB50C104B26A}"/>
               </a:ext>
             </a:extLst>
           </p:cNvPr>
@@ -6047,115 +9352,480 @@
           <p:nvPr/>
         </p:nvPicPr>
         <p:blipFill>
-          <a:blip r:embed="rId2"/>
+          <a:blip r:embed="rId2">
+            <a:extLst>
+              <a:ext uri="{28A0092B-C50C-407E-A947-70E740481C1C}">
+                <a14:useLocalDpi xmlns:a14="http://schemas.microsoft.com/office/drawing/2010/main" val="0"/>
+              </a:ext>
+            </a:extLst>
+          </a:blip>
           <a:stretch>
             <a:fillRect/>
           </a:stretch>
         </p:blipFill>
         <p:spPr>
           <a:xfrm>
-            <a:off x="1430395" y="2663483"/>
-            <a:ext cx="8596106" cy="3970398"/>
+            <a:off x="-125505" y="1293135"/>
+            <a:ext cx="12192000" cy="3107921"/>
           </a:xfrm>
           <a:prstGeom prst="rect">
             <a:avLst/>
           </a:prstGeom>
         </p:spPr>
       </p:pic>
-      <p:pic>
-        <p:nvPicPr>
-          <p:cNvPr id="11" name="Picture 10">
-            <a:extLst>
-              <a:ext uri="{FF2B5EF4-FFF2-40B4-BE49-F238E27FC236}">
-                <a16:creationId xmlns:a16="http://schemas.microsoft.com/office/drawing/2014/main" id="{8F99A926-3D1C-B52D-B694-C443F6BB543F}"/>
-              </a:ext>
-            </a:extLst>
-          </p:cNvPr>
-          <p:cNvPicPr>
-            <a:picLocks noChangeAspect="1"/>
-          </p:cNvPicPr>
+      <p:sp>
+        <p:nvSpPr>
+          <p:cNvPr id="12" name="Text Placeholder 2">
+            <a:extLst>
+              <a:ext uri="{FF2B5EF4-FFF2-40B4-BE49-F238E27FC236}">
+                <a16:creationId xmlns:a16="http://schemas.microsoft.com/office/drawing/2014/main" id="{F8AAE666-DC31-0195-FDA9-972BB091BA81}"/>
+              </a:ext>
+            </a:extLst>
+          </p:cNvPr>
+          <p:cNvSpPr txBox="1">
+            <a:spLocks/>
+          </p:cNvSpPr>
           <p:nvPr/>
-        </p:nvPicPr>
-        <p:blipFill>
-          <a:blip r:embed="rId3"/>
-          <a:stretch>
-            <a:fillRect/>
-          </a:stretch>
-        </p:blipFill>
-        <p:spPr>
-          <a:xfrm>
-            <a:off x="1420258" y="2082650"/>
-            <a:ext cx="4618120" cy="853514"/>
+        </p:nvSpPr>
+        <p:spPr>
+          <a:xfrm>
+            <a:off x="337677" y="340741"/>
+            <a:ext cx="11277599" cy="387798"/>
           </a:xfrm>
           <a:prstGeom prst="rect">
             <a:avLst/>
           </a:prstGeom>
         </p:spPr>
-      </p:pic>
-      <p:pic>
-        <p:nvPicPr>
-          <p:cNvPr id="13" name="Picture 12">
-            <a:extLst>
-              <a:ext uri="{FF2B5EF4-FFF2-40B4-BE49-F238E27FC236}">
-                <a16:creationId xmlns:a16="http://schemas.microsoft.com/office/drawing/2014/main" id="{6FDE49CF-168C-593E-DDE1-885C51349DFA}"/>
-              </a:ext>
-            </a:extLst>
-          </p:cNvPr>
-          <p:cNvPicPr>
-            <a:picLocks noChangeAspect="1"/>
-          </p:cNvPicPr>
+        <p:txBody>
+          <a:bodyPr/>
+          <a:lstStyle>
+            <a:lvl1pPr marL="228600" indent="-228600" algn="l" defTabSz="914400" rtl="0" eaLnBrk="1" latinLnBrk="0" hangingPunct="1">
+              <a:lnSpc>
+                <a:spcPct val="90000"/>
+              </a:lnSpc>
+              <a:spcBef>
+                <a:spcPts val="1000"/>
+              </a:spcBef>
+              <a:buFont typeface="Arial" panose="020B0604020202020204" pitchFamily="34" charset="0"/>
+              <a:buChar char="•"/>
+              <a:defRPr sz="2800" kern="1200">
+                <a:solidFill>
+                  <a:schemeClr val="tx1"/>
+                </a:solidFill>
+                <a:latin typeface="+mn-lt"/>
+                <a:ea typeface="+mn-ea"/>
+                <a:cs typeface="+mn-cs"/>
+              </a:defRPr>
+            </a:lvl1pPr>
+            <a:lvl2pPr marL="685800" indent="-228600" algn="l" defTabSz="914400" rtl="0" eaLnBrk="1" latinLnBrk="0" hangingPunct="1">
+              <a:lnSpc>
+                <a:spcPct val="90000"/>
+              </a:lnSpc>
+              <a:spcBef>
+                <a:spcPts val="500"/>
+              </a:spcBef>
+              <a:buFont typeface="Arial" panose="020B0604020202020204" pitchFamily="34" charset="0"/>
+              <a:buChar char="•"/>
+              <a:defRPr sz="2400" kern="1200">
+                <a:solidFill>
+                  <a:schemeClr val="tx1"/>
+                </a:solidFill>
+                <a:latin typeface="+mn-lt"/>
+                <a:ea typeface="+mn-ea"/>
+                <a:cs typeface="+mn-cs"/>
+              </a:defRPr>
+            </a:lvl2pPr>
+            <a:lvl3pPr marL="1143000" indent="-228600" algn="l" defTabSz="914400" rtl="0" eaLnBrk="1" latinLnBrk="0" hangingPunct="1">
+              <a:lnSpc>
+                <a:spcPct val="90000"/>
+              </a:lnSpc>
+              <a:spcBef>
+                <a:spcPts val="500"/>
+              </a:spcBef>
+              <a:buFont typeface="Arial" panose="020B0604020202020204" pitchFamily="34" charset="0"/>
+              <a:buChar char="•"/>
+              <a:defRPr sz="2000" kern="1200">
+                <a:solidFill>
+                  <a:schemeClr val="tx1"/>
+                </a:solidFill>
+                <a:latin typeface="+mn-lt"/>
+                <a:ea typeface="+mn-ea"/>
+                <a:cs typeface="+mn-cs"/>
+              </a:defRPr>
+            </a:lvl3pPr>
+            <a:lvl4pPr marL="1600200" indent="-228600" algn="l" defTabSz="914400" rtl="0" eaLnBrk="1" latinLnBrk="0" hangingPunct="1">
+              <a:lnSpc>
+                <a:spcPct val="90000"/>
+              </a:lnSpc>
+              <a:spcBef>
+                <a:spcPts val="500"/>
+              </a:spcBef>
+              <a:buFont typeface="Arial" panose="020B0604020202020204" pitchFamily="34" charset="0"/>
+              <a:buChar char="•"/>
+              <a:defRPr sz="1800" kern="1200">
+                <a:solidFill>
+                  <a:schemeClr val="tx1"/>
+                </a:solidFill>
+                <a:latin typeface="+mn-lt"/>
+                <a:ea typeface="+mn-ea"/>
+                <a:cs typeface="+mn-cs"/>
+              </a:defRPr>
+            </a:lvl4pPr>
+            <a:lvl5pPr marL="2057400" indent="-228600" algn="l" defTabSz="914400" rtl="0" eaLnBrk="1" latinLnBrk="0" hangingPunct="1">
+              <a:lnSpc>
+                <a:spcPct val="90000"/>
+              </a:lnSpc>
+              <a:spcBef>
+                <a:spcPts val="500"/>
+              </a:spcBef>
+              <a:buFont typeface="Arial" panose="020B0604020202020204" pitchFamily="34" charset="0"/>
+              <a:buChar char="•"/>
+              <a:defRPr sz="1800" kern="1200">
+                <a:solidFill>
+                  <a:schemeClr val="tx1"/>
+                </a:solidFill>
+                <a:latin typeface="+mn-lt"/>
+                <a:ea typeface="+mn-ea"/>
+                <a:cs typeface="+mn-cs"/>
+              </a:defRPr>
+            </a:lvl5pPr>
+            <a:lvl6pPr marL="2514600" indent="-228600" algn="l" defTabSz="914400" rtl="0" eaLnBrk="1" latinLnBrk="0" hangingPunct="1">
+              <a:lnSpc>
+                <a:spcPct val="90000"/>
+              </a:lnSpc>
+              <a:spcBef>
+                <a:spcPts val="500"/>
+              </a:spcBef>
+              <a:buFont typeface="Arial" panose="020B0604020202020204" pitchFamily="34" charset="0"/>
+              <a:buChar char="•"/>
+              <a:defRPr sz="1800" kern="1200">
+                <a:solidFill>
+                  <a:schemeClr val="tx1"/>
+                </a:solidFill>
+                <a:latin typeface="+mn-lt"/>
+                <a:ea typeface="+mn-ea"/>
+                <a:cs typeface="+mn-cs"/>
+              </a:defRPr>
+            </a:lvl6pPr>
+            <a:lvl7pPr marL="2971800" indent="-228600" algn="l" defTabSz="914400" rtl="0" eaLnBrk="1" latinLnBrk="0" hangingPunct="1">
+              <a:lnSpc>
+                <a:spcPct val="90000"/>
+              </a:lnSpc>
+              <a:spcBef>
+                <a:spcPts val="500"/>
+              </a:spcBef>
+              <a:buFont typeface="Arial" panose="020B0604020202020204" pitchFamily="34" charset="0"/>
+              <a:buChar char="•"/>
+              <a:defRPr sz="1800" kern="1200">
+                <a:solidFill>
+                  <a:schemeClr val="tx1"/>
+                </a:solidFill>
+                <a:latin typeface="+mn-lt"/>
+                <a:ea typeface="+mn-ea"/>
+                <a:cs typeface="+mn-cs"/>
+              </a:defRPr>
+            </a:lvl7pPr>
+            <a:lvl8pPr marL="3429000" indent="-228600" algn="l" defTabSz="914400" rtl="0" eaLnBrk="1" latinLnBrk="0" hangingPunct="1">
+              <a:lnSpc>
+                <a:spcPct val="90000"/>
+              </a:lnSpc>
+              <a:spcBef>
+                <a:spcPts val="500"/>
+              </a:spcBef>
+              <a:buFont typeface="Arial" panose="020B0604020202020204" pitchFamily="34" charset="0"/>
+              <a:buChar char="•"/>
+              <a:defRPr sz="1800" kern="1200">
+                <a:solidFill>
+                  <a:schemeClr val="tx1"/>
+                </a:solidFill>
+                <a:latin typeface="+mn-lt"/>
+                <a:ea typeface="+mn-ea"/>
+                <a:cs typeface="+mn-cs"/>
+              </a:defRPr>
+            </a:lvl8pPr>
+            <a:lvl9pPr marL="3886200" indent="-228600" algn="l" defTabSz="914400" rtl="0" eaLnBrk="1" latinLnBrk="0" hangingPunct="1">
+              <a:lnSpc>
+                <a:spcPct val="90000"/>
+              </a:lnSpc>
+              <a:spcBef>
+                <a:spcPts val="500"/>
+              </a:spcBef>
+              <a:buFont typeface="Arial" panose="020B0604020202020204" pitchFamily="34" charset="0"/>
+              <a:buChar char="•"/>
+              <a:defRPr sz="1800" kern="1200">
+                <a:solidFill>
+                  <a:schemeClr val="tx1"/>
+                </a:solidFill>
+                <a:latin typeface="+mn-lt"/>
+                <a:ea typeface="+mn-ea"/>
+                <a:cs typeface="+mn-cs"/>
+              </a:defRPr>
+            </a:lvl9pPr>
+          </a:lstStyle>
+          <a:p>
+            <a:pPr marL="0" indent="0">
+              <a:buNone/>
+            </a:pPr>
+            <a:r>
+              <a:rPr lang="en-SG" dirty="0"/>
+              <a:t>Data Collection Process</a:t>
+            </a:r>
+            <a:endParaRPr lang="en-US" dirty="0"/>
+          </a:p>
+        </p:txBody>
+      </p:sp>
+      <p:sp>
+        <p:nvSpPr>
+          <p:cNvPr id="5" name="Rectangle 4">
+            <a:extLst>
+              <a:ext uri="{FF2B5EF4-FFF2-40B4-BE49-F238E27FC236}">
+                <a16:creationId xmlns:a16="http://schemas.microsoft.com/office/drawing/2014/main" id="{D1AB1728-50EF-096C-4F80-83D7D4BFBE3A}"/>
+              </a:ext>
+            </a:extLst>
+          </p:cNvPr>
+          <p:cNvSpPr/>
           <p:nvPr/>
-        </p:nvPicPr>
-        <p:blipFill>
-          <a:blip r:embed="rId4"/>
-          <a:stretch>
-            <a:fillRect/>
-          </a:stretch>
-        </p:blipFill>
-        <p:spPr>
-          <a:xfrm>
-            <a:off x="846359" y="1027681"/>
-            <a:ext cx="5626160" cy="1196725"/>
+        </p:nvSpPr>
+        <p:spPr>
+          <a:xfrm>
+            <a:off x="6391057" y="1050378"/>
+            <a:ext cx="3532096" cy="3542114"/>
           </a:xfrm>
           <a:prstGeom prst="rect">
             <a:avLst/>
           </a:prstGeom>
-        </p:spPr>
-      </p:pic>
-      <p:pic>
-        <p:nvPicPr>
-          <p:cNvPr id="15" name="Picture 14">
-            <a:extLst>
-              <a:ext uri="{FF2B5EF4-FFF2-40B4-BE49-F238E27FC236}">
-                <a16:creationId xmlns:a16="http://schemas.microsoft.com/office/drawing/2014/main" id="{C6BEE9BA-0835-C7BA-BC9E-19CF063B0BD3}"/>
-              </a:ext>
-            </a:extLst>
-          </p:cNvPr>
-          <p:cNvPicPr>
-            <a:picLocks noChangeAspect="1"/>
-          </p:cNvPicPr>
+          <a:noFill/>
+          <a:ln w="19050">
+            <a:prstDash val="dashDot"/>
+          </a:ln>
+        </p:spPr>
+        <p:style>
+          <a:lnRef idx="2">
+            <a:schemeClr val="accent1">
+              <a:shade val="50000"/>
+            </a:schemeClr>
+          </a:lnRef>
+          <a:fillRef idx="1">
+            <a:schemeClr val="accent1"/>
+          </a:fillRef>
+          <a:effectRef idx="0">
+            <a:schemeClr val="accent1"/>
+          </a:effectRef>
+          <a:fontRef idx="minor">
+            <a:schemeClr val="lt1"/>
+          </a:fontRef>
+        </p:style>
+        <p:txBody>
+          <a:bodyPr rtlCol="0" anchor="ctr"/>
+          <a:lstStyle/>
+          <a:p>
+            <a:pPr algn="ctr"/>
+            <a:endParaRPr lang="en-SG"/>
+          </a:p>
+        </p:txBody>
+      </p:sp>
+      <p:sp>
+        <p:nvSpPr>
+          <p:cNvPr id="14" name="TextBox 13">
+            <a:extLst>
+              <a:ext uri="{FF2B5EF4-FFF2-40B4-BE49-F238E27FC236}">
+                <a16:creationId xmlns:a16="http://schemas.microsoft.com/office/drawing/2014/main" id="{26F32CC9-550D-791C-66CE-7B700AA0813C}"/>
+              </a:ext>
+            </a:extLst>
+          </p:cNvPr>
+          <p:cNvSpPr txBox="1"/>
           <p:nvPr/>
-        </p:nvPicPr>
-        <p:blipFill>
-          <a:blip r:embed="rId5"/>
-          <a:stretch>
-            <a:fillRect/>
-          </a:stretch>
-        </p:blipFill>
-        <p:spPr>
-          <a:xfrm>
-            <a:off x="6755553" y="1225104"/>
-            <a:ext cx="4179932" cy="1352667"/>
+        </p:nvSpPr>
+        <p:spPr>
+          <a:xfrm>
+            <a:off x="337677" y="4690628"/>
+            <a:ext cx="1930394" cy="369332"/>
           </a:xfrm>
           <a:prstGeom prst="rect">
             <a:avLst/>
           </a:prstGeom>
-        </p:spPr>
-      </p:pic>
+          <a:noFill/>
+        </p:spPr>
+        <p:txBody>
+          <a:bodyPr wrap="square" rtlCol="0">
+            <a:spAutoFit/>
+          </a:bodyPr>
+          <a:lstStyle/>
+          <a:p>
+            <a:r>
+              <a:rPr lang="en-SG" dirty="0"/>
+              <a:t>Prompt selection</a:t>
+            </a:r>
+          </a:p>
+        </p:txBody>
+      </p:sp>
+      <p:sp>
+        <p:nvSpPr>
+          <p:cNvPr id="15" name="Rectangle 14">
+            <a:extLst>
+              <a:ext uri="{FF2B5EF4-FFF2-40B4-BE49-F238E27FC236}">
+                <a16:creationId xmlns:a16="http://schemas.microsoft.com/office/drawing/2014/main" id="{51A0CAA5-A754-895C-8266-56EC5EDB0882}"/>
+              </a:ext>
+            </a:extLst>
+          </p:cNvPr>
+          <p:cNvSpPr/>
+          <p:nvPr/>
+        </p:nvSpPr>
+        <p:spPr>
+          <a:xfrm>
+            <a:off x="130378" y="1050378"/>
+            <a:ext cx="2814918" cy="3542114"/>
+          </a:xfrm>
+          <a:prstGeom prst="rect">
+            <a:avLst/>
+          </a:prstGeom>
+          <a:noFill/>
+          <a:ln w="19050">
+            <a:prstDash val="dashDot"/>
+          </a:ln>
+        </p:spPr>
+        <p:style>
+          <a:lnRef idx="2">
+            <a:schemeClr val="accent1">
+              <a:shade val="50000"/>
+            </a:schemeClr>
+          </a:lnRef>
+          <a:fillRef idx="1">
+            <a:schemeClr val="accent1"/>
+          </a:fillRef>
+          <a:effectRef idx="0">
+            <a:schemeClr val="accent1"/>
+          </a:effectRef>
+          <a:fontRef idx="minor">
+            <a:schemeClr val="lt1"/>
+          </a:fontRef>
+        </p:style>
+        <p:txBody>
+          <a:bodyPr rtlCol="0" anchor="ctr"/>
+          <a:lstStyle/>
+          <a:p>
+            <a:pPr algn="ctr"/>
+            <a:endParaRPr lang="en-SG"/>
+          </a:p>
+        </p:txBody>
+      </p:sp>
+      <p:sp>
+        <p:nvSpPr>
+          <p:cNvPr id="17" name="TextBox 16">
+            <a:extLst>
+              <a:ext uri="{FF2B5EF4-FFF2-40B4-BE49-F238E27FC236}">
+                <a16:creationId xmlns:a16="http://schemas.microsoft.com/office/drawing/2014/main" id="{56202C21-E5B1-0B5E-072B-EF13AADB1F45}"/>
+              </a:ext>
+            </a:extLst>
+          </p:cNvPr>
+          <p:cNvSpPr txBox="1"/>
+          <p:nvPr/>
+        </p:nvSpPr>
+        <p:spPr>
+          <a:xfrm>
+            <a:off x="4110318" y="5807622"/>
+            <a:ext cx="905435" cy="369332"/>
+          </a:xfrm>
+          <a:prstGeom prst="rect">
+            <a:avLst/>
+          </a:prstGeom>
+          <a:noFill/>
+        </p:spPr>
+        <p:txBody>
+          <a:bodyPr wrap="square" rtlCol="0">
+            <a:spAutoFit/>
+          </a:bodyPr>
+          <a:lstStyle/>
+          <a:p>
+            <a:r>
+              <a:rPr lang="en-SG" dirty="0"/>
+              <a:t>63.67</a:t>
+            </a:r>
+          </a:p>
+        </p:txBody>
+      </p:sp>
+      <p:sp>
+        <p:nvSpPr>
+          <p:cNvPr id="19" name="TextBox 18">
+            <a:extLst>
+              <a:ext uri="{FF2B5EF4-FFF2-40B4-BE49-F238E27FC236}">
+                <a16:creationId xmlns:a16="http://schemas.microsoft.com/office/drawing/2014/main" id="{FB850648-8D67-90B6-133D-7CEC8F9E786A}"/>
+              </a:ext>
+            </a:extLst>
+          </p:cNvPr>
+          <p:cNvSpPr txBox="1"/>
+          <p:nvPr/>
+        </p:nvSpPr>
+        <p:spPr>
+          <a:xfrm>
+            <a:off x="7901611" y="5807622"/>
+            <a:ext cx="785190" cy="369332"/>
+          </a:xfrm>
+          <a:prstGeom prst="rect">
+            <a:avLst/>
+          </a:prstGeom>
+          <a:noFill/>
+        </p:spPr>
+        <p:txBody>
+          <a:bodyPr wrap="square" rtlCol="0">
+            <a:spAutoFit/>
+          </a:bodyPr>
+          <a:lstStyle/>
+          <a:p>
+            <a:r>
+              <a:rPr lang="en-SG" dirty="0"/>
+              <a:t>90.09</a:t>
+            </a:r>
+          </a:p>
+        </p:txBody>
+      </p:sp>
+      <p:sp>
+        <p:nvSpPr>
+          <p:cNvPr id="20" name="TextBox 19">
+            <a:extLst>
+              <a:ext uri="{FF2B5EF4-FFF2-40B4-BE49-F238E27FC236}">
+                <a16:creationId xmlns:a16="http://schemas.microsoft.com/office/drawing/2014/main" id="{784DE7DB-7686-6082-677F-DEA3A3C633BA}"/>
+              </a:ext>
+            </a:extLst>
+          </p:cNvPr>
+          <p:cNvSpPr txBox="1"/>
+          <p:nvPr/>
+        </p:nvSpPr>
+        <p:spPr>
+          <a:xfrm>
+            <a:off x="186446" y="5669122"/>
+            <a:ext cx="3332592" cy="646331"/>
+          </a:xfrm>
+          <a:prstGeom prst="rect">
+            <a:avLst/>
+          </a:prstGeom>
+          <a:noFill/>
+        </p:spPr>
+        <p:txBody>
+          <a:bodyPr wrap="square" rtlCol="0">
+            <a:spAutoFit/>
+          </a:bodyPr>
+          <a:lstStyle/>
+          <a:p>
+            <a:r>
+              <a:rPr lang="en-SG" dirty="0"/>
+              <a:t>Similarity between GPT captions and manual labels (</a:t>
+            </a:r>
+            <a:r>
+              <a:rPr lang="en-SG" dirty="0" err="1"/>
+              <a:t>CIDEr</a:t>
+            </a:r>
+            <a:r>
+              <a:rPr lang="en-SG" dirty="0"/>
+              <a:t>)</a:t>
+            </a:r>
+          </a:p>
+        </p:txBody>
+      </p:sp>
     </p:spTree>
     <p:extLst>
       <p:ext uri="{BB962C8B-B14F-4D97-AF65-F5344CB8AC3E}">
-        <p14:creationId xmlns:p14="http://schemas.microsoft.com/office/powerpoint/2010/main" val="1348012161"/>
+        <p14:creationId xmlns:p14="http://schemas.microsoft.com/office/powerpoint/2010/main" val="1519528061"/>
       </p:ext>
     </p:extLst>
   </p:cSld>
@@ -6458,4 +10128,299 @@
     </a:ext>
   </a:extLst>
 </a:theme>
+</file>
+
+<file path=ppt/theme/theme2.xml><?xml version="1.0" encoding="utf-8"?>
+<a:theme xmlns:a="http://schemas.openxmlformats.org/drawingml/2006/main" name="Office Theme">
+  <a:themeElements>
+    <a:clrScheme name="Office">
+      <a:dk1>
+        <a:sysClr val="windowText" lastClr="000000"/>
+      </a:dk1>
+      <a:lt1>
+        <a:sysClr val="window" lastClr="FFFFFF"/>
+      </a:lt1>
+      <a:dk2>
+        <a:srgbClr val="44546A"/>
+      </a:dk2>
+      <a:lt2>
+        <a:srgbClr val="E7E6E6"/>
+      </a:lt2>
+      <a:accent1>
+        <a:srgbClr val="4472C4"/>
+      </a:accent1>
+      <a:accent2>
+        <a:srgbClr val="ED7D31"/>
+      </a:accent2>
+      <a:accent3>
+        <a:srgbClr val="A5A5A5"/>
+      </a:accent3>
+      <a:accent4>
+        <a:srgbClr val="FFC000"/>
+      </a:accent4>
+      <a:accent5>
+        <a:srgbClr val="5B9BD5"/>
+      </a:accent5>
+      <a:accent6>
+        <a:srgbClr val="70AD47"/>
+      </a:accent6>
+      <a:hlink>
+        <a:srgbClr val="0563C1"/>
+      </a:hlink>
+      <a:folHlink>
+        <a:srgbClr val="954F72"/>
+      </a:folHlink>
+    </a:clrScheme>
+    <a:fontScheme name="Office">
+      <a:majorFont>
+        <a:latin typeface="Calibri Light" panose="020F0302020204030204"/>
+        <a:ea typeface=""/>
+        <a:cs typeface=""/>
+        <a:font script="Jpan" typeface="游ゴシック Light"/>
+        <a:font script="Hang" typeface="맑은 고딕"/>
+        <a:font script="Hans" typeface="等线 Light"/>
+        <a:font script="Hant" typeface="新細明體"/>
+        <a:font script="Arab" typeface="Times New Roman"/>
+        <a:font script="Hebr" typeface="Times New Roman"/>
+        <a:font script="Thai" typeface="Angsana New"/>
+        <a:font script="Ethi" typeface="Nyala"/>
+        <a:font script="Beng" typeface="Vrinda"/>
+        <a:font script="Gujr" typeface="Shruti"/>
+        <a:font script="Khmr" typeface="MoolBoran"/>
+        <a:font script="Knda" typeface="Tunga"/>
+        <a:font script="Guru" typeface="Raavi"/>
+        <a:font script="Cans" typeface="Euphemia"/>
+        <a:font script="Cher" typeface="Plantagenet Cherokee"/>
+        <a:font script="Yiii" typeface="Microsoft Yi Baiti"/>
+        <a:font script="Tibt" typeface="Microsoft Himalaya"/>
+        <a:font script="Thaa" typeface="MV Boli"/>
+        <a:font script="Deva" typeface="Mangal"/>
+        <a:font script="Telu" typeface="Gautami"/>
+        <a:font script="Taml" typeface="Latha"/>
+        <a:font script="Syrc" typeface="Estrangelo Edessa"/>
+        <a:font script="Orya" typeface="Kalinga"/>
+        <a:font script="Mlym" typeface="Kartika"/>
+        <a:font script="Laoo" typeface="DokChampa"/>
+        <a:font script="Sinh" typeface="Iskoola Pota"/>
+        <a:font script="Mong" typeface="Mongolian Baiti"/>
+        <a:font script="Viet" typeface="Times New Roman"/>
+        <a:font script="Uigh" typeface="Microsoft Uighur"/>
+        <a:font script="Geor" typeface="Sylfaen"/>
+        <a:font script="Armn" typeface="Arial"/>
+        <a:font script="Bugi" typeface="Leelawadee UI"/>
+        <a:font script="Bopo" typeface="Microsoft JhengHei"/>
+        <a:font script="Java" typeface="Javanese Text"/>
+        <a:font script="Lisu" typeface="Segoe UI"/>
+        <a:font script="Mymr" typeface="Myanmar Text"/>
+        <a:font script="Nkoo" typeface="Ebrima"/>
+        <a:font script="Olck" typeface="Nirmala UI"/>
+        <a:font script="Osma" typeface="Ebrima"/>
+        <a:font script="Phag" typeface="Phagspa"/>
+        <a:font script="Syrn" typeface="Estrangelo Edessa"/>
+        <a:font script="Syrj" typeface="Estrangelo Edessa"/>
+        <a:font script="Syre" typeface="Estrangelo Edessa"/>
+        <a:font script="Sora" typeface="Nirmala UI"/>
+        <a:font script="Tale" typeface="Microsoft Tai Le"/>
+        <a:font script="Talu" typeface="Microsoft New Tai Lue"/>
+        <a:font script="Tfng" typeface="Ebrima"/>
+      </a:majorFont>
+      <a:minorFont>
+        <a:latin typeface="Calibri" panose="020F0502020204030204"/>
+        <a:ea typeface=""/>
+        <a:cs typeface=""/>
+        <a:font script="Jpan" typeface="游ゴシック"/>
+        <a:font script="Hang" typeface="맑은 고딕"/>
+        <a:font script="Hans" typeface="等线"/>
+        <a:font script="Hant" typeface="新細明體"/>
+        <a:font script="Arab" typeface="Arial"/>
+        <a:font script="Hebr" typeface="Arial"/>
+        <a:font script="Thai" typeface="Cordia New"/>
+        <a:font script="Ethi" typeface="Nyala"/>
+        <a:font script="Beng" typeface="Vrinda"/>
+        <a:font script="Gujr" typeface="Shruti"/>
+        <a:font script="Khmr" typeface="DaunPenh"/>
+        <a:font script="Knda" typeface="Tunga"/>
+        <a:font script="Guru" typeface="Raavi"/>
+        <a:font script="Cans" typeface="Euphemia"/>
+        <a:font script="Cher" typeface="Plantagenet Cherokee"/>
+        <a:font script="Yiii" typeface="Microsoft Yi Baiti"/>
+        <a:font script="Tibt" typeface="Microsoft Himalaya"/>
+        <a:font script="Thaa" typeface="MV Boli"/>
+        <a:font script="Deva" typeface="Mangal"/>
+        <a:font script="Telu" typeface="Gautami"/>
+        <a:font script="Taml" typeface="Latha"/>
+        <a:font script="Syrc" typeface="Estrangelo Edessa"/>
+        <a:font script="Orya" typeface="Kalinga"/>
+        <a:font script="Mlym" typeface="Kartika"/>
+        <a:font script="Laoo" typeface="DokChampa"/>
+        <a:font script="Sinh" typeface="Iskoola Pota"/>
+        <a:font script="Mong" typeface="Mongolian Baiti"/>
+        <a:font script="Viet" typeface="Arial"/>
+        <a:font script="Uigh" typeface="Microsoft Uighur"/>
+        <a:font script="Geor" typeface="Sylfaen"/>
+        <a:font script="Armn" typeface="Arial"/>
+        <a:font script="Bugi" typeface="Leelawadee UI"/>
+        <a:font script="Bopo" typeface="Microsoft JhengHei"/>
+        <a:font script="Java" typeface="Javanese Text"/>
+        <a:font script="Lisu" typeface="Segoe UI"/>
+        <a:font script="Mymr" typeface="Myanmar Text"/>
+        <a:font script="Nkoo" typeface="Ebrima"/>
+        <a:font script="Olck" typeface="Nirmala UI"/>
+        <a:font script="Osma" typeface="Ebrima"/>
+        <a:font script="Phag" typeface="Phagspa"/>
+        <a:font script="Syrn" typeface="Estrangelo Edessa"/>
+        <a:font script="Syrj" typeface="Estrangelo Edessa"/>
+        <a:font script="Syre" typeface="Estrangelo Edessa"/>
+        <a:font script="Sora" typeface="Nirmala UI"/>
+        <a:font script="Tale" typeface="Microsoft Tai Le"/>
+        <a:font script="Talu" typeface="Microsoft New Tai Lue"/>
+        <a:font script="Tfng" typeface="Ebrima"/>
+      </a:minorFont>
+    </a:fontScheme>
+    <a:fmtScheme name="Office">
+      <a:fillStyleLst>
+        <a:solidFill>
+          <a:schemeClr val="phClr"/>
+        </a:solidFill>
+        <a:gradFill rotWithShape="1">
+          <a:gsLst>
+            <a:gs pos="0">
+              <a:schemeClr val="phClr">
+                <a:lumMod val="110000"/>
+                <a:satMod val="105000"/>
+                <a:tint val="67000"/>
+              </a:schemeClr>
+            </a:gs>
+            <a:gs pos="50000">
+              <a:schemeClr val="phClr">
+                <a:lumMod val="105000"/>
+                <a:satMod val="103000"/>
+                <a:tint val="73000"/>
+              </a:schemeClr>
+            </a:gs>
+            <a:gs pos="100000">
+              <a:schemeClr val="phClr">
+                <a:lumMod val="105000"/>
+                <a:satMod val="109000"/>
+                <a:tint val="81000"/>
+              </a:schemeClr>
+            </a:gs>
+          </a:gsLst>
+          <a:lin ang="5400000" scaled="0"/>
+        </a:gradFill>
+        <a:gradFill rotWithShape="1">
+          <a:gsLst>
+            <a:gs pos="0">
+              <a:schemeClr val="phClr">
+                <a:satMod val="103000"/>
+                <a:lumMod val="102000"/>
+                <a:tint val="94000"/>
+              </a:schemeClr>
+            </a:gs>
+            <a:gs pos="50000">
+              <a:schemeClr val="phClr">
+                <a:satMod val="110000"/>
+                <a:lumMod val="100000"/>
+                <a:shade val="100000"/>
+              </a:schemeClr>
+            </a:gs>
+            <a:gs pos="100000">
+              <a:schemeClr val="phClr">
+                <a:lumMod val="99000"/>
+                <a:satMod val="120000"/>
+                <a:shade val="78000"/>
+              </a:schemeClr>
+            </a:gs>
+          </a:gsLst>
+          <a:lin ang="5400000" scaled="0"/>
+        </a:gradFill>
+      </a:fillStyleLst>
+      <a:lnStyleLst>
+        <a:ln w="6350" cap="flat" cmpd="sng" algn="ctr">
+          <a:solidFill>
+            <a:schemeClr val="phClr"/>
+          </a:solidFill>
+          <a:prstDash val="solid"/>
+          <a:miter lim="800000"/>
+        </a:ln>
+        <a:ln w="12700" cap="flat" cmpd="sng" algn="ctr">
+          <a:solidFill>
+            <a:schemeClr val="phClr"/>
+          </a:solidFill>
+          <a:prstDash val="solid"/>
+          <a:miter lim="800000"/>
+        </a:ln>
+        <a:ln w="19050" cap="flat" cmpd="sng" algn="ctr">
+          <a:solidFill>
+            <a:schemeClr val="phClr"/>
+          </a:solidFill>
+          <a:prstDash val="solid"/>
+          <a:miter lim="800000"/>
+        </a:ln>
+      </a:lnStyleLst>
+      <a:effectStyleLst>
+        <a:effectStyle>
+          <a:effectLst/>
+        </a:effectStyle>
+        <a:effectStyle>
+          <a:effectLst/>
+        </a:effectStyle>
+        <a:effectStyle>
+          <a:effectLst>
+            <a:outerShdw blurRad="57150" dist="19050" dir="5400000" algn="ctr" rotWithShape="0">
+              <a:srgbClr val="000000">
+                <a:alpha val="63000"/>
+              </a:srgbClr>
+            </a:outerShdw>
+          </a:effectLst>
+        </a:effectStyle>
+      </a:effectStyleLst>
+      <a:bgFillStyleLst>
+        <a:solidFill>
+          <a:schemeClr val="phClr"/>
+        </a:solidFill>
+        <a:solidFill>
+          <a:schemeClr val="phClr">
+            <a:tint val="95000"/>
+            <a:satMod val="170000"/>
+          </a:schemeClr>
+        </a:solidFill>
+        <a:gradFill rotWithShape="1">
+          <a:gsLst>
+            <a:gs pos="0">
+              <a:schemeClr val="phClr">
+                <a:tint val="93000"/>
+                <a:satMod val="150000"/>
+                <a:shade val="98000"/>
+                <a:lumMod val="102000"/>
+              </a:schemeClr>
+            </a:gs>
+            <a:gs pos="50000">
+              <a:schemeClr val="phClr">
+                <a:tint val="98000"/>
+                <a:satMod val="130000"/>
+                <a:shade val="90000"/>
+                <a:lumMod val="103000"/>
+              </a:schemeClr>
+            </a:gs>
+            <a:gs pos="100000">
+              <a:schemeClr val="phClr">
+                <a:shade val="63000"/>
+                <a:satMod val="120000"/>
+              </a:schemeClr>
+            </a:gs>
+          </a:gsLst>
+          <a:lin ang="5400000" scaled="0"/>
+        </a:gradFill>
+      </a:bgFillStyleLst>
+    </a:fmtScheme>
+  </a:themeElements>
+  <a:objectDefaults/>
+  <a:extraClrSchemeLst/>
+  <a:extLst>
+    <a:ext uri="{05A4C25C-085E-4340-85A3-A5531E510DB2}">
+      <thm15:themeFamily xmlns:thm15="http://schemas.microsoft.com/office/thememl/2012/main" name="Office Theme" id="{62F939B6-93AF-4DB8-9C6B-D6C7DFDC589F}" vid="{4A3C46E8-61CC-4603-A589-7422A47A8E4A}"/>
+    </a:ext>
+  </a:extLst>
+</a:theme>
 </file>
--- a/Xview image captioning.pptx
+++ b/Xview image captioning.pptx
@@ -5,7 +5,7 @@
     <p:sldMasterId id="2147483648" r:id="rId1"/>
   </p:sldMasterIdLst>
   <p:notesMasterIdLst>
-    <p:notesMasterId r:id="rId17"/>
+    <p:notesMasterId r:id="rId18"/>
   </p:notesMasterIdLst>
   <p:sldIdLst>
     <p:sldId id="259" r:id="rId2"/>
@@ -15,14 +15,15 @@
     <p:sldId id="263" r:id="rId6"/>
     <p:sldId id="256" r:id="rId7"/>
     <p:sldId id="269" r:id="rId8"/>
-    <p:sldId id="270" r:id="rId9"/>
-    <p:sldId id="257" r:id="rId10"/>
-    <p:sldId id="258" r:id="rId11"/>
-    <p:sldId id="264" r:id="rId12"/>
-    <p:sldId id="265" r:id="rId13"/>
-    <p:sldId id="266" r:id="rId14"/>
-    <p:sldId id="267" r:id="rId15"/>
-    <p:sldId id="268" r:id="rId16"/>
+    <p:sldId id="271" r:id="rId9"/>
+    <p:sldId id="270" r:id="rId10"/>
+    <p:sldId id="257" r:id="rId11"/>
+    <p:sldId id="258" r:id="rId12"/>
+    <p:sldId id="264" r:id="rId13"/>
+    <p:sldId id="265" r:id="rId14"/>
+    <p:sldId id="266" r:id="rId15"/>
+    <p:sldId id="267" r:id="rId16"/>
+    <p:sldId id="268" r:id="rId17"/>
   </p:sldIdLst>
   <p:sldSz cx="12192000" cy="6858000"/>
   <p:notesSz cx="6858000" cy="9144000"/>
@@ -211,7 +212,7 @@
           <a:p>
             <a:fld id="{10D6CFF2-7E9C-4601-8748-ED5A7FCF139E}" type="datetimeFigureOut">
               <a:rPr lang="en-SG" smtClean="0"/>
-              <a:t>20/9/2023</a:t>
+              <a:t>22/9/2023</a:t>
             </a:fld>
             <a:endParaRPr lang="en-SG"/>
           </a:p>
@@ -524,758 +525,60 @@
           <a:lstStyle/>
           <a:p>
             <a:r>
-              <a:rPr lang="en-SG" dirty="0">
-                <a:solidFill>
-                  <a:srgbClr val="6A8759"/>
-                </a:solidFill>
-                <a:effectLst/>
-              </a:rPr>
-              <a:t>You will be provided with description of a satellite image. Please provide several captions as strings in a python list.</a:t>
-            </a:r>
-            <a:br>
-              <a:rPr lang="en-SG" dirty="0">
-                <a:solidFill>
-                  <a:srgbClr val="6A8759"/>
-                </a:solidFill>
-                <a:effectLst/>
-              </a:rPr>
-            </a:br>
-            <a:r>
-              <a:rPr lang="en-SG" dirty="0">
-                <a:solidFill>
-                  <a:srgbClr val="6A8759"/>
-                </a:solidFill>
-                <a:effectLst/>
-              </a:rPr>
-              <a:t>The image has multiple objects, which have been clustered into groups based on their types and locations. </a:t>
-            </a:r>
-            <a:br>
-              <a:rPr lang="en-SG" dirty="0">
-                <a:solidFill>
-                  <a:srgbClr val="6A8759"/>
-                </a:solidFill>
-                <a:effectLst/>
-              </a:rPr>
-            </a:br>
-            <a:r>
-              <a:rPr lang="en-SG" dirty="0">
-                <a:solidFill>
-                  <a:srgbClr val="6A8759"/>
-                </a:solidFill>
-                <a:effectLst/>
-              </a:rPr>
-              <a:t>Here are some examples:</a:t>
-            </a:r>
-            <a:br>
-              <a:rPr lang="en-SG" dirty="0">
-                <a:solidFill>
-                  <a:srgbClr val="6A8759"/>
-                </a:solidFill>
-                <a:effectLst/>
-              </a:rPr>
-            </a:br>
-            <a:br>
-              <a:rPr lang="en-SG" dirty="0">
-                <a:solidFill>
-                  <a:srgbClr val="6A8759"/>
-                </a:solidFill>
-                <a:effectLst/>
-              </a:rPr>
-            </a:br>
-            <a:r>
-              <a:rPr lang="en-SG" dirty="0">
-                <a:solidFill>
-                  <a:srgbClr val="6A8759"/>
-                </a:solidFill>
-                <a:effectLst/>
-              </a:rPr>
-              <a:t># example image description 1:</a:t>
-            </a:r>
-            <a:br>
-              <a:rPr lang="en-SG" dirty="0">
-                <a:solidFill>
-                  <a:srgbClr val="6A8759"/>
-                </a:solidFill>
-                <a:effectLst/>
-              </a:rPr>
-            </a:br>
-            <a:r>
-              <a:rPr lang="en-SG" dirty="0">
-                <a:solidFill>
-                  <a:srgbClr val="6A8759"/>
-                </a:solidFill>
-                <a:effectLst/>
-              </a:rPr>
-              <a:t>## objects/object groups information</a:t>
-            </a:r>
-            <a:br>
-              <a:rPr lang="en-SG" dirty="0">
-                <a:solidFill>
-                  <a:srgbClr val="6A8759"/>
-                </a:solidFill>
-                <a:effectLst/>
-              </a:rPr>
-            </a:br>
-            <a:r>
-              <a:rPr lang="en-SG" dirty="0">
-                <a:solidFill>
-                  <a:srgbClr val="6A8759"/>
-                </a:solidFill>
-                <a:effectLst/>
-              </a:rPr>
-              <a:t>group 0: 1 damaged building</a:t>
-            </a:r>
-            <a:br>
-              <a:rPr lang="en-SG" dirty="0">
-                <a:solidFill>
-                  <a:srgbClr val="6A8759"/>
-                </a:solidFill>
-                <a:effectLst/>
-              </a:rPr>
-            </a:br>
-            <a:r>
-              <a:rPr lang="en-SG" dirty="0">
-                <a:solidFill>
-                  <a:srgbClr val="6A8759"/>
-                </a:solidFill>
-                <a:effectLst/>
-              </a:rPr>
-              <a:t>group 1: a line of 5 building</a:t>
-            </a:r>
-            <a:br>
-              <a:rPr lang="en-SG" dirty="0">
-                <a:solidFill>
-                  <a:srgbClr val="6A8759"/>
-                </a:solidFill>
-                <a:effectLst/>
-              </a:rPr>
-            </a:br>
-            <a:r>
-              <a:rPr lang="en-SG" dirty="0">
-                <a:solidFill>
-                  <a:srgbClr val="6A8759"/>
-                </a:solidFill>
-                <a:effectLst/>
-              </a:rPr>
-              <a:t>group 2: a line of 3 building</a:t>
-            </a:r>
-            <a:br>
-              <a:rPr lang="en-SG" dirty="0">
-                <a:solidFill>
-                  <a:srgbClr val="6A8759"/>
-                </a:solidFill>
-                <a:effectLst/>
-              </a:rPr>
-            </a:br>
-            <a:br>
-              <a:rPr lang="en-SG" dirty="0">
-                <a:solidFill>
-                  <a:srgbClr val="6A8759"/>
-                </a:solidFill>
-                <a:effectLst/>
-              </a:rPr>
-            </a:br>
-            <a:r>
-              <a:rPr lang="en-SG" dirty="0">
-                <a:solidFill>
-                  <a:srgbClr val="6A8759"/>
-                </a:solidFill>
-                <a:effectLst/>
-              </a:rPr>
-              <a:t>## significant geographical relations</a:t>
-            </a:r>
-            <a:br>
-              <a:rPr lang="en-SG" dirty="0">
-                <a:solidFill>
-                  <a:srgbClr val="6A8759"/>
-                </a:solidFill>
-                <a:effectLst/>
-              </a:rPr>
-            </a:br>
-            <a:r>
-              <a:rPr lang="en-SG" dirty="0">
-                <a:solidFill>
-                  <a:srgbClr val="6A8759"/>
-                </a:solidFill>
-                <a:effectLst/>
-              </a:rPr>
-              <a:t>group 2 is next to group 0</a:t>
-            </a:r>
-            <a:br>
-              <a:rPr lang="en-SG" dirty="0">
-                <a:solidFill>
-                  <a:srgbClr val="6A8759"/>
-                </a:solidFill>
-                <a:effectLst/>
-              </a:rPr>
-            </a:br>
-            <a:br>
-              <a:rPr lang="en-SG" dirty="0">
-                <a:solidFill>
-                  <a:srgbClr val="6A8759"/>
-                </a:solidFill>
-                <a:effectLst/>
-              </a:rPr>
-            </a:br>
-            <a:r>
-              <a:rPr lang="en-SG" dirty="0">
-                <a:solidFill>
-                  <a:srgbClr val="6A8759"/>
-                </a:solidFill>
-                <a:effectLst/>
-              </a:rPr>
-              <a:t>## captions</a:t>
-            </a:r>
-            <a:br>
-              <a:rPr lang="en-SG" dirty="0">
-                <a:solidFill>
-                  <a:srgbClr val="6A8759"/>
-                </a:solidFill>
-                <a:effectLst/>
-              </a:rPr>
-            </a:br>
-            <a:r>
-              <a:rPr lang="en-SG" dirty="0">
-                <a:solidFill>
-                  <a:srgbClr val="6A8759"/>
-                </a:solidFill>
-                <a:effectLst/>
-              </a:rPr>
-              <a:t>["There are two lines of buildings in the image.", "A damaged building is next to a line of buildings in the image"]</a:t>
-            </a:r>
-            <a:br>
-              <a:rPr lang="en-SG" dirty="0">
-                <a:solidFill>
-                  <a:srgbClr val="6A8759"/>
-                </a:solidFill>
-                <a:effectLst/>
-              </a:rPr>
-            </a:br>
-            <a:br>
-              <a:rPr lang="en-SG" dirty="0">
-                <a:solidFill>
-                  <a:srgbClr val="6A8759"/>
-                </a:solidFill>
-                <a:effectLst/>
-              </a:rPr>
-            </a:br>
-            <a:r>
-              <a:rPr lang="en-SG" dirty="0">
-                <a:solidFill>
-                  <a:srgbClr val="6A8759"/>
-                </a:solidFill>
-                <a:effectLst/>
-              </a:rPr>
-              <a:t># example image description 2:</a:t>
-            </a:r>
-            <a:br>
-              <a:rPr lang="en-SG" dirty="0">
-                <a:solidFill>
-                  <a:srgbClr val="6A8759"/>
-                </a:solidFill>
-                <a:effectLst/>
-              </a:rPr>
-            </a:br>
-            <a:r>
-              <a:rPr lang="en-SG" dirty="0">
-                <a:solidFill>
-                  <a:srgbClr val="6A8759"/>
-                </a:solidFill>
-                <a:effectLst/>
-              </a:rPr>
-              <a:t>## objects/object groups information</a:t>
-            </a:r>
-            <a:br>
-              <a:rPr lang="en-SG" dirty="0">
-                <a:solidFill>
-                  <a:srgbClr val="6A8759"/>
-                </a:solidFill>
-                <a:effectLst/>
-              </a:rPr>
-            </a:br>
-            <a:r>
-              <a:rPr lang="en-SG" dirty="0">
-                <a:solidFill>
-                  <a:srgbClr val="6A8759"/>
-                </a:solidFill>
-                <a:effectLst/>
-              </a:rPr>
-              <a:t>group 0: 1 building</a:t>
-            </a:r>
-            <a:br>
-              <a:rPr lang="en-SG" dirty="0">
-                <a:solidFill>
-                  <a:srgbClr val="6A8759"/>
-                </a:solidFill>
-                <a:effectLst/>
-              </a:rPr>
-            </a:br>
-            <a:r>
-              <a:rPr lang="en-SG" dirty="0">
-                <a:solidFill>
-                  <a:srgbClr val="6A8759"/>
-                </a:solidFill>
-                <a:effectLst/>
-              </a:rPr>
-              <a:t>group 1: 1 building</a:t>
-            </a:r>
-            <a:br>
-              <a:rPr lang="en-SG" dirty="0">
-                <a:solidFill>
-                  <a:srgbClr val="6A8759"/>
-                </a:solidFill>
-                <a:effectLst/>
-              </a:rPr>
-            </a:br>
-            <a:r>
-              <a:rPr lang="en-SG" dirty="0">
-                <a:solidFill>
-                  <a:srgbClr val="6A8759"/>
-                </a:solidFill>
-                <a:effectLst/>
-              </a:rPr>
-              <a:t>group 2: 1 truck</a:t>
-            </a:r>
-            <a:br>
-              <a:rPr lang="en-SG" dirty="0">
-                <a:solidFill>
-                  <a:srgbClr val="6A8759"/>
-                </a:solidFill>
-                <a:effectLst/>
-              </a:rPr>
-            </a:br>
-            <a:r>
-              <a:rPr lang="en-SG" dirty="0">
-                <a:solidFill>
-                  <a:srgbClr val="6A8759"/>
-                </a:solidFill>
-                <a:effectLst/>
-              </a:rPr>
-              <a:t>group 3: 2 building, including 1 building, 1 shed</a:t>
-            </a:r>
-            <a:br>
-              <a:rPr lang="en-SG" dirty="0">
-                <a:solidFill>
-                  <a:srgbClr val="6A8759"/>
-                </a:solidFill>
-                <a:effectLst/>
-              </a:rPr>
-            </a:br>
-            <a:r>
-              <a:rPr lang="en-SG" dirty="0">
-                <a:solidFill>
-                  <a:srgbClr val="6A8759"/>
-                </a:solidFill>
-                <a:effectLst/>
-              </a:rPr>
-              <a:t>group 4: 2 building, including 1 building, 1 damaged building</a:t>
-            </a:r>
-            <a:br>
-              <a:rPr lang="en-SG" dirty="0">
-                <a:solidFill>
-                  <a:srgbClr val="6A8759"/>
-                </a:solidFill>
-                <a:effectLst/>
-              </a:rPr>
-            </a:br>
-            <a:br>
-              <a:rPr lang="en-SG" dirty="0">
-                <a:solidFill>
-                  <a:srgbClr val="6A8759"/>
-                </a:solidFill>
-                <a:effectLst/>
-              </a:rPr>
-            </a:br>
-            <a:r>
-              <a:rPr lang="en-SG" dirty="0">
-                <a:solidFill>
-                  <a:srgbClr val="6A8759"/>
-                </a:solidFill>
-                <a:effectLst/>
-              </a:rPr>
-              <a:t>## significant geographical relations</a:t>
-            </a:r>
-            <a:br>
-              <a:rPr lang="en-SG" dirty="0">
-                <a:solidFill>
-                  <a:srgbClr val="6A8759"/>
-                </a:solidFill>
-                <a:effectLst/>
-              </a:rPr>
-            </a:br>
-            <a:r>
-              <a:rPr lang="en-SG" dirty="0">
-                <a:solidFill>
-                  <a:srgbClr val="6A8759"/>
-                </a:solidFill>
-                <a:effectLst/>
-              </a:rPr>
-              <a:t>group 3 is next to group 1</a:t>
-            </a:r>
-            <a:br>
-              <a:rPr lang="en-SG" dirty="0">
-                <a:solidFill>
-                  <a:srgbClr val="6A8759"/>
-                </a:solidFill>
-                <a:effectLst/>
-              </a:rPr>
-            </a:br>
-            <a:br>
-              <a:rPr lang="en-SG" dirty="0">
-                <a:solidFill>
-                  <a:srgbClr val="6A8759"/>
-                </a:solidFill>
-                <a:effectLst/>
-              </a:rPr>
-            </a:br>
-            <a:r>
-              <a:rPr lang="en-SG" dirty="0">
-                <a:solidFill>
-                  <a:srgbClr val="6A8759"/>
-                </a:solidFill>
-                <a:effectLst/>
-              </a:rPr>
-              <a:t>## captions</a:t>
-            </a:r>
-            <a:br>
-              <a:rPr lang="en-SG" dirty="0">
-                <a:solidFill>
-                  <a:srgbClr val="6A8759"/>
-                </a:solidFill>
-                <a:effectLst/>
-              </a:rPr>
-            </a:br>
-            <a:r>
-              <a:rPr lang="en-SG" dirty="0">
-                <a:solidFill>
-                  <a:srgbClr val="6A8759"/>
-                </a:solidFill>
-                <a:effectLst/>
-              </a:rPr>
-              <a:t>["There are several buildings and one truck in the image.", "A building and one shed sit side by side", "There is a building and a damaged building standing together.", "Some buildings are very close to each other while some others are not"]</a:t>
-            </a:r>
-            <a:br>
-              <a:rPr lang="en-SG" dirty="0">
-                <a:solidFill>
-                  <a:srgbClr val="6A8759"/>
-                </a:solidFill>
-                <a:effectLst/>
-              </a:rPr>
-            </a:br>
-            <a:br>
-              <a:rPr lang="en-SG" dirty="0">
-                <a:solidFill>
-                  <a:srgbClr val="6A8759"/>
-                </a:solidFill>
-                <a:effectLst/>
-              </a:rPr>
-            </a:br>
-            <a:r>
-              <a:rPr lang="en-SG" dirty="0">
-                <a:solidFill>
-                  <a:srgbClr val="6A8759"/>
-                </a:solidFill>
-                <a:effectLst/>
-              </a:rPr>
-              <a:t># example image description 3:</a:t>
-            </a:r>
-            <a:br>
-              <a:rPr lang="en-SG" dirty="0">
-                <a:solidFill>
-                  <a:srgbClr val="6A8759"/>
-                </a:solidFill>
-                <a:effectLst/>
-              </a:rPr>
-            </a:br>
-            <a:r>
-              <a:rPr lang="en-SG" dirty="0">
-                <a:solidFill>
-                  <a:srgbClr val="6A8759"/>
-                </a:solidFill>
-                <a:effectLst/>
-              </a:rPr>
-              <a:t>## objects/object groups information</a:t>
-            </a:r>
-            <a:br>
-              <a:rPr lang="en-SG" dirty="0">
-                <a:solidFill>
-                  <a:srgbClr val="6A8759"/>
-                </a:solidFill>
-                <a:effectLst/>
-              </a:rPr>
-            </a:br>
-            <a:r>
-              <a:rPr lang="en-SG" dirty="0">
-                <a:solidFill>
-                  <a:srgbClr val="6A8759"/>
-                </a:solidFill>
-                <a:effectLst/>
-              </a:rPr>
-              <a:t>group 0: 1 building</a:t>
-            </a:r>
-            <a:br>
-              <a:rPr lang="en-SG" dirty="0">
-                <a:solidFill>
-                  <a:srgbClr val="6A8759"/>
-                </a:solidFill>
-                <a:effectLst/>
-              </a:rPr>
-            </a:br>
-            <a:r>
-              <a:rPr lang="en-SG" dirty="0">
-                <a:solidFill>
-                  <a:srgbClr val="6A8759"/>
-                </a:solidFill>
-                <a:effectLst/>
-              </a:rPr>
-              <a:t>group 1: a line of 3 building</a:t>
-            </a:r>
-            <a:br>
-              <a:rPr lang="en-SG" dirty="0">
-                <a:solidFill>
-                  <a:srgbClr val="6A8759"/>
-                </a:solidFill>
-                <a:effectLst/>
-              </a:rPr>
-            </a:br>
-            <a:br>
-              <a:rPr lang="en-SG" dirty="0">
-                <a:solidFill>
-                  <a:srgbClr val="6A8759"/>
-                </a:solidFill>
-                <a:effectLst/>
-              </a:rPr>
-            </a:br>
-            <a:r>
-              <a:rPr lang="en-SG" dirty="0">
-                <a:solidFill>
-                  <a:srgbClr val="6A8759"/>
-                </a:solidFill>
-                <a:effectLst/>
-              </a:rPr>
-              <a:t>## significant geographical relations</a:t>
-            </a:r>
-            <a:br>
-              <a:rPr lang="en-SG" dirty="0">
-                <a:solidFill>
-                  <a:srgbClr val="6A8759"/>
-                </a:solidFill>
-                <a:effectLst/>
-              </a:rPr>
-            </a:br>
-            <a:r>
-              <a:rPr lang="en-SG" dirty="0">
-                <a:solidFill>
-                  <a:srgbClr val="6A8759"/>
-                </a:solidFill>
-                <a:effectLst/>
-              </a:rPr>
-              <a:t>None</a:t>
-            </a:r>
-            <a:br>
-              <a:rPr lang="en-SG" dirty="0">
-                <a:solidFill>
-                  <a:srgbClr val="6A8759"/>
-                </a:solidFill>
-                <a:effectLst/>
-              </a:rPr>
-            </a:br>
-            <a:br>
-              <a:rPr lang="en-SG" dirty="0">
-                <a:solidFill>
-                  <a:srgbClr val="6A8759"/>
-                </a:solidFill>
-                <a:effectLst/>
-              </a:rPr>
-            </a:br>
-            <a:r>
-              <a:rPr lang="en-SG" dirty="0">
-                <a:solidFill>
-                  <a:srgbClr val="6A8759"/>
-                </a:solidFill>
-                <a:effectLst/>
-              </a:rPr>
-              <a:t>## captions</a:t>
-            </a:r>
-            <a:br>
-              <a:rPr lang="en-SG" dirty="0">
-                <a:solidFill>
-                  <a:srgbClr val="6A8759"/>
-                </a:solidFill>
-                <a:effectLst/>
-              </a:rPr>
-            </a:br>
-            <a:r>
-              <a:rPr lang="en-SG" dirty="0">
-                <a:solidFill>
-                  <a:srgbClr val="6A8759"/>
-                </a:solidFill>
-                <a:effectLst/>
-              </a:rPr>
-              <a:t>["There is a solitary building in the image.", "There is a line of three buildings in the image."]</a:t>
-            </a:r>
-            <a:br>
-              <a:rPr lang="en-SG" dirty="0">
-                <a:solidFill>
-                  <a:srgbClr val="6A8759"/>
-                </a:solidFill>
-                <a:effectLst/>
-              </a:rPr>
-            </a:br>
-            <a:br>
-              <a:rPr lang="en-SG" dirty="0">
-                <a:solidFill>
-                  <a:srgbClr val="6A8759"/>
-                </a:solidFill>
-                <a:effectLst/>
-              </a:rPr>
-            </a:br>
-            <a:r>
-              <a:rPr lang="en-SG" dirty="0">
-                <a:solidFill>
-                  <a:srgbClr val="6A8759"/>
-                </a:solidFill>
-                <a:effectLst/>
-              </a:rPr>
-              <a:t># real image description:</a:t>
-            </a:r>
-            <a:br>
-              <a:rPr lang="en-SG" dirty="0">
-                <a:solidFill>
-                  <a:srgbClr val="6A8759"/>
-                </a:solidFill>
-                <a:effectLst/>
-              </a:rPr>
-            </a:br>
-            <a:r>
-              <a:rPr lang="en-SG" dirty="0">
-                <a:solidFill>
-                  <a:srgbClr val="6A8759"/>
-                </a:solidFill>
-                <a:effectLst/>
-              </a:rPr>
-              <a:t>## objects/object groups information</a:t>
-            </a:r>
-            <a:br>
-              <a:rPr lang="en-SG" dirty="0">
-                <a:solidFill>
-                  <a:srgbClr val="6A8759"/>
-                </a:solidFill>
-                <a:effectLst/>
-              </a:rPr>
-            </a:br>
-            <a:r>
-              <a:rPr lang="en-SG" dirty="0">
-                <a:solidFill>
-                  <a:srgbClr val="6A8759"/>
-                </a:solidFill>
-                <a:effectLst/>
-              </a:rPr>
-              <a:t>{</a:t>
-            </a:r>
-            <a:r>
-              <a:rPr lang="en-SG" dirty="0" err="1">
-                <a:solidFill>
-                  <a:srgbClr val="6A8759"/>
-                </a:solidFill>
-                <a:effectLst/>
-              </a:rPr>
-              <a:t>objects_information</a:t>
-            </a:r>
-            <a:r>
-              <a:rPr lang="en-SG" dirty="0">
-                <a:solidFill>
-                  <a:srgbClr val="6A8759"/>
-                </a:solidFill>
-                <a:effectLst/>
-              </a:rPr>
-              <a:t>}</a:t>
-            </a:r>
-            <a:br>
-              <a:rPr lang="en-SG" dirty="0">
-                <a:solidFill>
-                  <a:srgbClr val="6A8759"/>
-                </a:solidFill>
-                <a:effectLst/>
-              </a:rPr>
-            </a:br>
-            <a:br>
-              <a:rPr lang="en-SG" dirty="0">
-                <a:solidFill>
-                  <a:srgbClr val="6A8759"/>
-                </a:solidFill>
-                <a:effectLst/>
-              </a:rPr>
-            </a:br>
-            <a:r>
-              <a:rPr lang="en-SG" dirty="0">
-                <a:solidFill>
-                  <a:srgbClr val="6A8759"/>
-                </a:solidFill>
-                <a:effectLst/>
-              </a:rPr>
-              <a:t>## significant geographical relations</a:t>
-            </a:r>
-            <a:br>
-              <a:rPr lang="en-SG" dirty="0">
-                <a:solidFill>
-                  <a:srgbClr val="6A8759"/>
-                </a:solidFill>
-                <a:effectLst/>
-              </a:rPr>
-            </a:br>
-            <a:r>
-              <a:rPr lang="en-SG" dirty="0">
-                <a:solidFill>
-                  <a:srgbClr val="6A8759"/>
-                </a:solidFill>
-                <a:effectLst/>
-              </a:rPr>
-              <a:t>{</a:t>
-            </a:r>
-            <a:r>
-              <a:rPr lang="en-SG" dirty="0" err="1">
-                <a:solidFill>
-                  <a:srgbClr val="6A8759"/>
-                </a:solidFill>
-                <a:effectLst/>
-              </a:rPr>
-              <a:t>objects_relations</a:t>
-            </a:r>
-            <a:r>
-              <a:rPr lang="en-SG" dirty="0">
-                <a:solidFill>
-                  <a:srgbClr val="6A8759"/>
-                </a:solidFill>
-                <a:effectLst/>
-              </a:rPr>
-              <a:t>}</a:t>
-            </a:r>
-            <a:br>
-              <a:rPr lang="en-SG" dirty="0">
-                <a:solidFill>
-                  <a:srgbClr val="6A8759"/>
-                </a:solidFill>
-                <a:effectLst/>
-              </a:rPr>
-            </a:br>
-            <a:br>
-              <a:rPr lang="en-SG" dirty="0">
-                <a:solidFill>
-                  <a:srgbClr val="6A8759"/>
-                </a:solidFill>
-                <a:effectLst/>
-              </a:rPr>
-            </a:br>
-            <a:r>
-              <a:rPr lang="en-SG" dirty="0">
-                <a:solidFill>
-                  <a:srgbClr val="6A8759"/>
-                </a:solidFill>
-                <a:effectLst/>
-              </a:rPr>
-              <a:t>## captions</a:t>
-            </a:r>
+              <a:rPr lang="en-SG" sz="1200" b="1" dirty="0"/>
+              <a:t>Objects/object groups information:</a:t>
+            </a:r>
+          </a:p>
+          <a:p>
+            <a:r>
+              <a:rPr lang="en-SG" sz="1200" dirty="0"/>
+              <a:t>group 0: 1 mobile crane</a:t>
+            </a:r>
+          </a:p>
+          <a:p>
+            <a:r>
+              <a:rPr lang="en-SG" sz="1200" dirty="0"/>
+              <a:t>group 1: 1 small car</a:t>
+            </a:r>
+          </a:p>
+          <a:p>
+            <a:r>
+              <a:rPr lang="en-SG" sz="1200" dirty="0"/>
+              <a:t>group 2: 1 truck with flatbed</a:t>
+            </a:r>
+          </a:p>
+          <a:p>
+            <a:r>
+              <a:rPr lang="en-SG" sz="1200" dirty="0"/>
+              <a:t>group 3: 5 building</a:t>
+            </a:r>
+            <a:endParaRPr lang="en-SG" sz="1200" b="1" dirty="0"/>
+          </a:p>
+          <a:p>
+            <a:r>
+              <a:rPr lang="en-SG" sz="1200" b="1" dirty="0"/>
+              <a:t>Significant geographical relations:</a:t>
+            </a:r>
+          </a:p>
+          <a:p>
+            <a:r>
+              <a:rPr lang="en-SG" sz="1200" dirty="0"/>
+              <a:t>group 1 is surrounded by group 3</a:t>
+            </a:r>
+          </a:p>
+          <a:p>
+            <a:r>
+              <a:rPr lang="en-SG" sz="1200" dirty="0"/>
+              <a:t>group 1 is far from other objects</a:t>
+            </a:r>
+          </a:p>
+          <a:p>
+            <a:r>
+              <a:rPr lang="en-SG" sz="1200" dirty="0"/>
+              <a:t>group 2 is far from other objects</a:t>
+            </a:r>
+          </a:p>
+          <a:p>
             <a:endParaRPr lang="en-SG" dirty="0"/>
           </a:p>
         </p:txBody>
@@ -1298,6 +601,843 @@
             <a:fld id="{84714B75-F87D-4D94-BA9F-2A5FF9992E87}" type="slidenum">
               <a:rPr lang="en-SG" smtClean="0"/>
               <a:t>8</a:t>
+            </a:fld>
+            <a:endParaRPr lang="en-SG"/>
+          </a:p>
+        </p:txBody>
+      </p:sp>
+    </p:spTree>
+    <p:extLst>
+      <p:ext uri="{BB962C8B-B14F-4D97-AF65-F5344CB8AC3E}">
+        <p14:creationId xmlns:p14="http://schemas.microsoft.com/office/powerpoint/2010/main" val="669721557"/>
+      </p:ext>
+    </p:extLst>
+  </p:cSld>
+  <p:clrMapOvr>
+    <a:masterClrMapping/>
+  </p:clrMapOvr>
+</p:notes>
+</file>
+
+<file path=ppt/notesSlides/notesSlide2.xml><?xml version="1.0" encoding="utf-8"?>
+<p:notes xmlns:a="http://schemas.openxmlformats.org/drawingml/2006/main" xmlns:r="http://schemas.openxmlformats.org/officeDocument/2006/relationships" xmlns:p="http://schemas.openxmlformats.org/presentationml/2006/main">
+  <p:cSld>
+    <p:spTree>
+      <p:nvGrpSpPr>
+        <p:cNvPr id="1" name=""/>
+        <p:cNvGrpSpPr/>
+        <p:nvPr/>
+      </p:nvGrpSpPr>
+      <p:grpSpPr>
+        <a:xfrm>
+          <a:off x="0" y="0"/>
+          <a:ext cx="0" cy="0"/>
+          <a:chOff x="0" y="0"/>
+          <a:chExt cx="0" cy="0"/>
+        </a:xfrm>
+      </p:grpSpPr>
+      <p:sp>
+        <p:nvSpPr>
+          <p:cNvPr id="2" name="Slide Image Placeholder 1"/>
+          <p:cNvSpPr>
+            <a:spLocks noGrp="1" noRot="1" noChangeAspect="1"/>
+          </p:cNvSpPr>
+          <p:nvPr>
+            <p:ph type="sldImg"/>
+          </p:nvPr>
+        </p:nvSpPr>
+        <p:spPr/>
+      </p:sp>
+      <p:sp>
+        <p:nvSpPr>
+          <p:cNvPr id="3" name="Notes Placeholder 2"/>
+          <p:cNvSpPr>
+            <a:spLocks noGrp="1"/>
+          </p:cNvSpPr>
+          <p:nvPr>
+            <p:ph type="body" idx="1"/>
+          </p:nvPr>
+        </p:nvSpPr>
+        <p:spPr/>
+        <p:txBody>
+          <a:bodyPr/>
+          <a:lstStyle/>
+          <a:p>
+            <a:r>
+              <a:rPr lang="en-SG" dirty="0">
+                <a:solidFill>
+                  <a:srgbClr val="6A8759"/>
+                </a:solidFill>
+                <a:effectLst/>
+              </a:rPr>
+              <a:t>You will be provided with description of a satellite image. Please provide several captions as strings in a python list.</a:t>
+            </a:r>
+            <a:br>
+              <a:rPr lang="en-SG" dirty="0">
+                <a:solidFill>
+                  <a:srgbClr val="6A8759"/>
+                </a:solidFill>
+                <a:effectLst/>
+              </a:rPr>
+            </a:br>
+            <a:r>
+              <a:rPr lang="en-SG" dirty="0">
+                <a:solidFill>
+                  <a:srgbClr val="6A8759"/>
+                </a:solidFill>
+                <a:effectLst/>
+              </a:rPr>
+              <a:t>The image has multiple objects, which have been clustered into groups based on their types and locations. </a:t>
+            </a:r>
+            <a:br>
+              <a:rPr lang="en-SG" dirty="0">
+                <a:solidFill>
+                  <a:srgbClr val="6A8759"/>
+                </a:solidFill>
+                <a:effectLst/>
+              </a:rPr>
+            </a:br>
+            <a:r>
+              <a:rPr lang="en-SG" dirty="0">
+                <a:solidFill>
+                  <a:srgbClr val="6A8759"/>
+                </a:solidFill>
+                <a:effectLst/>
+              </a:rPr>
+              <a:t>Here are some examples:</a:t>
+            </a:r>
+            <a:br>
+              <a:rPr lang="en-SG" dirty="0">
+                <a:solidFill>
+                  <a:srgbClr val="6A8759"/>
+                </a:solidFill>
+                <a:effectLst/>
+              </a:rPr>
+            </a:br>
+            <a:br>
+              <a:rPr lang="en-SG" dirty="0">
+                <a:solidFill>
+                  <a:srgbClr val="6A8759"/>
+                </a:solidFill>
+                <a:effectLst/>
+              </a:rPr>
+            </a:br>
+            <a:r>
+              <a:rPr lang="en-SG" dirty="0">
+                <a:solidFill>
+                  <a:srgbClr val="6A8759"/>
+                </a:solidFill>
+                <a:effectLst/>
+              </a:rPr>
+              <a:t># example image description 1:</a:t>
+            </a:r>
+            <a:br>
+              <a:rPr lang="en-SG" dirty="0">
+                <a:solidFill>
+                  <a:srgbClr val="6A8759"/>
+                </a:solidFill>
+                <a:effectLst/>
+              </a:rPr>
+            </a:br>
+            <a:r>
+              <a:rPr lang="en-SG" dirty="0">
+                <a:solidFill>
+                  <a:srgbClr val="6A8759"/>
+                </a:solidFill>
+                <a:effectLst/>
+              </a:rPr>
+              <a:t>## objects/object groups information</a:t>
+            </a:r>
+            <a:br>
+              <a:rPr lang="en-SG" dirty="0">
+                <a:solidFill>
+                  <a:srgbClr val="6A8759"/>
+                </a:solidFill>
+                <a:effectLst/>
+              </a:rPr>
+            </a:br>
+            <a:r>
+              <a:rPr lang="en-SG" dirty="0">
+                <a:solidFill>
+                  <a:srgbClr val="6A8759"/>
+                </a:solidFill>
+                <a:effectLst/>
+              </a:rPr>
+              <a:t>group 0: 1 damaged building</a:t>
+            </a:r>
+            <a:br>
+              <a:rPr lang="en-SG" dirty="0">
+                <a:solidFill>
+                  <a:srgbClr val="6A8759"/>
+                </a:solidFill>
+                <a:effectLst/>
+              </a:rPr>
+            </a:br>
+            <a:r>
+              <a:rPr lang="en-SG" dirty="0">
+                <a:solidFill>
+                  <a:srgbClr val="6A8759"/>
+                </a:solidFill>
+                <a:effectLst/>
+              </a:rPr>
+              <a:t>group 1: a line of 5 building</a:t>
+            </a:r>
+            <a:br>
+              <a:rPr lang="en-SG" dirty="0">
+                <a:solidFill>
+                  <a:srgbClr val="6A8759"/>
+                </a:solidFill>
+                <a:effectLst/>
+              </a:rPr>
+            </a:br>
+            <a:r>
+              <a:rPr lang="en-SG" dirty="0">
+                <a:solidFill>
+                  <a:srgbClr val="6A8759"/>
+                </a:solidFill>
+                <a:effectLst/>
+              </a:rPr>
+              <a:t>group 2: a line of 3 building</a:t>
+            </a:r>
+            <a:br>
+              <a:rPr lang="en-SG" dirty="0">
+                <a:solidFill>
+                  <a:srgbClr val="6A8759"/>
+                </a:solidFill>
+                <a:effectLst/>
+              </a:rPr>
+            </a:br>
+            <a:br>
+              <a:rPr lang="en-SG" dirty="0">
+                <a:solidFill>
+                  <a:srgbClr val="6A8759"/>
+                </a:solidFill>
+                <a:effectLst/>
+              </a:rPr>
+            </a:br>
+            <a:r>
+              <a:rPr lang="en-SG" dirty="0">
+                <a:solidFill>
+                  <a:srgbClr val="6A8759"/>
+                </a:solidFill>
+                <a:effectLst/>
+              </a:rPr>
+              <a:t>## significant geographical relations</a:t>
+            </a:r>
+            <a:br>
+              <a:rPr lang="en-SG" dirty="0">
+                <a:solidFill>
+                  <a:srgbClr val="6A8759"/>
+                </a:solidFill>
+                <a:effectLst/>
+              </a:rPr>
+            </a:br>
+            <a:r>
+              <a:rPr lang="en-SG" dirty="0">
+                <a:solidFill>
+                  <a:srgbClr val="6A8759"/>
+                </a:solidFill>
+                <a:effectLst/>
+              </a:rPr>
+              <a:t>group 2 is next to group 0</a:t>
+            </a:r>
+            <a:br>
+              <a:rPr lang="en-SG" dirty="0">
+                <a:solidFill>
+                  <a:srgbClr val="6A8759"/>
+                </a:solidFill>
+                <a:effectLst/>
+              </a:rPr>
+            </a:br>
+            <a:br>
+              <a:rPr lang="en-SG" dirty="0">
+                <a:solidFill>
+                  <a:srgbClr val="6A8759"/>
+                </a:solidFill>
+                <a:effectLst/>
+              </a:rPr>
+            </a:br>
+            <a:r>
+              <a:rPr lang="en-SG" dirty="0">
+                <a:solidFill>
+                  <a:srgbClr val="6A8759"/>
+                </a:solidFill>
+                <a:effectLst/>
+              </a:rPr>
+              <a:t>## captions</a:t>
+            </a:r>
+            <a:br>
+              <a:rPr lang="en-SG" dirty="0">
+                <a:solidFill>
+                  <a:srgbClr val="6A8759"/>
+                </a:solidFill>
+                <a:effectLst/>
+              </a:rPr>
+            </a:br>
+            <a:r>
+              <a:rPr lang="en-SG" dirty="0">
+                <a:solidFill>
+                  <a:srgbClr val="6A8759"/>
+                </a:solidFill>
+                <a:effectLst/>
+              </a:rPr>
+              <a:t>["There are two lines of buildings in the image.", "A damaged building is next to a line of buildings in the image"]</a:t>
+            </a:r>
+            <a:br>
+              <a:rPr lang="en-SG" dirty="0">
+                <a:solidFill>
+                  <a:srgbClr val="6A8759"/>
+                </a:solidFill>
+                <a:effectLst/>
+              </a:rPr>
+            </a:br>
+            <a:br>
+              <a:rPr lang="en-SG" dirty="0">
+                <a:solidFill>
+                  <a:srgbClr val="6A8759"/>
+                </a:solidFill>
+                <a:effectLst/>
+              </a:rPr>
+            </a:br>
+            <a:r>
+              <a:rPr lang="en-SG" dirty="0">
+                <a:solidFill>
+                  <a:srgbClr val="6A8759"/>
+                </a:solidFill>
+                <a:effectLst/>
+              </a:rPr>
+              <a:t># example image description 2:</a:t>
+            </a:r>
+            <a:br>
+              <a:rPr lang="en-SG" dirty="0">
+                <a:solidFill>
+                  <a:srgbClr val="6A8759"/>
+                </a:solidFill>
+                <a:effectLst/>
+              </a:rPr>
+            </a:br>
+            <a:r>
+              <a:rPr lang="en-SG" dirty="0">
+                <a:solidFill>
+                  <a:srgbClr val="6A8759"/>
+                </a:solidFill>
+                <a:effectLst/>
+              </a:rPr>
+              <a:t>## objects/object groups information</a:t>
+            </a:r>
+            <a:br>
+              <a:rPr lang="en-SG" dirty="0">
+                <a:solidFill>
+                  <a:srgbClr val="6A8759"/>
+                </a:solidFill>
+                <a:effectLst/>
+              </a:rPr>
+            </a:br>
+            <a:r>
+              <a:rPr lang="en-SG" dirty="0">
+                <a:solidFill>
+                  <a:srgbClr val="6A8759"/>
+                </a:solidFill>
+                <a:effectLst/>
+              </a:rPr>
+              <a:t>group 0: 1 building</a:t>
+            </a:r>
+            <a:br>
+              <a:rPr lang="en-SG" dirty="0">
+                <a:solidFill>
+                  <a:srgbClr val="6A8759"/>
+                </a:solidFill>
+                <a:effectLst/>
+              </a:rPr>
+            </a:br>
+            <a:r>
+              <a:rPr lang="en-SG" dirty="0">
+                <a:solidFill>
+                  <a:srgbClr val="6A8759"/>
+                </a:solidFill>
+                <a:effectLst/>
+              </a:rPr>
+              <a:t>group 1: 1 building</a:t>
+            </a:r>
+            <a:br>
+              <a:rPr lang="en-SG" dirty="0">
+                <a:solidFill>
+                  <a:srgbClr val="6A8759"/>
+                </a:solidFill>
+                <a:effectLst/>
+              </a:rPr>
+            </a:br>
+            <a:r>
+              <a:rPr lang="en-SG" dirty="0">
+                <a:solidFill>
+                  <a:srgbClr val="6A8759"/>
+                </a:solidFill>
+                <a:effectLst/>
+              </a:rPr>
+              <a:t>group 2: 1 truck</a:t>
+            </a:r>
+            <a:br>
+              <a:rPr lang="en-SG" dirty="0">
+                <a:solidFill>
+                  <a:srgbClr val="6A8759"/>
+                </a:solidFill>
+                <a:effectLst/>
+              </a:rPr>
+            </a:br>
+            <a:r>
+              <a:rPr lang="en-SG" dirty="0">
+                <a:solidFill>
+                  <a:srgbClr val="6A8759"/>
+                </a:solidFill>
+                <a:effectLst/>
+              </a:rPr>
+              <a:t>group 3: 2 building, including 1 building, 1 shed</a:t>
+            </a:r>
+            <a:br>
+              <a:rPr lang="en-SG" dirty="0">
+                <a:solidFill>
+                  <a:srgbClr val="6A8759"/>
+                </a:solidFill>
+                <a:effectLst/>
+              </a:rPr>
+            </a:br>
+            <a:r>
+              <a:rPr lang="en-SG" dirty="0">
+                <a:solidFill>
+                  <a:srgbClr val="6A8759"/>
+                </a:solidFill>
+                <a:effectLst/>
+              </a:rPr>
+              <a:t>group 4: 2 building, including 1 building, 1 damaged building</a:t>
+            </a:r>
+            <a:br>
+              <a:rPr lang="en-SG" dirty="0">
+                <a:solidFill>
+                  <a:srgbClr val="6A8759"/>
+                </a:solidFill>
+                <a:effectLst/>
+              </a:rPr>
+            </a:br>
+            <a:br>
+              <a:rPr lang="en-SG" dirty="0">
+                <a:solidFill>
+                  <a:srgbClr val="6A8759"/>
+                </a:solidFill>
+                <a:effectLst/>
+              </a:rPr>
+            </a:br>
+            <a:r>
+              <a:rPr lang="en-SG" dirty="0">
+                <a:solidFill>
+                  <a:srgbClr val="6A8759"/>
+                </a:solidFill>
+                <a:effectLst/>
+              </a:rPr>
+              <a:t>## significant geographical relations</a:t>
+            </a:r>
+            <a:br>
+              <a:rPr lang="en-SG" dirty="0">
+                <a:solidFill>
+                  <a:srgbClr val="6A8759"/>
+                </a:solidFill>
+                <a:effectLst/>
+              </a:rPr>
+            </a:br>
+            <a:r>
+              <a:rPr lang="en-SG" dirty="0">
+                <a:solidFill>
+                  <a:srgbClr val="6A8759"/>
+                </a:solidFill>
+                <a:effectLst/>
+              </a:rPr>
+              <a:t>group 3 is next to group 1</a:t>
+            </a:r>
+            <a:br>
+              <a:rPr lang="en-SG" dirty="0">
+                <a:solidFill>
+                  <a:srgbClr val="6A8759"/>
+                </a:solidFill>
+                <a:effectLst/>
+              </a:rPr>
+            </a:br>
+            <a:br>
+              <a:rPr lang="en-SG" dirty="0">
+                <a:solidFill>
+                  <a:srgbClr val="6A8759"/>
+                </a:solidFill>
+                <a:effectLst/>
+              </a:rPr>
+            </a:br>
+            <a:r>
+              <a:rPr lang="en-SG" dirty="0">
+                <a:solidFill>
+                  <a:srgbClr val="6A8759"/>
+                </a:solidFill>
+                <a:effectLst/>
+              </a:rPr>
+              <a:t>## captions</a:t>
+            </a:r>
+            <a:br>
+              <a:rPr lang="en-SG" dirty="0">
+                <a:solidFill>
+                  <a:srgbClr val="6A8759"/>
+                </a:solidFill>
+                <a:effectLst/>
+              </a:rPr>
+            </a:br>
+            <a:r>
+              <a:rPr lang="en-SG" dirty="0">
+                <a:solidFill>
+                  <a:srgbClr val="6A8759"/>
+                </a:solidFill>
+                <a:effectLst/>
+              </a:rPr>
+              <a:t>["There are several buildings and one truck in the image.", "A building and one shed sit side by side", "There is a building and a damaged building standing together.", "Some buildings are very close to each other while some others are not"]</a:t>
+            </a:r>
+            <a:br>
+              <a:rPr lang="en-SG" dirty="0">
+                <a:solidFill>
+                  <a:srgbClr val="6A8759"/>
+                </a:solidFill>
+                <a:effectLst/>
+              </a:rPr>
+            </a:br>
+            <a:br>
+              <a:rPr lang="en-SG" dirty="0">
+                <a:solidFill>
+                  <a:srgbClr val="6A8759"/>
+                </a:solidFill>
+                <a:effectLst/>
+              </a:rPr>
+            </a:br>
+            <a:r>
+              <a:rPr lang="en-SG" dirty="0">
+                <a:solidFill>
+                  <a:srgbClr val="6A8759"/>
+                </a:solidFill>
+                <a:effectLst/>
+              </a:rPr>
+              <a:t># example image description 3:</a:t>
+            </a:r>
+            <a:br>
+              <a:rPr lang="en-SG" dirty="0">
+                <a:solidFill>
+                  <a:srgbClr val="6A8759"/>
+                </a:solidFill>
+                <a:effectLst/>
+              </a:rPr>
+            </a:br>
+            <a:r>
+              <a:rPr lang="en-SG" dirty="0">
+                <a:solidFill>
+                  <a:srgbClr val="6A8759"/>
+                </a:solidFill>
+                <a:effectLst/>
+              </a:rPr>
+              <a:t>## objects/object groups information</a:t>
+            </a:r>
+            <a:br>
+              <a:rPr lang="en-SG" dirty="0">
+                <a:solidFill>
+                  <a:srgbClr val="6A8759"/>
+                </a:solidFill>
+                <a:effectLst/>
+              </a:rPr>
+            </a:br>
+            <a:r>
+              <a:rPr lang="en-SG" dirty="0">
+                <a:solidFill>
+                  <a:srgbClr val="6A8759"/>
+                </a:solidFill>
+                <a:effectLst/>
+              </a:rPr>
+              <a:t>group 0: 1 building</a:t>
+            </a:r>
+            <a:br>
+              <a:rPr lang="en-SG" dirty="0">
+                <a:solidFill>
+                  <a:srgbClr val="6A8759"/>
+                </a:solidFill>
+                <a:effectLst/>
+              </a:rPr>
+            </a:br>
+            <a:r>
+              <a:rPr lang="en-SG" dirty="0">
+                <a:solidFill>
+                  <a:srgbClr val="6A8759"/>
+                </a:solidFill>
+                <a:effectLst/>
+              </a:rPr>
+              <a:t>group 1: a line of 3 building</a:t>
+            </a:r>
+            <a:br>
+              <a:rPr lang="en-SG" dirty="0">
+                <a:solidFill>
+                  <a:srgbClr val="6A8759"/>
+                </a:solidFill>
+                <a:effectLst/>
+              </a:rPr>
+            </a:br>
+            <a:br>
+              <a:rPr lang="en-SG" dirty="0">
+                <a:solidFill>
+                  <a:srgbClr val="6A8759"/>
+                </a:solidFill>
+                <a:effectLst/>
+              </a:rPr>
+            </a:br>
+            <a:r>
+              <a:rPr lang="en-SG" dirty="0">
+                <a:solidFill>
+                  <a:srgbClr val="6A8759"/>
+                </a:solidFill>
+                <a:effectLst/>
+              </a:rPr>
+              <a:t>## significant geographical relations</a:t>
+            </a:r>
+            <a:br>
+              <a:rPr lang="en-SG" dirty="0">
+                <a:solidFill>
+                  <a:srgbClr val="6A8759"/>
+                </a:solidFill>
+                <a:effectLst/>
+              </a:rPr>
+            </a:br>
+            <a:r>
+              <a:rPr lang="en-SG" dirty="0">
+                <a:solidFill>
+                  <a:srgbClr val="6A8759"/>
+                </a:solidFill>
+                <a:effectLst/>
+              </a:rPr>
+              <a:t>None</a:t>
+            </a:r>
+            <a:br>
+              <a:rPr lang="en-SG" dirty="0">
+                <a:solidFill>
+                  <a:srgbClr val="6A8759"/>
+                </a:solidFill>
+                <a:effectLst/>
+              </a:rPr>
+            </a:br>
+            <a:br>
+              <a:rPr lang="en-SG" dirty="0">
+                <a:solidFill>
+                  <a:srgbClr val="6A8759"/>
+                </a:solidFill>
+                <a:effectLst/>
+              </a:rPr>
+            </a:br>
+            <a:r>
+              <a:rPr lang="en-SG" dirty="0">
+                <a:solidFill>
+                  <a:srgbClr val="6A8759"/>
+                </a:solidFill>
+                <a:effectLst/>
+              </a:rPr>
+              <a:t>## captions</a:t>
+            </a:r>
+            <a:br>
+              <a:rPr lang="en-SG" dirty="0">
+                <a:solidFill>
+                  <a:srgbClr val="6A8759"/>
+                </a:solidFill>
+                <a:effectLst/>
+              </a:rPr>
+            </a:br>
+            <a:r>
+              <a:rPr lang="en-SG" dirty="0">
+                <a:solidFill>
+                  <a:srgbClr val="6A8759"/>
+                </a:solidFill>
+                <a:effectLst/>
+              </a:rPr>
+              <a:t>["There is a solitary building in the image.", "There is a line of three buildings in the image."]</a:t>
+            </a:r>
+            <a:br>
+              <a:rPr lang="en-SG" dirty="0">
+                <a:solidFill>
+                  <a:srgbClr val="6A8759"/>
+                </a:solidFill>
+                <a:effectLst/>
+              </a:rPr>
+            </a:br>
+            <a:br>
+              <a:rPr lang="en-SG" dirty="0">
+                <a:solidFill>
+                  <a:srgbClr val="6A8759"/>
+                </a:solidFill>
+                <a:effectLst/>
+              </a:rPr>
+            </a:br>
+            <a:r>
+              <a:rPr lang="en-SG" dirty="0">
+                <a:solidFill>
+                  <a:srgbClr val="6A8759"/>
+                </a:solidFill>
+                <a:effectLst/>
+              </a:rPr>
+              <a:t># real image description:</a:t>
+            </a:r>
+            <a:br>
+              <a:rPr lang="en-SG" dirty="0">
+                <a:solidFill>
+                  <a:srgbClr val="6A8759"/>
+                </a:solidFill>
+                <a:effectLst/>
+              </a:rPr>
+            </a:br>
+            <a:r>
+              <a:rPr lang="en-SG" dirty="0">
+                <a:solidFill>
+                  <a:srgbClr val="6A8759"/>
+                </a:solidFill>
+                <a:effectLst/>
+              </a:rPr>
+              <a:t>## objects/object groups information</a:t>
+            </a:r>
+            <a:br>
+              <a:rPr lang="en-SG" dirty="0">
+                <a:solidFill>
+                  <a:srgbClr val="6A8759"/>
+                </a:solidFill>
+                <a:effectLst/>
+              </a:rPr>
+            </a:br>
+            <a:r>
+              <a:rPr lang="en-SG" dirty="0">
+                <a:solidFill>
+                  <a:srgbClr val="6A8759"/>
+                </a:solidFill>
+                <a:effectLst/>
+              </a:rPr>
+              <a:t>{</a:t>
+            </a:r>
+            <a:r>
+              <a:rPr lang="en-SG" dirty="0" err="1">
+                <a:solidFill>
+                  <a:srgbClr val="6A8759"/>
+                </a:solidFill>
+                <a:effectLst/>
+              </a:rPr>
+              <a:t>objects_information</a:t>
+            </a:r>
+            <a:r>
+              <a:rPr lang="en-SG" dirty="0">
+                <a:solidFill>
+                  <a:srgbClr val="6A8759"/>
+                </a:solidFill>
+                <a:effectLst/>
+              </a:rPr>
+              <a:t>}</a:t>
+            </a:r>
+            <a:br>
+              <a:rPr lang="en-SG" dirty="0">
+                <a:solidFill>
+                  <a:srgbClr val="6A8759"/>
+                </a:solidFill>
+                <a:effectLst/>
+              </a:rPr>
+            </a:br>
+            <a:br>
+              <a:rPr lang="en-SG" dirty="0">
+                <a:solidFill>
+                  <a:srgbClr val="6A8759"/>
+                </a:solidFill>
+                <a:effectLst/>
+              </a:rPr>
+            </a:br>
+            <a:r>
+              <a:rPr lang="en-SG" dirty="0">
+                <a:solidFill>
+                  <a:srgbClr val="6A8759"/>
+                </a:solidFill>
+                <a:effectLst/>
+              </a:rPr>
+              <a:t>## significant geographical relations</a:t>
+            </a:r>
+            <a:br>
+              <a:rPr lang="en-SG" dirty="0">
+                <a:solidFill>
+                  <a:srgbClr val="6A8759"/>
+                </a:solidFill>
+                <a:effectLst/>
+              </a:rPr>
+            </a:br>
+            <a:r>
+              <a:rPr lang="en-SG" dirty="0">
+                <a:solidFill>
+                  <a:srgbClr val="6A8759"/>
+                </a:solidFill>
+                <a:effectLst/>
+              </a:rPr>
+              <a:t>{</a:t>
+            </a:r>
+            <a:r>
+              <a:rPr lang="en-SG" dirty="0" err="1">
+                <a:solidFill>
+                  <a:srgbClr val="6A8759"/>
+                </a:solidFill>
+                <a:effectLst/>
+              </a:rPr>
+              <a:t>objects_relations</a:t>
+            </a:r>
+            <a:r>
+              <a:rPr lang="en-SG" dirty="0">
+                <a:solidFill>
+                  <a:srgbClr val="6A8759"/>
+                </a:solidFill>
+                <a:effectLst/>
+              </a:rPr>
+              <a:t>}</a:t>
+            </a:r>
+            <a:br>
+              <a:rPr lang="en-SG" dirty="0">
+                <a:solidFill>
+                  <a:srgbClr val="6A8759"/>
+                </a:solidFill>
+                <a:effectLst/>
+              </a:rPr>
+            </a:br>
+            <a:br>
+              <a:rPr lang="en-SG" dirty="0">
+                <a:solidFill>
+                  <a:srgbClr val="6A8759"/>
+                </a:solidFill>
+                <a:effectLst/>
+              </a:rPr>
+            </a:br>
+            <a:r>
+              <a:rPr lang="en-SG" dirty="0">
+                <a:solidFill>
+                  <a:srgbClr val="6A8759"/>
+                </a:solidFill>
+                <a:effectLst/>
+              </a:rPr>
+              <a:t>## captions</a:t>
+            </a:r>
+            <a:endParaRPr lang="en-SG" dirty="0"/>
+          </a:p>
+        </p:txBody>
+      </p:sp>
+      <p:sp>
+        <p:nvSpPr>
+          <p:cNvPr id="4" name="Slide Number Placeholder 3"/>
+          <p:cNvSpPr>
+            <a:spLocks noGrp="1"/>
+          </p:cNvSpPr>
+          <p:nvPr>
+            <p:ph type="sldNum" sz="quarter" idx="5"/>
+          </p:nvPr>
+        </p:nvSpPr>
+        <p:spPr/>
+        <p:txBody>
+          <a:bodyPr/>
+          <a:lstStyle/>
+          <a:p>
+            <a:fld id="{84714B75-F87D-4D94-BA9F-2A5FF9992E87}" type="slidenum">
+              <a:rPr lang="en-SG" smtClean="0"/>
+              <a:t>9</a:t>
             </a:fld>
             <a:endParaRPr lang="en-SG"/>
           </a:p>
@@ -1465,7 +1605,7 @@
           <a:p>
             <a:fld id="{801E7FCE-35C5-4D56-942F-44CAC82943AB}" type="datetimeFigureOut">
               <a:rPr lang="en-SG" smtClean="0"/>
-              <a:t>20/9/2023</a:t>
+              <a:t>22/9/2023</a:t>
             </a:fld>
             <a:endParaRPr lang="en-SG"/>
           </a:p>
@@ -1665,7 +1805,7 @@
           <a:p>
             <a:fld id="{801E7FCE-35C5-4D56-942F-44CAC82943AB}" type="datetimeFigureOut">
               <a:rPr lang="en-SG" smtClean="0"/>
-              <a:t>20/9/2023</a:t>
+              <a:t>22/9/2023</a:t>
             </a:fld>
             <a:endParaRPr lang="en-SG"/>
           </a:p>
@@ -1875,7 +2015,7 @@
           <a:p>
             <a:fld id="{801E7FCE-35C5-4D56-942F-44CAC82943AB}" type="datetimeFigureOut">
               <a:rPr lang="en-SG" smtClean="0"/>
-              <a:t>20/9/2023</a:t>
+              <a:t>22/9/2023</a:t>
             </a:fld>
             <a:endParaRPr lang="en-SG"/>
           </a:p>
@@ -2075,7 +2215,7 @@
           <a:p>
             <a:fld id="{801E7FCE-35C5-4D56-942F-44CAC82943AB}" type="datetimeFigureOut">
               <a:rPr lang="en-SG" smtClean="0"/>
-              <a:t>20/9/2023</a:t>
+              <a:t>22/9/2023</a:t>
             </a:fld>
             <a:endParaRPr lang="en-SG"/>
           </a:p>
@@ -2351,7 +2491,7 @@
           <a:p>
             <a:fld id="{801E7FCE-35C5-4D56-942F-44CAC82943AB}" type="datetimeFigureOut">
               <a:rPr lang="en-SG" smtClean="0"/>
-              <a:t>20/9/2023</a:t>
+              <a:t>22/9/2023</a:t>
             </a:fld>
             <a:endParaRPr lang="en-SG"/>
           </a:p>
@@ -2619,7 +2759,7 @@
           <a:p>
             <a:fld id="{801E7FCE-35C5-4D56-942F-44CAC82943AB}" type="datetimeFigureOut">
               <a:rPr lang="en-SG" smtClean="0"/>
-              <a:t>20/9/2023</a:t>
+              <a:t>22/9/2023</a:t>
             </a:fld>
             <a:endParaRPr lang="en-SG"/>
           </a:p>
@@ -3034,7 +3174,7 @@
           <a:p>
             <a:fld id="{801E7FCE-35C5-4D56-942F-44CAC82943AB}" type="datetimeFigureOut">
               <a:rPr lang="en-SG" smtClean="0"/>
-              <a:t>20/9/2023</a:t>
+              <a:t>22/9/2023</a:t>
             </a:fld>
             <a:endParaRPr lang="en-SG"/>
           </a:p>
@@ -3176,7 +3316,7 @@
           <a:p>
             <a:fld id="{801E7FCE-35C5-4D56-942F-44CAC82943AB}" type="datetimeFigureOut">
               <a:rPr lang="en-SG" smtClean="0"/>
-              <a:t>20/9/2023</a:t>
+              <a:t>22/9/2023</a:t>
             </a:fld>
             <a:endParaRPr lang="en-SG"/>
           </a:p>
@@ -3289,7 +3429,7 @@
           <a:p>
             <a:fld id="{801E7FCE-35C5-4D56-942F-44CAC82943AB}" type="datetimeFigureOut">
               <a:rPr lang="en-SG" smtClean="0"/>
-              <a:t>20/9/2023</a:t>
+              <a:t>22/9/2023</a:t>
             </a:fld>
             <a:endParaRPr lang="en-SG"/>
           </a:p>
@@ -3602,7 +3742,7 @@
           <a:p>
             <a:fld id="{801E7FCE-35C5-4D56-942F-44CAC82943AB}" type="datetimeFigureOut">
               <a:rPr lang="en-SG" smtClean="0"/>
-              <a:t>20/9/2023</a:t>
+              <a:t>22/9/2023</a:t>
             </a:fld>
             <a:endParaRPr lang="en-SG"/>
           </a:p>
@@ -3891,7 +4031,7 @@
           <a:p>
             <a:fld id="{801E7FCE-35C5-4D56-942F-44CAC82943AB}" type="datetimeFigureOut">
               <a:rPr lang="en-SG" smtClean="0"/>
-              <a:t>20/9/2023</a:t>
+              <a:t>22/9/2023</a:t>
             </a:fld>
             <a:endParaRPr lang="en-SG"/>
           </a:p>
@@ -4134,7 +4274,7 @@
           <a:p>
             <a:fld id="{801E7FCE-35C5-4D56-942F-44CAC82943AB}" type="datetimeFigureOut">
               <a:rPr lang="en-SG" smtClean="0"/>
-              <a:t>20/9/2023</a:t>
+              <a:t>22/9/2023</a:t>
             </a:fld>
             <a:endParaRPr lang="en-SG"/>
           </a:p>
@@ -4693,10 +4833,60 @@
       </p:grpSpPr>
       <p:sp>
         <p:nvSpPr>
-          <p:cNvPr id="4" name="TextBox 3">
-            <a:extLst>
-              <a:ext uri="{FF2B5EF4-FFF2-40B4-BE49-F238E27FC236}">
-                <a16:creationId xmlns:a16="http://schemas.microsoft.com/office/drawing/2014/main" id="{2A4250F6-92F5-49B4-DDCC-32DE88081CBE}"/>
+          <p:cNvPr id="2" name="Rectangle 1">
+            <a:extLst>
+              <a:ext uri="{FF2B5EF4-FFF2-40B4-BE49-F238E27FC236}">
+                <a16:creationId xmlns:a16="http://schemas.microsoft.com/office/drawing/2014/main" id="{81AAA260-1A5E-19C7-C291-7FB5A92613F6}"/>
+              </a:ext>
+            </a:extLst>
+          </p:cNvPr>
+          <p:cNvSpPr/>
+          <p:nvPr/>
+        </p:nvSpPr>
+        <p:spPr>
+          <a:xfrm>
+            <a:off x="3155577" y="1050378"/>
+            <a:ext cx="2814918" cy="3542114"/>
+          </a:xfrm>
+          <a:prstGeom prst="rect">
+            <a:avLst/>
+          </a:prstGeom>
+          <a:noFill/>
+          <a:ln w="19050">
+            <a:prstDash val="dashDot"/>
+          </a:ln>
+        </p:spPr>
+        <p:style>
+          <a:lnRef idx="2">
+            <a:schemeClr val="accent1">
+              <a:shade val="50000"/>
+            </a:schemeClr>
+          </a:lnRef>
+          <a:fillRef idx="1">
+            <a:schemeClr val="accent1"/>
+          </a:fillRef>
+          <a:effectRef idx="0">
+            <a:schemeClr val="accent1"/>
+          </a:effectRef>
+          <a:fontRef idx="minor">
+            <a:schemeClr val="lt1"/>
+          </a:fontRef>
+        </p:style>
+        <p:txBody>
+          <a:bodyPr rtlCol="0" anchor="ctr"/>
+          <a:lstStyle/>
+          <a:p>
+            <a:pPr algn="ctr"/>
+            <a:endParaRPr lang="en-SG"/>
+          </a:p>
+        </p:txBody>
+      </p:sp>
+      <p:sp>
+        <p:nvSpPr>
+          <p:cNvPr id="3" name="TextBox 2">
+            <a:extLst>
+              <a:ext uri="{FF2B5EF4-FFF2-40B4-BE49-F238E27FC236}">
+                <a16:creationId xmlns:a16="http://schemas.microsoft.com/office/drawing/2014/main" id="{7A4010C4-0E6B-D0C3-F436-1737CA909EAF}"/>
               </a:ext>
             </a:extLst>
           </p:cNvPr>
@@ -4705,8 +4895,8 @@
         </p:nvSpPr>
         <p:spPr>
           <a:xfrm>
-            <a:off x="600636" y="134472"/>
-            <a:ext cx="5253318" cy="1754326"/>
+            <a:off x="3240741" y="4690628"/>
+            <a:ext cx="2447365" cy="369332"/>
           </a:xfrm>
           <a:prstGeom prst="rect">
             <a:avLst/>
@@ -4719,38 +4909,141 @@
           </a:bodyPr>
           <a:lstStyle/>
           <a:p>
+            <a:pPr algn="ctr"/>
             <a:r>
               <a:rPr lang="en-SG" dirty="0"/>
-              <a:t>8k entries of data generated. 20 times per image. 1k tokens per query.</a:t>
-            </a:r>
-          </a:p>
-          <a:p>
-            <a:endParaRPr lang="en-SG" dirty="0"/>
-          </a:p>
-          <a:p>
+              <a:t>Prompting</a:t>
+            </a:r>
+          </a:p>
+        </p:txBody>
+      </p:sp>
+      <p:sp>
+        <p:nvSpPr>
+          <p:cNvPr id="6" name="TextBox 5">
+            <a:extLst>
+              <a:ext uri="{FF2B5EF4-FFF2-40B4-BE49-F238E27FC236}">
+                <a16:creationId xmlns:a16="http://schemas.microsoft.com/office/drawing/2014/main" id="{9ECA0197-C21D-CF13-640C-9108B0041B10}"/>
+              </a:ext>
+            </a:extLst>
+          </p:cNvPr>
+          <p:cNvSpPr txBox="1"/>
+          <p:nvPr/>
+        </p:nvSpPr>
+        <p:spPr>
+          <a:xfrm>
+            <a:off x="7153448" y="4690628"/>
+            <a:ext cx="2447365" cy="369332"/>
+          </a:xfrm>
+          <a:prstGeom prst="rect">
+            <a:avLst/>
+          </a:prstGeom>
+          <a:noFill/>
+        </p:spPr>
+        <p:txBody>
+          <a:bodyPr wrap="square" rtlCol="0">
+            <a:spAutoFit/>
+          </a:bodyPr>
+          <a:lstStyle/>
+          <a:p>
+            <a:pPr algn="ctr"/>
             <a:r>
               <a:rPr lang="en-SG" dirty="0"/>
-              <a:t>Finetune GIT model: 129M parameters, 1 A100 GPU, 1 hour</a:t>
-            </a:r>
-          </a:p>
-          <a:p>
-            <a:r>
-              <a:rPr lang="en-SG" dirty="0" err="1"/>
-              <a:t>CIDEr</a:t>
-            </a:r>
+              <a:t>Verification</a:t>
+            </a:r>
+          </a:p>
+        </p:txBody>
+      </p:sp>
+      <p:sp>
+        <p:nvSpPr>
+          <p:cNvPr id="7" name="Rectangle 6">
+            <a:extLst>
+              <a:ext uri="{FF2B5EF4-FFF2-40B4-BE49-F238E27FC236}">
+                <a16:creationId xmlns:a16="http://schemas.microsoft.com/office/drawing/2014/main" id="{6C422647-D373-D019-908D-7C5277CDA90E}"/>
+              </a:ext>
+            </a:extLst>
+          </p:cNvPr>
+          <p:cNvSpPr/>
+          <p:nvPr/>
+        </p:nvSpPr>
+        <p:spPr>
+          <a:xfrm>
+            <a:off x="10147660" y="1050378"/>
+            <a:ext cx="1972623" cy="3542114"/>
+          </a:xfrm>
+          <a:prstGeom prst="rect">
+            <a:avLst/>
+          </a:prstGeom>
+          <a:noFill/>
+          <a:ln w="19050">
+            <a:prstDash val="dashDot"/>
+          </a:ln>
+        </p:spPr>
+        <p:style>
+          <a:lnRef idx="2">
+            <a:schemeClr val="accent1">
+              <a:shade val="50000"/>
+            </a:schemeClr>
+          </a:lnRef>
+          <a:fillRef idx="1">
+            <a:schemeClr val="accent1"/>
+          </a:fillRef>
+          <a:effectRef idx="0">
+            <a:schemeClr val="accent1"/>
+          </a:effectRef>
+          <a:fontRef idx="minor">
+            <a:schemeClr val="lt1"/>
+          </a:fontRef>
+        </p:style>
+        <p:txBody>
+          <a:bodyPr rtlCol="0" anchor="ctr"/>
+          <a:lstStyle/>
+          <a:p>
+            <a:pPr algn="ctr"/>
+            <a:endParaRPr lang="en-SG"/>
+          </a:p>
+        </p:txBody>
+      </p:sp>
+      <p:sp>
+        <p:nvSpPr>
+          <p:cNvPr id="8" name="TextBox 7">
+            <a:extLst>
+              <a:ext uri="{FF2B5EF4-FFF2-40B4-BE49-F238E27FC236}">
+                <a16:creationId xmlns:a16="http://schemas.microsoft.com/office/drawing/2014/main" id="{63E98F56-79BC-E5DF-2F24-6C6CAB22FA95}"/>
+              </a:ext>
+            </a:extLst>
+          </p:cNvPr>
+          <p:cNvSpPr txBox="1"/>
+          <p:nvPr/>
+        </p:nvSpPr>
+        <p:spPr>
+          <a:xfrm>
+            <a:off x="10407441" y="4694494"/>
+            <a:ext cx="1659054" cy="369332"/>
+          </a:xfrm>
+          <a:prstGeom prst="rect">
+            <a:avLst/>
+          </a:prstGeom>
+          <a:noFill/>
+        </p:spPr>
+        <p:txBody>
+          <a:bodyPr wrap="square" rtlCol="0">
+            <a:spAutoFit/>
+          </a:bodyPr>
+          <a:lstStyle/>
+          <a:p>
             <a:r>
               <a:rPr lang="en-SG" dirty="0"/>
-              <a:t>: 85.91</a:t>
+              <a:t>Augmentation</a:t>
             </a:r>
           </a:p>
         </p:txBody>
       </p:sp>
       <p:pic>
         <p:nvPicPr>
-          <p:cNvPr id="3" name="Picture 2">
-            <a:extLst>
-              <a:ext uri="{FF2B5EF4-FFF2-40B4-BE49-F238E27FC236}">
-                <a16:creationId xmlns:a16="http://schemas.microsoft.com/office/drawing/2014/main" id="{F3291033-A43B-1D37-9760-6BDE3D2C8D2C}"/>
+          <p:cNvPr id="9" name="Picture 8">
+            <a:extLst>
+              <a:ext uri="{FF2B5EF4-FFF2-40B4-BE49-F238E27FC236}">
+                <a16:creationId xmlns:a16="http://schemas.microsoft.com/office/drawing/2014/main" id="{7DE84D44-0D7B-15F0-DF73-DB50C104B26A}"/>
               </a:ext>
             </a:extLst>
           </p:cNvPr>
@@ -4760,15 +5053,21 @@
           <p:nvPr/>
         </p:nvPicPr>
         <p:blipFill>
-          <a:blip r:embed="rId2"/>
+          <a:blip r:embed="rId2">
+            <a:extLst>
+              <a:ext uri="{28A0092B-C50C-407E-A947-70E740481C1C}">
+                <a14:useLocalDpi xmlns:a14="http://schemas.microsoft.com/office/drawing/2010/main" val="0"/>
+              </a:ext>
+            </a:extLst>
+          </a:blip>
           <a:stretch>
             <a:fillRect/>
           </a:stretch>
         </p:blipFill>
         <p:spPr>
           <a:xfrm>
-            <a:off x="628852" y="1801905"/>
-            <a:ext cx="4843584" cy="4016188"/>
+            <a:off x="-125505" y="1293135"/>
+            <a:ext cx="12192000" cy="3107921"/>
           </a:xfrm>
           <a:prstGeom prst="rect">
             <a:avLst/>
@@ -4777,10 +5076,261 @@
       </p:pic>
       <p:sp>
         <p:nvSpPr>
-          <p:cNvPr id="6" name="TextBox 5">
-            <a:extLst>
-              <a:ext uri="{FF2B5EF4-FFF2-40B4-BE49-F238E27FC236}">
-                <a16:creationId xmlns:a16="http://schemas.microsoft.com/office/drawing/2014/main" id="{727D4BFE-6938-1F71-BCB0-747BA7E8C753}"/>
+          <p:cNvPr id="12" name="Text Placeholder 2">
+            <a:extLst>
+              <a:ext uri="{FF2B5EF4-FFF2-40B4-BE49-F238E27FC236}">
+                <a16:creationId xmlns:a16="http://schemas.microsoft.com/office/drawing/2014/main" id="{F8AAE666-DC31-0195-FDA9-972BB091BA81}"/>
+              </a:ext>
+            </a:extLst>
+          </p:cNvPr>
+          <p:cNvSpPr txBox="1">
+            <a:spLocks/>
+          </p:cNvSpPr>
+          <p:nvPr/>
+        </p:nvSpPr>
+        <p:spPr>
+          <a:xfrm>
+            <a:off x="337677" y="340741"/>
+            <a:ext cx="11277599" cy="387798"/>
+          </a:xfrm>
+          <a:prstGeom prst="rect">
+            <a:avLst/>
+          </a:prstGeom>
+        </p:spPr>
+        <p:txBody>
+          <a:bodyPr/>
+          <a:lstStyle>
+            <a:lvl1pPr marL="228600" indent="-228600" algn="l" defTabSz="914400" rtl="0" eaLnBrk="1" latinLnBrk="0" hangingPunct="1">
+              <a:lnSpc>
+                <a:spcPct val="90000"/>
+              </a:lnSpc>
+              <a:spcBef>
+                <a:spcPts val="1000"/>
+              </a:spcBef>
+              <a:buFont typeface="Arial" panose="020B0604020202020204" pitchFamily="34" charset="0"/>
+              <a:buChar char="•"/>
+              <a:defRPr sz="2800" kern="1200">
+                <a:solidFill>
+                  <a:schemeClr val="tx1"/>
+                </a:solidFill>
+                <a:latin typeface="+mn-lt"/>
+                <a:ea typeface="+mn-ea"/>
+                <a:cs typeface="+mn-cs"/>
+              </a:defRPr>
+            </a:lvl1pPr>
+            <a:lvl2pPr marL="685800" indent="-228600" algn="l" defTabSz="914400" rtl="0" eaLnBrk="1" latinLnBrk="0" hangingPunct="1">
+              <a:lnSpc>
+                <a:spcPct val="90000"/>
+              </a:lnSpc>
+              <a:spcBef>
+                <a:spcPts val="500"/>
+              </a:spcBef>
+              <a:buFont typeface="Arial" panose="020B0604020202020204" pitchFamily="34" charset="0"/>
+              <a:buChar char="•"/>
+              <a:defRPr sz="2400" kern="1200">
+                <a:solidFill>
+                  <a:schemeClr val="tx1"/>
+                </a:solidFill>
+                <a:latin typeface="+mn-lt"/>
+                <a:ea typeface="+mn-ea"/>
+                <a:cs typeface="+mn-cs"/>
+              </a:defRPr>
+            </a:lvl2pPr>
+            <a:lvl3pPr marL="1143000" indent="-228600" algn="l" defTabSz="914400" rtl="0" eaLnBrk="1" latinLnBrk="0" hangingPunct="1">
+              <a:lnSpc>
+                <a:spcPct val="90000"/>
+              </a:lnSpc>
+              <a:spcBef>
+                <a:spcPts val="500"/>
+              </a:spcBef>
+              <a:buFont typeface="Arial" panose="020B0604020202020204" pitchFamily="34" charset="0"/>
+              <a:buChar char="•"/>
+              <a:defRPr sz="2000" kern="1200">
+                <a:solidFill>
+                  <a:schemeClr val="tx1"/>
+                </a:solidFill>
+                <a:latin typeface="+mn-lt"/>
+                <a:ea typeface="+mn-ea"/>
+                <a:cs typeface="+mn-cs"/>
+              </a:defRPr>
+            </a:lvl3pPr>
+            <a:lvl4pPr marL="1600200" indent="-228600" algn="l" defTabSz="914400" rtl="0" eaLnBrk="1" latinLnBrk="0" hangingPunct="1">
+              <a:lnSpc>
+                <a:spcPct val="90000"/>
+              </a:lnSpc>
+              <a:spcBef>
+                <a:spcPts val="500"/>
+              </a:spcBef>
+              <a:buFont typeface="Arial" panose="020B0604020202020204" pitchFamily="34" charset="0"/>
+              <a:buChar char="•"/>
+              <a:defRPr sz="1800" kern="1200">
+                <a:solidFill>
+                  <a:schemeClr val="tx1"/>
+                </a:solidFill>
+                <a:latin typeface="+mn-lt"/>
+                <a:ea typeface="+mn-ea"/>
+                <a:cs typeface="+mn-cs"/>
+              </a:defRPr>
+            </a:lvl4pPr>
+            <a:lvl5pPr marL="2057400" indent="-228600" algn="l" defTabSz="914400" rtl="0" eaLnBrk="1" latinLnBrk="0" hangingPunct="1">
+              <a:lnSpc>
+                <a:spcPct val="90000"/>
+              </a:lnSpc>
+              <a:spcBef>
+                <a:spcPts val="500"/>
+              </a:spcBef>
+              <a:buFont typeface="Arial" panose="020B0604020202020204" pitchFamily="34" charset="0"/>
+              <a:buChar char="•"/>
+              <a:defRPr sz="1800" kern="1200">
+                <a:solidFill>
+                  <a:schemeClr val="tx1"/>
+                </a:solidFill>
+                <a:latin typeface="+mn-lt"/>
+                <a:ea typeface="+mn-ea"/>
+                <a:cs typeface="+mn-cs"/>
+              </a:defRPr>
+            </a:lvl5pPr>
+            <a:lvl6pPr marL="2514600" indent="-228600" algn="l" defTabSz="914400" rtl="0" eaLnBrk="1" latinLnBrk="0" hangingPunct="1">
+              <a:lnSpc>
+                <a:spcPct val="90000"/>
+              </a:lnSpc>
+              <a:spcBef>
+                <a:spcPts val="500"/>
+              </a:spcBef>
+              <a:buFont typeface="Arial" panose="020B0604020202020204" pitchFamily="34" charset="0"/>
+              <a:buChar char="•"/>
+              <a:defRPr sz="1800" kern="1200">
+                <a:solidFill>
+                  <a:schemeClr val="tx1"/>
+                </a:solidFill>
+                <a:latin typeface="+mn-lt"/>
+                <a:ea typeface="+mn-ea"/>
+                <a:cs typeface="+mn-cs"/>
+              </a:defRPr>
+            </a:lvl6pPr>
+            <a:lvl7pPr marL="2971800" indent="-228600" algn="l" defTabSz="914400" rtl="0" eaLnBrk="1" latinLnBrk="0" hangingPunct="1">
+              <a:lnSpc>
+                <a:spcPct val="90000"/>
+              </a:lnSpc>
+              <a:spcBef>
+                <a:spcPts val="500"/>
+              </a:spcBef>
+              <a:buFont typeface="Arial" panose="020B0604020202020204" pitchFamily="34" charset="0"/>
+              <a:buChar char="•"/>
+              <a:defRPr sz="1800" kern="1200">
+                <a:solidFill>
+                  <a:schemeClr val="tx1"/>
+                </a:solidFill>
+                <a:latin typeface="+mn-lt"/>
+                <a:ea typeface="+mn-ea"/>
+                <a:cs typeface="+mn-cs"/>
+              </a:defRPr>
+            </a:lvl7pPr>
+            <a:lvl8pPr marL="3429000" indent="-228600" algn="l" defTabSz="914400" rtl="0" eaLnBrk="1" latinLnBrk="0" hangingPunct="1">
+              <a:lnSpc>
+                <a:spcPct val="90000"/>
+              </a:lnSpc>
+              <a:spcBef>
+                <a:spcPts val="500"/>
+              </a:spcBef>
+              <a:buFont typeface="Arial" panose="020B0604020202020204" pitchFamily="34" charset="0"/>
+              <a:buChar char="•"/>
+              <a:defRPr sz="1800" kern="1200">
+                <a:solidFill>
+                  <a:schemeClr val="tx1"/>
+                </a:solidFill>
+                <a:latin typeface="+mn-lt"/>
+                <a:ea typeface="+mn-ea"/>
+                <a:cs typeface="+mn-cs"/>
+              </a:defRPr>
+            </a:lvl8pPr>
+            <a:lvl9pPr marL="3886200" indent="-228600" algn="l" defTabSz="914400" rtl="0" eaLnBrk="1" latinLnBrk="0" hangingPunct="1">
+              <a:lnSpc>
+                <a:spcPct val="90000"/>
+              </a:lnSpc>
+              <a:spcBef>
+                <a:spcPts val="500"/>
+              </a:spcBef>
+              <a:buFont typeface="Arial" panose="020B0604020202020204" pitchFamily="34" charset="0"/>
+              <a:buChar char="•"/>
+              <a:defRPr sz="1800" kern="1200">
+                <a:solidFill>
+                  <a:schemeClr val="tx1"/>
+                </a:solidFill>
+                <a:latin typeface="+mn-lt"/>
+                <a:ea typeface="+mn-ea"/>
+                <a:cs typeface="+mn-cs"/>
+              </a:defRPr>
+            </a:lvl9pPr>
+          </a:lstStyle>
+          <a:p>
+            <a:pPr marL="0" indent="0">
+              <a:buNone/>
+            </a:pPr>
+            <a:r>
+              <a:rPr lang="en-SG" dirty="0"/>
+              <a:t>Data Collection Process</a:t>
+            </a:r>
+            <a:endParaRPr lang="en-US" dirty="0"/>
+          </a:p>
+        </p:txBody>
+      </p:sp>
+      <p:sp>
+        <p:nvSpPr>
+          <p:cNvPr id="5" name="Rectangle 4">
+            <a:extLst>
+              <a:ext uri="{FF2B5EF4-FFF2-40B4-BE49-F238E27FC236}">
+                <a16:creationId xmlns:a16="http://schemas.microsoft.com/office/drawing/2014/main" id="{D1AB1728-50EF-096C-4F80-83D7D4BFBE3A}"/>
+              </a:ext>
+            </a:extLst>
+          </p:cNvPr>
+          <p:cNvSpPr/>
+          <p:nvPr/>
+        </p:nvSpPr>
+        <p:spPr>
+          <a:xfrm>
+            <a:off x="6391057" y="1050378"/>
+            <a:ext cx="3532096" cy="3542114"/>
+          </a:xfrm>
+          <a:prstGeom prst="rect">
+            <a:avLst/>
+          </a:prstGeom>
+          <a:noFill/>
+          <a:ln w="19050">
+            <a:prstDash val="dashDot"/>
+          </a:ln>
+        </p:spPr>
+        <p:style>
+          <a:lnRef idx="2">
+            <a:schemeClr val="accent1">
+              <a:shade val="50000"/>
+            </a:schemeClr>
+          </a:lnRef>
+          <a:fillRef idx="1">
+            <a:schemeClr val="accent1"/>
+          </a:fillRef>
+          <a:effectRef idx="0">
+            <a:schemeClr val="accent1"/>
+          </a:effectRef>
+          <a:fontRef idx="minor">
+            <a:schemeClr val="lt1"/>
+          </a:fontRef>
+        </p:style>
+        <p:txBody>
+          <a:bodyPr rtlCol="0" anchor="ctr"/>
+          <a:lstStyle/>
+          <a:p>
+            <a:pPr algn="ctr"/>
+            <a:endParaRPr lang="en-SG"/>
+          </a:p>
+        </p:txBody>
+      </p:sp>
+      <p:sp>
+        <p:nvSpPr>
+          <p:cNvPr id="14" name="TextBox 13">
+            <a:extLst>
+              <a:ext uri="{FF2B5EF4-FFF2-40B4-BE49-F238E27FC236}">
+                <a16:creationId xmlns:a16="http://schemas.microsoft.com/office/drawing/2014/main" id="{26F32CC9-550D-791C-66CE-7B700AA0813C}"/>
               </a:ext>
             </a:extLst>
           </p:cNvPr>
@@ -4789,157 +5339,8 @@
         </p:nvSpPr>
         <p:spPr>
           <a:xfrm>
-            <a:off x="7566211" y="1074894"/>
-            <a:ext cx="3854824" cy="646331"/>
-          </a:xfrm>
-          <a:prstGeom prst="rect">
-            <a:avLst/>
-          </a:prstGeom>
-          <a:noFill/>
-        </p:spPr>
-        <p:txBody>
-          <a:bodyPr wrap="square">
-            <a:spAutoFit/>
-          </a:bodyPr>
-          <a:lstStyle/>
-          <a:p>
-            <a:r>
-              <a:rPr lang="en-SG" b="0" i="1" dirty="0">
-                <a:solidFill>
-                  <a:srgbClr val="111827"/>
-                </a:solidFill>
-                <a:effectLst/>
-                <a:latin typeface="Source Sans Pro" panose="020B0503030403020204" pitchFamily="34" charset="0"/>
-              </a:rPr>
-              <a:t>many aircraft are parked near a large building in an airport.</a:t>
-            </a:r>
-            <a:endParaRPr lang="en-SG" dirty="0"/>
-          </a:p>
-        </p:txBody>
-      </p:sp>
-      <p:pic>
-        <p:nvPicPr>
-          <p:cNvPr id="2050" name="Picture 2">
-            <a:extLst>
-              <a:ext uri="{FF2B5EF4-FFF2-40B4-BE49-F238E27FC236}">
-                <a16:creationId xmlns:a16="http://schemas.microsoft.com/office/drawing/2014/main" id="{112E6AC8-D509-5F6A-F76B-DB3AE4FBCFD4}"/>
-              </a:ext>
-            </a:extLst>
-          </p:cNvPr>
-          <p:cNvPicPr>
-            <a:picLocks noChangeAspect="1" noChangeArrowheads="1"/>
-          </p:cNvPicPr>
-          <p:nvPr/>
-        </p:nvPicPr>
-        <p:blipFill>
-          <a:blip r:embed="rId3">
-            <a:extLst>
-              <a:ext uri="{28A0092B-C50C-407E-A947-70E740481C1C}">
-                <a14:useLocalDpi xmlns:a14="http://schemas.microsoft.com/office/drawing/2010/main" val="0"/>
-              </a:ext>
-            </a:extLst>
-          </a:blip>
-          <a:srcRect/>
-          <a:stretch>
-            <a:fillRect/>
-          </a:stretch>
-        </p:blipFill>
-        <p:spPr bwMode="auto">
-          <a:xfrm>
-            <a:off x="6834720" y="2501152"/>
-            <a:ext cx="5008357" cy="2904565"/>
-          </a:xfrm>
-          <a:prstGeom prst="rect">
-            <a:avLst/>
-          </a:prstGeom>
-          <a:noFill/>
-          <a:extLst>
-            <a:ext uri="{909E8E84-426E-40DD-AFC4-6F175D3DCCD1}">
-              <a14:hiddenFill xmlns:a14="http://schemas.microsoft.com/office/drawing/2010/main">
-                <a:solidFill>
-                  <a:srgbClr val="FFFFFF"/>
-                </a:solidFill>
-              </a14:hiddenFill>
-            </a:ext>
-          </a:extLst>
-        </p:spPr>
-      </p:pic>
-      <p:pic>
-        <p:nvPicPr>
-          <p:cNvPr id="5" name="Picture 4">
-            <a:extLst>
-              <a:ext uri="{FF2B5EF4-FFF2-40B4-BE49-F238E27FC236}">
-                <a16:creationId xmlns:a16="http://schemas.microsoft.com/office/drawing/2014/main" id="{8FB68C0A-91BB-473B-2918-5ABFC26D4801}"/>
-              </a:ext>
-            </a:extLst>
-          </p:cNvPr>
-          <p:cNvPicPr>
-            <a:picLocks noChangeAspect="1"/>
-          </p:cNvPicPr>
-          <p:nvPr/>
-        </p:nvPicPr>
-        <p:blipFill>
-          <a:blip r:embed="rId4"/>
-          <a:stretch>
-            <a:fillRect/>
-          </a:stretch>
-        </p:blipFill>
-        <p:spPr>
-          <a:xfrm>
-            <a:off x="631986" y="5818093"/>
-            <a:ext cx="3825572" cy="800169"/>
-          </a:xfrm>
-          <a:prstGeom prst="rect">
-            <a:avLst/>
-          </a:prstGeom>
-        </p:spPr>
-      </p:pic>
-      <p:pic>
-        <p:nvPicPr>
-          <p:cNvPr id="8" name="Picture 7">
-            <a:extLst>
-              <a:ext uri="{FF2B5EF4-FFF2-40B4-BE49-F238E27FC236}">
-                <a16:creationId xmlns:a16="http://schemas.microsoft.com/office/drawing/2014/main" id="{5F66F879-C22C-E707-038F-0AED56DAF242}"/>
-              </a:ext>
-            </a:extLst>
-          </p:cNvPr>
-          <p:cNvPicPr>
-            <a:picLocks noChangeAspect="1"/>
-          </p:cNvPicPr>
-          <p:nvPr/>
-        </p:nvPicPr>
-        <p:blipFill>
-          <a:blip r:embed="rId5"/>
-          <a:stretch>
-            <a:fillRect/>
-          </a:stretch>
-        </p:blipFill>
-        <p:spPr>
-          <a:xfrm>
-            <a:off x="4565135" y="5962885"/>
-            <a:ext cx="3276884" cy="655377"/>
-          </a:xfrm>
-          <a:prstGeom prst="rect">
-            <a:avLst/>
-          </a:prstGeom>
-        </p:spPr>
-      </p:pic>
-      <p:sp>
-        <p:nvSpPr>
-          <p:cNvPr id="9" name="TextBox 8">
-            <a:extLst>
-              <a:ext uri="{FF2B5EF4-FFF2-40B4-BE49-F238E27FC236}">
-                <a16:creationId xmlns:a16="http://schemas.microsoft.com/office/drawing/2014/main" id="{C3A03A29-BC0D-480B-0436-91766163234E}"/>
-              </a:ext>
-            </a:extLst>
-          </p:cNvPr>
-          <p:cNvSpPr txBox="1"/>
-          <p:nvPr/>
-        </p:nvSpPr>
-        <p:spPr>
-          <a:xfrm>
-            <a:off x="7842019" y="6105907"/>
-            <a:ext cx="744072" cy="369332"/>
+            <a:off x="337677" y="4690628"/>
+            <a:ext cx="1930394" cy="369332"/>
           </a:xfrm>
           <a:prstGeom prst="rect">
             <a:avLst/>
@@ -4954,7 +5355,170 @@
           <a:p>
             <a:r>
               <a:rPr lang="en-SG" dirty="0"/>
-              <a:t>N = 4</a:t>
+              <a:t>Prompt selection</a:t>
+            </a:r>
+          </a:p>
+        </p:txBody>
+      </p:sp>
+      <p:sp>
+        <p:nvSpPr>
+          <p:cNvPr id="15" name="Rectangle 14">
+            <a:extLst>
+              <a:ext uri="{FF2B5EF4-FFF2-40B4-BE49-F238E27FC236}">
+                <a16:creationId xmlns:a16="http://schemas.microsoft.com/office/drawing/2014/main" id="{51A0CAA5-A754-895C-8266-56EC5EDB0882}"/>
+              </a:ext>
+            </a:extLst>
+          </p:cNvPr>
+          <p:cNvSpPr/>
+          <p:nvPr/>
+        </p:nvSpPr>
+        <p:spPr>
+          <a:xfrm>
+            <a:off x="130378" y="1050378"/>
+            <a:ext cx="2814918" cy="3542114"/>
+          </a:xfrm>
+          <a:prstGeom prst="rect">
+            <a:avLst/>
+          </a:prstGeom>
+          <a:noFill/>
+          <a:ln w="19050">
+            <a:prstDash val="dashDot"/>
+          </a:ln>
+        </p:spPr>
+        <p:style>
+          <a:lnRef idx="2">
+            <a:schemeClr val="accent1">
+              <a:shade val="50000"/>
+            </a:schemeClr>
+          </a:lnRef>
+          <a:fillRef idx="1">
+            <a:schemeClr val="accent1"/>
+          </a:fillRef>
+          <a:effectRef idx="0">
+            <a:schemeClr val="accent1"/>
+          </a:effectRef>
+          <a:fontRef idx="minor">
+            <a:schemeClr val="lt1"/>
+          </a:fontRef>
+        </p:style>
+        <p:txBody>
+          <a:bodyPr rtlCol="0" anchor="ctr"/>
+          <a:lstStyle/>
+          <a:p>
+            <a:pPr algn="ctr"/>
+            <a:endParaRPr lang="en-SG"/>
+          </a:p>
+        </p:txBody>
+      </p:sp>
+      <p:sp>
+        <p:nvSpPr>
+          <p:cNvPr id="17" name="TextBox 16">
+            <a:extLst>
+              <a:ext uri="{FF2B5EF4-FFF2-40B4-BE49-F238E27FC236}">
+                <a16:creationId xmlns:a16="http://schemas.microsoft.com/office/drawing/2014/main" id="{56202C21-E5B1-0B5E-072B-EF13AADB1F45}"/>
+              </a:ext>
+            </a:extLst>
+          </p:cNvPr>
+          <p:cNvSpPr txBox="1"/>
+          <p:nvPr/>
+        </p:nvSpPr>
+        <p:spPr>
+          <a:xfrm>
+            <a:off x="4110318" y="5807622"/>
+            <a:ext cx="905435" cy="369332"/>
+          </a:xfrm>
+          <a:prstGeom prst="rect">
+            <a:avLst/>
+          </a:prstGeom>
+          <a:noFill/>
+        </p:spPr>
+        <p:txBody>
+          <a:bodyPr wrap="square" rtlCol="0">
+            <a:spAutoFit/>
+          </a:bodyPr>
+          <a:lstStyle/>
+          <a:p>
+            <a:r>
+              <a:rPr lang="en-SG" dirty="0"/>
+              <a:t>63.67</a:t>
+            </a:r>
+          </a:p>
+        </p:txBody>
+      </p:sp>
+      <p:sp>
+        <p:nvSpPr>
+          <p:cNvPr id="19" name="TextBox 18">
+            <a:extLst>
+              <a:ext uri="{FF2B5EF4-FFF2-40B4-BE49-F238E27FC236}">
+                <a16:creationId xmlns:a16="http://schemas.microsoft.com/office/drawing/2014/main" id="{FB850648-8D67-90B6-133D-7CEC8F9E786A}"/>
+              </a:ext>
+            </a:extLst>
+          </p:cNvPr>
+          <p:cNvSpPr txBox="1"/>
+          <p:nvPr/>
+        </p:nvSpPr>
+        <p:spPr>
+          <a:xfrm>
+            <a:off x="7901611" y="5807622"/>
+            <a:ext cx="785190" cy="369332"/>
+          </a:xfrm>
+          <a:prstGeom prst="rect">
+            <a:avLst/>
+          </a:prstGeom>
+          <a:noFill/>
+        </p:spPr>
+        <p:txBody>
+          <a:bodyPr wrap="square" rtlCol="0">
+            <a:spAutoFit/>
+          </a:bodyPr>
+          <a:lstStyle/>
+          <a:p>
+            <a:r>
+              <a:rPr lang="en-SG" dirty="0"/>
+              <a:t>90.09</a:t>
+            </a:r>
+          </a:p>
+        </p:txBody>
+      </p:sp>
+      <p:sp>
+        <p:nvSpPr>
+          <p:cNvPr id="20" name="TextBox 19">
+            <a:extLst>
+              <a:ext uri="{FF2B5EF4-FFF2-40B4-BE49-F238E27FC236}">
+                <a16:creationId xmlns:a16="http://schemas.microsoft.com/office/drawing/2014/main" id="{784DE7DB-7686-6082-677F-DEA3A3C633BA}"/>
+              </a:ext>
+            </a:extLst>
+          </p:cNvPr>
+          <p:cNvSpPr txBox="1"/>
+          <p:nvPr/>
+        </p:nvSpPr>
+        <p:spPr>
+          <a:xfrm>
+            <a:off x="186446" y="5669122"/>
+            <a:ext cx="3332592" cy="646331"/>
+          </a:xfrm>
+          <a:prstGeom prst="rect">
+            <a:avLst/>
+          </a:prstGeom>
+          <a:noFill/>
+        </p:spPr>
+        <p:txBody>
+          <a:bodyPr wrap="square" rtlCol="0">
+            <a:spAutoFit/>
+          </a:bodyPr>
+          <a:lstStyle/>
+          <a:p>
+            <a:r>
+              <a:rPr lang="en-SG" dirty="0"/>
+              <a:t>Similarity between GPT captions and manual labels (</a:t>
+            </a:r>
+            <a:r>
+              <a:rPr lang="en-SG" dirty="0" err="1"/>
+              <a:t>CIDEr</a:t>
+            </a:r>
+            <a:r>
+              <a:rPr lang="en-SG" dirty="0"/>
+              <a:t>)</a:t>
             </a:r>
           </a:p>
         </p:txBody>
@@ -4962,7 +5526,7 @@
     </p:spTree>
     <p:extLst>
       <p:ext uri="{BB962C8B-B14F-4D97-AF65-F5344CB8AC3E}">
-        <p14:creationId xmlns:p14="http://schemas.microsoft.com/office/powerpoint/2010/main" val="4133536282"/>
+        <p14:creationId xmlns:p14="http://schemas.microsoft.com/office/powerpoint/2010/main" val="1519528061"/>
       </p:ext>
     </p:extLst>
   </p:cSld>
@@ -4991,10 +5555,10 @@
       </p:grpSpPr>
       <p:sp>
         <p:nvSpPr>
-          <p:cNvPr id="2" name="TextBox 1">
-            <a:extLst>
-              <a:ext uri="{FF2B5EF4-FFF2-40B4-BE49-F238E27FC236}">
-                <a16:creationId xmlns:a16="http://schemas.microsoft.com/office/drawing/2014/main" id="{B078DF6B-DA76-B994-16C5-5759AA2404F1}"/>
+          <p:cNvPr id="4" name="TextBox 3">
+            <a:extLst>
+              <a:ext uri="{FF2B5EF4-FFF2-40B4-BE49-F238E27FC236}">
+                <a16:creationId xmlns:a16="http://schemas.microsoft.com/office/drawing/2014/main" id="{2A4250F6-92F5-49B4-DDCC-32DE88081CBE}"/>
               </a:ext>
             </a:extLst>
           </p:cNvPr>
@@ -5003,8 +5567,8 @@
         </p:nvSpPr>
         <p:spPr>
           <a:xfrm>
-            <a:off x="600636" y="331695"/>
-            <a:ext cx="5253318" cy="646331"/>
+            <a:off x="600636" y="134472"/>
+            <a:ext cx="5253318" cy="1754326"/>
           </a:xfrm>
           <a:prstGeom prst="rect">
             <a:avLst/>
@@ -5019,17 +5583,36 @@
           <a:p>
             <a:r>
               <a:rPr lang="en-SG" dirty="0"/>
-              <a:t>Evaluation metrics: why use CIDER, what is BLEU, Rouge, WER, etc. only for less open ended questions. </a:t>
+              <a:t>8k entries of data generated. 20 times per image. 1k tokens per query.</a:t>
+            </a:r>
+          </a:p>
+          <a:p>
+            <a:endParaRPr lang="en-SG" dirty="0"/>
+          </a:p>
+          <a:p>
+            <a:r>
+              <a:rPr lang="en-SG" dirty="0"/>
+              <a:t>Finetune GIT model: 129M parameters, 1 A100 GPU, 1 hour</a:t>
+            </a:r>
+          </a:p>
+          <a:p>
+            <a:r>
+              <a:rPr lang="en-SG" dirty="0" err="1"/>
+              <a:t>CIDEr</a:t>
+            </a:r>
+            <a:r>
+              <a:rPr lang="en-SG" dirty="0"/>
+              <a:t>: 85.91</a:t>
             </a:r>
           </a:p>
         </p:txBody>
       </p:sp>
       <p:pic>
         <p:nvPicPr>
-          <p:cNvPr id="9" name="Picture 8">
-            <a:extLst>
-              <a:ext uri="{FF2B5EF4-FFF2-40B4-BE49-F238E27FC236}">
-                <a16:creationId xmlns:a16="http://schemas.microsoft.com/office/drawing/2014/main" id="{76B06C3B-7F34-CAE6-7784-5D7A52429ACE}"/>
+          <p:cNvPr id="3" name="Picture 2">
+            <a:extLst>
+              <a:ext uri="{FF2B5EF4-FFF2-40B4-BE49-F238E27FC236}">
+                <a16:creationId xmlns:a16="http://schemas.microsoft.com/office/drawing/2014/main" id="{F3291033-A43B-1D37-9760-6BDE3D2C8D2C}"/>
               </a:ext>
             </a:extLst>
           </p:cNvPr>
@@ -5046,50 +5629,109 @@
         </p:blipFill>
         <p:spPr>
           <a:xfrm>
-            <a:off x="1430395" y="2663483"/>
-            <a:ext cx="8596106" cy="3970398"/>
+            <a:off x="628852" y="1801905"/>
+            <a:ext cx="4843584" cy="4016188"/>
           </a:xfrm>
           <a:prstGeom prst="rect">
             <a:avLst/>
           </a:prstGeom>
         </p:spPr>
       </p:pic>
+      <p:sp>
+        <p:nvSpPr>
+          <p:cNvPr id="6" name="TextBox 5">
+            <a:extLst>
+              <a:ext uri="{FF2B5EF4-FFF2-40B4-BE49-F238E27FC236}">
+                <a16:creationId xmlns:a16="http://schemas.microsoft.com/office/drawing/2014/main" id="{727D4BFE-6938-1F71-BCB0-747BA7E8C753}"/>
+              </a:ext>
+            </a:extLst>
+          </p:cNvPr>
+          <p:cNvSpPr txBox="1"/>
+          <p:nvPr/>
+        </p:nvSpPr>
+        <p:spPr>
+          <a:xfrm>
+            <a:off x="7566211" y="1074894"/>
+            <a:ext cx="3854824" cy="646331"/>
+          </a:xfrm>
+          <a:prstGeom prst="rect">
+            <a:avLst/>
+          </a:prstGeom>
+          <a:noFill/>
+        </p:spPr>
+        <p:txBody>
+          <a:bodyPr wrap="square">
+            <a:spAutoFit/>
+          </a:bodyPr>
+          <a:lstStyle/>
+          <a:p>
+            <a:r>
+              <a:rPr lang="en-SG" b="0" i="1" dirty="0">
+                <a:solidFill>
+                  <a:srgbClr val="111827"/>
+                </a:solidFill>
+                <a:effectLst/>
+                <a:latin typeface="Source Sans Pro" panose="020B0503030403020204" pitchFamily="34" charset="0"/>
+              </a:rPr>
+              <a:t>many aircraft are parked near a large building in an airport.</a:t>
+            </a:r>
+            <a:endParaRPr lang="en-SG" dirty="0"/>
+          </a:p>
+        </p:txBody>
+      </p:sp>
       <p:pic>
         <p:nvPicPr>
-          <p:cNvPr id="11" name="Picture 10">
-            <a:extLst>
-              <a:ext uri="{FF2B5EF4-FFF2-40B4-BE49-F238E27FC236}">
-                <a16:creationId xmlns:a16="http://schemas.microsoft.com/office/drawing/2014/main" id="{8F99A926-3D1C-B52D-B694-C443F6BB543F}"/>
+          <p:cNvPr id="2050" name="Picture 2">
+            <a:extLst>
+              <a:ext uri="{FF2B5EF4-FFF2-40B4-BE49-F238E27FC236}">
+                <a16:creationId xmlns:a16="http://schemas.microsoft.com/office/drawing/2014/main" id="{112E6AC8-D509-5F6A-F76B-DB3AE4FBCFD4}"/>
               </a:ext>
             </a:extLst>
           </p:cNvPr>
           <p:cNvPicPr>
-            <a:picLocks noChangeAspect="1"/>
+            <a:picLocks noChangeAspect="1" noChangeArrowheads="1"/>
           </p:cNvPicPr>
           <p:nvPr/>
         </p:nvPicPr>
         <p:blipFill>
-          <a:blip r:embed="rId3"/>
+          <a:blip r:embed="rId3">
+            <a:extLst>
+              <a:ext uri="{28A0092B-C50C-407E-A947-70E740481C1C}">
+                <a14:useLocalDpi xmlns:a14="http://schemas.microsoft.com/office/drawing/2010/main" val="0"/>
+              </a:ext>
+            </a:extLst>
+          </a:blip>
+          <a:srcRect/>
           <a:stretch>
             <a:fillRect/>
           </a:stretch>
         </p:blipFill>
-        <p:spPr>
-          <a:xfrm>
-            <a:off x="1420258" y="2082650"/>
-            <a:ext cx="4618120" cy="853514"/>
-          </a:xfrm>
-          <a:prstGeom prst="rect">
-            <a:avLst/>
-          </a:prstGeom>
+        <p:spPr bwMode="auto">
+          <a:xfrm>
+            <a:off x="6834720" y="2501152"/>
+            <a:ext cx="5008357" cy="2904565"/>
+          </a:xfrm>
+          <a:prstGeom prst="rect">
+            <a:avLst/>
+          </a:prstGeom>
+          <a:noFill/>
+          <a:extLst>
+            <a:ext uri="{909E8E84-426E-40DD-AFC4-6F175D3DCCD1}">
+              <a14:hiddenFill xmlns:a14="http://schemas.microsoft.com/office/drawing/2010/main">
+                <a:solidFill>
+                  <a:srgbClr val="FFFFFF"/>
+                </a:solidFill>
+              </a14:hiddenFill>
+            </a:ext>
+          </a:extLst>
         </p:spPr>
       </p:pic>
       <p:pic>
         <p:nvPicPr>
-          <p:cNvPr id="13" name="Picture 12">
-            <a:extLst>
-              <a:ext uri="{FF2B5EF4-FFF2-40B4-BE49-F238E27FC236}">
-                <a16:creationId xmlns:a16="http://schemas.microsoft.com/office/drawing/2014/main" id="{6FDE49CF-168C-593E-DDE1-885C51349DFA}"/>
+          <p:cNvPr id="5" name="Picture 4">
+            <a:extLst>
+              <a:ext uri="{FF2B5EF4-FFF2-40B4-BE49-F238E27FC236}">
+                <a16:creationId xmlns:a16="http://schemas.microsoft.com/office/drawing/2014/main" id="{8FB68C0A-91BB-473B-2918-5ABFC26D4801}"/>
               </a:ext>
             </a:extLst>
           </p:cNvPr>
@@ -5106,8 +5748,8 @@
         </p:blipFill>
         <p:spPr>
           <a:xfrm>
-            <a:off x="846359" y="1027681"/>
-            <a:ext cx="5626160" cy="1196725"/>
+            <a:off x="631986" y="5818093"/>
+            <a:ext cx="3825572" cy="800169"/>
           </a:xfrm>
           <a:prstGeom prst="rect">
             <a:avLst/>
@@ -5116,10 +5758,10 @@
       </p:pic>
       <p:pic>
         <p:nvPicPr>
-          <p:cNvPr id="15" name="Picture 14">
-            <a:extLst>
-              <a:ext uri="{FF2B5EF4-FFF2-40B4-BE49-F238E27FC236}">
-                <a16:creationId xmlns:a16="http://schemas.microsoft.com/office/drawing/2014/main" id="{C6BEE9BA-0835-C7BA-BC9E-19CF063B0BD3}"/>
+          <p:cNvPr id="8" name="Picture 7">
+            <a:extLst>
+              <a:ext uri="{FF2B5EF4-FFF2-40B4-BE49-F238E27FC236}">
+                <a16:creationId xmlns:a16="http://schemas.microsoft.com/office/drawing/2014/main" id="{5F66F879-C22C-E707-038F-0AED56DAF242}"/>
               </a:ext>
             </a:extLst>
           </p:cNvPr>
@@ -5136,18 +5778,53 @@
         </p:blipFill>
         <p:spPr>
           <a:xfrm>
-            <a:off x="6755553" y="1225104"/>
-            <a:ext cx="4179932" cy="1352667"/>
+            <a:off x="4565135" y="5962885"/>
+            <a:ext cx="3276884" cy="655377"/>
           </a:xfrm>
           <a:prstGeom prst="rect">
             <a:avLst/>
           </a:prstGeom>
         </p:spPr>
       </p:pic>
+      <p:sp>
+        <p:nvSpPr>
+          <p:cNvPr id="9" name="TextBox 8">
+            <a:extLst>
+              <a:ext uri="{FF2B5EF4-FFF2-40B4-BE49-F238E27FC236}">
+                <a16:creationId xmlns:a16="http://schemas.microsoft.com/office/drawing/2014/main" id="{C3A03A29-BC0D-480B-0436-91766163234E}"/>
+              </a:ext>
+            </a:extLst>
+          </p:cNvPr>
+          <p:cNvSpPr txBox="1"/>
+          <p:nvPr/>
+        </p:nvSpPr>
+        <p:spPr>
+          <a:xfrm>
+            <a:off x="7842019" y="6105907"/>
+            <a:ext cx="744072" cy="369332"/>
+          </a:xfrm>
+          <a:prstGeom prst="rect">
+            <a:avLst/>
+          </a:prstGeom>
+          <a:noFill/>
+        </p:spPr>
+        <p:txBody>
+          <a:bodyPr wrap="square" rtlCol="0">
+            <a:spAutoFit/>
+          </a:bodyPr>
+          <a:lstStyle/>
+          <a:p>
+            <a:r>
+              <a:rPr lang="en-SG" dirty="0"/>
+              <a:t>N = 4</a:t>
+            </a:r>
+          </a:p>
+        </p:txBody>
+      </p:sp>
     </p:spTree>
     <p:extLst>
       <p:ext uri="{BB962C8B-B14F-4D97-AF65-F5344CB8AC3E}">
-        <p14:creationId xmlns:p14="http://schemas.microsoft.com/office/powerpoint/2010/main" val="1348012161"/>
+        <p14:creationId xmlns:p14="http://schemas.microsoft.com/office/powerpoint/2010/main" val="4133536282"/>
       </p:ext>
     </p:extLst>
   </p:cSld>
@@ -5174,12 +5851,47 @@
           <a:chExt cx="0" cy="0"/>
         </a:xfrm>
       </p:grpSpPr>
+      <p:sp>
+        <p:nvSpPr>
+          <p:cNvPr id="2" name="TextBox 1">
+            <a:extLst>
+              <a:ext uri="{FF2B5EF4-FFF2-40B4-BE49-F238E27FC236}">
+                <a16:creationId xmlns:a16="http://schemas.microsoft.com/office/drawing/2014/main" id="{B078DF6B-DA76-B994-16C5-5759AA2404F1}"/>
+              </a:ext>
+            </a:extLst>
+          </p:cNvPr>
+          <p:cNvSpPr txBox="1"/>
+          <p:nvPr/>
+        </p:nvSpPr>
+        <p:spPr>
+          <a:xfrm>
+            <a:off x="600636" y="331695"/>
+            <a:ext cx="5253318" cy="646331"/>
+          </a:xfrm>
+          <a:prstGeom prst="rect">
+            <a:avLst/>
+          </a:prstGeom>
+          <a:noFill/>
+        </p:spPr>
+        <p:txBody>
+          <a:bodyPr wrap="square" rtlCol="0">
+            <a:spAutoFit/>
+          </a:bodyPr>
+          <a:lstStyle/>
+          <a:p>
+            <a:r>
+              <a:rPr lang="en-SG" dirty="0"/>
+              <a:t>Evaluation metrics: why use CIDER, what is BLEU, Rouge, WER, etc. only for less open ended questions. </a:t>
+            </a:r>
+          </a:p>
+        </p:txBody>
+      </p:sp>
       <p:pic>
         <p:nvPicPr>
-          <p:cNvPr id="5" name="Picture 4">
-            <a:extLst>
-              <a:ext uri="{FF2B5EF4-FFF2-40B4-BE49-F238E27FC236}">
-                <a16:creationId xmlns:a16="http://schemas.microsoft.com/office/drawing/2014/main" id="{47B5DF5F-457B-FE17-155A-D15BC8099AB5}"/>
+          <p:cNvPr id="9" name="Picture 8">
+            <a:extLst>
+              <a:ext uri="{FF2B5EF4-FFF2-40B4-BE49-F238E27FC236}">
+                <a16:creationId xmlns:a16="http://schemas.microsoft.com/office/drawing/2014/main" id="{76B06C3B-7F34-CAE6-7784-5D7A52429ACE}"/>
               </a:ext>
             </a:extLst>
           </p:cNvPr>
@@ -5188,15 +5900,16 @@
           </p:cNvPicPr>
           <p:nvPr/>
         </p:nvPicPr>
-        <p:blipFill rotWithShape="1">
+        <p:blipFill>
           <a:blip r:embed="rId2"/>
-          <a:srcRect r="19747" b="12586"/>
-          <a:stretch/>
+          <a:stretch>
+            <a:fillRect/>
+          </a:stretch>
         </p:blipFill>
         <p:spPr>
           <a:xfrm>
-            <a:off x="6065216" y="85162"/>
-            <a:ext cx="4027405" cy="3326398"/>
+            <a:off x="1430395" y="2663483"/>
+            <a:ext cx="8596106" cy="3970398"/>
           </a:xfrm>
           <a:prstGeom prst="rect">
             <a:avLst/>
@@ -5205,10 +5918,10 @@
       </p:pic>
       <p:pic>
         <p:nvPicPr>
-          <p:cNvPr id="7" name="Picture 6">
-            <a:extLst>
-              <a:ext uri="{FF2B5EF4-FFF2-40B4-BE49-F238E27FC236}">
-                <a16:creationId xmlns:a16="http://schemas.microsoft.com/office/drawing/2014/main" id="{0757C48E-615D-59D9-C6E2-C2FA9B52FB35}"/>
+          <p:cNvPr id="11" name="Picture 10">
+            <a:extLst>
+              <a:ext uri="{FF2B5EF4-FFF2-40B4-BE49-F238E27FC236}">
+                <a16:creationId xmlns:a16="http://schemas.microsoft.com/office/drawing/2014/main" id="{8F99A926-3D1C-B52D-B694-C443F6BB543F}"/>
               </a:ext>
             </a:extLst>
           </p:cNvPr>
@@ -5225,8 +5938,8 @@
         </p:blipFill>
         <p:spPr>
           <a:xfrm>
-            <a:off x="585848" y="237765"/>
-            <a:ext cx="5067739" cy="2834886"/>
+            <a:off x="1420258" y="2082650"/>
+            <a:ext cx="4618120" cy="853514"/>
           </a:xfrm>
           <a:prstGeom prst="rect">
             <a:avLst/>
@@ -5235,10 +5948,10 @@
       </p:pic>
       <p:pic>
         <p:nvPicPr>
-          <p:cNvPr id="9" name="Picture 8">
-            <a:extLst>
-              <a:ext uri="{FF2B5EF4-FFF2-40B4-BE49-F238E27FC236}">
-                <a16:creationId xmlns:a16="http://schemas.microsoft.com/office/drawing/2014/main" id="{CFD2E55D-D7E4-6C29-8B85-41D48E92D19F}"/>
+          <p:cNvPr id="13" name="Picture 12">
+            <a:extLst>
+              <a:ext uri="{FF2B5EF4-FFF2-40B4-BE49-F238E27FC236}">
+                <a16:creationId xmlns:a16="http://schemas.microsoft.com/office/drawing/2014/main" id="{6FDE49CF-168C-593E-DDE1-885C51349DFA}"/>
               </a:ext>
             </a:extLst>
           </p:cNvPr>
@@ -5255,55 +5968,20 @@
         </p:blipFill>
         <p:spPr>
           <a:xfrm>
-            <a:off x="-83007" y="3624097"/>
-            <a:ext cx="6405448" cy="2644653"/>
+            <a:off x="846359" y="1027681"/>
+            <a:ext cx="5626160" cy="1196725"/>
           </a:xfrm>
           <a:prstGeom prst="rect">
             <a:avLst/>
           </a:prstGeom>
         </p:spPr>
       </p:pic>
-      <p:sp>
-        <p:nvSpPr>
-          <p:cNvPr id="10" name="TextBox 9">
-            <a:extLst>
-              <a:ext uri="{FF2B5EF4-FFF2-40B4-BE49-F238E27FC236}">
-                <a16:creationId xmlns:a16="http://schemas.microsoft.com/office/drawing/2014/main" id="{01295D38-7784-4474-8CFF-C6F547A6FB2B}"/>
-              </a:ext>
-            </a:extLst>
-          </p:cNvPr>
-          <p:cNvSpPr txBox="1"/>
-          <p:nvPr/>
-        </p:nvSpPr>
-        <p:spPr>
-          <a:xfrm>
-            <a:off x="2223246" y="5945585"/>
-            <a:ext cx="1792942" cy="646331"/>
-          </a:xfrm>
-          <a:prstGeom prst="rect">
-            <a:avLst/>
-          </a:prstGeom>
-          <a:noFill/>
-        </p:spPr>
-        <p:txBody>
-          <a:bodyPr wrap="square" rtlCol="0">
-            <a:spAutoFit/>
-          </a:bodyPr>
-          <a:lstStyle/>
-          <a:p>
-            <a:r>
-              <a:rPr lang="en-SG" dirty="0"/>
-              <a:t>3hrs with batch size=32</a:t>
-            </a:r>
-          </a:p>
-        </p:txBody>
-      </p:sp>
       <p:pic>
         <p:nvPicPr>
-          <p:cNvPr id="12" name="Picture 11">
-            <a:extLst>
-              <a:ext uri="{FF2B5EF4-FFF2-40B4-BE49-F238E27FC236}">
-                <a16:creationId xmlns:a16="http://schemas.microsoft.com/office/drawing/2014/main" id="{ED960703-E5B0-1879-2AC2-1278F1629CF4}"/>
+          <p:cNvPr id="15" name="Picture 14">
+            <a:extLst>
+              <a:ext uri="{FF2B5EF4-FFF2-40B4-BE49-F238E27FC236}">
+                <a16:creationId xmlns:a16="http://schemas.microsoft.com/office/drawing/2014/main" id="{C6BEE9BA-0835-C7BA-BC9E-19CF063B0BD3}"/>
               </a:ext>
             </a:extLst>
           </p:cNvPr>
@@ -5320,8 +5998,8 @@
         </p:blipFill>
         <p:spPr>
           <a:xfrm>
-            <a:off x="6322441" y="3963006"/>
-            <a:ext cx="5427423" cy="960070"/>
+            <a:off x="6755553" y="1225104"/>
+            <a:ext cx="4179932" cy="1352667"/>
           </a:xfrm>
           <a:prstGeom prst="rect">
             <a:avLst/>
@@ -5331,7 +6009,7 @@
     </p:spTree>
     <p:extLst>
       <p:ext uri="{BB962C8B-B14F-4D97-AF65-F5344CB8AC3E}">
-        <p14:creationId xmlns:p14="http://schemas.microsoft.com/office/powerpoint/2010/main" val="46609934"/>
+        <p14:creationId xmlns:p14="http://schemas.microsoft.com/office/powerpoint/2010/main" val="1348012161"/>
       </p:ext>
     </p:extLst>
   </p:cSld>
@@ -5363,7 +6041,7 @@
           <p:cNvPr id="5" name="Picture 4">
             <a:extLst>
               <a:ext uri="{FF2B5EF4-FFF2-40B4-BE49-F238E27FC236}">
-                <a16:creationId xmlns:a16="http://schemas.microsoft.com/office/drawing/2014/main" id="{FDD235E6-1A53-DC12-4A42-B4D23634B46A}"/>
+                <a16:creationId xmlns:a16="http://schemas.microsoft.com/office/drawing/2014/main" id="{47B5DF5F-457B-FE17-155A-D15BC8099AB5}"/>
               </a:ext>
             </a:extLst>
           </p:cNvPr>
@@ -5372,133 +6050,27 @@
           </p:cNvPicPr>
           <p:nvPr/>
         </p:nvPicPr>
-        <p:blipFill>
+        <p:blipFill rotWithShape="1">
           <a:blip r:embed="rId2"/>
-          <a:stretch>
-            <a:fillRect/>
-          </a:stretch>
+          <a:srcRect r="19747" b="12586"/>
+          <a:stretch/>
         </p:blipFill>
         <p:spPr>
           <a:xfrm>
-            <a:off x="2734139" y="638887"/>
-            <a:ext cx="7369179" cy="1653683"/>
+            <a:off x="6065216" y="85162"/>
+            <a:ext cx="4027405" cy="3326398"/>
           </a:xfrm>
           <a:prstGeom prst="rect">
             <a:avLst/>
           </a:prstGeom>
         </p:spPr>
       </p:pic>
-      <p:sp>
-        <p:nvSpPr>
-          <p:cNvPr id="6" name="TextBox 5">
-            <a:extLst>
-              <a:ext uri="{FF2B5EF4-FFF2-40B4-BE49-F238E27FC236}">
-                <a16:creationId xmlns:a16="http://schemas.microsoft.com/office/drawing/2014/main" id="{6C7DC564-E018-5DEA-E589-56DC379D371F}"/>
-              </a:ext>
-            </a:extLst>
-          </p:cNvPr>
-          <p:cNvSpPr txBox="1"/>
-          <p:nvPr/>
-        </p:nvSpPr>
-        <p:spPr>
-          <a:xfrm>
-            <a:off x="1757082" y="1694484"/>
-            <a:ext cx="1039906" cy="369332"/>
-          </a:xfrm>
-          <a:prstGeom prst="rect">
-            <a:avLst/>
-          </a:prstGeom>
-          <a:noFill/>
-        </p:spPr>
-        <p:txBody>
-          <a:bodyPr wrap="square" rtlCol="0">
-            <a:spAutoFit/>
-          </a:bodyPr>
-          <a:lstStyle/>
-          <a:p>
-            <a:r>
-              <a:rPr lang="en-SG" dirty="0"/>
-              <a:t>770M</a:t>
-            </a:r>
-          </a:p>
-        </p:txBody>
-      </p:sp>
-      <p:sp>
-        <p:nvSpPr>
-          <p:cNvPr id="7" name="TextBox 6">
-            <a:extLst>
-              <a:ext uri="{FF2B5EF4-FFF2-40B4-BE49-F238E27FC236}">
-                <a16:creationId xmlns:a16="http://schemas.microsoft.com/office/drawing/2014/main" id="{C6945E26-44B8-202C-2264-71F678DB7BDF}"/>
-              </a:ext>
-            </a:extLst>
-          </p:cNvPr>
-          <p:cNvSpPr txBox="1"/>
-          <p:nvPr/>
-        </p:nvSpPr>
-        <p:spPr>
-          <a:xfrm>
-            <a:off x="1757082" y="1281953"/>
-            <a:ext cx="1039906" cy="369332"/>
-          </a:xfrm>
-          <a:prstGeom prst="rect">
-            <a:avLst/>
-          </a:prstGeom>
-          <a:noFill/>
-        </p:spPr>
-        <p:txBody>
-          <a:bodyPr wrap="square" rtlCol="0">
-            <a:spAutoFit/>
-          </a:bodyPr>
-          <a:lstStyle/>
-          <a:p>
-            <a:r>
-              <a:rPr lang="en-SG" dirty="0"/>
-              <a:t>60M</a:t>
-            </a:r>
-          </a:p>
-        </p:txBody>
-      </p:sp>
-      <p:sp>
-        <p:nvSpPr>
-          <p:cNvPr id="8" name="TextBox 7">
-            <a:extLst>
-              <a:ext uri="{FF2B5EF4-FFF2-40B4-BE49-F238E27FC236}">
-                <a16:creationId xmlns:a16="http://schemas.microsoft.com/office/drawing/2014/main" id="{DF23705D-2D51-7DB1-10B9-5719DDD6496B}"/>
-              </a:ext>
-            </a:extLst>
-          </p:cNvPr>
-          <p:cNvSpPr txBox="1"/>
-          <p:nvPr/>
-        </p:nvSpPr>
-        <p:spPr>
-          <a:xfrm>
-            <a:off x="1757082" y="1465729"/>
-            <a:ext cx="1039906" cy="369332"/>
-          </a:xfrm>
-          <a:prstGeom prst="rect">
-            <a:avLst/>
-          </a:prstGeom>
-          <a:noFill/>
-        </p:spPr>
-        <p:txBody>
-          <a:bodyPr wrap="square" rtlCol="0">
-            <a:spAutoFit/>
-          </a:bodyPr>
-          <a:lstStyle/>
-          <a:p>
-            <a:r>
-              <a:rPr lang="en-SG" dirty="0"/>
-              <a:t>220M</a:t>
-            </a:r>
-          </a:p>
-        </p:txBody>
-      </p:sp>
       <p:pic>
         <p:nvPicPr>
-          <p:cNvPr id="10" name="Picture 9">
-            <a:extLst>
-              <a:ext uri="{FF2B5EF4-FFF2-40B4-BE49-F238E27FC236}">
-                <a16:creationId xmlns:a16="http://schemas.microsoft.com/office/drawing/2014/main" id="{94F973BA-1F8B-2F0E-283A-BB9A58D361FF}"/>
+          <p:cNvPr id="7" name="Picture 6">
+            <a:extLst>
+              <a:ext uri="{FF2B5EF4-FFF2-40B4-BE49-F238E27FC236}">
+                <a16:creationId xmlns:a16="http://schemas.microsoft.com/office/drawing/2014/main" id="{0757C48E-615D-59D9-C6E2-C2FA9B52FB35}"/>
               </a:ext>
             </a:extLst>
           </p:cNvPr>
@@ -5515,8 +6087,103 @@
         </p:blipFill>
         <p:spPr>
           <a:xfrm>
-            <a:off x="3604139" y="2472644"/>
-            <a:ext cx="6499179" cy="3746469"/>
+            <a:off x="585848" y="237765"/>
+            <a:ext cx="5067739" cy="2834886"/>
+          </a:xfrm>
+          <a:prstGeom prst="rect">
+            <a:avLst/>
+          </a:prstGeom>
+        </p:spPr>
+      </p:pic>
+      <p:pic>
+        <p:nvPicPr>
+          <p:cNvPr id="9" name="Picture 8">
+            <a:extLst>
+              <a:ext uri="{FF2B5EF4-FFF2-40B4-BE49-F238E27FC236}">
+                <a16:creationId xmlns:a16="http://schemas.microsoft.com/office/drawing/2014/main" id="{CFD2E55D-D7E4-6C29-8B85-41D48E92D19F}"/>
+              </a:ext>
+            </a:extLst>
+          </p:cNvPr>
+          <p:cNvPicPr>
+            <a:picLocks noChangeAspect="1"/>
+          </p:cNvPicPr>
+          <p:nvPr/>
+        </p:nvPicPr>
+        <p:blipFill>
+          <a:blip r:embed="rId4"/>
+          <a:stretch>
+            <a:fillRect/>
+          </a:stretch>
+        </p:blipFill>
+        <p:spPr>
+          <a:xfrm>
+            <a:off x="-83007" y="3624097"/>
+            <a:ext cx="6405448" cy="2644653"/>
+          </a:xfrm>
+          <a:prstGeom prst="rect">
+            <a:avLst/>
+          </a:prstGeom>
+        </p:spPr>
+      </p:pic>
+      <p:sp>
+        <p:nvSpPr>
+          <p:cNvPr id="10" name="TextBox 9">
+            <a:extLst>
+              <a:ext uri="{FF2B5EF4-FFF2-40B4-BE49-F238E27FC236}">
+                <a16:creationId xmlns:a16="http://schemas.microsoft.com/office/drawing/2014/main" id="{01295D38-7784-4474-8CFF-C6F547A6FB2B}"/>
+              </a:ext>
+            </a:extLst>
+          </p:cNvPr>
+          <p:cNvSpPr txBox="1"/>
+          <p:nvPr/>
+        </p:nvSpPr>
+        <p:spPr>
+          <a:xfrm>
+            <a:off x="2223246" y="5945585"/>
+            <a:ext cx="1792942" cy="646331"/>
+          </a:xfrm>
+          <a:prstGeom prst="rect">
+            <a:avLst/>
+          </a:prstGeom>
+          <a:noFill/>
+        </p:spPr>
+        <p:txBody>
+          <a:bodyPr wrap="square" rtlCol="0">
+            <a:spAutoFit/>
+          </a:bodyPr>
+          <a:lstStyle/>
+          <a:p>
+            <a:r>
+              <a:rPr lang="en-SG" dirty="0"/>
+              <a:t>3hrs with batch size=32</a:t>
+            </a:r>
+          </a:p>
+        </p:txBody>
+      </p:sp>
+      <p:pic>
+        <p:nvPicPr>
+          <p:cNvPr id="12" name="Picture 11">
+            <a:extLst>
+              <a:ext uri="{FF2B5EF4-FFF2-40B4-BE49-F238E27FC236}">
+                <a16:creationId xmlns:a16="http://schemas.microsoft.com/office/drawing/2014/main" id="{ED960703-E5B0-1879-2AC2-1278F1629CF4}"/>
+              </a:ext>
+            </a:extLst>
+          </p:cNvPr>
+          <p:cNvPicPr>
+            <a:picLocks noChangeAspect="1"/>
+          </p:cNvPicPr>
+          <p:nvPr/>
+        </p:nvPicPr>
+        <p:blipFill>
+          <a:blip r:embed="rId5"/>
+          <a:stretch>
+            <a:fillRect/>
+          </a:stretch>
+        </p:blipFill>
+        <p:spPr>
+          <a:xfrm>
+            <a:off x="6322441" y="3963006"/>
+            <a:ext cx="5427423" cy="960070"/>
           </a:xfrm>
           <a:prstGeom prst="rect">
             <a:avLst/>
@@ -5526,7 +6193,7 @@
     </p:spTree>
     <p:extLst>
       <p:ext uri="{BB962C8B-B14F-4D97-AF65-F5344CB8AC3E}">
-        <p14:creationId xmlns:p14="http://schemas.microsoft.com/office/powerpoint/2010/main" val="3687149341"/>
+        <p14:creationId xmlns:p14="http://schemas.microsoft.com/office/powerpoint/2010/main" val="46609934"/>
       </p:ext>
     </p:extLst>
   </p:cSld>
@@ -5558,6 +6225,201 @@
           <p:cNvPr id="5" name="Picture 4">
             <a:extLst>
               <a:ext uri="{FF2B5EF4-FFF2-40B4-BE49-F238E27FC236}">
+                <a16:creationId xmlns:a16="http://schemas.microsoft.com/office/drawing/2014/main" id="{FDD235E6-1A53-DC12-4A42-B4D23634B46A}"/>
+              </a:ext>
+            </a:extLst>
+          </p:cNvPr>
+          <p:cNvPicPr>
+            <a:picLocks noChangeAspect="1"/>
+          </p:cNvPicPr>
+          <p:nvPr/>
+        </p:nvPicPr>
+        <p:blipFill>
+          <a:blip r:embed="rId2"/>
+          <a:stretch>
+            <a:fillRect/>
+          </a:stretch>
+        </p:blipFill>
+        <p:spPr>
+          <a:xfrm>
+            <a:off x="2734139" y="638887"/>
+            <a:ext cx="7369179" cy="1653683"/>
+          </a:xfrm>
+          <a:prstGeom prst="rect">
+            <a:avLst/>
+          </a:prstGeom>
+        </p:spPr>
+      </p:pic>
+      <p:sp>
+        <p:nvSpPr>
+          <p:cNvPr id="6" name="TextBox 5">
+            <a:extLst>
+              <a:ext uri="{FF2B5EF4-FFF2-40B4-BE49-F238E27FC236}">
+                <a16:creationId xmlns:a16="http://schemas.microsoft.com/office/drawing/2014/main" id="{6C7DC564-E018-5DEA-E589-56DC379D371F}"/>
+              </a:ext>
+            </a:extLst>
+          </p:cNvPr>
+          <p:cNvSpPr txBox="1"/>
+          <p:nvPr/>
+        </p:nvSpPr>
+        <p:spPr>
+          <a:xfrm>
+            <a:off x="1757082" y="1694484"/>
+            <a:ext cx="1039906" cy="369332"/>
+          </a:xfrm>
+          <a:prstGeom prst="rect">
+            <a:avLst/>
+          </a:prstGeom>
+          <a:noFill/>
+        </p:spPr>
+        <p:txBody>
+          <a:bodyPr wrap="square" rtlCol="0">
+            <a:spAutoFit/>
+          </a:bodyPr>
+          <a:lstStyle/>
+          <a:p>
+            <a:r>
+              <a:rPr lang="en-SG" dirty="0"/>
+              <a:t>770M</a:t>
+            </a:r>
+          </a:p>
+        </p:txBody>
+      </p:sp>
+      <p:sp>
+        <p:nvSpPr>
+          <p:cNvPr id="7" name="TextBox 6">
+            <a:extLst>
+              <a:ext uri="{FF2B5EF4-FFF2-40B4-BE49-F238E27FC236}">
+                <a16:creationId xmlns:a16="http://schemas.microsoft.com/office/drawing/2014/main" id="{C6945E26-44B8-202C-2264-71F678DB7BDF}"/>
+              </a:ext>
+            </a:extLst>
+          </p:cNvPr>
+          <p:cNvSpPr txBox="1"/>
+          <p:nvPr/>
+        </p:nvSpPr>
+        <p:spPr>
+          <a:xfrm>
+            <a:off x="1757082" y="1281953"/>
+            <a:ext cx="1039906" cy="369332"/>
+          </a:xfrm>
+          <a:prstGeom prst="rect">
+            <a:avLst/>
+          </a:prstGeom>
+          <a:noFill/>
+        </p:spPr>
+        <p:txBody>
+          <a:bodyPr wrap="square" rtlCol="0">
+            <a:spAutoFit/>
+          </a:bodyPr>
+          <a:lstStyle/>
+          <a:p>
+            <a:r>
+              <a:rPr lang="en-SG" dirty="0"/>
+              <a:t>60M</a:t>
+            </a:r>
+          </a:p>
+        </p:txBody>
+      </p:sp>
+      <p:sp>
+        <p:nvSpPr>
+          <p:cNvPr id="8" name="TextBox 7">
+            <a:extLst>
+              <a:ext uri="{FF2B5EF4-FFF2-40B4-BE49-F238E27FC236}">
+                <a16:creationId xmlns:a16="http://schemas.microsoft.com/office/drawing/2014/main" id="{DF23705D-2D51-7DB1-10B9-5719DDD6496B}"/>
+              </a:ext>
+            </a:extLst>
+          </p:cNvPr>
+          <p:cNvSpPr txBox="1"/>
+          <p:nvPr/>
+        </p:nvSpPr>
+        <p:spPr>
+          <a:xfrm>
+            <a:off x="1757082" y="1465729"/>
+            <a:ext cx="1039906" cy="369332"/>
+          </a:xfrm>
+          <a:prstGeom prst="rect">
+            <a:avLst/>
+          </a:prstGeom>
+          <a:noFill/>
+        </p:spPr>
+        <p:txBody>
+          <a:bodyPr wrap="square" rtlCol="0">
+            <a:spAutoFit/>
+          </a:bodyPr>
+          <a:lstStyle/>
+          <a:p>
+            <a:r>
+              <a:rPr lang="en-SG" dirty="0"/>
+              <a:t>220M</a:t>
+            </a:r>
+          </a:p>
+        </p:txBody>
+      </p:sp>
+      <p:pic>
+        <p:nvPicPr>
+          <p:cNvPr id="10" name="Picture 9">
+            <a:extLst>
+              <a:ext uri="{FF2B5EF4-FFF2-40B4-BE49-F238E27FC236}">
+                <a16:creationId xmlns:a16="http://schemas.microsoft.com/office/drawing/2014/main" id="{94F973BA-1F8B-2F0E-283A-BB9A58D361FF}"/>
+              </a:ext>
+            </a:extLst>
+          </p:cNvPr>
+          <p:cNvPicPr>
+            <a:picLocks noChangeAspect="1"/>
+          </p:cNvPicPr>
+          <p:nvPr/>
+        </p:nvPicPr>
+        <p:blipFill>
+          <a:blip r:embed="rId3"/>
+          <a:stretch>
+            <a:fillRect/>
+          </a:stretch>
+        </p:blipFill>
+        <p:spPr>
+          <a:xfrm>
+            <a:off x="3604139" y="2472644"/>
+            <a:ext cx="6499179" cy="3746469"/>
+          </a:xfrm>
+          <a:prstGeom prst="rect">
+            <a:avLst/>
+          </a:prstGeom>
+        </p:spPr>
+      </p:pic>
+    </p:spTree>
+    <p:extLst>
+      <p:ext uri="{BB962C8B-B14F-4D97-AF65-F5344CB8AC3E}">
+        <p14:creationId xmlns:p14="http://schemas.microsoft.com/office/powerpoint/2010/main" val="3687149341"/>
+      </p:ext>
+    </p:extLst>
+  </p:cSld>
+  <p:clrMapOvr>
+    <a:masterClrMapping/>
+  </p:clrMapOvr>
+</p:sld>
+</file>
+
+<file path=ppt/slides/slide15.xml><?xml version="1.0" encoding="utf-8"?>
+<p:sld xmlns:a="http://schemas.openxmlformats.org/drawingml/2006/main" xmlns:r="http://schemas.openxmlformats.org/officeDocument/2006/relationships" xmlns:p="http://schemas.openxmlformats.org/presentationml/2006/main">
+  <p:cSld>
+    <p:spTree>
+      <p:nvGrpSpPr>
+        <p:cNvPr id="1" name=""/>
+        <p:cNvGrpSpPr/>
+        <p:nvPr/>
+      </p:nvGrpSpPr>
+      <p:grpSpPr>
+        <a:xfrm>
+          <a:off x="0" y="0"/>
+          <a:ext cx="0" cy="0"/>
+          <a:chOff x="0" y="0"/>
+          <a:chExt cx="0" cy="0"/>
+        </a:xfrm>
+      </p:grpSpPr>
+      <p:pic>
+        <p:nvPicPr>
+          <p:cNvPr id="5" name="Picture 4">
+            <a:extLst>
+              <a:ext uri="{FF2B5EF4-FFF2-40B4-BE49-F238E27FC236}">
                 <a16:creationId xmlns:a16="http://schemas.microsoft.com/office/drawing/2014/main" id="{1358138D-E869-1824-20C2-ADF5631EEF3D}"/>
               </a:ext>
             </a:extLst>
@@ -5596,7 +6458,7 @@
 </p:sld>
 </file>
 
-<file path=ppt/slides/slide15.xml><?xml version="1.0" encoding="utf-8"?>
+<file path=ppt/slides/slide16.xml><?xml version="1.0" encoding="utf-8"?>
 <p:sld xmlns:a="http://schemas.openxmlformats.org/drawingml/2006/main" xmlns:r="http://schemas.openxmlformats.org/officeDocument/2006/relationships" xmlns:p="http://schemas.openxmlformats.org/presentationml/2006/main">
   <p:cSld>
     <p:spTree>
@@ -8505,12 +9367,53 @@
           <a:chExt cx="0" cy="0"/>
         </a:xfrm>
       </p:grpSpPr>
-      <p:sp>
-        <p:nvSpPr>
-          <p:cNvPr id="7" name="Rectangle: Rounded Corners 6">
-            <a:extLst>
-              <a:ext uri="{FF2B5EF4-FFF2-40B4-BE49-F238E27FC236}">
-                <a16:creationId xmlns:a16="http://schemas.microsoft.com/office/drawing/2014/main" id="{99007F93-9441-4BA6-E28A-F5FFBF84245D}"/>
+      <p:pic>
+        <p:nvPicPr>
+          <p:cNvPr id="5" name="Picture 4">
+            <a:extLst>
+              <a:ext uri="{FF2B5EF4-FFF2-40B4-BE49-F238E27FC236}">
+                <a16:creationId xmlns:a16="http://schemas.microsoft.com/office/drawing/2014/main" id="{6692864D-C684-2ED9-D645-6A246548D995}"/>
+              </a:ext>
+            </a:extLst>
+          </p:cNvPr>
+          <p:cNvPicPr>
+            <a:picLocks noChangeAspect="1"/>
+          </p:cNvPicPr>
+          <p:nvPr/>
+        </p:nvPicPr>
+        <p:blipFill>
+          <a:blip r:embed="rId3">
+            <a:extLst>
+              <a:ext uri="{28A0092B-C50C-407E-A947-70E740481C1C}">
+                <a14:useLocalDpi xmlns:a14="http://schemas.microsoft.com/office/drawing/2010/main" val="0"/>
+              </a:ext>
+            </a:extLst>
+          </a:blip>
+          <a:stretch>
+            <a:fillRect/>
+          </a:stretch>
+        </p:blipFill>
+        <p:spPr>
+          <a:xfrm>
+            <a:off x="445189" y="414960"/>
+            <a:ext cx="3593986" cy="3430724"/>
+          </a:xfrm>
+          <a:prstGeom prst="rect">
+            <a:avLst/>
+          </a:prstGeom>
+          <a:ln w="19050">
+            <a:solidFill>
+              <a:schemeClr val="tx1"/>
+            </a:solidFill>
+          </a:ln>
+        </p:spPr>
+      </p:pic>
+      <p:sp>
+        <p:nvSpPr>
+          <p:cNvPr id="9" name="Rectangle 8">
+            <a:extLst>
+              <a:ext uri="{FF2B5EF4-FFF2-40B4-BE49-F238E27FC236}">
+                <a16:creationId xmlns:a16="http://schemas.microsoft.com/office/drawing/2014/main" id="{E940199D-BEB0-4045-E387-AF4F6F2103DC}"/>
               </a:ext>
             </a:extLst>
           </p:cNvPr>
@@ -8519,25 +9422,18 @@
         </p:nvSpPr>
         <p:spPr>
           <a:xfrm>
-            <a:off x="1343594" y="719858"/>
-            <a:ext cx="9075292" cy="4924426"/>
-          </a:xfrm>
-          <a:prstGeom prst="roundRect">
-            <a:avLst>
-              <a:gd name="adj" fmla="val 2208"/>
-            </a:avLst>
-          </a:prstGeom>
-          <a:solidFill>
-            <a:schemeClr val="accent6">
-              <a:lumMod val="40000"/>
-              <a:lumOff val="60000"/>
-            </a:schemeClr>
-          </a:solidFill>
-          <a:ln>
+            <a:off x="1666647" y="2537181"/>
+            <a:ext cx="643802" cy="449536"/>
+          </a:xfrm>
+          <a:prstGeom prst="rect">
+            <a:avLst/>
+          </a:prstGeom>
+          <a:noFill/>
+          <a:ln w="19050">
             <a:solidFill>
-              <a:schemeClr val="accent6">
-                <a:lumMod val="40000"/>
-                <a:lumOff val="60000"/>
+              <a:schemeClr val="accent4">
+                <a:lumMod val="60000"/>
+                <a:lumOff val="40000"/>
               </a:schemeClr>
             </a:solidFill>
           </a:ln>
@@ -8563,19 +9459,16 @@
           <a:lstStyle/>
           <a:p>
             <a:pPr algn="ctr"/>
-            <a:endParaRPr lang="en-SG">
-              <a:latin typeface="Arial" panose="020B0604020202020204" pitchFamily="34" charset="0"/>
-              <a:cs typeface="Arial" panose="020B0604020202020204" pitchFamily="34" charset="0"/>
-            </a:endParaRPr>
-          </a:p>
-        </p:txBody>
-      </p:sp>
-      <p:sp>
-        <p:nvSpPr>
-          <p:cNvPr id="4" name="Rectangle: Rounded Corners 3">
-            <a:extLst>
-              <a:ext uri="{FF2B5EF4-FFF2-40B4-BE49-F238E27FC236}">
-                <a16:creationId xmlns:a16="http://schemas.microsoft.com/office/drawing/2014/main" id="{B032595F-B547-85C0-DBD3-E2F114184DAC}"/>
+            <a:endParaRPr lang="en-SG"/>
+          </a:p>
+        </p:txBody>
+      </p:sp>
+      <p:sp>
+        <p:nvSpPr>
+          <p:cNvPr id="12" name="Rectangle 11">
+            <a:extLst>
+              <a:ext uri="{FF2B5EF4-FFF2-40B4-BE49-F238E27FC236}">
+                <a16:creationId xmlns:a16="http://schemas.microsoft.com/office/drawing/2014/main" id="{3CBBA72A-2879-5A02-8188-8D0806554D1D}"/>
               </a:ext>
             </a:extLst>
           </p:cNvPr>
@@ -8584,25 +9477,18 @@
         </p:nvSpPr>
         <p:spPr>
           <a:xfrm>
-            <a:off x="1343594" y="104476"/>
-            <a:ext cx="9075291" cy="492443"/>
-          </a:xfrm>
-          <a:prstGeom prst="roundRect">
-            <a:avLst>
-              <a:gd name="adj" fmla="val 26589"/>
-            </a:avLst>
-          </a:prstGeom>
-          <a:solidFill>
-            <a:schemeClr val="accent1">
-              <a:lumMod val="40000"/>
-              <a:lumOff val="60000"/>
-            </a:schemeClr>
-          </a:solidFill>
-          <a:ln>
+            <a:off x="2179304" y="2884291"/>
+            <a:ext cx="363629" cy="261756"/>
+          </a:xfrm>
+          <a:prstGeom prst="rect">
+            <a:avLst/>
+          </a:prstGeom>
+          <a:noFill/>
+          <a:ln w="19050">
             <a:solidFill>
-              <a:schemeClr val="accent1">
-                <a:lumMod val="40000"/>
-                <a:lumOff val="60000"/>
+              <a:schemeClr val="accent4">
+                <a:lumMod val="60000"/>
+                <a:lumOff val="40000"/>
               </a:schemeClr>
             </a:solidFill>
           </a:ln>
@@ -8628,383 +9514,36 @@
           <a:lstStyle/>
           <a:p>
             <a:pPr algn="ctr"/>
-            <a:endParaRPr lang="en-SG">
-              <a:latin typeface="Arial" panose="020B0604020202020204" pitchFamily="34" charset="0"/>
-              <a:cs typeface="Arial" panose="020B0604020202020204" pitchFamily="34" charset="0"/>
-            </a:endParaRPr>
-          </a:p>
-        </p:txBody>
-      </p:sp>
-      <p:sp>
-        <p:nvSpPr>
-          <p:cNvPr id="5" name="TextBox 4">
-            <a:extLst>
-              <a:ext uri="{FF2B5EF4-FFF2-40B4-BE49-F238E27FC236}">
-                <a16:creationId xmlns:a16="http://schemas.microsoft.com/office/drawing/2014/main" id="{D372A4CF-A73B-57E0-CBFE-C1F0DB6048AB}"/>
-              </a:ext>
-            </a:extLst>
-          </p:cNvPr>
-          <p:cNvSpPr txBox="1"/>
-          <p:nvPr/>
-        </p:nvSpPr>
-        <p:spPr>
-          <a:xfrm>
-            <a:off x="1453335" y="104476"/>
-            <a:ext cx="8710573" cy="492443"/>
+            <a:endParaRPr lang="en-SG"/>
+          </a:p>
+        </p:txBody>
+      </p:sp>
+      <p:sp>
+        <p:nvSpPr>
+          <p:cNvPr id="13" name="Rectangle 12">
+            <a:extLst>
+              <a:ext uri="{FF2B5EF4-FFF2-40B4-BE49-F238E27FC236}">
+                <a16:creationId xmlns:a16="http://schemas.microsoft.com/office/drawing/2014/main" id="{2FDFACA7-2979-2CBB-CE5F-B4C03656E3CA}"/>
+              </a:ext>
+            </a:extLst>
+          </p:cNvPr>
+          <p:cNvSpPr/>
+          <p:nvPr/>
+        </p:nvSpPr>
+        <p:spPr>
+          <a:xfrm>
+            <a:off x="2474323" y="2878600"/>
+            <a:ext cx="211678" cy="301588"/>
           </a:xfrm>
           <a:prstGeom prst="rect">
             <a:avLst/>
           </a:prstGeom>
           <a:noFill/>
-        </p:spPr>
-        <p:txBody>
-          <a:bodyPr wrap="square" rtlCol="0">
-            <a:spAutoFit/>
-          </a:bodyPr>
-          <a:lstStyle/>
-          <a:p>
-            <a:r>
-              <a:rPr lang="en-SG" sz="1400" b="1" dirty="0">
-                <a:latin typeface="Arial" panose="020B0604020202020204" pitchFamily="34" charset="0"/>
-                <a:cs typeface="Arial" panose="020B0604020202020204" pitchFamily="34" charset="0"/>
-              </a:rPr>
-              <a:t>System message</a:t>
-            </a:r>
-            <a:r>
-              <a:rPr lang="en-SG" sz="1400" dirty="0">
-                <a:latin typeface="Arial" panose="020B0604020202020204" pitchFamily="34" charset="0"/>
-                <a:cs typeface="Arial" panose="020B0604020202020204" pitchFamily="34" charset="0"/>
-              </a:rPr>
-              <a:t>:</a:t>
-            </a:r>
-          </a:p>
-          <a:p>
-            <a:r>
-              <a:rPr lang="en-SG" sz="1200" dirty="0">
-                <a:latin typeface="Arial" panose="020B0604020202020204" pitchFamily="34" charset="0"/>
-                <a:cs typeface="Arial" panose="020B0604020202020204" pitchFamily="34" charset="0"/>
-              </a:rPr>
-              <a:t>Today is 13-09-2023, you are a helpful assistant who is proficient at reading satellite images. </a:t>
-            </a:r>
-          </a:p>
-        </p:txBody>
-      </p:sp>
-      <p:sp>
-        <p:nvSpPr>
-          <p:cNvPr id="6" name="TextBox 5">
-            <a:extLst>
-              <a:ext uri="{FF2B5EF4-FFF2-40B4-BE49-F238E27FC236}">
-                <a16:creationId xmlns:a16="http://schemas.microsoft.com/office/drawing/2014/main" id="{F4A75181-F89C-94E4-A70E-E3AF58F22216}"/>
-              </a:ext>
-            </a:extLst>
-          </p:cNvPr>
-          <p:cNvSpPr txBox="1"/>
-          <p:nvPr/>
-        </p:nvSpPr>
-        <p:spPr>
-          <a:xfrm>
-            <a:off x="1453335" y="729206"/>
-            <a:ext cx="8965550" cy="4924425"/>
-          </a:xfrm>
-          <a:prstGeom prst="rect">
-            <a:avLst/>
-          </a:prstGeom>
-          <a:noFill/>
-        </p:spPr>
-        <p:txBody>
-          <a:bodyPr wrap="square" rtlCol="0">
-            <a:spAutoFit/>
-          </a:bodyPr>
-          <a:lstStyle/>
-          <a:p>
-            <a:r>
-              <a:rPr lang="en-SG" sz="1400" b="1" dirty="0">
-                <a:latin typeface="Arial" panose="020B0604020202020204" pitchFamily="34" charset="0"/>
-                <a:cs typeface="Arial" panose="020B0604020202020204" pitchFamily="34" charset="0"/>
-              </a:rPr>
-              <a:t>Instruction</a:t>
-            </a:r>
-            <a:r>
-              <a:rPr lang="en-SG" sz="1400" dirty="0">
-                <a:latin typeface="Arial" panose="020B0604020202020204" pitchFamily="34" charset="0"/>
-                <a:cs typeface="Arial" panose="020B0604020202020204" pitchFamily="34" charset="0"/>
-              </a:rPr>
-              <a:t>:</a:t>
-            </a:r>
-          </a:p>
-          <a:p>
-            <a:r>
-              <a:rPr lang="en-SG" sz="1200" dirty="0">
-                <a:latin typeface="Arial" panose="020B0604020202020204" pitchFamily="34" charset="0"/>
-                <a:cs typeface="Arial" panose="020B0604020202020204" pitchFamily="34" charset="0"/>
-              </a:rPr>
-              <a:t>You will be provided with description of a satellite image. Please provide several captions as strings in a python list. The image has multiple objects, which have been clustered into groups based on their types and locations. </a:t>
-            </a:r>
-            <a:br>
-              <a:rPr lang="en-SG" sz="1200" dirty="0">
-                <a:latin typeface="Arial" panose="020B0604020202020204" pitchFamily="34" charset="0"/>
-                <a:cs typeface="Arial" panose="020B0604020202020204" pitchFamily="34" charset="0"/>
-              </a:rPr>
-            </a:br>
-            <a:r>
-              <a:rPr lang="en-SG" sz="1200" dirty="0">
-                <a:latin typeface="Arial" panose="020B0604020202020204" pitchFamily="34" charset="0"/>
-                <a:cs typeface="Arial" panose="020B0604020202020204" pitchFamily="34" charset="0"/>
-              </a:rPr>
-              <a:t>Here are some examples:</a:t>
-            </a:r>
-            <a:br>
-              <a:rPr lang="en-SG" sz="1200" dirty="0">
-                <a:latin typeface="Arial" panose="020B0604020202020204" pitchFamily="34" charset="0"/>
-                <a:cs typeface="Arial" panose="020B0604020202020204" pitchFamily="34" charset="0"/>
-              </a:rPr>
-            </a:br>
-            <a:br>
-              <a:rPr lang="en-SG" sz="1200" dirty="0">
-                <a:latin typeface="Arial" panose="020B0604020202020204" pitchFamily="34" charset="0"/>
-                <a:cs typeface="Arial" panose="020B0604020202020204" pitchFamily="34" charset="0"/>
-              </a:rPr>
-            </a:br>
-            <a:r>
-              <a:rPr lang="en-SG" sz="1200" dirty="0">
-                <a:latin typeface="Arial" panose="020B0604020202020204" pitchFamily="34" charset="0"/>
-                <a:cs typeface="Arial" panose="020B0604020202020204" pitchFamily="34" charset="0"/>
-              </a:rPr>
-              <a:t># example image description 1:</a:t>
-            </a:r>
-            <a:br>
-              <a:rPr lang="en-SG" sz="1200" dirty="0">
-                <a:latin typeface="Arial" panose="020B0604020202020204" pitchFamily="34" charset="0"/>
-                <a:cs typeface="Arial" panose="020B0604020202020204" pitchFamily="34" charset="0"/>
-              </a:rPr>
-            </a:br>
-            <a:r>
-              <a:rPr lang="en-SG" sz="1200" dirty="0">
-                <a:latin typeface="Arial" panose="020B0604020202020204" pitchFamily="34" charset="0"/>
-                <a:cs typeface="Arial" panose="020B0604020202020204" pitchFamily="34" charset="0"/>
-              </a:rPr>
-              <a:t>## objects/object groups information</a:t>
-            </a:r>
-            <a:br>
-              <a:rPr lang="en-SG" sz="1200" dirty="0">
-                <a:latin typeface="Arial" panose="020B0604020202020204" pitchFamily="34" charset="0"/>
-                <a:cs typeface="Arial" panose="020B0604020202020204" pitchFamily="34" charset="0"/>
-              </a:rPr>
-            </a:br>
-            <a:r>
-              <a:rPr lang="en-SG" sz="1200" dirty="0">
-                <a:latin typeface="Arial" panose="020B0604020202020204" pitchFamily="34" charset="0"/>
-                <a:cs typeface="Arial" panose="020B0604020202020204" pitchFamily="34" charset="0"/>
-              </a:rPr>
-              <a:t>group 0: 1 damaged building</a:t>
-            </a:r>
-            <a:br>
-              <a:rPr lang="en-SG" sz="1200" dirty="0">
-                <a:latin typeface="Arial" panose="020B0604020202020204" pitchFamily="34" charset="0"/>
-                <a:cs typeface="Arial" panose="020B0604020202020204" pitchFamily="34" charset="0"/>
-              </a:rPr>
-            </a:br>
-            <a:r>
-              <a:rPr lang="en-SG" sz="1200" dirty="0">
-                <a:latin typeface="Arial" panose="020B0604020202020204" pitchFamily="34" charset="0"/>
-                <a:cs typeface="Arial" panose="020B0604020202020204" pitchFamily="34" charset="0"/>
-              </a:rPr>
-              <a:t>group 1: a line of 5 building</a:t>
-            </a:r>
-            <a:br>
-              <a:rPr lang="en-SG" sz="1200" dirty="0">
-                <a:latin typeface="Arial" panose="020B0604020202020204" pitchFamily="34" charset="0"/>
-                <a:cs typeface="Arial" panose="020B0604020202020204" pitchFamily="34" charset="0"/>
-              </a:rPr>
-            </a:br>
-            <a:r>
-              <a:rPr lang="en-SG" sz="1200" dirty="0">
-                <a:latin typeface="Arial" panose="020B0604020202020204" pitchFamily="34" charset="0"/>
-                <a:cs typeface="Arial" panose="020B0604020202020204" pitchFamily="34" charset="0"/>
-              </a:rPr>
-              <a:t>group 2: a line of 3 building</a:t>
-            </a:r>
-            <a:br>
-              <a:rPr lang="en-SG" sz="1200" dirty="0">
-                <a:latin typeface="Arial" panose="020B0604020202020204" pitchFamily="34" charset="0"/>
-                <a:cs typeface="Arial" panose="020B0604020202020204" pitchFamily="34" charset="0"/>
-              </a:rPr>
-            </a:br>
-            <a:br>
-              <a:rPr lang="en-SG" sz="1200" dirty="0">
-                <a:latin typeface="Arial" panose="020B0604020202020204" pitchFamily="34" charset="0"/>
-                <a:cs typeface="Arial" panose="020B0604020202020204" pitchFamily="34" charset="0"/>
-              </a:rPr>
-            </a:br>
-            <a:r>
-              <a:rPr lang="en-SG" sz="1200" dirty="0">
-                <a:latin typeface="Arial" panose="020B0604020202020204" pitchFamily="34" charset="0"/>
-                <a:cs typeface="Arial" panose="020B0604020202020204" pitchFamily="34" charset="0"/>
-              </a:rPr>
-              <a:t>## significant geographical relations</a:t>
-            </a:r>
-            <a:br>
-              <a:rPr lang="en-SG" sz="1200" dirty="0">
-                <a:latin typeface="Arial" panose="020B0604020202020204" pitchFamily="34" charset="0"/>
-                <a:cs typeface="Arial" panose="020B0604020202020204" pitchFamily="34" charset="0"/>
-              </a:rPr>
-            </a:br>
-            <a:r>
-              <a:rPr lang="en-SG" sz="1200" dirty="0">
-                <a:latin typeface="Arial" panose="020B0604020202020204" pitchFamily="34" charset="0"/>
-                <a:cs typeface="Arial" panose="020B0604020202020204" pitchFamily="34" charset="0"/>
-              </a:rPr>
-              <a:t>group 2 is next to group 0</a:t>
-            </a:r>
-            <a:br>
-              <a:rPr lang="en-SG" sz="1200" dirty="0">
-                <a:latin typeface="Arial" panose="020B0604020202020204" pitchFamily="34" charset="0"/>
-                <a:cs typeface="Arial" panose="020B0604020202020204" pitchFamily="34" charset="0"/>
-              </a:rPr>
-            </a:br>
-            <a:br>
-              <a:rPr lang="en-SG" sz="1200" dirty="0">
-                <a:latin typeface="Arial" panose="020B0604020202020204" pitchFamily="34" charset="0"/>
-                <a:cs typeface="Arial" panose="020B0604020202020204" pitchFamily="34" charset="0"/>
-              </a:rPr>
-            </a:br>
-            <a:r>
-              <a:rPr lang="en-SG" sz="1200" dirty="0">
-                <a:latin typeface="Arial" panose="020B0604020202020204" pitchFamily="34" charset="0"/>
-                <a:cs typeface="Arial" panose="020B0604020202020204" pitchFamily="34" charset="0"/>
-              </a:rPr>
-              <a:t>## captions</a:t>
-            </a:r>
-            <a:br>
-              <a:rPr lang="en-SG" sz="1200" dirty="0">
-                <a:latin typeface="Arial" panose="020B0604020202020204" pitchFamily="34" charset="0"/>
-                <a:cs typeface="Arial" panose="020B0604020202020204" pitchFamily="34" charset="0"/>
-              </a:rPr>
-            </a:br>
-            <a:r>
-              <a:rPr lang="en-SG" sz="1200" dirty="0">
-                <a:latin typeface="Arial" panose="020B0604020202020204" pitchFamily="34" charset="0"/>
-                <a:cs typeface="Arial" panose="020B0604020202020204" pitchFamily="34" charset="0"/>
-              </a:rPr>
-              <a:t>["There are two lines of buildings in the image.", "A damaged building is next to a line of buildings in the image"]</a:t>
-            </a:r>
-          </a:p>
-          <a:p>
-            <a:endParaRPr lang="en-SG" sz="1200" dirty="0">
-              <a:latin typeface="Arial" panose="020B0604020202020204" pitchFamily="34" charset="0"/>
-              <a:cs typeface="Arial" panose="020B0604020202020204" pitchFamily="34" charset="0"/>
-            </a:endParaRPr>
-          </a:p>
-          <a:p>
-            <a:r>
-              <a:rPr lang="en-SG" sz="1200" dirty="0">
-                <a:latin typeface="Arial" panose="020B0604020202020204" pitchFamily="34" charset="0"/>
-                <a:cs typeface="Arial" panose="020B0604020202020204" pitchFamily="34" charset="0"/>
-              </a:rPr>
-              <a:t># real image description:</a:t>
-            </a:r>
-          </a:p>
-          <a:p>
-            <a:r>
-              <a:rPr lang="en-SG" sz="1200" dirty="0">
-                <a:latin typeface="Arial" panose="020B0604020202020204" pitchFamily="34" charset="0"/>
-                <a:cs typeface="Arial" panose="020B0604020202020204" pitchFamily="34" charset="0"/>
-              </a:rPr>
-              <a:t>## objects/object groups information</a:t>
-            </a:r>
-          </a:p>
-          <a:p>
-            <a:r>
-              <a:rPr lang="en-SG" sz="1200" dirty="0">
-                <a:latin typeface="Arial" panose="020B0604020202020204" pitchFamily="34" charset="0"/>
-                <a:cs typeface="Arial" panose="020B0604020202020204" pitchFamily="34" charset="0"/>
-              </a:rPr>
-              <a:t>group 0: 1 truck</a:t>
-            </a:r>
-          </a:p>
-          <a:p>
-            <a:r>
-              <a:rPr lang="en-SG" sz="1200" dirty="0">
-                <a:latin typeface="Arial" panose="020B0604020202020204" pitchFamily="34" charset="0"/>
-                <a:cs typeface="Arial" panose="020B0604020202020204" pitchFamily="34" charset="0"/>
-              </a:rPr>
-              <a:t>group 1: a line of 4 building</a:t>
-            </a:r>
-          </a:p>
-          <a:p>
-            <a:endParaRPr lang="en-SG" sz="1200" dirty="0">
-              <a:latin typeface="Arial" panose="020B0604020202020204" pitchFamily="34" charset="0"/>
-              <a:cs typeface="Arial" panose="020B0604020202020204" pitchFamily="34" charset="0"/>
-            </a:endParaRPr>
-          </a:p>
-          <a:p>
-            <a:r>
-              <a:rPr lang="en-SG" sz="1200" dirty="0">
-                <a:latin typeface="Arial" panose="020B0604020202020204" pitchFamily="34" charset="0"/>
-                <a:cs typeface="Arial" panose="020B0604020202020204" pitchFamily="34" charset="0"/>
-              </a:rPr>
-              <a:t>## significant geographical relations</a:t>
-            </a:r>
-          </a:p>
-          <a:p>
-            <a:r>
-              <a:rPr lang="en-SG" sz="1200" dirty="0">
-                <a:latin typeface="Arial" panose="020B0604020202020204" pitchFamily="34" charset="0"/>
-                <a:cs typeface="Arial" panose="020B0604020202020204" pitchFamily="34" charset="0"/>
-              </a:rPr>
-              <a:t>group 1 is far from other objects</a:t>
-            </a:r>
-          </a:p>
-          <a:p>
-            <a:endParaRPr lang="en-SG" sz="1200" dirty="0">
-              <a:latin typeface="Arial" panose="020B0604020202020204" pitchFamily="34" charset="0"/>
-              <a:cs typeface="Arial" panose="020B0604020202020204" pitchFamily="34" charset="0"/>
-            </a:endParaRPr>
-          </a:p>
-          <a:p>
-            <a:r>
-              <a:rPr lang="en-SG" sz="1200" dirty="0">
-                <a:latin typeface="Arial" panose="020B0604020202020204" pitchFamily="34" charset="0"/>
-                <a:cs typeface="Arial" panose="020B0604020202020204" pitchFamily="34" charset="0"/>
-              </a:rPr>
-              <a:t>## captions</a:t>
-            </a:r>
-          </a:p>
-        </p:txBody>
-      </p:sp>
-      <p:sp>
-        <p:nvSpPr>
-          <p:cNvPr id="9" name="Rectangle: Rounded Corners 8">
-            <a:extLst>
-              <a:ext uri="{FF2B5EF4-FFF2-40B4-BE49-F238E27FC236}">
-                <a16:creationId xmlns:a16="http://schemas.microsoft.com/office/drawing/2014/main" id="{4BC6331A-E4B4-C2C5-7208-6153679EE3C4}"/>
-              </a:ext>
-            </a:extLst>
-          </p:cNvPr>
-          <p:cNvSpPr/>
-          <p:nvPr/>
-        </p:nvSpPr>
-        <p:spPr>
-          <a:xfrm>
-            <a:off x="1343593" y="5899638"/>
-            <a:ext cx="9075292" cy="677108"/>
-          </a:xfrm>
-          <a:prstGeom prst="roundRect">
-            <a:avLst>
-              <a:gd name="adj" fmla="val 13589"/>
-            </a:avLst>
-          </a:prstGeom>
-          <a:solidFill>
-            <a:schemeClr val="accent4">
-              <a:lumMod val="20000"/>
-              <a:lumOff val="80000"/>
-            </a:schemeClr>
-          </a:solidFill>
-          <a:ln>
+          <a:ln w="19050">
             <a:solidFill>
               <a:schemeClr val="accent4">
-                <a:lumMod val="20000"/>
-                <a:lumOff val="80000"/>
+                <a:lumMod val="60000"/>
+                <a:lumOff val="40000"/>
               </a:schemeClr>
             </a:solidFill>
           </a:ln>
@@ -9030,19 +9569,337 @@
           <a:lstStyle/>
           <a:p>
             <a:pPr algn="ctr"/>
-            <a:endParaRPr lang="en-SG">
-              <a:latin typeface="Arial" panose="020B0604020202020204" pitchFamily="34" charset="0"/>
-              <a:cs typeface="Arial" panose="020B0604020202020204" pitchFamily="34" charset="0"/>
-            </a:endParaRPr>
-          </a:p>
-        </p:txBody>
-      </p:sp>
-      <p:sp>
-        <p:nvSpPr>
-          <p:cNvPr id="10" name="TextBox 9">
-            <a:extLst>
-              <a:ext uri="{FF2B5EF4-FFF2-40B4-BE49-F238E27FC236}">
-                <a16:creationId xmlns:a16="http://schemas.microsoft.com/office/drawing/2014/main" id="{2A428084-385D-1C9C-360F-9D120EA45AFD}"/>
+            <a:endParaRPr lang="en-SG"/>
+          </a:p>
+        </p:txBody>
+      </p:sp>
+      <p:sp>
+        <p:nvSpPr>
+          <p:cNvPr id="14" name="Rectangle 13">
+            <a:extLst>
+              <a:ext uri="{FF2B5EF4-FFF2-40B4-BE49-F238E27FC236}">
+                <a16:creationId xmlns:a16="http://schemas.microsoft.com/office/drawing/2014/main" id="{538D20BE-88AB-0CE6-33C1-89E829A10220}"/>
+              </a:ext>
+            </a:extLst>
+          </p:cNvPr>
+          <p:cNvSpPr/>
+          <p:nvPr/>
+        </p:nvSpPr>
+        <p:spPr>
+          <a:xfrm>
+            <a:off x="2581623" y="2918432"/>
+            <a:ext cx="211678" cy="301588"/>
+          </a:xfrm>
+          <a:prstGeom prst="rect">
+            <a:avLst/>
+          </a:prstGeom>
+          <a:noFill/>
+          <a:ln w="19050">
+            <a:solidFill>
+              <a:schemeClr val="accent4">
+                <a:lumMod val="60000"/>
+                <a:lumOff val="40000"/>
+              </a:schemeClr>
+            </a:solidFill>
+          </a:ln>
+        </p:spPr>
+        <p:style>
+          <a:lnRef idx="2">
+            <a:schemeClr val="accent1">
+              <a:shade val="15000"/>
+            </a:schemeClr>
+          </a:lnRef>
+          <a:fillRef idx="1">
+            <a:schemeClr val="accent1"/>
+          </a:fillRef>
+          <a:effectRef idx="0">
+            <a:schemeClr val="accent1"/>
+          </a:effectRef>
+          <a:fontRef idx="minor">
+            <a:schemeClr val="lt1"/>
+          </a:fontRef>
+        </p:style>
+        <p:txBody>
+          <a:bodyPr rtlCol="0" anchor="ctr"/>
+          <a:lstStyle/>
+          <a:p>
+            <a:pPr algn="ctr"/>
+            <a:endParaRPr lang="en-SG"/>
+          </a:p>
+        </p:txBody>
+      </p:sp>
+      <p:sp>
+        <p:nvSpPr>
+          <p:cNvPr id="15" name="Rectangle 14">
+            <a:extLst>
+              <a:ext uri="{FF2B5EF4-FFF2-40B4-BE49-F238E27FC236}">
+                <a16:creationId xmlns:a16="http://schemas.microsoft.com/office/drawing/2014/main" id="{9E16F4F1-669F-A5BC-0FCB-5BFCF3C80B4D}"/>
+              </a:ext>
+            </a:extLst>
+          </p:cNvPr>
+          <p:cNvSpPr/>
+          <p:nvPr/>
+        </p:nvSpPr>
+        <p:spPr>
+          <a:xfrm>
+            <a:off x="2691847" y="2963953"/>
+            <a:ext cx="211678" cy="301588"/>
+          </a:xfrm>
+          <a:prstGeom prst="rect">
+            <a:avLst/>
+          </a:prstGeom>
+          <a:noFill/>
+          <a:ln w="19050">
+            <a:solidFill>
+              <a:schemeClr val="accent4">
+                <a:lumMod val="60000"/>
+                <a:lumOff val="40000"/>
+              </a:schemeClr>
+            </a:solidFill>
+          </a:ln>
+        </p:spPr>
+        <p:style>
+          <a:lnRef idx="2">
+            <a:schemeClr val="accent1">
+              <a:shade val="15000"/>
+            </a:schemeClr>
+          </a:lnRef>
+          <a:fillRef idx="1">
+            <a:schemeClr val="accent1"/>
+          </a:fillRef>
+          <a:effectRef idx="0">
+            <a:schemeClr val="accent1"/>
+          </a:effectRef>
+          <a:fontRef idx="minor">
+            <a:schemeClr val="lt1"/>
+          </a:fontRef>
+        </p:style>
+        <p:txBody>
+          <a:bodyPr rtlCol="0" anchor="ctr"/>
+          <a:lstStyle/>
+          <a:p>
+            <a:pPr algn="ctr"/>
+            <a:endParaRPr lang="en-SG"/>
+          </a:p>
+        </p:txBody>
+      </p:sp>
+      <p:sp>
+        <p:nvSpPr>
+          <p:cNvPr id="16" name="Rectangle 15">
+            <a:extLst>
+              <a:ext uri="{FF2B5EF4-FFF2-40B4-BE49-F238E27FC236}">
+                <a16:creationId xmlns:a16="http://schemas.microsoft.com/office/drawing/2014/main" id="{11B9C0F8-C3A5-821C-5590-446A0208C2BB}"/>
+              </a:ext>
+            </a:extLst>
+          </p:cNvPr>
+          <p:cNvSpPr/>
+          <p:nvPr/>
+        </p:nvSpPr>
+        <p:spPr>
+          <a:xfrm>
+            <a:off x="3210006" y="2468895"/>
+            <a:ext cx="221134" cy="307280"/>
+          </a:xfrm>
+          <a:prstGeom prst="rect">
+            <a:avLst/>
+          </a:prstGeom>
+          <a:noFill/>
+          <a:ln w="19050">
+            <a:solidFill>
+              <a:schemeClr val="accent5"/>
+            </a:solidFill>
+          </a:ln>
+        </p:spPr>
+        <p:style>
+          <a:lnRef idx="2">
+            <a:schemeClr val="accent1">
+              <a:shade val="15000"/>
+            </a:schemeClr>
+          </a:lnRef>
+          <a:fillRef idx="1">
+            <a:schemeClr val="accent1"/>
+          </a:fillRef>
+          <a:effectRef idx="0">
+            <a:schemeClr val="accent1"/>
+          </a:effectRef>
+          <a:fontRef idx="minor">
+            <a:schemeClr val="lt1"/>
+          </a:fontRef>
+        </p:style>
+        <p:txBody>
+          <a:bodyPr rtlCol="0" anchor="ctr"/>
+          <a:lstStyle/>
+          <a:p>
+            <a:pPr algn="ctr"/>
+            <a:endParaRPr lang="en-SG"/>
+          </a:p>
+        </p:txBody>
+      </p:sp>
+      <p:sp>
+        <p:nvSpPr>
+          <p:cNvPr id="17" name="Rectangle 16">
+            <a:extLst>
+              <a:ext uri="{FF2B5EF4-FFF2-40B4-BE49-F238E27FC236}">
+                <a16:creationId xmlns:a16="http://schemas.microsoft.com/office/drawing/2014/main" id="{205FEF36-8D8C-556E-1199-35550BB485A7}"/>
+              </a:ext>
+            </a:extLst>
+          </p:cNvPr>
+          <p:cNvSpPr/>
+          <p:nvPr/>
+        </p:nvSpPr>
+        <p:spPr>
+          <a:xfrm>
+            <a:off x="3114628" y="2707889"/>
+            <a:ext cx="221134" cy="307280"/>
+          </a:xfrm>
+          <a:prstGeom prst="rect">
+            <a:avLst/>
+          </a:prstGeom>
+          <a:noFill/>
+          <a:ln w="19050">
+            <a:solidFill>
+              <a:schemeClr val="accent5"/>
+            </a:solidFill>
+          </a:ln>
+        </p:spPr>
+        <p:style>
+          <a:lnRef idx="2">
+            <a:schemeClr val="accent1">
+              <a:shade val="15000"/>
+            </a:schemeClr>
+          </a:lnRef>
+          <a:fillRef idx="1">
+            <a:schemeClr val="accent1"/>
+          </a:fillRef>
+          <a:effectRef idx="0">
+            <a:schemeClr val="accent1"/>
+          </a:effectRef>
+          <a:fontRef idx="minor">
+            <a:schemeClr val="lt1"/>
+          </a:fontRef>
+        </p:style>
+        <p:txBody>
+          <a:bodyPr rtlCol="0" anchor="ctr"/>
+          <a:lstStyle/>
+          <a:p>
+            <a:pPr algn="ctr"/>
+            <a:endParaRPr lang="en-SG"/>
+          </a:p>
+        </p:txBody>
+      </p:sp>
+      <p:sp>
+        <p:nvSpPr>
+          <p:cNvPr id="22" name="Rectangle 21">
+            <a:extLst>
+              <a:ext uri="{FF2B5EF4-FFF2-40B4-BE49-F238E27FC236}">
+                <a16:creationId xmlns:a16="http://schemas.microsoft.com/office/drawing/2014/main" id="{E9B9DA02-2A12-C628-1B33-719BAD24825E}"/>
+              </a:ext>
+            </a:extLst>
+          </p:cNvPr>
+          <p:cNvSpPr/>
+          <p:nvPr/>
+        </p:nvSpPr>
+        <p:spPr>
+          <a:xfrm>
+            <a:off x="481049" y="219239"/>
+            <a:ext cx="280249" cy="103489"/>
+          </a:xfrm>
+          <a:prstGeom prst="rect">
+            <a:avLst/>
+          </a:prstGeom>
+          <a:noFill/>
+          <a:ln w="19050">
+            <a:solidFill>
+              <a:schemeClr val="accent4">
+                <a:lumMod val="60000"/>
+                <a:lumOff val="40000"/>
+              </a:schemeClr>
+            </a:solidFill>
+          </a:ln>
+        </p:spPr>
+        <p:style>
+          <a:lnRef idx="2">
+            <a:schemeClr val="accent1">
+              <a:shade val="15000"/>
+            </a:schemeClr>
+          </a:lnRef>
+          <a:fillRef idx="1">
+            <a:schemeClr val="accent1"/>
+          </a:fillRef>
+          <a:effectRef idx="0">
+            <a:schemeClr val="accent1"/>
+          </a:effectRef>
+          <a:fontRef idx="minor">
+            <a:schemeClr val="lt1"/>
+          </a:fontRef>
+        </p:style>
+        <p:txBody>
+          <a:bodyPr rtlCol="0" anchor="ctr"/>
+          <a:lstStyle/>
+          <a:p>
+            <a:pPr algn="ctr"/>
+            <a:endParaRPr lang="en-SG"/>
+          </a:p>
+        </p:txBody>
+      </p:sp>
+      <p:sp>
+        <p:nvSpPr>
+          <p:cNvPr id="23" name="Rectangle 22">
+            <a:extLst>
+              <a:ext uri="{FF2B5EF4-FFF2-40B4-BE49-F238E27FC236}">
+                <a16:creationId xmlns:a16="http://schemas.microsoft.com/office/drawing/2014/main" id="{33CE089F-D99C-A7CC-FCBB-15015FC0F333}"/>
+              </a:ext>
+            </a:extLst>
+          </p:cNvPr>
+          <p:cNvSpPr/>
+          <p:nvPr/>
+        </p:nvSpPr>
+        <p:spPr>
+          <a:xfrm>
+            <a:off x="2051423" y="219240"/>
+            <a:ext cx="280249" cy="103489"/>
+          </a:xfrm>
+          <a:prstGeom prst="rect">
+            <a:avLst/>
+          </a:prstGeom>
+          <a:noFill/>
+          <a:ln w="19050">
+            <a:solidFill>
+              <a:schemeClr val="accent5"/>
+            </a:solidFill>
+          </a:ln>
+        </p:spPr>
+        <p:style>
+          <a:lnRef idx="2">
+            <a:schemeClr val="accent1">
+              <a:shade val="15000"/>
+            </a:schemeClr>
+          </a:lnRef>
+          <a:fillRef idx="1">
+            <a:schemeClr val="accent1"/>
+          </a:fillRef>
+          <a:effectRef idx="0">
+            <a:schemeClr val="accent1"/>
+          </a:effectRef>
+          <a:fontRef idx="minor">
+            <a:schemeClr val="lt1"/>
+          </a:fontRef>
+        </p:style>
+        <p:txBody>
+          <a:bodyPr rtlCol="0" anchor="ctr"/>
+          <a:lstStyle/>
+          <a:p>
+            <a:pPr algn="ctr"/>
+            <a:endParaRPr lang="en-SG"/>
+          </a:p>
+        </p:txBody>
+      </p:sp>
+      <p:sp>
+        <p:nvSpPr>
+          <p:cNvPr id="24" name="TextBox 23">
+            <a:extLst>
+              <a:ext uri="{FF2B5EF4-FFF2-40B4-BE49-F238E27FC236}">
+                <a16:creationId xmlns:a16="http://schemas.microsoft.com/office/drawing/2014/main" id="{282A24B4-323B-4538-1B47-2403B8E338B1}"/>
               </a:ext>
             </a:extLst>
           </p:cNvPr>
@@ -9051,8 +9908,8 @@
         </p:nvSpPr>
         <p:spPr>
           <a:xfrm>
-            <a:off x="1453335" y="5882572"/>
-            <a:ext cx="8710573" cy="677108"/>
+            <a:off x="680613" y="117095"/>
+            <a:ext cx="789596" cy="276999"/>
           </a:xfrm>
           <a:prstGeom prst="rect">
             <a:avLst/>
@@ -9065,37 +9922,1664 @@
           </a:bodyPr>
           <a:lstStyle/>
           <a:p>
-            <a:r>
-              <a:rPr lang="en-SG" sz="1400" b="1" dirty="0">
-                <a:latin typeface="Arial" panose="020B0604020202020204" pitchFamily="34" charset="0"/>
-                <a:cs typeface="Arial" panose="020B0604020202020204" pitchFamily="34" charset="0"/>
-              </a:rPr>
-              <a:t>Response</a:t>
-            </a:r>
-            <a:r>
-              <a:rPr lang="en-SG" sz="1400" dirty="0">
-                <a:latin typeface="Arial" panose="020B0604020202020204" pitchFamily="34" charset="0"/>
-                <a:cs typeface="Arial" panose="020B0604020202020204" pitchFamily="34" charset="0"/>
-              </a:rPr>
-              <a:t>:</a:t>
-            </a:r>
-          </a:p>
-          <a:p>
-            <a:r>
-              <a:rPr lang="en-SG" sz="1200" dirty="0">
-                <a:latin typeface="Arial" panose="020B0604020202020204" pitchFamily="34" charset="0"/>
-                <a:cs typeface="Arial" panose="020B0604020202020204" pitchFamily="34" charset="0"/>
-              </a:rPr>
-              <a:t>["There is a truck and a line of four buildings in the image.",</a:t>
-            </a:r>
-          </a:p>
-          <a:p>
-            <a:r>
-              <a:rPr lang="en-SG" sz="1200" dirty="0">
-                <a:latin typeface="Arial" panose="020B0604020202020204" pitchFamily="34" charset="0"/>
-                <a:cs typeface="Arial" panose="020B0604020202020204" pitchFamily="34" charset="0"/>
-              </a:rPr>
-              <a:t>"The line of buildings is quite far from the truck and other objects."]</a:t>
+            <a:pPr algn="ctr"/>
+            <a:r>
+              <a:rPr lang="en-SG" sz="1200" dirty="0"/>
+              <a:t>group 0</a:t>
+            </a:r>
+          </a:p>
+        </p:txBody>
+      </p:sp>
+      <p:sp>
+        <p:nvSpPr>
+          <p:cNvPr id="25" name="TextBox 24">
+            <a:extLst>
+              <a:ext uri="{FF2B5EF4-FFF2-40B4-BE49-F238E27FC236}">
+                <a16:creationId xmlns:a16="http://schemas.microsoft.com/office/drawing/2014/main" id="{DBF5EBA4-E9ED-D87C-E829-CC7641BCE506}"/>
+              </a:ext>
+            </a:extLst>
+          </p:cNvPr>
+          <p:cNvSpPr txBox="1"/>
+          <p:nvPr/>
+        </p:nvSpPr>
+        <p:spPr>
+          <a:xfrm>
+            <a:off x="2250987" y="117094"/>
+            <a:ext cx="789596" cy="276999"/>
+          </a:xfrm>
+          <a:prstGeom prst="rect">
+            <a:avLst/>
+          </a:prstGeom>
+          <a:noFill/>
+        </p:spPr>
+        <p:txBody>
+          <a:bodyPr wrap="square" rtlCol="0">
+            <a:spAutoFit/>
+          </a:bodyPr>
+          <a:lstStyle/>
+          <a:p>
+            <a:pPr algn="ctr"/>
+            <a:r>
+              <a:rPr lang="en-SG" sz="1200" dirty="0"/>
+              <a:t>group 1</a:t>
+            </a:r>
+          </a:p>
+        </p:txBody>
+      </p:sp>
+      <p:sp>
+        <p:nvSpPr>
+          <p:cNvPr id="26" name="TextBox 25">
+            <a:extLst>
+              <a:ext uri="{FF2B5EF4-FFF2-40B4-BE49-F238E27FC236}">
+                <a16:creationId xmlns:a16="http://schemas.microsoft.com/office/drawing/2014/main" id="{FDD0D639-1C08-8F68-5D3F-518C0D52184B}"/>
+              </a:ext>
+            </a:extLst>
+          </p:cNvPr>
+          <p:cNvSpPr txBox="1"/>
+          <p:nvPr/>
+        </p:nvSpPr>
+        <p:spPr>
+          <a:xfrm>
+            <a:off x="593949" y="3944845"/>
+            <a:ext cx="3296466" cy="2677656"/>
+          </a:xfrm>
+          <a:prstGeom prst="rect">
+            <a:avLst/>
+          </a:prstGeom>
+          <a:noFill/>
+        </p:spPr>
+        <p:txBody>
+          <a:bodyPr wrap="square" rtlCol="0">
+            <a:spAutoFit/>
+          </a:bodyPr>
+          <a:lstStyle/>
+          <a:p>
+            <a:r>
+              <a:rPr lang="en-SG" sz="1200" b="1" dirty="0"/>
+              <a:t>Objects/object groups information:</a:t>
+            </a:r>
+          </a:p>
+          <a:p>
+            <a:r>
+              <a:rPr lang="en-SG" sz="1200" dirty="0"/>
+              <a:t>group 0: a line of 5 shipping container</a:t>
+            </a:r>
+          </a:p>
+          <a:p>
+            <a:r>
+              <a:rPr lang="en-SG" sz="1200" dirty="0"/>
+              <a:t>group 1: 2 shipping container</a:t>
+            </a:r>
+          </a:p>
+          <a:p>
+            <a:endParaRPr lang="en-SG" sz="1200" dirty="0"/>
+          </a:p>
+          <a:p>
+            <a:endParaRPr lang="en-SG" sz="1200" dirty="0"/>
+          </a:p>
+          <a:p>
+            <a:r>
+              <a:rPr lang="en-SG" sz="1200" b="1" dirty="0"/>
+              <a:t>Significant geographical relations:</a:t>
+            </a:r>
+          </a:p>
+          <a:p>
+            <a:r>
+              <a:rPr lang="en-SG" sz="1200" dirty="0"/>
+              <a:t>group 0 is close to group 1</a:t>
+            </a:r>
+          </a:p>
+          <a:p>
+            <a:endParaRPr lang="en-SG" sz="1200" dirty="0"/>
+          </a:p>
+          <a:p>
+            <a:endParaRPr lang="en-SG" sz="1200" dirty="0"/>
+          </a:p>
+          <a:p>
+            <a:r>
+              <a:rPr lang="en-SG" sz="1200" b="1" dirty="0"/>
+              <a:t>Captions created:</a:t>
+            </a:r>
+          </a:p>
+          <a:p>
+            <a:r>
+              <a:rPr lang="en-SG" sz="1200" dirty="0"/>
+              <a:t>Several shipping containers are arranged in a row in the image. </a:t>
+            </a:r>
+          </a:p>
+          <a:p>
+            <a:r>
+              <a:rPr lang="en-SG" sz="1200" dirty="0"/>
+              <a:t>Two separate containers are located close to a line of shipping containers.</a:t>
+            </a:r>
+          </a:p>
+        </p:txBody>
+      </p:sp>
+      <p:pic>
+        <p:nvPicPr>
+          <p:cNvPr id="28" name="Picture 27">
+            <a:extLst>
+              <a:ext uri="{FF2B5EF4-FFF2-40B4-BE49-F238E27FC236}">
+                <a16:creationId xmlns:a16="http://schemas.microsoft.com/office/drawing/2014/main" id="{CBAA2C27-A99F-EAEE-2CCF-040E9E37664B}"/>
+              </a:ext>
+            </a:extLst>
+          </p:cNvPr>
+          <p:cNvPicPr>
+            <a:picLocks noChangeAspect="1"/>
+          </p:cNvPicPr>
+          <p:nvPr/>
+        </p:nvPicPr>
+        <p:blipFill>
+          <a:blip r:embed="rId4">
+            <a:extLst>
+              <a:ext uri="{28A0092B-C50C-407E-A947-70E740481C1C}">
+                <a14:useLocalDpi xmlns:a14="http://schemas.microsoft.com/office/drawing/2010/main" val="0"/>
+              </a:ext>
+            </a:extLst>
+          </a:blip>
+          <a:stretch>
+            <a:fillRect/>
+          </a:stretch>
+        </p:blipFill>
+        <p:spPr>
+          <a:xfrm>
+            <a:off x="4385218" y="414959"/>
+            <a:ext cx="3430722" cy="3430722"/>
+          </a:xfrm>
+          <a:prstGeom prst="rect">
+            <a:avLst/>
+          </a:prstGeom>
+          <a:ln w="19050">
+            <a:solidFill>
+              <a:schemeClr val="tx1"/>
+            </a:solidFill>
+          </a:ln>
+        </p:spPr>
+      </p:pic>
+      <p:sp>
+        <p:nvSpPr>
+          <p:cNvPr id="29" name="Rectangle 28">
+            <a:extLst>
+              <a:ext uri="{FF2B5EF4-FFF2-40B4-BE49-F238E27FC236}">
+                <a16:creationId xmlns:a16="http://schemas.microsoft.com/office/drawing/2014/main" id="{66DD646D-C1DA-77A7-ADBF-4591C18BC087}"/>
+              </a:ext>
+            </a:extLst>
+          </p:cNvPr>
+          <p:cNvSpPr/>
+          <p:nvPr/>
+        </p:nvSpPr>
+        <p:spPr>
+          <a:xfrm>
+            <a:off x="4579012" y="406941"/>
+            <a:ext cx="2601718" cy="1511506"/>
+          </a:xfrm>
+          <a:prstGeom prst="rect">
+            <a:avLst/>
+          </a:prstGeom>
+          <a:noFill/>
+          <a:ln w="19050">
+            <a:solidFill>
+              <a:schemeClr val="accent4">
+                <a:lumMod val="60000"/>
+                <a:lumOff val="40000"/>
+              </a:schemeClr>
+            </a:solidFill>
+          </a:ln>
+        </p:spPr>
+        <p:style>
+          <a:lnRef idx="2">
+            <a:schemeClr val="accent1">
+              <a:shade val="15000"/>
+            </a:schemeClr>
+          </a:lnRef>
+          <a:fillRef idx="1">
+            <a:schemeClr val="accent1"/>
+          </a:fillRef>
+          <a:effectRef idx="0">
+            <a:schemeClr val="accent1"/>
+          </a:effectRef>
+          <a:fontRef idx="minor">
+            <a:schemeClr val="lt1"/>
+          </a:fontRef>
+        </p:style>
+        <p:txBody>
+          <a:bodyPr rtlCol="0" anchor="ctr"/>
+          <a:lstStyle/>
+          <a:p>
+            <a:pPr algn="ctr"/>
+            <a:endParaRPr lang="en-SG"/>
+          </a:p>
+        </p:txBody>
+      </p:sp>
+      <p:sp>
+        <p:nvSpPr>
+          <p:cNvPr id="30" name="Rectangle 29">
+            <a:extLst>
+              <a:ext uri="{FF2B5EF4-FFF2-40B4-BE49-F238E27FC236}">
+                <a16:creationId xmlns:a16="http://schemas.microsoft.com/office/drawing/2014/main" id="{8935E1C4-C657-5B09-9985-DD7ACF1A81C2}"/>
+              </a:ext>
+            </a:extLst>
+          </p:cNvPr>
+          <p:cNvSpPr/>
+          <p:nvPr/>
+        </p:nvSpPr>
+        <p:spPr>
+          <a:xfrm>
+            <a:off x="4385218" y="1237378"/>
+            <a:ext cx="2347277" cy="1681053"/>
+          </a:xfrm>
+          <a:prstGeom prst="rect">
+            <a:avLst/>
+          </a:prstGeom>
+          <a:noFill/>
+          <a:ln w="19050">
+            <a:solidFill>
+              <a:schemeClr val="accent4">
+                <a:lumMod val="60000"/>
+                <a:lumOff val="40000"/>
+              </a:schemeClr>
+            </a:solidFill>
+          </a:ln>
+        </p:spPr>
+        <p:style>
+          <a:lnRef idx="2">
+            <a:schemeClr val="accent1">
+              <a:shade val="15000"/>
+            </a:schemeClr>
+          </a:lnRef>
+          <a:fillRef idx="1">
+            <a:schemeClr val="accent1"/>
+          </a:fillRef>
+          <a:effectRef idx="0">
+            <a:schemeClr val="accent1"/>
+          </a:effectRef>
+          <a:fontRef idx="minor">
+            <a:schemeClr val="lt1"/>
+          </a:fontRef>
+        </p:style>
+        <p:txBody>
+          <a:bodyPr rtlCol="0" anchor="ctr"/>
+          <a:lstStyle/>
+          <a:p>
+            <a:pPr algn="ctr"/>
+            <a:endParaRPr lang="en-SG"/>
+          </a:p>
+        </p:txBody>
+      </p:sp>
+      <p:sp>
+        <p:nvSpPr>
+          <p:cNvPr id="31" name="Rectangle 30">
+            <a:extLst>
+              <a:ext uri="{FF2B5EF4-FFF2-40B4-BE49-F238E27FC236}">
+                <a16:creationId xmlns:a16="http://schemas.microsoft.com/office/drawing/2014/main" id="{FEDDA7BF-8EDE-1FC2-AD28-D4622D34BDE7}"/>
+              </a:ext>
+            </a:extLst>
+          </p:cNvPr>
+          <p:cNvSpPr/>
+          <p:nvPr/>
+        </p:nvSpPr>
+        <p:spPr>
+          <a:xfrm>
+            <a:off x="4851793" y="2757850"/>
+            <a:ext cx="1248786" cy="983000"/>
+          </a:xfrm>
+          <a:prstGeom prst="rect">
+            <a:avLst/>
+          </a:prstGeom>
+          <a:noFill/>
+          <a:ln w="19050">
+            <a:solidFill>
+              <a:schemeClr val="accent4">
+                <a:lumMod val="60000"/>
+                <a:lumOff val="40000"/>
+              </a:schemeClr>
+            </a:solidFill>
+          </a:ln>
+        </p:spPr>
+        <p:style>
+          <a:lnRef idx="2">
+            <a:schemeClr val="accent1">
+              <a:shade val="15000"/>
+            </a:schemeClr>
+          </a:lnRef>
+          <a:fillRef idx="1">
+            <a:schemeClr val="accent1"/>
+          </a:fillRef>
+          <a:effectRef idx="0">
+            <a:schemeClr val="accent1"/>
+          </a:effectRef>
+          <a:fontRef idx="minor">
+            <a:schemeClr val="lt1"/>
+          </a:fontRef>
+        </p:style>
+        <p:txBody>
+          <a:bodyPr rtlCol="0" anchor="ctr"/>
+          <a:lstStyle/>
+          <a:p>
+            <a:pPr algn="ctr"/>
+            <a:endParaRPr lang="en-SG"/>
+          </a:p>
+        </p:txBody>
+      </p:sp>
+      <p:sp>
+        <p:nvSpPr>
+          <p:cNvPr id="32" name="Rectangle 31">
+            <a:extLst>
+              <a:ext uri="{FF2B5EF4-FFF2-40B4-BE49-F238E27FC236}">
+                <a16:creationId xmlns:a16="http://schemas.microsoft.com/office/drawing/2014/main" id="{DC2A5501-AFE6-09FC-0265-02409A87C475}"/>
+              </a:ext>
+            </a:extLst>
+          </p:cNvPr>
+          <p:cNvSpPr/>
+          <p:nvPr/>
+        </p:nvSpPr>
+        <p:spPr>
+          <a:xfrm>
+            <a:off x="6515081" y="3029394"/>
+            <a:ext cx="827014" cy="816287"/>
+          </a:xfrm>
+          <a:prstGeom prst="rect">
+            <a:avLst/>
+          </a:prstGeom>
+          <a:noFill/>
+          <a:ln w="19050">
+            <a:solidFill>
+              <a:schemeClr val="accent4">
+                <a:lumMod val="60000"/>
+                <a:lumOff val="40000"/>
+              </a:schemeClr>
+            </a:solidFill>
+          </a:ln>
+        </p:spPr>
+        <p:style>
+          <a:lnRef idx="2">
+            <a:schemeClr val="accent1">
+              <a:shade val="15000"/>
+            </a:schemeClr>
+          </a:lnRef>
+          <a:fillRef idx="1">
+            <a:schemeClr val="accent1"/>
+          </a:fillRef>
+          <a:effectRef idx="0">
+            <a:schemeClr val="accent1"/>
+          </a:effectRef>
+          <a:fontRef idx="minor">
+            <a:schemeClr val="lt1"/>
+          </a:fontRef>
+        </p:style>
+        <p:txBody>
+          <a:bodyPr rtlCol="0" anchor="ctr"/>
+          <a:lstStyle/>
+          <a:p>
+            <a:pPr algn="ctr"/>
+            <a:endParaRPr lang="en-SG"/>
+          </a:p>
+        </p:txBody>
+      </p:sp>
+      <p:sp>
+        <p:nvSpPr>
+          <p:cNvPr id="33" name="Rectangle 32">
+            <a:extLst>
+              <a:ext uri="{FF2B5EF4-FFF2-40B4-BE49-F238E27FC236}">
+                <a16:creationId xmlns:a16="http://schemas.microsoft.com/office/drawing/2014/main" id="{10BF75C4-FCEC-A7EC-C296-EC67A4CD4832}"/>
+              </a:ext>
+            </a:extLst>
+          </p:cNvPr>
+          <p:cNvSpPr/>
+          <p:nvPr/>
+        </p:nvSpPr>
+        <p:spPr>
+          <a:xfrm>
+            <a:off x="7450051" y="2814942"/>
+            <a:ext cx="280249" cy="546823"/>
+          </a:xfrm>
+          <a:prstGeom prst="rect">
+            <a:avLst/>
+          </a:prstGeom>
+          <a:noFill/>
+          <a:ln w="19050">
+            <a:solidFill>
+              <a:schemeClr val="accent5"/>
+            </a:solidFill>
+          </a:ln>
+        </p:spPr>
+        <p:style>
+          <a:lnRef idx="2">
+            <a:schemeClr val="accent1">
+              <a:shade val="15000"/>
+            </a:schemeClr>
+          </a:lnRef>
+          <a:fillRef idx="1">
+            <a:schemeClr val="accent1"/>
+          </a:fillRef>
+          <a:effectRef idx="0">
+            <a:schemeClr val="accent1"/>
+          </a:effectRef>
+          <a:fontRef idx="minor">
+            <a:schemeClr val="lt1"/>
+          </a:fontRef>
+        </p:style>
+        <p:txBody>
+          <a:bodyPr rtlCol="0" anchor="ctr"/>
+          <a:lstStyle/>
+          <a:p>
+            <a:pPr algn="ctr"/>
+            <a:endParaRPr lang="en-SG"/>
+          </a:p>
+        </p:txBody>
+      </p:sp>
+      <p:sp>
+        <p:nvSpPr>
+          <p:cNvPr id="34" name="Rectangle 33">
+            <a:extLst>
+              <a:ext uri="{FF2B5EF4-FFF2-40B4-BE49-F238E27FC236}">
+                <a16:creationId xmlns:a16="http://schemas.microsoft.com/office/drawing/2014/main" id="{EDEEDE06-D4F7-A5C0-0230-99B51357CFE3}"/>
+              </a:ext>
+            </a:extLst>
+          </p:cNvPr>
+          <p:cNvSpPr/>
+          <p:nvPr/>
+        </p:nvSpPr>
+        <p:spPr>
+          <a:xfrm>
+            <a:off x="4427074" y="221269"/>
+            <a:ext cx="280249" cy="103489"/>
+          </a:xfrm>
+          <a:prstGeom prst="rect">
+            <a:avLst/>
+          </a:prstGeom>
+          <a:noFill/>
+          <a:ln w="19050">
+            <a:solidFill>
+              <a:schemeClr val="accent4">
+                <a:lumMod val="60000"/>
+                <a:lumOff val="40000"/>
+              </a:schemeClr>
+            </a:solidFill>
+          </a:ln>
+        </p:spPr>
+        <p:style>
+          <a:lnRef idx="2">
+            <a:schemeClr val="accent1">
+              <a:shade val="15000"/>
+            </a:schemeClr>
+          </a:lnRef>
+          <a:fillRef idx="1">
+            <a:schemeClr val="accent1"/>
+          </a:fillRef>
+          <a:effectRef idx="0">
+            <a:schemeClr val="accent1"/>
+          </a:effectRef>
+          <a:fontRef idx="minor">
+            <a:schemeClr val="lt1"/>
+          </a:fontRef>
+        </p:style>
+        <p:txBody>
+          <a:bodyPr rtlCol="0" anchor="ctr"/>
+          <a:lstStyle/>
+          <a:p>
+            <a:pPr algn="ctr"/>
+            <a:endParaRPr lang="en-SG"/>
+          </a:p>
+        </p:txBody>
+      </p:sp>
+      <p:sp>
+        <p:nvSpPr>
+          <p:cNvPr id="35" name="Rectangle 34">
+            <a:extLst>
+              <a:ext uri="{FF2B5EF4-FFF2-40B4-BE49-F238E27FC236}">
+                <a16:creationId xmlns:a16="http://schemas.microsoft.com/office/drawing/2014/main" id="{ADDE7B75-BAF6-9167-0F74-5AA3E3C2FCBD}"/>
+              </a:ext>
+            </a:extLst>
+          </p:cNvPr>
+          <p:cNvSpPr/>
+          <p:nvPr/>
+        </p:nvSpPr>
+        <p:spPr>
+          <a:xfrm>
+            <a:off x="5997448" y="221269"/>
+            <a:ext cx="280249" cy="103489"/>
+          </a:xfrm>
+          <a:prstGeom prst="rect">
+            <a:avLst/>
+          </a:prstGeom>
+          <a:noFill/>
+          <a:ln w="19050">
+            <a:solidFill>
+              <a:schemeClr val="accent5"/>
+            </a:solidFill>
+          </a:ln>
+        </p:spPr>
+        <p:style>
+          <a:lnRef idx="2">
+            <a:schemeClr val="accent1">
+              <a:shade val="15000"/>
+            </a:schemeClr>
+          </a:lnRef>
+          <a:fillRef idx="1">
+            <a:schemeClr val="accent1"/>
+          </a:fillRef>
+          <a:effectRef idx="0">
+            <a:schemeClr val="accent1"/>
+          </a:effectRef>
+          <a:fontRef idx="minor">
+            <a:schemeClr val="lt1"/>
+          </a:fontRef>
+        </p:style>
+        <p:txBody>
+          <a:bodyPr rtlCol="0" anchor="ctr"/>
+          <a:lstStyle/>
+          <a:p>
+            <a:pPr algn="ctr"/>
+            <a:endParaRPr lang="en-SG"/>
+          </a:p>
+        </p:txBody>
+      </p:sp>
+      <p:sp>
+        <p:nvSpPr>
+          <p:cNvPr id="36" name="TextBox 35">
+            <a:extLst>
+              <a:ext uri="{FF2B5EF4-FFF2-40B4-BE49-F238E27FC236}">
+                <a16:creationId xmlns:a16="http://schemas.microsoft.com/office/drawing/2014/main" id="{1608DB4F-1832-5A87-0D8E-236419EBFC7B}"/>
+              </a:ext>
+            </a:extLst>
+          </p:cNvPr>
+          <p:cNvSpPr txBox="1"/>
+          <p:nvPr/>
+        </p:nvSpPr>
+        <p:spPr>
+          <a:xfrm>
+            <a:off x="4626638" y="117095"/>
+            <a:ext cx="789596" cy="276999"/>
+          </a:xfrm>
+          <a:prstGeom prst="rect">
+            <a:avLst/>
+          </a:prstGeom>
+          <a:noFill/>
+        </p:spPr>
+        <p:txBody>
+          <a:bodyPr wrap="square" rtlCol="0">
+            <a:spAutoFit/>
+          </a:bodyPr>
+          <a:lstStyle/>
+          <a:p>
+            <a:pPr algn="ctr"/>
+            <a:r>
+              <a:rPr lang="en-SG" sz="1200" dirty="0"/>
+              <a:t>group 0</a:t>
+            </a:r>
+          </a:p>
+        </p:txBody>
+      </p:sp>
+      <p:sp>
+        <p:nvSpPr>
+          <p:cNvPr id="37" name="TextBox 36">
+            <a:extLst>
+              <a:ext uri="{FF2B5EF4-FFF2-40B4-BE49-F238E27FC236}">
+                <a16:creationId xmlns:a16="http://schemas.microsoft.com/office/drawing/2014/main" id="{3DFA2FA0-D504-53F0-C294-A08CF95DE9A5}"/>
+              </a:ext>
+            </a:extLst>
+          </p:cNvPr>
+          <p:cNvSpPr txBox="1"/>
+          <p:nvPr/>
+        </p:nvSpPr>
+        <p:spPr>
+          <a:xfrm>
+            <a:off x="6197012" y="117094"/>
+            <a:ext cx="789596" cy="276999"/>
+          </a:xfrm>
+          <a:prstGeom prst="rect">
+            <a:avLst/>
+          </a:prstGeom>
+          <a:noFill/>
+        </p:spPr>
+        <p:txBody>
+          <a:bodyPr wrap="square" rtlCol="0">
+            <a:spAutoFit/>
+          </a:bodyPr>
+          <a:lstStyle/>
+          <a:p>
+            <a:pPr algn="ctr"/>
+            <a:r>
+              <a:rPr lang="en-SG" sz="1200" dirty="0"/>
+              <a:t>group 1</a:t>
+            </a:r>
+          </a:p>
+        </p:txBody>
+      </p:sp>
+      <p:sp>
+        <p:nvSpPr>
+          <p:cNvPr id="38" name="TextBox 37">
+            <a:extLst>
+              <a:ext uri="{FF2B5EF4-FFF2-40B4-BE49-F238E27FC236}">
+                <a16:creationId xmlns:a16="http://schemas.microsoft.com/office/drawing/2014/main" id="{4159450E-4819-4723-A746-64A1EFC33AA8}"/>
+              </a:ext>
+            </a:extLst>
+          </p:cNvPr>
+          <p:cNvSpPr txBox="1"/>
+          <p:nvPr/>
+        </p:nvSpPr>
+        <p:spPr>
+          <a:xfrm>
+            <a:off x="4450338" y="3944845"/>
+            <a:ext cx="3296466" cy="2492990"/>
+          </a:xfrm>
+          <a:prstGeom prst="rect">
+            <a:avLst/>
+          </a:prstGeom>
+          <a:noFill/>
+        </p:spPr>
+        <p:txBody>
+          <a:bodyPr wrap="square" rtlCol="0">
+            <a:spAutoFit/>
+          </a:bodyPr>
+          <a:lstStyle/>
+          <a:p>
+            <a:r>
+              <a:rPr lang="en-SG" sz="1200" b="1" dirty="0"/>
+              <a:t>Objects/object groups information:</a:t>
+            </a:r>
+          </a:p>
+          <a:p>
+            <a:r>
+              <a:rPr lang="en-SG" sz="1200" dirty="0"/>
+              <a:t>group 0: 4 building</a:t>
+            </a:r>
+          </a:p>
+          <a:p>
+            <a:r>
+              <a:rPr lang="en-SG" sz="1200" dirty="0"/>
+              <a:t>group 1: 1 truck with flatbed</a:t>
+            </a:r>
+          </a:p>
+          <a:p>
+            <a:endParaRPr lang="en-SG" sz="1200" b="1" dirty="0"/>
+          </a:p>
+          <a:p>
+            <a:endParaRPr lang="en-SG" sz="1200" b="1" dirty="0"/>
+          </a:p>
+          <a:p>
+            <a:r>
+              <a:rPr lang="en-SG" sz="1200" b="1" dirty="0"/>
+              <a:t>Significant geographical relations:</a:t>
+            </a:r>
+          </a:p>
+          <a:p>
+            <a:r>
+              <a:rPr lang="en-SG" sz="1200" dirty="0"/>
+              <a:t>group 1 is close to group 0</a:t>
+            </a:r>
+          </a:p>
+          <a:p>
+            <a:endParaRPr lang="en-SG" sz="1200" dirty="0"/>
+          </a:p>
+          <a:p>
+            <a:endParaRPr lang="en-SG" sz="1200" dirty="0"/>
+          </a:p>
+          <a:p>
+            <a:r>
+              <a:rPr lang="en-SG" sz="1200" b="1" dirty="0"/>
+              <a:t>Captions created:</a:t>
+            </a:r>
+          </a:p>
+          <a:p>
+            <a:r>
+              <a:rPr lang="en-SG" sz="1200" dirty="0"/>
+              <a:t>There are four buildings and a flatbed truck in the image.</a:t>
+            </a:r>
+          </a:p>
+          <a:p>
+            <a:r>
+              <a:rPr lang="en-SG" sz="1200" dirty="0"/>
+              <a:t>The flatbed truck is located near the buildings.</a:t>
+            </a:r>
+          </a:p>
+        </p:txBody>
+      </p:sp>
+      <p:pic>
+        <p:nvPicPr>
+          <p:cNvPr id="40" name="Picture 39">
+            <a:extLst>
+              <a:ext uri="{FF2B5EF4-FFF2-40B4-BE49-F238E27FC236}">
+                <a16:creationId xmlns:a16="http://schemas.microsoft.com/office/drawing/2014/main" id="{70B38207-24C9-C69D-0619-FDFF213C4067}"/>
+              </a:ext>
+            </a:extLst>
+          </p:cNvPr>
+          <p:cNvPicPr>
+            <a:picLocks noChangeAspect="1"/>
+          </p:cNvPicPr>
+          <p:nvPr/>
+        </p:nvPicPr>
+        <p:blipFill>
+          <a:blip r:embed="rId5">
+            <a:extLst>
+              <a:ext uri="{28A0092B-C50C-407E-A947-70E740481C1C}">
+                <a14:useLocalDpi xmlns:a14="http://schemas.microsoft.com/office/drawing/2010/main" val="0"/>
+              </a:ext>
+            </a:extLst>
+          </a:blip>
+          <a:stretch>
+            <a:fillRect/>
+          </a:stretch>
+        </p:blipFill>
+        <p:spPr>
+          <a:xfrm>
+            <a:off x="8265460" y="414959"/>
+            <a:ext cx="3430722" cy="3430722"/>
+          </a:xfrm>
+          <a:prstGeom prst="rect">
+            <a:avLst/>
+          </a:prstGeom>
+        </p:spPr>
+      </p:pic>
+      <p:sp>
+        <p:nvSpPr>
+          <p:cNvPr id="41" name="Rectangle 40">
+            <a:extLst>
+              <a:ext uri="{FF2B5EF4-FFF2-40B4-BE49-F238E27FC236}">
+                <a16:creationId xmlns:a16="http://schemas.microsoft.com/office/drawing/2014/main" id="{E57672E9-D808-14B1-4420-F62DB61678BA}"/>
+              </a:ext>
+            </a:extLst>
+          </p:cNvPr>
+          <p:cNvSpPr/>
+          <p:nvPr/>
+        </p:nvSpPr>
+        <p:spPr>
+          <a:xfrm>
+            <a:off x="8256474" y="3114748"/>
+            <a:ext cx="502045" cy="730934"/>
+          </a:xfrm>
+          <a:prstGeom prst="rect">
+            <a:avLst/>
+          </a:prstGeom>
+          <a:noFill/>
+          <a:ln w="19050">
+            <a:solidFill>
+              <a:schemeClr val="accent4">
+                <a:lumMod val="60000"/>
+                <a:lumOff val="40000"/>
+              </a:schemeClr>
+            </a:solidFill>
+          </a:ln>
+        </p:spPr>
+        <p:style>
+          <a:lnRef idx="2">
+            <a:schemeClr val="accent1">
+              <a:shade val="15000"/>
+            </a:schemeClr>
+          </a:lnRef>
+          <a:fillRef idx="1">
+            <a:schemeClr val="accent1"/>
+          </a:fillRef>
+          <a:effectRef idx="0">
+            <a:schemeClr val="accent1"/>
+          </a:effectRef>
+          <a:fontRef idx="minor">
+            <a:schemeClr val="lt1"/>
+          </a:fontRef>
+        </p:style>
+        <p:txBody>
+          <a:bodyPr rtlCol="0" anchor="ctr"/>
+          <a:lstStyle/>
+          <a:p>
+            <a:pPr algn="ctr"/>
+            <a:endParaRPr lang="en-SG"/>
+          </a:p>
+        </p:txBody>
+      </p:sp>
+      <p:sp>
+        <p:nvSpPr>
+          <p:cNvPr id="42" name="Rectangle 41">
+            <a:extLst>
+              <a:ext uri="{FF2B5EF4-FFF2-40B4-BE49-F238E27FC236}">
+                <a16:creationId xmlns:a16="http://schemas.microsoft.com/office/drawing/2014/main" id="{03AE1FD9-D804-1CA2-8E7B-C98ABA37AFA1}"/>
+              </a:ext>
+            </a:extLst>
+          </p:cNvPr>
+          <p:cNvSpPr/>
+          <p:nvPr/>
+        </p:nvSpPr>
+        <p:spPr>
+          <a:xfrm>
+            <a:off x="9690848" y="615871"/>
+            <a:ext cx="226840" cy="199917"/>
+          </a:xfrm>
+          <a:prstGeom prst="rect">
+            <a:avLst/>
+          </a:prstGeom>
+          <a:noFill/>
+          <a:ln w="19050">
+            <a:solidFill>
+              <a:schemeClr val="accent5"/>
+            </a:solidFill>
+          </a:ln>
+        </p:spPr>
+        <p:style>
+          <a:lnRef idx="2">
+            <a:schemeClr val="accent1">
+              <a:shade val="15000"/>
+            </a:schemeClr>
+          </a:lnRef>
+          <a:fillRef idx="1">
+            <a:schemeClr val="accent1"/>
+          </a:fillRef>
+          <a:effectRef idx="0">
+            <a:schemeClr val="accent1"/>
+          </a:effectRef>
+          <a:fontRef idx="minor">
+            <a:schemeClr val="lt1"/>
+          </a:fontRef>
+        </p:style>
+        <p:txBody>
+          <a:bodyPr rtlCol="0" anchor="ctr"/>
+          <a:lstStyle/>
+          <a:p>
+            <a:pPr algn="ctr"/>
+            <a:endParaRPr lang="en-SG"/>
+          </a:p>
+        </p:txBody>
+      </p:sp>
+      <p:sp>
+        <p:nvSpPr>
+          <p:cNvPr id="43" name="Rectangle 42">
+            <a:extLst>
+              <a:ext uri="{FF2B5EF4-FFF2-40B4-BE49-F238E27FC236}">
+                <a16:creationId xmlns:a16="http://schemas.microsoft.com/office/drawing/2014/main" id="{EC84184A-5804-D7C6-AA88-FE3586FFF27C}"/>
+              </a:ext>
+            </a:extLst>
+          </p:cNvPr>
+          <p:cNvSpPr/>
+          <p:nvPr/>
+        </p:nvSpPr>
+        <p:spPr>
+          <a:xfrm>
+            <a:off x="8311739" y="406941"/>
+            <a:ext cx="284979" cy="319200"/>
+          </a:xfrm>
+          <a:prstGeom prst="rect">
+            <a:avLst/>
+          </a:prstGeom>
+          <a:noFill/>
+          <a:ln w="19050">
+            <a:solidFill>
+              <a:schemeClr val="accent6">
+                <a:lumMod val="60000"/>
+                <a:lumOff val="40000"/>
+              </a:schemeClr>
+            </a:solidFill>
+          </a:ln>
+        </p:spPr>
+        <p:style>
+          <a:lnRef idx="2">
+            <a:schemeClr val="accent1">
+              <a:shade val="15000"/>
+            </a:schemeClr>
+          </a:lnRef>
+          <a:fillRef idx="1">
+            <a:schemeClr val="accent1"/>
+          </a:fillRef>
+          <a:effectRef idx="0">
+            <a:schemeClr val="accent1"/>
+          </a:effectRef>
+          <a:fontRef idx="minor">
+            <a:schemeClr val="lt1"/>
+          </a:fontRef>
+        </p:style>
+        <p:txBody>
+          <a:bodyPr rtlCol="0" anchor="ctr"/>
+          <a:lstStyle/>
+          <a:p>
+            <a:pPr algn="ctr"/>
+            <a:endParaRPr lang="en-SG"/>
+          </a:p>
+        </p:txBody>
+      </p:sp>
+      <p:sp>
+        <p:nvSpPr>
+          <p:cNvPr id="44" name="Rectangle 43">
+            <a:extLst>
+              <a:ext uri="{FF2B5EF4-FFF2-40B4-BE49-F238E27FC236}">
+                <a16:creationId xmlns:a16="http://schemas.microsoft.com/office/drawing/2014/main" id="{1B4D384C-6A47-E370-9C4F-E5A72E094A76}"/>
+              </a:ext>
+            </a:extLst>
+          </p:cNvPr>
+          <p:cNvSpPr/>
+          <p:nvPr/>
+        </p:nvSpPr>
+        <p:spPr>
+          <a:xfrm>
+            <a:off x="9277862" y="406941"/>
+            <a:ext cx="1434962" cy="624000"/>
+          </a:xfrm>
+          <a:prstGeom prst="rect">
+            <a:avLst/>
+          </a:prstGeom>
+          <a:noFill/>
+          <a:ln w="19050">
+            <a:solidFill>
+              <a:schemeClr val="accent2">
+                <a:lumMod val="60000"/>
+                <a:lumOff val="40000"/>
+              </a:schemeClr>
+            </a:solidFill>
+          </a:ln>
+        </p:spPr>
+        <p:style>
+          <a:lnRef idx="2">
+            <a:schemeClr val="accent1">
+              <a:shade val="15000"/>
+            </a:schemeClr>
+          </a:lnRef>
+          <a:fillRef idx="1">
+            <a:schemeClr val="accent1"/>
+          </a:fillRef>
+          <a:effectRef idx="0">
+            <a:schemeClr val="accent1"/>
+          </a:effectRef>
+          <a:fontRef idx="minor">
+            <a:schemeClr val="lt1"/>
+          </a:fontRef>
+        </p:style>
+        <p:txBody>
+          <a:bodyPr rtlCol="0" anchor="ctr"/>
+          <a:lstStyle/>
+          <a:p>
+            <a:pPr algn="ctr"/>
+            <a:endParaRPr lang="en-SG"/>
+          </a:p>
+        </p:txBody>
+      </p:sp>
+      <p:sp>
+        <p:nvSpPr>
+          <p:cNvPr id="45" name="Rectangle 44">
+            <a:extLst>
+              <a:ext uri="{FF2B5EF4-FFF2-40B4-BE49-F238E27FC236}">
+                <a16:creationId xmlns:a16="http://schemas.microsoft.com/office/drawing/2014/main" id="{6B73A62C-4F29-8CCB-0955-673F91F7D7E1}"/>
+              </a:ext>
+            </a:extLst>
+          </p:cNvPr>
+          <p:cNvSpPr/>
+          <p:nvPr/>
+        </p:nvSpPr>
+        <p:spPr>
+          <a:xfrm>
+            <a:off x="10601792" y="697899"/>
+            <a:ext cx="388938" cy="431654"/>
+          </a:xfrm>
+          <a:prstGeom prst="rect">
+            <a:avLst/>
+          </a:prstGeom>
+          <a:noFill/>
+          <a:ln w="19050">
+            <a:solidFill>
+              <a:schemeClr val="accent2">
+                <a:lumMod val="60000"/>
+                <a:lumOff val="40000"/>
+              </a:schemeClr>
+            </a:solidFill>
+          </a:ln>
+        </p:spPr>
+        <p:style>
+          <a:lnRef idx="2">
+            <a:schemeClr val="accent1">
+              <a:shade val="15000"/>
+            </a:schemeClr>
+          </a:lnRef>
+          <a:fillRef idx="1">
+            <a:schemeClr val="accent1"/>
+          </a:fillRef>
+          <a:effectRef idx="0">
+            <a:schemeClr val="accent1"/>
+          </a:effectRef>
+          <a:fontRef idx="minor">
+            <a:schemeClr val="lt1"/>
+          </a:fontRef>
+        </p:style>
+        <p:txBody>
+          <a:bodyPr rtlCol="0" anchor="ctr"/>
+          <a:lstStyle/>
+          <a:p>
+            <a:pPr algn="ctr"/>
+            <a:endParaRPr lang="en-SG"/>
+          </a:p>
+        </p:txBody>
+      </p:sp>
+      <p:sp>
+        <p:nvSpPr>
+          <p:cNvPr id="46" name="Rectangle 45">
+            <a:extLst>
+              <a:ext uri="{FF2B5EF4-FFF2-40B4-BE49-F238E27FC236}">
+                <a16:creationId xmlns:a16="http://schemas.microsoft.com/office/drawing/2014/main" id="{8EEA904B-1E72-3EB7-E06E-81B4EF4D26AF}"/>
+              </a:ext>
+            </a:extLst>
+          </p:cNvPr>
+          <p:cNvSpPr/>
+          <p:nvPr/>
+        </p:nvSpPr>
+        <p:spPr>
+          <a:xfrm>
+            <a:off x="9331650" y="987060"/>
+            <a:ext cx="388938" cy="284986"/>
+          </a:xfrm>
+          <a:prstGeom prst="rect">
+            <a:avLst/>
+          </a:prstGeom>
+          <a:noFill/>
+          <a:ln w="19050">
+            <a:solidFill>
+              <a:schemeClr val="accent2">
+                <a:lumMod val="60000"/>
+                <a:lumOff val="40000"/>
+              </a:schemeClr>
+            </a:solidFill>
+          </a:ln>
+        </p:spPr>
+        <p:style>
+          <a:lnRef idx="2">
+            <a:schemeClr val="accent1">
+              <a:shade val="15000"/>
+            </a:schemeClr>
+          </a:lnRef>
+          <a:fillRef idx="1">
+            <a:schemeClr val="accent1"/>
+          </a:fillRef>
+          <a:effectRef idx="0">
+            <a:schemeClr val="accent1"/>
+          </a:effectRef>
+          <a:fontRef idx="minor">
+            <a:schemeClr val="lt1"/>
+          </a:fontRef>
+        </p:style>
+        <p:txBody>
+          <a:bodyPr rtlCol="0" anchor="ctr"/>
+          <a:lstStyle/>
+          <a:p>
+            <a:pPr algn="ctr"/>
+            <a:endParaRPr lang="en-SG"/>
+          </a:p>
+        </p:txBody>
+      </p:sp>
+      <p:sp>
+        <p:nvSpPr>
+          <p:cNvPr id="47" name="Rectangle 46">
+            <a:extLst>
+              <a:ext uri="{FF2B5EF4-FFF2-40B4-BE49-F238E27FC236}">
+                <a16:creationId xmlns:a16="http://schemas.microsoft.com/office/drawing/2014/main" id="{2129DF55-0EAD-713A-EC42-47C0D3624117}"/>
+              </a:ext>
+            </a:extLst>
+          </p:cNvPr>
+          <p:cNvSpPr/>
+          <p:nvPr/>
+        </p:nvSpPr>
+        <p:spPr>
+          <a:xfrm>
+            <a:off x="9059433" y="858138"/>
+            <a:ext cx="388938" cy="271415"/>
+          </a:xfrm>
+          <a:prstGeom prst="rect">
+            <a:avLst/>
+          </a:prstGeom>
+          <a:noFill/>
+          <a:ln w="19050">
+            <a:solidFill>
+              <a:schemeClr val="accent2">
+                <a:lumMod val="60000"/>
+                <a:lumOff val="40000"/>
+              </a:schemeClr>
+            </a:solidFill>
+          </a:ln>
+        </p:spPr>
+        <p:style>
+          <a:lnRef idx="2">
+            <a:schemeClr val="accent1">
+              <a:shade val="15000"/>
+            </a:schemeClr>
+          </a:lnRef>
+          <a:fillRef idx="1">
+            <a:schemeClr val="accent1"/>
+          </a:fillRef>
+          <a:effectRef idx="0">
+            <a:schemeClr val="accent1"/>
+          </a:effectRef>
+          <a:fontRef idx="minor">
+            <a:schemeClr val="lt1"/>
+          </a:fontRef>
+        </p:style>
+        <p:txBody>
+          <a:bodyPr rtlCol="0" anchor="ctr"/>
+          <a:lstStyle/>
+          <a:p>
+            <a:pPr algn="ctr"/>
+            <a:endParaRPr lang="en-SG"/>
+          </a:p>
+        </p:txBody>
+      </p:sp>
+      <p:sp>
+        <p:nvSpPr>
+          <p:cNvPr id="48" name="Rectangle 47">
+            <a:extLst>
+              <a:ext uri="{FF2B5EF4-FFF2-40B4-BE49-F238E27FC236}">
+                <a16:creationId xmlns:a16="http://schemas.microsoft.com/office/drawing/2014/main" id="{11784C59-E011-C1EF-70BF-FCA43422E315}"/>
+              </a:ext>
+            </a:extLst>
+          </p:cNvPr>
+          <p:cNvSpPr/>
+          <p:nvPr/>
+        </p:nvSpPr>
+        <p:spPr>
+          <a:xfrm>
+            <a:off x="8851769" y="538824"/>
+            <a:ext cx="388938" cy="448236"/>
+          </a:xfrm>
+          <a:prstGeom prst="rect">
+            <a:avLst/>
+          </a:prstGeom>
+          <a:noFill/>
+          <a:ln w="19050">
+            <a:solidFill>
+              <a:schemeClr val="accent2">
+                <a:lumMod val="60000"/>
+                <a:lumOff val="40000"/>
+              </a:schemeClr>
+            </a:solidFill>
+          </a:ln>
+        </p:spPr>
+        <p:style>
+          <a:lnRef idx="2">
+            <a:schemeClr val="accent1">
+              <a:shade val="15000"/>
+            </a:schemeClr>
+          </a:lnRef>
+          <a:fillRef idx="1">
+            <a:schemeClr val="accent1"/>
+          </a:fillRef>
+          <a:effectRef idx="0">
+            <a:schemeClr val="accent1"/>
+          </a:effectRef>
+          <a:fontRef idx="minor">
+            <a:schemeClr val="lt1"/>
+          </a:fontRef>
+        </p:style>
+        <p:txBody>
+          <a:bodyPr rtlCol="0" anchor="ctr"/>
+          <a:lstStyle/>
+          <a:p>
+            <a:pPr algn="ctr"/>
+            <a:endParaRPr lang="en-SG"/>
+          </a:p>
+        </p:txBody>
+      </p:sp>
+      <p:sp>
+        <p:nvSpPr>
+          <p:cNvPr id="49" name="Rectangle 48">
+            <a:extLst>
+              <a:ext uri="{FF2B5EF4-FFF2-40B4-BE49-F238E27FC236}">
+                <a16:creationId xmlns:a16="http://schemas.microsoft.com/office/drawing/2014/main" id="{03A27436-8977-5DA5-30A0-EB68438B8598}"/>
+              </a:ext>
+            </a:extLst>
+          </p:cNvPr>
+          <p:cNvSpPr/>
+          <p:nvPr/>
+        </p:nvSpPr>
+        <p:spPr>
+          <a:xfrm>
+            <a:off x="8217126" y="221269"/>
+            <a:ext cx="280249" cy="103489"/>
+          </a:xfrm>
+          <a:prstGeom prst="rect">
+            <a:avLst/>
+          </a:prstGeom>
+          <a:noFill/>
+          <a:ln w="19050">
+            <a:solidFill>
+              <a:schemeClr val="accent4">
+                <a:lumMod val="60000"/>
+                <a:lumOff val="40000"/>
+              </a:schemeClr>
+            </a:solidFill>
+          </a:ln>
+        </p:spPr>
+        <p:style>
+          <a:lnRef idx="2">
+            <a:schemeClr val="accent1">
+              <a:shade val="15000"/>
+            </a:schemeClr>
+          </a:lnRef>
+          <a:fillRef idx="1">
+            <a:schemeClr val="accent1"/>
+          </a:fillRef>
+          <a:effectRef idx="0">
+            <a:schemeClr val="accent1"/>
+          </a:effectRef>
+          <a:fontRef idx="minor">
+            <a:schemeClr val="lt1"/>
+          </a:fontRef>
+        </p:style>
+        <p:txBody>
+          <a:bodyPr rtlCol="0" anchor="ctr"/>
+          <a:lstStyle/>
+          <a:p>
+            <a:pPr algn="ctr"/>
+            <a:endParaRPr lang="en-SG"/>
+          </a:p>
+        </p:txBody>
+      </p:sp>
+      <p:sp>
+        <p:nvSpPr>
+          <p:cNvPr id="50" name="Rectangle 49">
+            <a:extLst>
+              <a:ext uri="{FF2B5EF4-FFF2-40B4-BE49-F238E27FC236}">
+                <a16:creationId xmlns:a16="http://schemas.microsoft.com/office/drawing/2014/main" id="{9926C129-84A1-365D-1490-51C2FC04204F}"/>
+              </a:ext>
+            </a:extLst>
+          </p:cNvPr>
+          <p:cNvSpPr/>
+          <p:nvPr/>
+        </p:nvSpPr>
+        <p:spPr>
+          <a:xfrm>
+            <a:off x="9121774" y="221269"/>
+            <a:ext cx="280249" cy="103489"/>
+          </a:xfrm>
+          <a:prstGeom prst="rect">
+            <a:avLst/>
+          </a:prstGeom>
+          <a:noFill/>
+          <a:ln w="19050">
+            <a:solidFill>
+              <a:schemeClr val="accent5"/>
+            </a:solidFill>
+          </a:ln>
+        </p:spPr>
+        <p:style>
+          <a:lnRef idx="2">
+            <a:schemeClr val="accent1">
+              <a:shade val="15000"/>
+            </a:schemeClr>
+          </a:lnRef>
+          <a:fillRef idx="1">
+            <a:schemeClr val="accent1"/>
+          </a:fillRef>
+          <a:effectRef idx="0">
+            <a:schemeClr val="accent1"/>
+          </a:effectRef>
+          <a:fontRef idx="minor">
+            <a:schemeClr val="lt1"/>
+          </a:fontRef>
+        </p:style>
+        <p:txBody>
+          <a:bodyPr rtlCol="0" anchor="ctr"/>
+          <a:lstStyle/>
+          <a:p>
+            <a:pPr algn="ctr"/>
+            <a:endParaRPr lang="en-SG"/>
+          </a:p>
+        </p:txBody>
+      </p:sp>
+      <p:sp>
+        <p:nvSpPr>
+          <p:cNvPr id="51" name="TextBox 50">
+            <a:extLst>
+              <a:ext uri="{FF2B5EF4-FFF2-40B4-BE49-F238E27FC236}">
+                <a16:creationId xmlns:a16="http://schemas.microsoft.com/office/drawing/2014/main" id="{9C520C9D-4A0E-A8C6-A337-6E577B832C1C}"/>
+              </a:ext>
+            </a:extLst>
+          </p:cNvPr>
+          <p:cNvSpPr txBox="1"/>
+          <p:nvPr/>
+        </p:nvSpPr>
+        <p:spPr>
+          <a:xfrm>
+            <a:off x="8416690" y="117095"/>
+            <a:ext cx="789596" cy="276999"/>
+          </a:xfrm>
+          <a:prstGeom prst="rect">
+            <a:avLst/>
+          </a:prstGeom>
+          <a:noFill/>
+        </p:spPr>
+        <p:txBody>
+          <a:bodyPr wrap="square" rtlCol="0">
+            <a:spAutoFit/>
+          </a:bodyPr>
+          <a:lstStyle/>
+          <a:p>
+            <a:pPr algn="ctr"/>
+            <a:r>
+              <a:rPr lang="en-SG" sz="1200" dirty="0"/>
+              <a:t>group 0</a:t>
+            </a:r>
+          </a:p>
+        </p:txBody>
+      </p:sp>
+      <p:sp>
+        <p:nvSpPr>
+          <p:cNvPr id="52" name="TextBox 51">
+            <a:extLst>
+              <a:ext uri="{FF2B5EF4-FFF2-40B4-BE49-F238E27FC236}">
+                <a16:creationId xmlns:a16="http://schemas.microsoft.com/office/drawing/2014/main" id="{B768A004-7774-64F2-E4F7-20B07B8FDAF6}"/>
+              </a:ext>
+            </a:extLst>
+          </p:cNvPr>
+          <p:cNvSpPr txBox="1"/>
+          <p:nvPr/>
+        </p:nvSpPr>
+        <p:spPr>
+          <a:xfrm>
+            <a:off x="9321338" y="117094"/>
+            <a:ext cx="789596" cy="276999"/>
+          </a:xfrm>
+          <a:prstGeom prst="rect">
+            <a:avLst/>
+          </a:prstGeom>
+          <a:noFill/>
+        </p:spPr>
+        <p:txBody>
+          <a:bodyPr wrap="square" rtlCol="0">
+            <a:spAutoFit/>
+          </a:bodyPr>
+          <a:lstStyle/>
+          <a:p>
+            <a:pPr algn="ctr"/>
+            <a:r>
+              <a:rPr lang="en-SG" sz="1200" dirty="0"/>
+              <a:t>group 1</a:t>
+            </a:r>
+          </a:p>
+        </p:txBody>
+      </p:sp>
+      <p:sp>
+        <p:nvSpPr>
+          <p:cNvPr id="53" name="Rectangle 52">
+            <a:extLst>
+              <a:ext uri="{FF2B5EF4-FFF2-40B4-BE49-F238E27FC236}">
+                <a16:creationId xmlns:a16="http://schemas.microsoft.com/office/drawing/2014/main" id="{DF7120DC-18FD-8A3F-5024-6A130F07C429}"/>
+              </a:ext>
+            </a:extLst>
+          </p:cNvPr>
+          <p:cNvSpPr/>
+          <p:nvPr/>
+        </p:nvSpPr>
+        <p:spPr>
+          <a:xfrm>
+            <a:off x="10035387" y="221268"/>
+            <a:ext cx="280249" cy="103489"/>
+          </a:xfrm>
+          <a:prstGeom prst="rect">
+            <a:avLst/>
+          </a:prstGeom>
+          <a:noFill/>
+          <a:ln w="19050">
+            <a:solidFill>
+              <a:schemeClr val="accent6">
+                <a:lumMod val="60000"/>
+                <a:lumOff val="40000"/>
+              </a:schemeClr>
+            </a:solidFill>
+          </a:ln>
+        </p:spPr>
+        <p:style>
+          <a:lnRef idx="2">
+            <a:schemeClr val="accent1">
+              <a:shade val="15000"/>
+            </a:schemeClr>
+          </a:lnRef>
+          <a:fillRef idx="1">
+            <a:schemeClr val="accent1"/>
+          </a:fillRef>
+          <a:effectRef idx="0">
+            <a:schemeClr val="accent1"/>
+          </a:effectRef>
+          <a:fontRef idx="minor">
+            <a:schemeClr val="lt1"/>
+          </a:fontRef>
+        </p:style>
+        <p:txBody>
+          <a:bodyPr rtlCol="0" anchor="ctr"/>
+          <a:lstStyle/>
+          <a:p>
+            <a:pPr algn="ctr"/>
+            <a:endParaRPr lang="en-SG"/>
+          </a:p>
+        </p:txBody>
+      </p:sp>
+      <p:sp>
+        <p:nvSpPr>
+          <p:cNvPr id="54" name="TextBox 53">
+            <a:extLst>
+              <a:ext uri="{FF2B5EF4-FFF2-40B4-BE49-F238E27FC236}">
+                <a16:creationId xmlns:a16="http://schemas.microsoft.com/office/drawing/2014/main" id="{FCE2B56A-55B8-C5E8-E622-C9E65C8179E5}"/>
+              </a:ext>
+            </a:extLst>
+          </p:cNvPr>
+          <p:cNvSpPr txBox="1"/>
+          <p:nvPr/>
+        </p:nvSpPr>
+        <p:spPr>
+          <a:xfrm>
+            <a:off x="10234951" y="117093"/>
+            <a:ext cx="789596" cy="276999"/>
+          </a:xfrm>
+          <a:prstGeom prst="rect">
+            <a:avLst/>
+          </a:prstGeom>
+          <a:noFill/>
+        </p:spPr>
+        <p:txBody>
+          <a:bodyPr wrap="square" rtlCol="0">
+            <a:spAutoFit/>
+          </a:bodyPr>
+          <a:lstStyle/>
+          <a:p>
+            <a:pPr algn="ctr"/>
+            <a:r>
+              <a:rPr lang="en-SG" sz="1200" dirty="0"/>
+              <a:t>group 2</a:t>
+            </a:r>
+          </a:p>
+        </p:txBody>
+      </p:sp>
+      <p:sp>
+        <p:nvSpPr>
+          <p:cNvPr id="55" name="Rectangle 54">
+            <a:extLst>
+              <a:ext uri="{FF2B5EF4-FFF2-40B4-BE49-F238E27FC236}">
+                <a16:creationId xmlns:a16="http://schemas.microsoft.com/office/drawing/2014/main" id="{FED69D88-E7FB-63BD-46F7-53A366E15FC9}"/>
+              </a:ext>
+            </a:extLst>
+          </p:cNvPr>
+          <p:cNvSpPr/>
+          <p:nvPr/>
+        </p:nvSpPr>
+        <p:spPr>
+          <a:xfrm>
+            <a:off x="10944109" y="221268"/>
+            <a:ext cx="280249" cy="103489"/>
+          </a:xfrm>
+          <a:prstGeom prst="rect">
+            <a:avLst/>
+          </a:prstGeom>
+          <a:noFill/>
+          <a:ln w="19050">
+            <a:solidFill>
+              <a:schemeClr val="accent2">
+                <a:lumMod val="60000"/>
+                <a:lumOff val="40000"/>
+              </a:schemeClr>
+            </a:solidFill>
+          </a:ln>
+        </p:spPr>
+        <p:style>
+          <a:lnRef idx="2">
+            <a:schemeClr val="accent1">
+              <a:shade val="15000"/>
+            </a:schemeClr>
+          </a:lnRef>
+          <a:fillRef idx="1">
+            <a:schemeClr val="accent1"/>
+          </a:fillRef>
+          <a:effectRef idx="0">
+            <a:schemeClr val="accent1"/>
+          </a:effectRef>
+          <a:fontRef idx="minor">
+            <a:schemeClr val="lt1"/>
+          </a:fontRef>
+        </p:style>
+        <p:txBody>
+          <a:bodyPr rtlCol="0" anchor="ctr"/>
+          <a:lstStyle/>
+          <a:p>
+            <a:pPr algn="ctr"/>
+            <a:endParaRPr lang="en-SG"/>
+          </a:p>
+        </p:txBody>
+      </p:sp>
+      <p:sp>
+        <p:nvSpPr>
+          <p:cNvPr id="56" name="TextBox 55">
+            <a:extLst>
+              <a:ext uri="{FF2B5EF4-FFF2-40B4-BE49-F238E27FC236}">
+                <a16:creationId xmlns:a16="http://schemas.microsoft.com/office/drawing/2014/main" id="{25F3DE57-E091-9CEB-F537-613FDBAF863F}"/>
+              </a:ext>
+            </a:extLst>
+          </p:cNvPr>
+          <p:cNvSpPr txBox="1"/>
+          <p:nvPr/>
+        </p:nvSpPr>
+        <p:spPr>
+          <a:xfrm>
+            <a:off x="11143673" y="117093"/>
+            <a:ext cx="789596" cy="276999"/>
+          </a:xfrm>
+          <a:prstGeom prst="rect">
+            <a:avLst/>
+          </a:prstGeom>
+          <a:noFill/>
+        </p:spPr>
+        <p:txBody>
+          <a:bodyPr wrap="square" rtlCol="0">
+            <a:spAutoFit/>
+          </a:bodyPr>
+          <a:lstStyle/>
+          <a:p>
+            <a:pPr algn="ctr"/>
+            <a:r>
+              <a:rPr lang="en-SG" sz="1200" dirty="0"/>
+              <a:t>group 3</a:t>
+            </a:r>
+          </a:p>
+        </p:txBody>
+      </p:sp>
+      <p:sp>
+        <p:nvSpPr>
+          <p:cNvPr id="57" name="TextBox 56">
+            <a:extLst>
+              <a:ext uri="{FF2B5EF4-FFF2-40B4-BE49-F238E27FC236}">
+                <a16:creationId xmlns:a16="http://schemas.microsoft.com/office/drawing/2014/main" id="{F0B9E0BC-1D65-E935-D606-500DF4796784}"/>
+              </a:ext>
+            </a:extLst>
+          </p:cNvPr>
+          <p:cNvSpPr txBox="1"/>
+          <p:nvPr/>
+        </p:nvSpPr>
+        <p:spPr>
+          <a:xfrm>
+            <a:off x="8357250" y="3947824"/>
+            <a:ext cx="3470568" cy="2862322"/>
+          </a:xfrm>
+          <a:prstGeom prst="rect">
+            <a:avLst/>
+          </a:prstGeom>
+          <a:noFill/>
+        </p:spPr>
+        <p:txBody>
+          <a:bodyPr wrap="square" rtlCol="0">
+            <a:spAutoFit/>
+          </a:bodyPr>
+          <a:lstStyle/>
+          <a:p>
+            <a:r>
+              <a:rPr lang="en-SG" sz="1200" b="1" dirty="0"/>
+              <a:t>Objects/object groups information:</a:t>
+            </a:r>
+          </a:p>
+          <a:p>
+            <a:r>
+              <a:rPr lang="en-SG" sz="1200" dirty="0"/>
+              <a:t>group 0: 1 mobile crane</a:t>
+            </a:r>
+          </a:p>
+          <a:p>
+            <a:r>
+              <a:rPr lang="en-SG" sz="1200" dirty="0"/>
+              <a:t>group 1: 1 small car</a:t>
+            </a:r>
+          </a:p>
+          <a:p>
+            <a:r>
+              <a:rPr lang="en-SG" sz="1200" dirty="0"/>
+              <a:t>group 2: 1 truck with flatbed</a:t>
+            </a:r>
+          </a:p>
+          <a:p>
+            <a:r>
+              <a:rPr lang="en-SG" sz="1200" dirty="0"/>
+              <a:t>group 3: 5 building</a:t>
+            </a:r>
+            <a:endParaRPr lang="en-SG" sz="1200" b="1" dirty="0"/>
+          </a:p>
+          <a:p>
+            <a:r>
+              <a:rPr lang="en-SG" sz="1200" b="1" dirty="0"/>
+              <a:t>Significant geographical relations:</a:t>
+            </a:r>
+          </a:p>
+          <a:p>
+            <a:r>
+              <a:rPr lang="en-SG" sz="1200" dirty="0"/>
+              <a:t>group 0 is far from other objects</a:t>
+            </a:r>
+          </a:p>
+          <a:p>
+            <a:r>
+              <a:rPr lang="en-SG" sz="1200" dirty="0"/>
+              <a:t>group 1 is surrounded by group 3</a:t>
+            </a:r>
+          </a:p>
+          <a:p>
+            <a:r>
+              <a:rPr lang="en-SG" sz="1200" dirty="0"/>
+              <a:t>group 2 is close to group 3</a:t>
+            </a:r>
+          </a:p>
+          <a:p>
+            <a:r>
+              <a:rPr lang="en-SG" sz="1200" b="1" dirty="0"/>
+              <a:t>Captions created:</a:t>
+            </a:r>
+          </a:p>
+          <a:p>
+            <a:r>
+              <a:rPr lang="en-SG" sz="1200" dirty="0"/>
+              <a:t>The image contains a mobile crane, a small car, a flatbed truck, and several buildings.</a:t>
+            </a:r>
+          </a:p>
+          <a:p>
+            <a:r>
+              <a:rPr lang="en-SG" sz="1200" dirty="0"/>
+              <a:t>A mobile crane stands alone far from other objects.</a:t>
+            </a:r>
+          </a:p>
+          <a:p>
+            <a:r>
+              <a:rPr lang="en-SG" sz="1200" dirty="0"/>
+              <a:t>A small car is surrounded by several buildings. </a:t>
+            </a:r>
+          </a:p>
+          <a:p>
+            <a:r>
+              <a:rPr lang="en-SG" sz="1200" dirty="0"/>
+              <a:t>A flatbed truck is located near buildings.</a:t>
             </a:r>
           </a:p>
         </p:txBody>
@@ -9103,7 +11587,7 @@
     </p:spTree>
     <p:extLst>
       <p:ext uri="{BB962C8B-B14F-4D97-AF65-F5344CB8AC3E}">
-        <p14:creationId xmlns:p14="http://schemas.microsoft.com/office/powerpoint/2010/main" val="1655751527"/>
+        <p14:creationId xmlns:p14="http://schemas.microsoft.com/office/powerpoint/2010/main" val="123007456"/>
       </p:ext>
     </p:extLst>
   </p:cSld>
@@ -9132,10 +11616,10 @@
       </p:grpSpPr>
       <p:sp>
         <p:nvSpPr>
-          <p:cNvPr id="2" name="Rectangle 1">
-            <a:extLst>
-              <a:ext uri="{FF2B5EF4-FFF2-40B4-BE49-F238E27FC236}">
-                <a16:creationId xmlns:a16="http://schemas.microsoft.com/office/drawing/2014/main" id="{81AAA260-1A5E-19C7-C291-7FB5A92613F6}"/>
+          <p:cNvPr id="7" name="Rectangle: Rounded Corners 6">
+            <a:extLst>
+              <a:ext uri="{FF2B5EF4-FFF2-40B4-BE49-F238E27FC236}">
+                <a16:creationId xmlns:a16="http://schemas.microsoft.com/office/drawing/2014/main" id="{99007F93-9441-4BA6-E28A-F5FFBF84245D}"/>
               </a:ext>
             </a:extLst>
           </p:cNvPr>
@@ -9144,21 +11628,33 @@
         </p:nvSpPr>
         <p:spPr>
           <a:xfrm>
-            <a:off x="3155577" y="1050378"/>
-            <a:ext cx="2814918" cy="3542114"/>
-          </a:xfrm>
-          <a:prstGeom prst="rect">
-            <a:avLst/>
-          </a:prstGeom>
-          <a:noFill/>
-          <a:ln w="19050">
-            <a:prstDash val="dashDot"/>
+            <a:off x="1343594" y="719858"/>
+            <a:ext cx="9075292" cy="4924426"/>
+          </a:xfrm>
+          <a:prstGeom prst="roundRect">
+            <a:avLst>
+              <a:gd name="adj" fmla="val 2208"/>
+            </a:avLst>
+          </a:prstGeom>
+          <a:solidFill>
+            <a:schemeClr val="accent6">
+              <a:lumMod val="40000"/>
+              <a:lumOff val="60000"/>
+            </a:schemeClr>
+          </a:solidFill>
+          <a:ln>
+            <a:solidFill>
+              <a:schemeClr val="accent6">
+                <a:lumMod val="40000"/>
+                <a:lumOff val="60000"/>
+              </a:schemeClr>
+            </a:solidFill>
           </a:ln>
         </p:spPr>
         <p:style>
           <a:lnRef idx="2">
             <a:schemeClr val="accent1">
-              <a:shade val="50000"/>
+              <a:shade val="15000"/>
             </a:schemeClr>
           </a:lnRef>
           <a:fillRef idx="1">
@@ -9176,88 +11672,19 @@
           <a:lstStyle/>
           <a:p>
             <a:pPr algn="ctr"/>
-            <a:endParaRPr lang="en-SG"/>
-          </a:p>
-        </p:txBody>
-      </p:sp>
-      <p:sp>
-        <p:nvSpPr>
-          <p:cNvPr id="3" name="TextBox 2">
-            <a:extLst>
-              <a:ext uri="{FF2B5EF4-FFF2-40B4-BE49-F238E27FC236}">
-                <a16:creationId xmlns:a16="http://schemas.microsoft.com/office/drawing/2014/main" id="{7A4010C4-0E6B-D0C3-F436-1737CA909EAF}"/>
-              </a:ext>
-            </a:extLst>
-          </p:cNvPr>
-          <p:cNvSpPr txBox="1"/>
-          <p:nvPr/>
-        </p:nvSpPr>
-        <p:spPr>
-          <a:xfrm>
-            <a:off x="3240741" y="4690628"/>
-            <a:ext cx="2447365" cy="369332"/>
-          </a:xfrm>
-          <a:prstGeom prst="rect">
-            <a:avLst/>
-          </a:prstGeom>
-          <a:noFill/>
-        </p:spPr>
-        <p:txBody>
-          <a:bodyPr wrap="square" rtlCol="0">
-            <a:spAutoFit/>
-          </a:bodyPr>
-          <a:lstStyle/>
-          <a:p>
-            <a:pPr algn="ctr"/>
-            <a:r>
-              <a:rPr lang="en-SG" dirty="0"/>
-              <a:t>Prompting</a:t>
-            </a:r>
-          </a:p>
-        </p:txBody>
-      </p:sp>
-      <p:sp>
-        <p:nvSpPr>
-          <p:cNvPr id="6" name="TextBox 5">
-            <a:extLst>
-              <a:ext uri="{FF2B5EF4-FFF2-40B4-BE49-F238E27FC236}">
-                <a16:creationId xmlns:a16="http://schemas.microsoft.com/office/drawing/2014/main" id="{9ECA0197-C21D-CF13-640C-9108B0041B10}"/>
-              </a:ext>
-            </a:extLst>
-          </p:cNvPr>
-          <p:cNvSpPr txBox="1"/>
-          <p:nvPr/>
-        </p:nvSpPr>
-        <p:spPr>
-          <a:xfrm>
-            <a:off x="7153448" y="4690628"/>
-            <a:ext cx="2447365" cy="369332"/>
-          </a:xfrm>
-          <a:prstGeom prst="rect">
-            <a:avLst/>
-          </a:prstGeom>
-          <a:noFill/>
-        </p:spPr>
-        <p:txBody>
-          <a:bodyPr wrap="square" rtlCol="0">
-            <a:spAutoFit/>
-          </a:bodyPr>
-          <a:lstStyle/>
-          <a:p>
-            <a:pPr algn="ctr"/>
-            <a:r>
-              <a:rPr lang="en-SG" dirty="0"/>
-              <a:t>Verification</a:t>
-            </a:r>
-          </a:p>
-        </p:txBody>
-      </p:sp>
-      <p:sp>
-        <p:nvSpPr>
-          <p:cNvPr id="7" name="Rectangle 6">
-            <a:extLst>
-              <a:ext uri="{FF2B5EF4-FFF2-40B4-BE49-F238E27FC236}">
-                <a16:creationId xmlns:a16="http://schemas.microsoft.com/office/drawing/2014/main" id="{6C422647-D373-D019-908D-7C5277CDA90E}"/>
+            <a:endParaRPr lang="en-SG">
+              <a:latin typeface="Arial" panose="020B0604020202020204" pitchFamily="34" charset="0"/>
+              <a:cs typeface="Arial" panose="020B0604020202020204" pitchFamily="34" charset="0"/>
+            </a:endParaRPr>
+          </a:p>
+        </p:txBody>
+      </p:sp>
+      <p:sp>
+        <p:nvSpPr>
+          <p:cNvPr id="4" name="Rectangle: Rounded Corners 3">
+            <a:extLst>
+              <a:ext uri="{FF2B5EF4-FFF2-40B4-BE49-F238E27FC236}">
+                <a16:creationId xmlns:a16="http://schemas.microsoft.com/office/drawing/2014/main" id="{B032595F-B547-85C0-DBD3-E2F114184DAC}"/>
               </a:ext>
             </a:extLst>
           </p:cNvPr>
@@ -9266,21 +11693,33 @@
         </p:nvSpPr>
         <p:spPr>
           <a:xfrm>
-            <a:off x="10147660" y="1050378"/>
-            <a:ext cx="1972623" cy="3542114"/>
-          </a:xfrm>
-          <a:prstGeom prst="rect">
-            <a:avLst/>
-          </a:prstGeom>
-          <a:noFill/>
-          <a:ln w="19050">
-            <a:prstDash val="dashDot"/>
+            <a:off x="1343594" y="104476"/>
+            <a:ext cx="9075291" cy="492443"/>
+          </a:xfrm>
+          <a:prstGeom prst="roundRect">
+            <a:avLst>
+              <a:gd name="adj" fmla="val 26589"/>
+            </a:avLst>
+          </a:prstGeom>
+          <a:solidFill>
+            <a:schemeClr val="accent1">
+              <a:lumMod val="40000"/>
+              <a:lumOff val="60000"/>
+            </a:schemeClr>
+          </a:solidFill>
+          <a:ln>
+            <a:solidFill>
+              <a:schemeClr val="accent1">
+                <a:lumMod val="40000"/>
+                <a:lumOff val="60000"/>
+              </a:schemeClr>
+            </a:solidFill>
           </a:ln>
         </p:spPr>
         <p:style>
           <a:lnRef idx="2">
             <a:schemeClr val="accent1">
-              <a:shade val="50000"/>
+              <a:shade val="15000"/>
             </a:schemeClr>
           </a:lnRef>
           <a:fillRef idx="1">
@@ -9298,16 +11737,19 @@
           <a:lstStyle/>
           <a:p>
             <a:pPr algn="ctr"/>
-            <a:endParaRPr lang="en-SG"/>
-          </a:p>
-        </p:txBody>
-      </p:sp>
-      <p:sp>
-        <p:nvSpPr>
-          <p:cNvPr id="8" name="TextBox 7">
-            <a:extLst>
-              <a:ext uri="{FF2B5EF4-FFF2-40B4-BE49-F238E27FC236}">
-                <a16:creationId xmlns:a16="http://schemas.microsoft.com/office/drawing/2014/main" id="{63E98F56-79BC-E5DF-2F24-6C6CAB22FA95}"/>
+            <a:endParaRPr lang="en-SG">
+              <a:latin typeface="Arial" panose="020B0604020202020204" pitchFamily="34" charset="0"/>
+              <a:cs typeface="Arial" panose="020B0604020202020204" pitchFamily="34" charset="0"/>
+            </a:endParaRPr>
+          </a:p>
+        </p:txBody>
+      </p:sp>
+      <p:sp>
+        <p:nvSpPr>
+          <p:cNvPr id="5" name="TextBox 4">
+            <a:extLst>
+              <a:ext uri="{FF2B5EF4-FFF2-40B4-BE49-F238E27FC236}">
+                <a16:creationId xmlns:a16="http://schemas.microsoft.com/office/drawing/2014/main" id="{D372A4CF-A73B-57E0-CBFE-C1F0DB6048AB}"/>
               </a:ext>
             </a:extLst>
           </p:cNvPr>
@@ -9316,8 +11758,8 @@
         </p:nvSpPr>
         <p:spPr>
           <a:xfrm>
-            <a:off x="10407441" y="4694494"/>
-            <a:ext cx="1659054" cy="369332"/>
+            <a:off x="1453335" y="104476"/>
+            <a:ext cx="8710573" cy="492443"/>
           </a:xfrm>
           <a:prstGeom prst="rect">
             <a:avLst/>
@@ -9331,255 +11773,320 @@
           <a:lstStyle/>
           <a:p>
             <a:r>
-              <a:rPr lang="en-SG" dirty="0"/>
-              <a:t>Augmentation</a:t>
-            </a:r>
-          </a:p>
-        </p:txBody>
-      </p:sp>
-      <p:pic>
-        <p:nvPicPr>
-          <p:cNvPr id="9" name="Picture 8">
-            <a:extLst>
-              <a:ext uri="{FF2B5EF4-FFF2-40B4-BE49-F238E27FC236}">
-                <a16:creationId xmlns:a16="http://schemas.microsoft.com/office/drawing/2014/main" id="{7DE84D44-0D7B-15F0-DF73-DB50C104B26A}"/>
-              </a:ext>
-            </a:extLst>
-          </p:cNvPr>
-          <p:cNvPicPr>
-            <a:picLocks noChangeAspect="1"/>
-          </p:cNvPicPr>
-          <p:nvPr/>
-        </p:nvPicPr>
-        <p:blipFill>
-          <a:blip r:embed="rId2">
-            <a:extLst>
-              <a:ext uri="{28A0092B-C50C-407E-A947-70E740481C1C}">
-                <a14:useLocalDpi xmlns:a14="http://schemas.microsoft.com/office/drawing/2010/main" val="0"/>
-              </a:ext>
-            </a:extLst>
-          </a:blip>
-          <a:stretch>
-            <a:fillRect/>
-          </a:stretch>
-        </p:blipFill>
-        <p:spPr>
-          <a:xfrm>
-            <a:off x="-125505" y="1293135"/>
-            <a:ext cx="12192000" cy="3107921"/>
-          </a:xfrm>
-          <a:prstGeom prst="rect">
-            <a:avLst/>
-          </a:prstGeom>
-        </p:spPr>
-      </p:pic>
-      <p:sp>
-        <p:nvSpPr>
-          <p:cNvPr id="12" name="Text Placeholder 2">
-            <a:extLst>
-              <a:ext uri="{FF2B5EF4-FFF2-40B4-BE49-F238E27FC236}">
-                <a16:creationId xmlns:a16="http://schemas.microsoft.com/office/drawing/2014/main" id="{F8AAE666-DC31-0195-FDA9-972BB091BA81}"/>
-              </a:ext>
-            </a:extLst>
-          </p:cNvPr>
-          <p:cNvSpPr txBox="1">
-            <a:spLocks/>
-          </p:cNvSpPr>
-          <p:nvPr/>
-        </p:nvSpPr>
-        <p:spPr>
-          <a:xfrm>
-            <a:off x="337677" y="340741"/>
-            <a:ext cx="11277599" cy="387798"/>
-          </a:xfrm>
-          <a:prstGeom prst="rect">
-            <a:avLst/>
-          </a:prstGeom>
-        </p:spPr>
-        <p:txBody>
-          <a:bodyPr/>
-          <a:lstStyle>
-            <a:lvl1pPr marL="228600" indent="-228600" algn="l" defTabSz="914400" rtl="0" eaLnBrk="1" latinLnBrk="0" hangingPunct="1">
-              <a:lnSpc>
-                <a:spcPct val="90000"/>
-              </a:lnSpc>
-              <a:spcBef>
-                <a:spcPts val="1000"/>
-              </a:spcBef>
-              <a:buFont typeface="Arial" panose="020B0604020202020204" pitchFamily="34" charset="0"/>
-              <a:buChar char="•"/>
-              <a:defRPr sz="2800" kern="1200">
-                <a:solidFill>
-                  <a:schemeClr val="tx1"/>
-                </a:solidFill>
-                <a:latin typeface="+mn-lt"/>
-                <a:ea typeface="+mn-ea"/>
-                <a:cs typeface="+mn-cs"/>
-              </a:defRPr>
-            </a:lvl1pPr>
-            <a:lvl2pPr marL="685800" indent="-228600" algn="l" defTabSz="914400" rtl="0" eaLnBrk="1" latinLnBrk="0" hangingPunct="1">
-              <a:lnSpc>
-                <a:spcPct val="90000"/>
-              </a:lnSpc>
-              <a:spcBef>
-                <a:spcPts val="500"/>
-              </a:spcBef>
-              <a:buFont typeface="Arial" panose="020B0604020202020204" pitchFamily="34" charset="0"/>
-              <a:buChar char="•"/>
-              <a:defRPr sz="2400" kern="1200">
-                <a:solidFill>
-                  <a:schemeClr val="tx1"/>
-                </a:solidFill>
-                <a:latin typeface="+mn-lt"/>
-                <a:ea typeface="+mn-ea"/>
-                <a:cs typeface="+mn-cs"/>
-              </a:defRPr>
-            </a:lvl2pPr>
-            <a:lvl3pPr marL="1143000" indent="-228600" algn="l" defTabSz="914400" rtl="0" eaLnBrk="1" latinLnBrk="0" hangingPunct="1">
-              <a:lnSpc>
-                <a:spcPct val="90000"/>
-              </a:lnSpc>
-              <a:spcBef>
-                <a:spcPts val="500"/>
-              </a:spcBef>
-              <a:buFont typeface="Arial" panose="020B0604020202020204" pitchFamily="34" charset="0"/>
-              <a:buChar char="•"/>
-              <a:defRPr sz="2000" kern="1200">
-                <a:solidFill>
-                  <a:schemeClr val="tx1"/>
-                </a:solidFill>
-                <a:latin typeface="+mn-lt"/>
-                <a:ea typeface="+mn-ea"/>
-                <a:cs typeface="+mn-cs"/>
-              </a:defRPr>
-            </a:lvl3pPr>
-            <a:lvl4pPr marL="1600200" indent="-228600" algn="l" defTabSz="914400" rtl="0" eaLnBrk="1" latinLnBrk="0" hangingPunct="1">
-              <a:lnSpc>
-                <a:spcPct val="90000"/>
-              </a:lnSpc>
-              <a:spcBef>
-                <a:spcPts val="500"/>
-              </a:spcBef>
-              <a:buFont typeface="Arial" panose="020B0604020202020204" pitchFamily="34" charset="0"/>
-              <a:buChar char="•"/>
-              <a:defRPr sz="1800" kern="1200">
-                <a:solidFill>
-                  <a:schemeClr val="tx1"/>
-                </a:solidFill>
-                <a:latin typeface="+mn-lt"/>
-                <a:ea typeface="+mn-ea"/>
-                <a:cs typeface="+mn-cs"/>
-              </a:defRPr>
-            </a:lvl4pPr>
-            <a:lvl5pPr marL="2057400" indent="-228600" algn="l" defTabSz="914400" rtl="0" eaLnBrk="1" latinLnBrk="0" hangingPunct="1">
-              <a:lnSpc>
-                <a:spcPct val="90000"/>
-              </a:lnSpc>
-              <a:spcBef>
-                <a:spcPts val="500"/>
-              </a:spcBef>
-              <a:buFont typeface="Arial" panose="020B0604020202020204" pitchFamily="34" charset="0"/>
-              <a:buChar char="•"/>
-              <a:defRPr sz="1800" kern="1200">
-                <a:solidFill>
-                  <a:schemeClr val="tx1"/>
-                </a:solidFill>
-                <a:latin typeface="+mn-lt"/>
-                <a:ea typeface="+mn-ea"/>
-                <a:cs typeface="+mn-cs"/>
-              </a:defRPr>
-            </a:lvl5pPr>
-            <a:lvl6pPr marL="2514600" indent="-228600" algn="l" defTabSz="914400" rtl="0" eaLnBrk="1" latinLnBrk="0" hangingPunct="1">
-              <a:lnSpc>
-                <a:spcPct val="90000"/>
-              </a:lnSpc>
-              <a:spcBef>
-                <a:spcPts val="500"/>
-              </a:spcBef>
-              <a:buFont typeface="Arial" panose="020B0604020202020204" pitchFamily="34" charset="0"/>
-              <a:buChar char="•"/>
-              <a:defRPr sz="1800" kern="1200">
-                <a:solidFill>
-                  <a:schemeClr val="tx1"/>
-                </a:solidFill>
-                <a:latin typeface="+mn-lt"/>
-                <a:ea typeface="+mn-ea"/>
-                <a:cs typeface="+mn-cs"/>
-              </a:defRPr>
-            </a:lvl6pPr>
-            <a:lvl7pPr marL="2971800" indent="-228600" algn="l" defTabSz="914400" rtl="0" eaLnBrk="1" latinLnBrk="0" hangingPunct="1">
-              <a:lnSpc>
-                <a:spcPct val="90000"/>
-              </a:lnSpc>
-              <a:spcBef>
-                <a:spcPts val="500"/>
-              </a:spcBef>
-              <a:buFont typeface="Arial" panose="020B0604020202020204" pitchFamily="34" charset="0"/>
-              <a:buChar char="•"/>
-              <a:defRPr sz="1800" kern="1200">
-                <a:solidFill>
-                  <a:schemeClr val="tx1"/>
-                </a:solidFill>
-                <a:latin typeface="+mn-lt"/>
-                <a:ea typeface="+mn-ea"/>
-                <a:cs typeface="+mn-cs"/>
-              </a:defRPr>
-            </a:lvl7pPr>
-            <a:lvl8pPr marL="3429000" indent="-228600" algn="l" defTabSz="914400" rtl="0" eaLnBrk="1" latinLnBrk="0" hangingPunct="1">
-              <a:lnSpc>
-                <a:spcPct val="90000"/>
-              </a:lnSpc>
-              <a:spcBef>
-                <a:spcPts val="500"/>
-              </a:spcBef>
-              <a:buFont typeface="Arial" panose="020B0604020202020204" pitchFamily="34" charset="0"/>
-              <a:buChar char="•"/>
-              <a:defRPr sz="1800" kern="1200">
-                <a:solidFill>
-                  <a:schemeClr val="tx1"/>
-                </a:solidFill>
-                <a:latin typeface="+mn-lt"/>
-                <a:ea typeface="+mn-ea"/>
-                <a:cs typeface="+mn-cs"/>
-              </a:defRPr>
-            </a:lvl8pPr>
-            <a:lvl9pPr marL="3886200" indent="-228600" algn="l" defTabSz="914400" rtl="0" eaLnBrk="1" latinLnBrk="0" hangingPunct="1">
-              <a:lnSpc>
-                <a:spcPct val="90000"/>
-              </a:lnSpc>
-              <a:spcBef>
-                <a:spcPts val="500"/>
-              </a:spcBef>
-              <a:buFont typeface="Arial" panose="020B0604020202020204" pitchFamily="34" charset="0"/>
-              <a:buChar char="•"/>
-              <a:defRPr sz="1800" kern="1200">
-                <a:solidFill>
-                  <a:schemeClr val="tx1"/>
-                </a:solidFill>
-                <a:latin typeface="+mn-lt"/>
-                <a:ea typeface="+mn-ea"/>
-                <a:cs typeface="+mn-cs"/>
-              </a:defRPr>
-            </a:lvl9pPr>
-          </a:lstStyle>
-          <a:p>
-            <a:pPr marL="0" indent="0">
-              <a:buNone/>
-            </a:pPr>
-            <a:r>
-              <a:rPr lang="en-SG" dirty="0"/>
-              <a:t>Data Collection Process</a:t>
-            </a:r>
-            <a:endParaRPr lang="en-US" dirty="0"/>
-          </a:p>
-        </p:txBody>
-      </p:sp>
-      <p:sp>
-        <p:nvSpPr>
-          <p:cNvPr id="5" name="Rectangle 4">
-            <a:extLst>
-              <a:ext uri="{FF2B5EF4-FFF2-40B4-BE49-F238E27FC236}">
-                <a16:creationId xmlns:a16="http://schemas.microsoft.com/office/drawing/2014/main" id="{D1AB1728-50EF-096C-4F80-83D7D4BFBE3A}"/>
+              <a:rPr lang="en-SG" sz="1400" b="1" dirty="0">
+                <a:latin typeface="Arial" panose="020B0604020202020204" pitchFamily="34" charset="0"/>
+                <a:cs typeface="Arial" panose="020B0604020202020204" pitchFamily="34" charset="0"/>
+              </a:rPr>
+              <a:t>System message</a:t>
+            </a:r>
+            <a:r>
+              <a:rPr lang="en-SG" sz="1400" dirty="0">
+                <a:latin typeface="Arial" panose="020B0604020202020204" pitchFamily="34" charset="0"/>
+                <a:cs typeface="Arial" panose="020B0604020202020204" pitchFamily="34" charset="0"/>
+              </a:rPr>
+              <a:t>:</a:t>
+            </a:r>
+          </a:p>
+          <a:p>
+            <a:r>
+              <a:rPr lang="en-SG" sz="1200" dirty="0">
+                <a:latin typeface="Arial" panose="020B0604020202020204" pitchFamily="34" charset="0"/>
+                <a:cs typeface="Arial" panose="020B0604020202020204" pitchFamily="34" charset="0"/>
+              </a:rPr>
+              <a:t>Today is 13-09-2023, you are a helpful assistant who is proficient at reading satellite images. </a:t>
+            </a:r>
+          </a:p>
+        </p:txBody>
+      </p:sp>
+      <p:sp>
+        <p:nvSpPr>
+          <p:cNvPr id="6" name="TextBox 5">
+            <a:extLst>
+              <a:ext uri="{FF2B5EF4-FFF2-40B4-BE49-F238E27FC236}">
+                <a16:creationId xmlns:a16="http://schemas.microsoft.com/office/drawing/2014/main" id="{F4A75181-F89C-94E4-A70E-E3AF58F22216}"/>
+              </a:ext>
+            </a:extLst>
+          </p:cNvPr>
+          <p:cNvSpPr txBox="1"/>
+          <p:nvPr/>
+        </p:nvSpPr>
+        <p:spPr>
+          <a:xfrm>
+            <a:off x="1453335" y="729206"/>
+            <a:ext cx="8965550" cy="4924425"/>
+          </a:xfrm>
+          <a:prstGeom prst="rect">
+            <a:avLst/>
+          </a:prstGeom>
+          <a:noFill/>
+        </p:spPr>
+        <p:txBody>
+          <a:bodyPr wrap="square" rtlCol="0">
+            <a:spAutoFit/>
+          </a:bodyPr>
+          <a:lstStyle/>
+          <a:p>
+            <a:r>
+              <a:rPr lang="en-SG" sz="1400" b="1" dirty="0">
+                <a:latin typeface="Arial" panose="020B0604020202020204" pitchFamily="34" charset="0"/>
+                <a:cs typeface="Arial" panose="020B0604020202020204" pitchFamily="34" charset="0"/>
+              </a:rPr>
+              <a:t>Instruction</a:t>
+            </a:r>
+            <a:r>
+              <a:rPr lang="en-SG" sz="1400" dirty="0">
+                <a:latin typeface="Arial" panose="020B0604020202020204" pitchFamily="34" charset="0"/>
+                <a:cs typeface="Arial" panose="020B0604020202020204" pitchFamily="34" charset="0"/>
+              </a:rPr>
+              <a:t>:</a:t>
+            </a:r>
+          </a:p>
+          <a:p>
+            <a:r>
+              <a:rPr lang="en-SG" sz="1200" dirty="0">
+                <a:latin typeface="Arial" panose="020B0604020202020204" pitchFamily="34" charset="0"/>
+                <a:cs typeface="Arial" panose="020B0604020202020204" pitchFamily="34" charset="0"/>
+              </a:rPr>
+              <a:t>You will be provided with description of a satellite image. Please provide several captions as strings in a python list. The image has multiple objects, which have been clustered into groups based on their types and locations. </a:t>
+            </a:r>
+            <a:br>
+              <a:rPr lang="en-SG" sz="1200" dirty="0">
+                <a:latin typeface="Arial" panose="020B0604020202020204" pitchFamily="34" charset="0"/>
+                <a:cs typeface="Arial" panose="020B0604020202020204" pitchFamily="34" charset="0"/>
+              </a:rPr>
+            </a:br>
+            <a:r>
+              <a:rPr lang="en-SG" sz="1200" dirty="0">
+                <a:latin typeface="Arial" panose="020B0604020202020204" pitchFamily="34" charset="0"/>
+                <a:cs typeface="Arial" panose="020B0604020202020204" pitchFamily="34" charset="0"/>
+              </a:rPr>
+              <a:t>Here are some examples:</a:t>
+            </a:r>
+            <a:br>
+              <a:rPr lang="en-SG" sz="1200" dirty="0">
+                <a:latin typeface="Arial" panose="020B0604020202020204" pitchFamily="34" charset="0"/>
+                <a:cs typeface="Arial" panose="020B0604020202020204" pitchFamily="34" charset="0"/>
+              </a:rPr>
+            </a:br>
+            <a:br>
+              <a:rPr lang="en-SG" sz="1200" dirty="0">
+                <a:latin typeface="Arial" panose="020B0604020202020204" pitchFamily="34" charset="0"/>
+                <a:cs typeface="Arial" panose="020B0604020202020204" pitchFamily="34" charset="0"/>
+              </a:rPr>
+            </a:br>
+            <a:r>
+              <a:rPr lang="en-SG" sz="1200" dirty="0">
+                <a:latin typeface="Arial" panose="020B0604020202020204" pitchFamily="34" charset="0"/>
+                <a:cs typeface="Arial" panose="020B0604020202020204" pitchFamily="34" charset="0"/>
+              </a:rPr>
+              <a:t># example image description 1:</a:t>
+            </a:r>
+            <a:br>
+              <a:rPr lang="en-SG" sz="1200" dirty="0">
+                <a:latin typeface="Arial" panose="020B0604020202020204" pitchFamily="34" charset="0"/>
+                <a:cs typeface="Arial" panose="020B0604020202020204" pitchFamily="34" charset="0"/>
+              </a:rPr>
+            </a:br>
+            <a:r>
+              <a:rPr lang="en-SG" sz="1200" dirty="0">
+                <a:latin typeface="Arial" panose="020B0604020202020204" pitchFamily="34" charset="0"/>
+                <a:cs typeface="Arial" panose="020B0604020202020204" pitchFamily="34" charset="0"/>
+              </a:rPr>
+              <a:t>## objects/object groups information</a:t>
+            </a:r>
+            <a:br>
+              <a:rPr lang="en-SG" sz="1200" dirty="0">
+                <a:latin typeface="Arial" panose="020B0604020202020204" pitchFamily="34" charset="0"/>
+                <a:cs typeface="Arial" panose="020B0604020202020204" pitchFamily="34" charset="0"/>
+              </a:rPr>
+            </a:br>
+            <a:r>
+              <a:rPr lang="en-SG" sz="1200" dirty="0">
+                <a:latin typeface="Arial" panose="020B0604020202020204" pitchFamily="34" charset="0"/>
+                <a:cs typeface="Arial" panose="020B0604020202020204" pitchFamily="34" charset="0"/>
+              </a:rPr>
+              <a:t>group 0: 1 damaged building</a:t>
+            </a:r>
+            <a:br>
+              <a:rPr lang="en-SG" sz="1200" dirty="0">
+                <a:latin typeface="Arial" panose="020B0604020202020204" pitchFamily="34" charset="0"/>
+                <a:cs typeface="Arial" panose="020B0604020202020204" pitchFamily="34" charset="0"/>
+              </a:rPr>
+            </a:br>
+            <a:r>
+              <a:rPr lang="en-SG" sz="1200" dirty="0">
+                <a:latin typeface="Arial" panose="020B0604020202020204" pitchFamily="34" charset="0"/>
+                <a:cs typeface="Arial" panose="020B0604020202020204" pitchFamily="34" charset="0"/>
+              </a:rPr>
+              <a:t>group 1: a line of 5 building</a:t>
+            </a:r>
+            <a:br>
+              <a:rPr lang="en-SG" sz="1200" dirty="0">
+                <a:latin typeface="Arial" panose="020B0604020202020204" pitchFamily="34" charset="0"/>
+                <a:cs typeface="Arial" panose="020B0604020202020204" pitchFamily="34" charset="0"/>
+              </a:rPr>
+            </a:br>
+            <a:r>
+              <a:rPr lang="en-SG" sz="1200" dirty="0">
+                <a:latin typeface="Arial" panose="020B0604020202020204" pitchFamily="34" charset="0"/>
+                <a:cs typeface="Arial" panose="020B0604020202020204" pitchFamily="34" charset="0"/>
+              </a:rPr>
+              <a:t>group 2: a line of 3 building</a:t>
+            </a:r>
+            <a:br>
+              <a:rPr lang="en-SG" sz="1200" dirty="0">
+                <a:latin typeface="Arial" panose="020B0604020202020204" pitchFamily="34" charset="0"/>
+                <a:cs typeface="Arial" panose="020B0604020202020204" pitchFamily="34" charset="0"/>
+              </a:rPr>
+            </a:br>
+            <a:br>
+              <a:rPr lang="en-SG" sz="1200" dirty="0">
+                <a:latin typeface="Arial" panose="020B0604020202020204" pitchFamily="34" charset="0"/>
+                <a:cs typeface="Arial" panose="020B0604020202020204" pitchFamily="34" charset="0"/>
+              </a:rPr>
+            </a:br>
+            <a:r>
+              <a:rPr lang="en-SG" sz="1200" dirty="0">
+                <a:latin typeface="Arial" panose="020B0604020202020204" pitchFamily="34" charset="0"/>
+                <a:cs typeface="Arial" panose="020B0604020202020204" pitchFamily="34" charset="0"/>
+              </a:rPr>
+              <a:t>## significant geographical relations</a:t>
+            </a:r>
+            <a:br>
+              <a:rPr lang="en-SG" sz="1200" dirty="0">
+                <a:latin typeface="Arial" panose="020B0604020202020204" pitchFamily="34" charset="0"/>
+                <a:cs typeface="Arial" panose="020B0604020202020204" pitchFamily="34" charset="0"/>
+              </a:rPr>
+            </a:br>
+            <a:r>
+              <a:rPr lang="en-SG" sz="1200" dirty="0">
+                <a:latin typeface="Arial" panose="020B0604020202020204" pitchFamily="34" charset="0"/>
+                <a:cs typeface="Arial" panose="020B0604020202020204" pitchFamily="34" charset="0"/>
+              </a:rPr>
+              <a:t>group 2 is next to group 0</a:t>
+            </a:r>
+            <a:br>
+              <a:rPr lang="en-SG" sz="1200" dirty="0">
+                <a:latin typeface="Arial" panose="020B0604020202020204" pitchFamily="34" charset="0"/>
+                <a:cs typeface="Arial" panose="020B0604020202020204" pitchFamily="34" charset="0"/>
+              </a:rPr>
+            </a:br>
+            <a:br>
+              <a:rPr lang="en-SG" sz="1200" dirty="0">
+                <a:latin typeface="Arial" panose="020B0604020202020204" pitchFamily="34" charset="0"/>
+                <a:cs typeface="Arial" panose="020B0604020202020204" pitchFamily="34" charset="0"/>
+              </a:rPr>
+            </a:br>
+            <a:r>
+              <a:rPr lang="en-SG" sz="1200" dirty="0">
+                <a:latin typeface="Arial" panose="020B0604020202020204" pitchFamily="34" charset="0"/>
+                <a:cs typeface="Arial" panose="020B0604020202020204" pitchFamily="34" charset="0"/>
+              </a:rPr>
+              <a:t>## captions</a:t>
+            </a:r>
+            <a:br>
+              <a:rPr lang="en-SG" sz="1200" dirty="0">
+                <a:latin typeface="Arial" panose="020B0604020202020204" pitchFamily="34" charset="0"/>
+                <a:cs typeface="Arial" panose="020B0604020202020204" pitchFamily="34" charset="0"/>
+              </a:rPr>
+            </a:br>
+            <a:r>
+              <a:rPr lang="en-SG" sz="1200" dirty="0">
+                <a:latin typeface="Arial" panose="020B0604020202020204" pitchFamily="34" charset="0"/>
+                <a:cs typeface="Arial" panose="020B0604020202020204" pitchFamily="34" charset="0"/>
+              </a:rPr>
+              <a:t>["There are two lines of buildings in the image.", "A damaged building is next to a line of buildings in the image"]</a:t>
+            </a:r>
+          </a:p>
+          <a:p>
+            <a:endParaRPr lang="en-SG" sz="1200" dirty="0">
+              <a:latin typeface="Arial" panose="020B0604020202020204" pitchFamily="34" charset="0"/>
+              <a:cs typeface="Arial" panose="020B0604020202020204" pitchFamily="34" charset="0"/>
+            </a:endParaRPr>
+          </a:p>
+          <a:p>
+            <a:r>
+              <a:rPr lang="en-SG" sz="1200" dirty="0">
+                <a:latin typeface="Arial" panose="020B0604020202020204" pitchFamily="34" charset="0"/>
+                <a:cs typeface="Arial" panose="020B0604020202020204" pitchFamily="34" charset="0"/>
+              </a:rPr>
+              <a:t># real image description:</a:t>
+            </a:r>
+          </a:p>
+          <a:p>
+            <a:r>
+              <a:rPr lang="en-SG" sz="1200" dirty="0">
+                <a:latin typeface="Arial" panose="020B0604020202020204" pitchFamily="34" charset="0"/>
+                <a:cs typeface="Arial" panose="020B0604020202020204" pitchFamily="34" charset="0"/>
+              </a:rPr>
+              <a:t>## objects/object groups information</a:t>
+            </a:r>
+          </a:p>
+          <a:p>
+            <a:r>
+              <a:rPr lang="en-SG" sz="1200" dirty="0">
+                <a:latin typeface="Arial" panose="020B0604020202020204" pitchFamily="34" charset="0"/>
+                <a:cs typeface="Arial" panose="020B0604020202020204" pitchFamily="34" charset="0"/>
+              </a:rPr>
+              <a:t>group 0: 1 truck</a:t>
+            </a:r>
+          </a:p>
+          <a:p>
+            <a:r>
+              <a:rPr lang="en-SG" sz="1200" dirty="0">
+                <a:latin typeface="Arial" panose="020B0604020202020204" pitchFamily="34" charset="0"/>
+                <a:cs typeface="Arial" panose="020B0604020202020204" pitchFamily="34" charset="0"/>
+              </a:rPr>
+              <a:t>group 1: a line of 4 building</a:t>
+            </a:r>
+          </a:p>
+          <a:p>
+            <a:endParaRPr lang="en-SG" sz="1200" dirty="0">
+              <a:latin typeface="Arial" panose="020B0604020202020204" pitchFamily="34" charset="0"/>
+              <a:cs typeface="Arial" panose="020B0604020202020204" pitchFamily="34" charset="0"/>
+            </a:endParaRPr>
+          </a:p>
+          <a:p>
+            <a:r>
+              <a:rPr lang="en-SG" sz="1200" dirty="0">
+                <a:latin typeface="Arial" panose="020B0604020202020204" pitchFamily="34" charset="0"/>
+                <a:cs typeface="Arial" panose="020B0604020202020204" pitchFamily="34" charset="0"/>
+              </a:rPr>
+              <a:t>## significant geographical relations</a:t>
+            </a:r>
+          </a:p>
+          <a:p>
+            <a:r>
+              <a:rPr lang="en-SG" sz="1200" dirty="0">
+                <a:latin typeface="Arial" panose="020B0604020202020204" pitchFamily="34" charset="0"/>
+                <a:cs typeface="Arial" panose="020B0604020202020204" pitchFamily="34" charset="0"/>
+              </a:rPr>
+              <a:t>group 1 is far from other objects</a:t>
+            </a:r>
+          </a:p>
+          <a:p>
+            <a:endParaRPr lang="en-SG" sz="1200" dirty="0">
+              <a:latin typeface="Arial" panose="020B0604020202020204" pitchFamily="34" charset="0"/>
+              <a:cs typeface="Arial" panose="020B0604020202020204" pitchFamily="34" charset="0"/>
+            </a:endParaRPr>
+          </a:p>
+          <a:p>
+            <a:r>
+              <a:rPr lang="en-SG" sz="1200" dirty="0">
+                <a:latin typeface="Arial" panose="020B0604020202020204" pitchFamily="34" charset="0"/>
+                <a:cs typeface="Arial" panose="020B0604020202020204" pitchFamily="34" charset="0"/>
+              </a:rPr>
+              <a:t>## captions</a:t>
+            </a:r>
+          </a:p>
+        </p:txBody>
+      </p:sp>
+      <p:sp>
+        <p:nvSpPr>
+          <p:cNvPr id="9" name="Rectangle: Rounded Corners 8">
+            <a:extLst>
+              <a:ext uri="{FF2B5EF4-FFF2-40B4-BE49-F238E27FC236}">
+                <a16:creationId xmlns:a16="http://schemas.microsoft.com/office/drawing/2014/main" id="{4BC6331A-E4B4-C2C5-7208-6153679EE3C4}"/>
               </a:ext>
             </a:extLst>
           </p:cNvPr>
@@ -9588,21 +12095,33 @@
         </p:nvSpPr>
         <p:spPr>
           <a:xfrm>
-            <a:off x="6391057" y="1050378"/>
-            <a:ext cx="3532096" cy="3542114"/>
-          </a:xfrm>
-          <a:prstGeom prst="rect">
-            <a:avLst/>
-          </a:prstGeom>
-          <a:noFill/>
-          <a:ln w="19050">
-            <a:prstDash val="dashDot"/>
+            <a:off x="1343593" y="5899638"/>
+            <a:ext cx="9075292" cy="677108"/>
+          </a:xfrm>
+          <a:prstGeom prst="roundRect">
+            <a:avLst>
+              <a:gd name="adj" fmla="val 13589"/>
+            </a:avLst>
+          </a:prstGeom>
+          <a:solidFill>
+            <a:schemeClr val="accent4">
+              <a:lumMod val="20000"/>
+              <a:lumOff val="80000"/>
+            </a:schemeClr>
+          </a:solidFill>
+          <a:ln>
+            <a:solidFill>
+              <a:schemeClr val="accent4">
+                <a:lumMod val="20000"/>
+                <a:lumOff val="80000"/>
+              </a:schemeClr>
+            </a:solidFill>
           </a:ln>
         </p:spPr>
         <p:style>
           <a:lnRef idx="2">
             <a:schemeClr val="accent1">
-              <a:shade val="50000"/>
+              <a:shade val="15000"/>
             </a:schemeClr>
           </a:lnRef>
           <a:fillRef idx="1">
@@ -9620,16 +12139,19 @@
           <a:lstStyle/>
           <a:p>
             <a:pPr algn="ctr"/>
-            <a:endParaRPr lang="en-SG"/>
-          </a:p>
-        </p:txBody>
-      </p:sp>
-      <p:sp>
-        <p:nvSpPr>
-          <p:cNvPr id="14" name="TextBox 13">
-            <a:extLst>
-              <a:ext uri="{FF2B5EF4-FFF2-40B4-BE49-F238E27FC236}">
-                <a16:creationId xmlns:a16="http://schemas.microsoft.com/office/drawing/2014/main" id="{26F32CC9-550D-791C-66CE-7B700AA0813C}"/>
+            <a:endParaRPr lang="en-SG">
+              <a:latin typeface="Arial" panose="020B0604020202020204" pitchFamily="34" charset="0"/>
+              <a:cs typeface="Arial" panose="020B0604020202020204" pitchFamily="34" charset="0"/>
+            </a:endParaRPr>
+          </a:p>
+        </p:txBody>
+      </p:sp>
+      <p:sp>
+        <p:nvSpPr>
+          <p:cNvPr id="10" name="TextBox 9">
+            <a:extLst>
+              <a:ext uri="{FF2B5EF4-FFF2-40B4-BE49-F238E27FC236}">
+                <a16:creationId xmlns:a16="http://schemas.microsoft.com/office/drawing/2014/main" id="{2A428084-385D-1C9C-360F-9D120EA45AFD}"/>
               </a:ext>
             </a:extLst>
           </p:cNvPr>
@@ -9638,8 +12160,8 @@
         </p:nvSpPr>
         <p:spPr>
           <a:xfrm>
-            <a:off x="337677" y="4690628"/>
-            <a:ext cx="1930394" cy="369332"/>
+            <a:off x="1453335" y="5882572"/>
+            <a:ext cx="8710573" cy="677108"/>
           </a:xfrm>
           <a:prstGeom prst="rect">
             <a:avLst/>
@@ -9653,171 +12175,36 @@
           <a:lstStyle/>
           <a:p>
             <a:r>
-              <a:rPr lang="en-SG" dirty="0"/>
-              <a:t>Prompt selection</a:t>
-            </a:r>
-          </a:p>
-        </p:txBody>
-      </p:sp>
-      <p:sp>
-        <p:nvSpPr>
-          <p:cNvPr id="15" name="Rectangle 14">
-            <a:extLst>
-              <a:ext uri="{FF2B5EF4-FFF2-40B4-BE49-F238E27FC236}">
-                <a16:creationId xmlns:a16="http://schemas.microsoft.com/office/drawing/2014/main" id="{51A0CAA5-A754-895C-8266-56EC5EDB0882}"/>
-              </a:ext>
-            </a:extLst>
-          </p:cNvPr>
-          <p:cNvSpPr/>
-          <p:nvPr/>
-        </p:nvSpPr>
-        <p:spPr>
-          <a:xfrm>
-            <a:off x="130378" y="1050378"/>
-            <a:ext cx="2814918" cy="3542114"/>
-          </a:xfrm>
-          <a:prstGeom prst="rect">
-            <a:avLst/>
-          </a:prstGeom>
-          <a:noFill/>
-          <a:ln w="19050">
-            <a:prstDash val="dashDot"/>
-          </a:ln>
-        </p:spPr>
-        <p:style>
-          <a:lnRef idx="2">
-            <a:schemeClr val="accent1">
-              <a:shade val="50000"/>
-            </a:schemeClr>
-          </a:lnRef>
-          <a:fillRef idx="1">
-            <a:schemeClr val="accent1"/>
-          </a:fillRef>
-          <a:effectRef idx="0">
-            <a:schemeClr val="accent1"/>
-          </a:effectRef>
-          <a:fontRef idx="minor">
-            <a:schemeClr val="lt1"/>
-          </a:fontRef>
-        </p:style>
-        <p:txBody>
-          <a:bodyPr rtlCol="0" anchor="ctr"/>
-          <a:lstStyle/>
-          <a:p>
-            <a:pPr algn="ctr"/>
-            <a:endParaRPr lang="en-SG"/>
-          </a:p>
-        </p:txBody>
-      </p:sp>
-      <p:sp>
-        <p:nvSpPr>
-          <p:cNvPr id="17" name="TextBox 16">
-            <a:extLst>
-              <a:ext uri="{FF2B5EF4-FFF2-40B4-BE49-F238E27FC236}">
-                <a16:creationId xmlns:a16="http://schemas.microsoft.com/office/drawing/2014/main" id="{56202C21-E5B1-0B5E-072B-EF13AADB1F45}"/>
-              </a:ext>
-            </a:extLst>
-          </p:cNvPr>
-          <p:cNvSpPr txBox="1"/>
-          <p:nvPr/>
-        </p:nvSpPr>
-        <p:spPr>
-          <a:xfrm>
-            <a:off x="4110318" y="5807622"/>
-            <a:ext cx="905435" cy="369332"/>
-          </a:xfrm>
-          <a:prstGeom prst="rect">
-            <a:avLst/>
-          </a:prstGeom>
-          <a:noFill/>
-        </p:spPr>
-        <p:txBody>
-          <a:bodyPr wrap="square" rtlCol="0">
-            <a:spAutoFit/>
-          </a:bodyPr>
-          <a:lstStyle/>
-          <a:p>
-            <a:r>
-              <a:rPr lang="en-SG" dirty="0"/>
-              <a:t>63.67</a:t>
-            </a:r>
-          </a:p>
-        </p:txBody>
-      </p:sp>
-      <p:sp>
-        <p:nvSpPr>
-          <p:cNvPr id="19" name="TextBox 18">
-            <a:extLst>
-              <a:ext uri="{FF2B5EF4-FFF2-40B4-BE49-F238E27FC236}">
-                <a16:creationId xmlns:a16="http://schemas.microsoft.com/office/drawing/2014/main" id="{FB850648-8D67-90B6-133D-7CEC8F9E786A}"/>
-              </a:ext>
-            </a:extLst>
-          </p:cNvPr>
-          <p:cNvSpPr txBox="1"/>
-          <p:nvPr/>
-        </p:nvSpPr>
-        <p:spPr>
-          <a:xfrm>
-            <a:off x="7901611" y="5807622"/>
-            <a:ext cx="785190" cy="369332"/>
-          </a:xfrm>
-          <a:prstGeom prst="rect">
-            <a:avLst/>
-          </a:prstGeom>
-          <a:noFill/>
-        </p:spPr>
-        <p:txBody>
-          <a:bodyPr wrap="square" rtlCol="0">
-            <a:spAutoFit/>
-          </a:bodyPr>
-          <a:lstStyle/>
-          <a:p>
-            <a:r>
-              <a:rPr lang="en-SG" dirty="0"/>
-              <a:t>90.09</a:t>
-            </a:r>
-          </a:p>
-        </p:txBody>
-      </p:sp>
-      <p:sp>
-        <p:nvSpPr>
-          <p:cNvPr id="20" name="TextBox 19">
-            <a:extLst>
-              <a:ext uri="{FF2B5EF4-FFF2-40B4-BE49-F238E27FC236}">
-                <a16:creationId xmlns:a16="http://schemas.microsoft.com/office/drawing/2014/main" id="{784DE7DB-7686-6082-677F-DEA3A3C633BA}"/>
-              </a:ext>
-            </a:extLst>
-          </p:cNvPr>
-          <p:cNvSpPr txBox="1"/>
-          <p:nvPr/>
-        </p:nvSpPr>
-        <p:spPr>
-          <a:xfrm>
-            <a:off x="186446" y="5669122"/>
-            <a:ext cx="3332592" cy="646331"/>
-          </a:xfrm>
-          <a:prstGeom prst="rect">
-            <a:avLst/>
-          </a:prstGeom>
-          <a:noFill/>
-        </p:spPr>
-        <p:txBody>
-          <a:bodyPr wrap="square" rtlCol="0">
-            <a:spAutoFit/>
-          </a:bodyPr>
-          <a:lstStyle/>
-          <a:p>
-            <a:r>
-              <a:rPr lang="en-SG" dirty="0"/>
-              <a:t>Similarity between GPT captions and manual labels (</a:t>
-            </a:r>
-            <a:r>
-              <a:rPr lang="en-SG" dirty="0" err="1"/>
-              <a:t>CIDEr</a:t>
-            </a:r>
-            <a:r>
-              <a:rPr lang="en-SG" dirty="0"/>
-              <a:t>)</a:t>
+              <a:rPr lang="en-SG" sz="1400" b="1" dirty="0">
+                <a:latin typeface="Arial" panose="020B0604020202020204" pitchFamily="34" charset="0"/>
+                <a:cs typeface="Arial" panose="020B0604020202020204" pitchFamily="34" charset="0"/>
+              </a:rPr>
+              <a:t>Response</a:t>
+            </a:r>
+            <a:r>
+              <a:rPr lang="en-SG" sz="1400" dirty="0">
+                <a:latin typeface="Arial" panose="020B0604020202020204" pitchFamily="34" charset="0"/>
+                <a:cs typeface="Arial" panose="020B0604020202020204" pitchFamily="34" charset="0"/>
+              </a:rPr>
+              <a:t>:</a:t>
+            </a:r>
+          </a:p>
+          <a:p>
+            <a:r>
+              <a:rPr lang="en-SG" sz="1200" dirty="0">
+                <a:latin typeface="Arial" panose="020B0604020202020204" pitchFamily="34" charset="0"/>
+                <a:cs typeface="Arial" panose="020B0604020202020204" pitchFamily="34" charset="0"/>
+              </a:rPr>
+              <a:t>["There is a truck and a line of four buildings in the image.",</a:t>
+            </a:r>
+          </a:p>
+          <a:p>
+            <a:r>
+              <a:rPr lang="en-SG" sz="1200" dirty="0">
+                <a:latin typeface="Arial" panose="020B0604020202020204" pitchFamily="34" charset="0"/>
+                <a:cs typeface="Arial" panose="020B0604020202020204" pitchFamily="34" charset="0"/>
+              </a:rPr>
+              <a:t>"The line of buildings is quite far from the truck and other objects."]</a:t>
             </a:r>
           </a:p>
         </p:txBody>
@@ -9825,7 +12212,7 @@
     </p:spTree>
     <p:extLst>
       <p:ext uri="{BB962C8B-B14F-4D97-AF65-F5344CB8AC3E}">
-        <p14:creationId xmlns:p14="http://schemas.microsoft.com/office/powerpoint/2010/main" val="1519528061"/>
+        <p14:creationId xmlns:p14="http://schemas.microsoft.com/office/powerpoint/2010/main" val="1655751527"/>
       </p:ext>
     </p:extLst>
   </p:cSld>
